--- a/epsych_v2_design.pptx
+++ b/epsych_v2_design.pptx
@@ -913,8 +913,8 @@
           <a:pPr algn="ctr"/>
           <a:r>
             <a:rPr lang="en-US" sz="2000" b="0" dirty="0">
-              <a:latin typeface="Aharoni" panose="020B0604020202020204" pitchFamily="2" charset="-79"/>
-              <a:cs typeface="Aharoni" panose="020B0604020202020204" pitchFamily="2" charset="-79"/>
+              <a:latin typeface="Arial" panose="020B0604020202020204" pitchFamily="34" charset="0"/>
+              <a:cs typeface="Arial" panose="020B0604020202020204" pitchFamily="34" charset="0"/>
             </a:rPr>
             <a:t>RUNTIME</a:t>
           </a:r>
@@ -930,8 +930,8 @@
         <a:p>
           <a:pPr algn="ctr"/>
           <a:endParaRPr lang="en-US" sz="2000" b="0">
-            <a:latin typeface="Aharoni" panose="020B0604020202020204" pitchFamily="2" charset="-79"/>
-            <a:cs typeface="Aharoni" panose="020B0604020202020204" pitchFamily="2" charset="-79"/>
+            <a:latin typeface="Arial" panose="020B0604020202020204" pitchFamily="34" charset="0"/>
+            <a:cs typeface="Arial" panose="020B0604020202020204" pitchFamily="34" charset="0"/>
           </a:endParaRPr>
         </a:p>
       </dgm:t>
@@ -945,8 +945,8 @@
         <a:p>
           <a:pPr algn="ctr"/>
           <a:endParaRPr lang="en-US" sz="2000" b="0">
-            <a:latin typeface="Aharoni" panose="020B0604020202020204" pitchFamily="2" charset="-79"/>
-            <a:cs typeface="Aharoni" panose="020B0604020202020204" pitchFamily="2" charset="-79"/>
+            <a:latin typeface="Arial" panose="020B0604020202020204" pitchFamily="34" charset="0"/>
+            <a:cs typeface="Arial" panose="020B0604020202020204" pitchFamily="34" charset="0"/>
           </a:endParaRPr>
         </a:p>
       </dgm:t>
@@ -961,11 +961,35 @@
           <a:pPr algn="ctr"/>
           <a:r>
             <a:rPr lang="en-US" sz="2000" b="0" dirty="0">
-              <a:latin typeface="Aharoni" panose="020B0604020202020204" pitchFamily="2" charset="-79"/>
-              <a:cs typeface="Aharoni" panose="020B0604020202020204" pitchFamily="2" charset="-79"/>
+              <a:latin typeface="Arial" panose="020B0604020202020204" pitchFamily="34" charset="0"/>
+              <a:cs typeface="Arial" panose="020B0604020202020204" pitchFamily="34" charset="0"/>
             </a:rPr>
             <a:t>Subject</a:t>
           </a:r>
+        </a:p>
+        <a:p>
+          <a:pPr algn="ctr"/>
+          <a:r>
+            <a:rPr lang="en-US" sz="1200" b="0" dirty="0">
+              <a:latin typeface="Arial" panose="020B0604020202020204" pitchFamily="34" charset="0"/>
+              <a:cs typeface="Arial" panose="020B0604020202020204" pitchFamily="34" charset="0"/>
+            </a:rPr>
+            <a:t>Identifying &amp; descriptive information</a:t>
+          </a:r>
+        </a:p>
+        <a:p>
+          <a:pPr algn="ctr"/>
+          <a:r>
+            <a:rPr lang="en-US" sz="1200" b="0" dirty="0">
+              <a:latin typeface="Arial" panose="020B0604020202020204" pitchFamily="34" charset="0"/>
+              <a:cs typeface="Arial" panose="020B0604020202020204" pitchFamily="34" charset="0"/>
+            </a:rPr>
+            <a:t>Subject-specific protocols</a:t>
+          </a:r>
+          <a:endParaRPr lang="en-US" sz="2000" b="0" dirty="0">
+            <a:latin typeface="Arial" panose="020B0604020202020204" pitchFamily="34" charset="0"/>
+            <a:cs typeface="Arial" panose="020B0604020202020204" pitchFamily="34" charset="0"/>
+          </a:endParaRPr>
         </a:p>
       </dgm:t>
     </dgm:pt>
@@ -978,8 +1002,8 @@
         <a:p>
           <a:pPr algn="ctr"/>
           <a:endParaRPr lang="en-US" sz="2000" b="0">
-            <a:latin typeface="Aharoni" panose="020B0604020202020204" pitchFamily="2" charset="-79"/>
-            <a:cs typeface="Aharoni" panose="020B0604020202020204" pitchFamily="2" charset="-79"/>
+            <a:latin typeface="Arial" panose="020B0604020202020204" pitchFamily="34" charset="0"/>
+            <a:cs typeface="Arial" panose="020B0604020202020204" pitchFamily="34" charset="0"/>
           </a:endParaRPr>
         </a:p>
       </dgm:t>
@@ -993,8 +1017,8 @@
         <a:p>
           <a:pPr algn="ctr"/>
           <a:endParaRPr lang="en-US" sz="2000" b="0">
-            <a:latin typeface="Aharoni" panose="020B0604020202020204" pitchFamily="2" charset="-79"/>
-            <a:cs typeface="Aharoni" panose="020B0604020202020204" pitchFamily="2" charset="-79"/>
+            <a:latin typeface="Arial" panose="020B0604020202020204" pitchFamily="34" charset="0"/>
+            <a:cs typeface="Arial" panose="020B0604020202020204" pitchFamily="34" charset="0"/>
           </a:endParaRPr>
         </a:p>
       </dgm:t>
@@ -1009,10 +1033,20 @@
           <a:pPr algn="ctr"/>
           <a:r>
             <a:rPr lang="en-US" sz="2000" b="0" dirty="0">
-              <a:latin typeface="Aharoni" panose="020B0604020202020204" pitchFamily="2" charset="-79"/>
-              <a:cs typeface="Aharoni" panose="020B0604020202020204" pitchFamily="2" charset="-79"/>
+              <a:latin typeface="Arial" panose="020B0604020202020204" pitchFamily="34" charset="0"/>
+              <a:cs typeface="Arial" panose="020B0604020202020204" pitchFamily="34" charset="0"/>
             </a:rPr>
             <a:t>Hardware</a:t>
+          </a:r>
+        </a:p>
+        <a:p>
+          <a:pPr algn="ctr"/>
+          <a:r>
+            <a:rPr lang="en-US" sz="1200" b="0" dirty="0">
+              <a:latin typeface="Arial" panose="020B0604020202020204" pitchFamily="34" charset="0"/>
+              <a:cs typeface="Arial" panose="020B0604020202020204" pitchFamily="34" charset="0"/>
+            </a:rPr>
+            <a:t>Abstraction layer</a:t>
           </a:r>
         </a:p>
       </dgm:t>
@@ -1026,8 +1060,8 @@
         <a:p>
           <a:pPr algn="ctr"/>
           <a:endParaRPr lang="en-US" sz="2000" b="0">
-            <a:latin typeface="Aharoni" panose="020B0604020202020204" pitchFamily="2" charset="-79"/>
-            <a:cs typeface="Aharoni" panose="020B0604020202020204" pitchFamily="2" charset="-79"/>
+            <a:latin typeface="Arial" panose="020B0604020202020204" pitchFamily="34" charset="0"/>
+            <a:cs typeface="Arial" panose="020B0604020202020204" pitchFamily="34" charset="0"/>
           </a:endParaRPr>
         </a:p>
       </dgm:t>
@@ -1041,8 +1075,8 @@
         <a:p>
           <a:pPr algn="ctr"/>
           <a:endParaRPr lang="en-US" sz="2000" b="0">
-            <a:latin typeface="Aharoni" panose="020B0604020202020204" pitchFamily="2" charset="-79"/>
-            <a:cs typeface="Aharoni" panose="020B0604020202020204" pitchFamily="2" charset="-79"/>
+            <a:latin typeface="Arial" panose="020B0604020202020204" pitchFamily="34" charset="0"/>
+            <a:cs typeface="Arial" panose="020B0604020202020204" pitchFamily="34" charset="0"/>
           </a:endParaRPr>
         </a:p>
       </dgm:t>
@@ -1056,11 +1090,25 @@
         <a:p>
           <a:pPr algn="ctr"/>
           <a:r>
-            <a:rPr lang="en-US" sz="2000" b="0" dirty="0">
-              <a:latin typeface="Aharoni" panose="020B0604020202020204" pitchFamily="2" charset="-79"/>
-              <a:cs typeface="Aharoni" panose="020B0604020202020204" pitchFamily="2" charset="-79"/>
+            <a:rPr lang="en-US" sz="2000" b="0" dirty="0" err="1">
+              <a:latin typeface="Arial" panose="020B0604020202020204" pitchFamily="34" charset="0"/>
+              <a:cs typeface="Arial" panose="020B0604020202020204" pitchFamily="34" charset="0"/>
             </a:rPr>
-            <a:t>Config</a:t>
+            <a:t>RuntimeConfig</a:t>
+          </a:r>
+          <a:endParaRPr lang="en-US" sz="2000" b="0" dirty="0">
+            <a:latin typeface="Arial" panose="020B0604020202020204" pitchFamily="34" charset="0"/>
+            <a:cs typeface="Arial" panose="020B0604020202020204" pitchFamily="34" charset="0"/>
+          </a:endParaRPr>
+        </a:p>
+        <a:p>
+          <a:pPr algn="ctr"/>
+          <a:r>
+            <a:rPr lang="en-US" sz="1200" b="0" dirty="0">
+              <a:latin typeface="Arial" panose="020B0604020202020204" pitchFamily="34" charset="0"/>
+              <a:cs typeface="Arial" panose="020B0604020202020204" pitchFamily="34" charset="0"/>
+            </a:rPr>
+            <a:t>User customizations</a:t>
           </a:r>
         </a:p>
       </dgm:t>
@@ -1074,8 +1122,8 @@
         <a:p>
           <a:pPr algn="ctr"/>
           <a:endParaRPr lang="en-US" sz="2000" b="0">
-            <a:latin typeface="Aharoni" panose="020B0604020202020204" pitchFamily="2" charset="-79"/>
-            <a:cs typeface="Aharoni" panose="020B0604020202020204" pitchFamily="2" charset="-79"/>
+            <a:latin typeface="Arial" panose="020B0604020202020204" pitchFamily="34" charset="0"/>
+            <a:cs typeface="Arial" panose="020B0604020202020204" pitchFamily="34" charset="0"/>
           </a:endParaRPr>
         </a:p>
       </dgm:t>
@@ -1089,8 +1137,8 @@
         <a:p>
           <a:pPr algn="ctr"/>
           <a:endParaRPr lang="en-US" sz="2000" b="0">
-            <a:latin typeface="Aharoni" panose="020B0604020202020204" pitchFamily="2" charset="-79"/>
-            <a:cs typeface="Aharoni" panose="020B0604020202020204" pitchFamily="2" charset="-79"/>
+            <a:latin typeface="Arial" panose="020B0604020202020204" pitchFamily="34" charset="0"/>
+            <a:cs typeface="Arial" panose="020B0604020202020204" pitchFamily="34" charset="0"/>
           </a:endParaRPr>
         </a:p>
       </dgm:t>
@@ -1104,15 +1152,15 @@
         <a:p>
           <a:pPr algn="ctr"/>
           <a:r>
-            <a:rPr lang="en-US" sz="2000" b="0">
-              <a:latin typeface="Aharoni" panose="020B0604020202020204" pitchFamily="2" charset="-79"/>
-              <a:cs typeface="Aharoni" panose="020B0604020202020204" pitchFamily="2" charset="-79"/>
+            <a:rPr lang="en-US" sz="2000" b="0" dirty="0" err="1">
+              <a:latin typeface="Arial" panose="020B0604020202020204" pitchFamily="34" charset="0"/>
+              <a:cs typeface="Arial" panose="020B0604020202020204" pitchFamily="34" charset="0"/>
             </a:rPr>
             <a:t>TDTActiveX</a:t>
           </a:r>
           <a:endParaRPr lang="en-US" sz="2000" b="0" dirty="0">
-            <a:latin typeface="Aharoni" panose="020B0604020202020204" pitchFamily="2" charset="-79"/>
-            <a:cs typeface="Aharoni" panose="020B0604020202020204" pitchFamily="2" charset="-79"/>
+            <a:latin typeface="Arial" panose="020B0604020202020204" pitchFamily="34" charset="0"/>
+            <a:cs typeface="Arial" panose="020B0604020202020204" pitchFamily="34" charset="0"/>
           </a:endParaRPr>
         </a:p>
       </dgm:t>
@@ -1130,8 +1178,8 @@
         <a:p>
           <a:pPr algn="ctr"/>
           <a:endParaRPr lang="en-US" sz="2000" b="0">
-            <a:latin typeface="Aharoni" panose="020B0604020202020204" pitchFamily="2" charset="-79"/>
-            <a:cs typeface="Aharoni" panose="020B0604020202020204" pitchFamily="2" charset="-79"/>
+            <a:latin typeface="Arial" panose="020B0604020202020204" pitchFamily="34" charset="0"/>
+            <a:cs typeface="Arial" panose="020B0604020202020204" pitchFamily="34" charset="0"/>
           </a:endParaRPr>
         </a:p>
       </dgm:t>
@@ -1145,8 +1193,8 @@
         <a:p>
           <a:pPr algn="ctr"/>
           <a:endParaRPr lang="en-US" sz="2000" b="0">
-            <a:latin typeface="Aharoni" panose="020B0604020202020204" pitchFamily="2" charset="-79"/>
-            <a:cs typeface="Aharoni" panose="020B0604020202020204" pitchFamily="2" charset="-79"/>
+            <a:latin typeface="Arial" panose="020B0604020202020204" pitchFamily="34" charset="0"/>
+            <a:cs typeface="Arial" panose="020B0604020202020204" pitchFamily="34" charset="0"/>
           </a:endParaRPr>
         </a:p>
       </dgm:t>
@@ -1161,14 +1209,14 @@
           <a:pPr algn="ctr"/>
           <a:r>
             <a:rPr lang="en-US" sz="2000" b="0" dirty="0" err="1">
-              <a:latin typeface="Aharoni" panose="020B0604020202020204" pitchFamily="2" charset="-79"/>
-              <a:cs typeface="Aharoni" panose="020B0604020202020204" pitchFamily="2" charset="-79"/>
+              <a:latin typeface="Arial" panose="020B0604020202020204" pitchFamily="34" charset="0"/>
+              <a:cs typeface="Arial" panose="020B0604020202020204" pitchFamily="34" charset="0"/>
             </a:rPr>
             <a:t>TDTSynapse</a:t>
           </a:r>
           <a:endParaRPr lang="en-US" sz="2000" b="0" dirty="0">
-            <a:latin typeface="Aharoni" panose="020B0604020202020204" pitchFamily="2" charset="-79"/>
-            <a:cs typeface="Aharoni" panose="020B0604020202020204" pitchFamily="2" charset="-79"/>
+            <a:latin typeface="Arial" panose="020B0604020202020204" pitchFamily="34" charset="0"/>
+            <a:cs typeface="Arial" panose="020B0604020202020204" pitchFamily="34" charset="0"/>
           </a:endParaRPr>
         </a:p>
       </dgm:t>
@@ -1186,8 +1234,8 @@
         <a:p>
           <a:pPr algn="ctr"/>
           <a:endParaRPr lang="en-US" sz="2000" b="0">
-            <a:latin typeface="Aharoni" panose="020B0604020202020204" pitchFamily="2" charset="-79"/>
-            <a:cs typeface="Aharoni" panose="020B0604020202020204" pitchFamily="2" charset="-79"/>
+            <a:latin typeface="Arial" panose="020B0604020202020204" pitchFamily="34" charset="0"/>
+            <a:cs typeface="Arial" panose="020B0604020202020204" pitchFamily="34" charset="0"/>
           </a:endParaRPr>
         </a:p>
       </dgm:t>
@@ -1201,8 +1249,8 @@
         <a:p>
           <a:pPr algn="ctr"/>
           <a:endParaRPr lang="en-US" sz="2000" b="0">
-            <a:latin typeface="Aharoni" panose="020B0604020202020204" pitchFamily="2" charset="-79"/>
-            <a:cs typeface="Aharoni" panose="020B0604020202020204" pitchFamily="2" charset="-79"/>
+            <a:latin typeface="Arial" panose="020B0604020202020204" pitchFamily="34" charset="0"/>
+            <a:cs typeface="Arial" panose="020B0604020202020204" pitchFamily="34" charset="0"/>
           </a:endParaRPr>
         </a:p>
       </dgm:t>
@@ -1217,14 +1265,14 @@
           <a:pPr algn="ctr"/>
           <a:r>
             <a:rPr lang="en-US" sz="2000" b="0" dirty="0" err="1">
-              <a:latin typeface="Aharoni" panose="020B0604020202020204" pitchFamily="2" charset="-79"/>
-              <a:cs typeface="Aharoni" panose="020B0604020202020204" pitchFamily="2" charset="-79"/>
+              <a:latin typeface="Arial" panose="020B0604020202020204" pitchFamily="34" charset="0"/>
+              <a:cs typeface="Arial" panose="020B0604020202020204" pitchFamily="34" charset="0"/>
             </a:rPr>
             <a:t>NationalInstruments</a:t>
           </a:r>
           <a:endParaRPr lang="en-US" sz="2000" b="0" dirty="0">
-            <a:latin typeface="Aharoni" panose="020B0604020202020204" pitchFamily="2" charset="-79"/>
-            <a:cs typeface="Aharoni" panose="020B0604020202020204" pitchFamily="2" charset="-79"/>
+            <a:latin typeface="Arial" panose="020B0604020202020204" pitchFamily="34" charset="0"/>
+            <a:cs typeface="Arial" panose="020B0604020202020204" pitchFamily="34" charset="0"/>
           </a:endParaRPr>
         </a:p>
       </dgm:t>
@@ -1242,8 +1290,8 @@
         <a:p>
           <a:pPr algn="ctr"/>
           <a:endParaRPr lang="en-US" sz="2000" b="0">
-            <a:latin typeface="Aharoni" panose="020B0604020202020204" pitchFamily="2" charset="-79"/>
-            <a:cs typeface="Aharoni" panose="020B0604020202020204" pitchFamily="2" charset="-79"/>
+            <a:latin typeface="Arial" panose="020B0604020202020204" pitchFamily="34" charset="0"/>
+            <a:cs typeface="Arial" panose="020B0604020202020204" pitchFamily="34" charset="0"/>
           </a:endParaRPr>
         </a:p>
       </dgm:t>
@@ -1257,8 +1305,8 @@
         <a:p>
           <a:pPr algn="ctr"/>
           <a:endParaRPr lang="en-US" sz="2000" b="0">
-            <a:latin typeface="Aharoni" panose="020B0604020202020204" pitchFamily="2" charset="-79"/>
-            <a:cs typeface="Aharoni" panose="020B0604020202020204" pitchFamily="2" charset="-79"/>
+            <a:latin typeface="Arial" panose="020B0604020202020204" pitchFamily="34" charset="0"/>
+            <a:cs typeface="Arial" panose="020B0604020202020204" pitchFamily="34" charset="0"/>
           </a:endParaRPr>
         </a:p>
       </dgm:t>
@@ -1273,8 +1321,8 @@
           <a:pPr algn="ctr"/>
           <a:r>
             <a:rPr lang="en-US" sz="2000" b="0" dirty="0">
-              <a:latin typeface="Aharoni" panose="020B0604020202020204" pitchFamily="2" charset="-79"/>
-              <a:cs typeface="Aharoni" panose="020B0604020202020204" pitchFamily="2" charset="-79"/>
+              <a:latin typeface="Arial" panose="020B0604020202020204" pitchFamily="34" charset="0"/>
+              <a:cs typeface="Arial" panose="020B0604020202020204" pitchFamily="34" charset="0"/>
             </a:rPr>
             <a:t>Some new system interface…</a:t>
           </a:r>
@@ -1294,8 +1342,8 @@
         <a:p>
           <a:pPr algn="ctr"/>
           <a:endParaRPr lang="en-US" sz="2000" b="0">
-            <a:latin typeface="Aharoni" panose="020B0604020202020204" pitchFamily="2" charset="-79"/>
-            <a:cs typeface="Aharoni" panose="020B0604020202020204" pitchFamily="2" charset="-79"/>
+            <a:latin typeface="Arial" panose="020B0604020202020204" pitchFamily="34" charset="0"/>
+            <a:cs typeface="Arial" panose="020B0604020202020204" pitchFamily="34" charset="0"/>
           </a:endParaRPr>
         </a:p>
       </dgm:t>
@@ -1309,8 +1357,8 @@
         <a:p>
           <a:pPr algn="ctr"/>
           <a:endParaRPr lang="en-US" sz="2000" b="0">
-            <a:latin typeface="Aharoni" panose="020B0604020202020204" pitchFamily="2" charset="-79"/>
-            <a:cs typeface="Aharoni" panose="020B0604020202020204" pitchFamily="2" charset="-79"/>
+            <a:latin typeface="Arial" panose="020B0604020202020204" pitchFamily="34" charset="0"/>
+            <a:cs typeface="Arial" panose="020B0604020202020204" pitchFamily="34" charset="0"/>
           </a:endParaRPr>
         </a:p>
       </dgm:t>
@@ -1343,12 +1391,36 @@
       <dgm:prSet presAssocID="{92F16719-4314-4855-9060-5929ED43F413}" presName="level2hierChild" presStyleCnt="0"/>
       <dgm:spPr/>
     </dgm:pt>
+    <dgm:pt modelId="{452CAEC8-30FA-4E4A-A0CD-B145BF3AF42F}" type="pres">
+      <dgm:prSet presAssocID="{D00E739B-1489-4748-BCE8-C6F5BD364405}" presName="conn2-1" presStyleLbl="parChTrans1D2" presStyleIdx="0" presStyleCnt="3"/>
+      <dgm:spPr/>
+    </dgm:pt>
+    <dgm:pt modelId="{71A76CF3-AD04-4A62-A6F8-547099891DBE}" type="pres">
+      <dgm:prSet presAssocID="{D00E739B-1489-4748-BCE8-C6F5BD364405}" presName="connTx" presStyleLbl="parChTrans1D2" presStyleIdx="0" presStyleCnt="3"/>
+      <dgm:spPr/>
+    </dgm:pt>
+    <dgm:pt modelId="{648FD88E-1A7E-4AFB-8C7C-3AB3C527BB57}" type="pres">
+      <dgm:prSet presAssocID="{B81E2989-389E-4FCB-A58E-4C131C569AB8}" presName="root2" presStyleCnt="0"/>
+      <dgm:spPr/>
+    </dgm:pt>
+    <dgm:pt modelId="{8BFE763E-1F61-43EB-86C6-6758D7B275C0}" type="pres">
+      <dgm:prSet presAssocID="{B81E2989-389E-4FCB-A58E-4C131C569AB8}" presName="LevelTwoTextNode" presStyleLbl="node2" presStyleIdx="0" presStyleCnt="2">
+        <dgm:presLayoutVars>
+          <dgm:chPref val="3"/>
+        </dgm:presLayoutVars>
+      </dgm:prSet>
+      <dgm:spPr/>
+    </dgm:pt>
+    <dgm:pt modelId="{F74EABC8-8330-4BE5-985E-DFADAD390910}" type="pres">
+      <dgm:prSet presAssocID="{B81E2989-389E-4FCB-A58E-4C131C569AB8}" presName="level3hierChild" presStyleCnt="0"/>
+      <dgm:spPr/>
+    </dgm:pt>
     <dgm:pt modelId="{8F8123F4-E80D-407E-B824-28C40A5675FD}" type="pres">
-      <dgm:prSet presAssocID="{AE6F42EE-05BA-404B-9EB9-6795E6693D09}" presName="conn2-1" presStyleLbl="parChTrans1D2" presStyleIdx="0" presStyleCnt="3"/>
+      <dgm:prSet presAssocID="{AE6F42EE-05BA-404B-9EB9-6795E6693D09}" presName="conn2-1" presStyleLbl="parChTrans1D2" presStyleIdx="1" presStyleCnt="3"/>
       <dgm:spPr/>
     </dgm:pt>
     <dgm:pt modelId="{000A9F72-345C-4272-9599-355C5BF14E00}" type="pres">
-      <dgm:prSet presAssocID="{AE6F42EE-05BA-404B-9EB9-6795E6693D09}" presName="connTx" presStyleLbl="parChTrans1D2" presStyleIdx="0" presStyleCnt="3"/>
+      <dgm:prSet presAssocID="{AE6F42EE-05BA-404B-9EB9-6795E6693D09}" presName="connTx" presStyleLbl="parChTrans1D2" presStyleIdx="1" presStyleCnt="3"/>
       <dgm:spPr/>
     </dgm:pt>
     <dgm:pt modelId="{409554E5-22E2-45D9-AB39-8E38CD3905E8}" type="pres">
@@ -1368,11 +1440,11 @@
       <dgm:spPr/>
     </dgm:pt>
     <dgm:pt modelId="{34D9AAE3-5725-4E9F-BDDB-DEB9447AD4B3}" type="pres">
-      <dgm:prSet presAssocID="{58C21C66-1A24-49F9-9269-1FAE2381270D}" presName="conn2-1" presStyleLbl="parChTrans1D2" presStyleIdx="1" presStyleCnt="3"/>
+      <dgm:prSet presAssocID="{58C21C66-1A24-49F9-9269-1FAE2381270D}" presName="conn2-1" presStyleLbl="parChTrans1D2" presStyleIdx="2" presStyleCnt="3"/>
       <dgm:spPr/>
     </dgm:pt>
     <dgm:pt modelId="{0208604E-140B-40D2-A7E8-09F6F94BB223}" type="pres">
-      <dgm:prSet presAssocID="{58C21C66-1A24-49F9-9269-1FAE2381270D}" presName="connTx" presStyleLbl="parChTrans1D2" presStyleIdx="1" presStyleCnt="3"/>
+      <dgm:prSet presAssocID="{58C21C66-1A24-49F9-9269-1FAE2381270D}" presName="connTx" presStyleLbl="parChTrans1D2" presStyleIdx="2" presStyleCnt="3"/>
       <dgm:spPr/>
     </dgm:pt>
     <dgm:pt modelId="{2C359AD2-22D1-414E-AA84-7DED84EDFCBA}" type="pres">
@@ -1380,7 +1452,7 @@
       <dgm:spPr/>
     </dgm:pt>
     <dgm:pt modelId="{23C82D94-A270-4AB9-8A2D-D31F996A4AF1}" type="pres">
-      <dgm:prSet presAssocID="{D114562E-C9BE-49CB-A279-37874B8BFB98}" presName="LevelTwoTextNode" presStyleLbl="node2" presStyleIdx="0" presStyleCnt="2">
+      <dgm:prSet presAssocID="{D114562E-C9BE-49CB-A279-37874B8BFB98}" presName="LevelTwoTextNode" presStyleLbl="node2" presStyleIdx="1" presStyleCnt="2">
         <dgm:presLayoutVars>
           <dgm:chPref val="3"/>
         </dgm:presLayoutVars>
@@ -1487,101 +1559,77 @@
       <dgm:prSet presAssocID="{AB26AC4C-94D8-4E12-8FD2-335821A03BDC}" presName="level3hierChild" presStyleCnt="0"/>
       <dgm:spPr/>
     </dgm:pt>
-    <dgm:pt modelId="{452CAEC8-30FA-4E4A-A0CD-B145BF3AF42F}" type="pres">
-      <dgm:prSet presAssocID="{D00E739B-1489-4748-BCE8-C6F5BD364405}" presName="conn2-1" presStyleLbl="parChTrans1D2" presStyleIdx="2" presStyleCnt="3"/>
-      <dgm:spPr/>
-    </dgm:pt>
-    <dgm:pt modelId="{71A76CF3-AD04-4A62-A6F8-547099891DBE}" type="pres">
-      <dgm:prSet presAssocID="{D00E739B-1489-4748-BCE8-C6F5BD364405}" presName="connTx" presStyleLbl="parChTrans1D2" presStyleIdx="2" presStyleCnt="3"/>
-      <dgm:spPr/>
-    </dgm:pt>
-    <dgm:pt modelId="{648FD88E-1A7E-4AFB-8C7C-3AB3C527BB57}" type="pres">
-      <dgm:prSet presAssocID="{B81E2989-389E-4FCB-A58E-4C131C569AB8}" presName="root2" presStyleCnt="0"/>
-      <dgm:spPr/>
-    </dgm:pt>
-    <dgm:pt modelId="{8BFE763E-1F61-43EB-86C6-6758D7B275C0}" type="pres">
-      <dgm:prSet presAssocID="{B81E2989-389E-4FCB-A58E-4C131C569AB8}" presName="LevelTwoTextNode" presStyleLbl="node2" presStyleIdx="1" presStyleCnt="2">
-        <dgm:presLayoutVars>
-          <dgm:chPref val="3"/>
-        </dgm:presLayoutVars>
-      </dgm:prSet>
-      <dgm:spPr/>
-    </dgm:pt>
-    <dgm:pt modelId="{F74EABC8-8330-4BE5-985E-DFADAD390910}" type="pres">
-      <dgm:prSet presAssocID="{B81E2989-389E-4FCB-A58E-4C131C569AB8}" presName="level3hierChild" presStyleCnt="0"/>
-      <dgm:spPr/>
-    </dgm:pt>
   </dgm:ptLst>
   <dgm:cxnLst>
-    <dgm:cxn modelId="{F622B50B-1A32-40B5-A070-DAC803961B5A}" type="presOf" srcId="{0A665E6E-7693-4B4D-957C-8DB1D6E77D6A}" destId="{C63E3B85-DB6F-4358-AD04-C7E79D27D0F9}" srcOrd="0" destOrd="0" presId="urn:microsoft.com/office/officeart/2008/layout/HorizontalMultiLevelHierarchy"/>
-    <dgm:cxn modelId="{699FFC0C-7423-4534-8AF4-53F520764D56}" type="presOf" srcId="{5C3EDCDC-DF4C-4B63-8217-2313688AFDDB}" destId="{5919FB03-1F63-4400-A1AD-748A7B57E0A6}" srcOrd="1" destOrd="0" presId="urn:microsoft.com/office/officeart/2008/layout/HorizontalMultiLevelHierarchy"/>
-    <dgm:cxn modelId="{4E72F20F-5367-4758-B26A-AAF01CD05AFD}" type="presOf" srcId="{D114562E-C9BE-49CB-A279-37874B8BFB98}" destId="{23C82D94-A270-4AB9-8A2D-D31F996A4AF1}" srcOrd="0" destOrd="0" presId="urn:microsoft.com/office/officeart/2008/layout/HorizontalMultiLevelHierarchy"/>
     <dgm:cxn modelId="{BDA78710-EDDB-4EE5-B6A5-1242F2572039}" srcId="{D114562E-C9BE-49CB-A279-37874B8BFB98}" destId="{AB26AC4C-94D8-4E12-8FD2-335821A03BDC}" srcOrd="3" destOrd="0" parTransId="{5C3EDCDC-DF4C-4B63-8217-2313688AFDDB}" sibTransId="{05202101-939C-4639-A60A-6A91AEF27C2A}"/>
-    <dgm:cxn modelId="{D06BC616-D391-4F5B-8E23-31DABA49BD70}" type="presOf" srcId="{BB07FD72-BBD0-4A83-A33E-C314DF094299}" destId="{576BC15B-169B-4BA9-BA1B-CA768D797C57}" srcOrd="0" destOrd="0" presId="urn:microsoft.com/office/officeart/2008/layout/HorizontalMultiLevelHierarchy"/>
-    <dgm:cxn modelId="{F32AEA17-6CF7-4A10-AEFF-DEA1DDD4CDBC}" type="presOf" srcId="{AE6F42EE-05BA-404B-9EB9-6795E6693D09}" destId="{8F8123F4-E80D-407E-B824-28C40A5675FD}" srcOrd="0" destOrd="0" presId="urn:microsoft.com/office/officeart/2008/layout/HorizontalMultiLevelHierarchy"/>
-    <dgm:cxn modelId="{C875942F-69C8-4985-9C20-8C3B4F9F01EC}" type="presOf" srcId="{58C21C66-1A24-49F9-9269-1FAE2381270D}" destId="{34D9AAE3-5725-4E9F-BDDB-DEB9447AD4B3}" srcOrd="0" destOrd="0" presId="urn:microsoft.com/office/officeart/2008/layout/HorizontalMultiLevelHierarchy"/>
-    <dgm:cxn modelId="{6351D235-B8A5-450B-A4D0-B80558D18AF9}" type="presOf" srcId="{D00E739B-1489-4748-BCE8-C6F5BD364405}" destId="{71A76CF3-AD04-4A62-A6F8-547099891DBE}" srcOrd="1" destOrd="0" presId="urn:microsoft.com/office/officeart/2008/layout/HorizontalMultiLevelHierarchy"/>
+    <dgm:cxn modelId="{320F2A1E-3FD8-4005-8379-F233F4D68D7F}" type="presOf" srcId="{92F16719-4314-4855-9060-5929ED43F413}" destId="{62D217EF-F3EF-442A-9728-0F6250A80547}" srcOrd="0" destOrd="0" presId="urn:microsoft.com/office/officeart/2008/layout/HorizontalMultiLevelHierarchy"/>
+    <dgm:cxn modelId="{E1EE4F2C-0CFD-4BAA-B226-6197151CDFCF}" type="presOf" srcId="{B81E2989-389E-4FCB-A58E-4C131C569AB8}" destId="{8BFE763E-1F61-43EB-86C6-6758D7B275C0}" srcOrd="0" destOrd="0" presId="urn:microsoft.com/office/officeart/2008/layout/HorizontalMultiLevelHierarchy"/>
+    <dgm:cxn modelId="{7FC8912F-BB57-4C41-9C14-ACB1CF3FD976}" type="presOf" srcId="{D00E739B-1489-4748-BCE8-C6F5BD364405}" destId="{71A76CF3-AD04-4A62-A6F8-547099891DBE}" srcOrd="1" destOrd="0" presId="urn:microsoft.com/office/officeart/2008/layout/HorizontalMultiLevelHierarchy"/>
+    <dgm:cxn modelId="{ECB1A239-2A81-419D-B498-CC6472465C2A}" type="presOf" srcId="{58C21C66-1A24-49F9-9269-1FAE2381270D}" destId="{0208604E-140B-40D2-A7E8-09F6F94BB223}" srcOrd="1" destOrd="0" presId="urn:microsoft.com/office/officeart/2008/layout/HorizontalMultiLevelHierarchy"/>
+    <dgm:cxn modelId="{A9B2B539-3F7B-460B-A347-B2FA51129246}" type="presOf" srcId="{A2045D68-1DD4-4AD0-999F-7EBB27022E91}" destId="{46EA138D-EC26-4575-8A60-6B619CF0FFA4}" srcOrd="0" destOrd="0" presId="urn:microsoft.com/office/officeart/2008/layout/HorizontalMultiLevelHierarchy"/>
     <dgm:cxn modelId="{2BAC505B-A8C3-46C7-BE2C-32B0F0043ACB}" srcId="{D114562E-C9BE-49CB-A279-37874B8BFB98}" destId="{0A665E6E-7693-4B4D-957C-8DB1D6E77D6A}" srcOrd="0" destOrd="0" parTransId="{3915E3B0-E90D-4145-A77A-8AC6F1A9DF88}" sibTransId="{D8C562D7-8C2D-47F2-ABE7-BA9DAA0D8EF9}"/>
-    <dgm:cxn modelId="{FF88BF4D-4CC4-4216-A216-30B7EFC94C9B}" type="presOf" srcId="{A2045D68-1DD4-4AD0-999F-7EBB27022E91}" destId="{46EA138D-EC26-4575-8A60-6B619CF0FFA4}" srcOrd="0" destOrd="0" presId="urn:microsoft.com/office/officeart/2008/layout/HorizontalMultiLevelHierarchy"/>
+    <dgm:cxn modelId="{ED7F1F60-3A39-45EF-94CF-79F4FF6A80FD}" type="presOf" srcId="{AE6F42EE-05BA-404B-9EB9-6795E6693D09}" destId="{000A9F72-345C-4272-9599-355C5BF14E00}" srcOrd="1" destOrd="0" presId="urn:microsoft.com/office/officeart/2008/layout/HorizontalMultiLevelHierarchy"/>
+    <dgm:cxn modelId="{C9891E46-215D-4717-BB64-21718CC5C79C}" type="presOf" srcId="{2C683329-F021-46C4-873A-4A90024F5824}" destId="{8B1D37C4-BE69-4E8F-8073-932B19B29946}" srcOrd="0" destOrd="0" presId="urn:microsoft.com/office/officeart/2008/layout/HorizontalMultiLevelHierarchy"/>
+    <dgm:cxn modelId="{8DBC806A-B548-4333-8F83-95F05E59C70B}" type="presOf" srcId="{2C683329-F021-46C4-873A-4A90024F5824}" destId="{4097D33A-C689-4E08-A5EE-335DF88C37F6}" srcOrd="1" destOrd="0" presId="urn:microsoft.com/office/officeart/2008/layout/HorizontalMultiLevelHierarchy"/>
     <dgm:cxn modelId="{9D3AC150-F820-430F-A5E6-2B774B8C91B6}" srcId="{9AE20638-A7AF-496D-93A6-0B5E3373B0B1}" destId="{92F16719-4314-4855-9060-5929ED43F413}" srcOrd="0" destOrd="0" parTransId="{3B59925F-D550-4509-B76D-9D5C34070B2D}" sibTransId="{1ED1B468-4ADC-40EF-AA45-4B3993F13981}"/>
     <dgm:cxn modelId="{3244DC71-1057-4733-88A5-B61B8B910CE1}" type="presOf" srcId="{9AE20638-A7AF-496D-93A6-0B5E3373B0B1}" destId="{FA891ABF-C99F-4A23-A210-2A4F0440584A}" srcOrd="0" destOrd="0" presId="urn:microsoft.com/office/officeart/2008/layout/HorizontalMultiLevelHierarchy"/>
-    <dgm:cxn modelId="{3C206C7A-9D24-4F61-A751-7377E9519F47}" type="presOf" srcId="{2C683329-F021-46C4-873A-4A90024F5824}" destId="{8B1D37C4-BE69-4E8F-8073-932B19B29946}" srcOrd="0" destOrd="0" presId="urn:microsoft.com/office/officeart/2008/layout/HorizontalMultiLevelHierarchy"/>
-    <dgm:cxn modelId="{DFA4CF7C-388C-4110-A730-732FDE93FD02}" type="presOf" srcId="{99FBDE0D-32AD-451E-A36F-39F6040D8BC0}" destId="{599E43A8-1BED-49D5-BE29-4DA6FD83C36B}" srcOrd="0" destOrd="0" presId="urn:microsoft.com/office/officeart/2008/layout/HorizontalMultiLevelHierarchy"/>
-    <dgm:cxn modelId="{7522DB82-E82C-4332-97B5-184DAAB3A51A}" type="presOf" srcId="{92F16719-4314-4855-9060-5929ED43F413}" destId="{62D217EF-F3EF-442A-9728-0F6250A80547}" srcOrd="0" destOrd="0" presId="urn:microsoft.com/office/officeart/2008/layout/HorizontalMultiLevelHierarchy"/>
-    <dgm:cxn modelId="{53043885-A5D8-4458-BC80-920E7C20ACEC}" type="presOf" srcId="{3915E3B0-E90D-4145-A77A-8AC6F1A9DF88}" destId="{37469FC6-F97C-4564-BD28-5FB6D4A4424E}" srcOrd="1" destOrd="0" presId="urn:microsoft.com/office/officeart/2008/layout/HorizontalMultiLevelHierarchy"/>
+    <dgm:cxn modelId="{69F5BE73-5034-4899-B784-F947AC14E41E}" type="presOf" srcId="{AB26AC4C-94D8-4E12-8FD2-335821A03BDC}" destId="{8D515895-ACF2-4C34-9E6A-146C8645314E}" srcOrd="0" destOrd="0" presId="urn:microsoft.com/office/officeart/2008/layout/HorizontalMultiLevelHierarchy"/>
     <dgm:cxn modelId="{5142D18F-A5E8-4845-8E55-D54B7A84A722}" srcId="{D114562E-C9BE-49CB-A279-37874B8BFB98}" destId="{99FBDE0D-32AD-451E-A36F-39F6040D8BC0}" srcOrd="2" destOrd="0" parTransId="{2C683329-F021-46C4-873A-4A90024F5824}" sibTransId="{42B81935-3677-45AA-9416-1517CF79D130}"/>
-    <dgm:cxn modelId="{B5FF1EA6-4562-445C-A4D2-8CE1DAE3FAA1}" type="presOf" srcId="{2C683329-F021-46C4-873A-4A90024F5824}" destId="{4097D33A-C689-4E08-A5EE-335DF88C37F6}" srcOrd="1" destOrd="0" presId="urn:microsoft.com/office/officeart/2008/layout/HorizontalMultiLevelHierarchy"/>
+    <dgm:cxn modelId="{41300B97-CF41-49E0-A6CE-96A5E1FEDDB9}" type="presOf" srcId="{0A665E6E-7693-4B4D-957C-8DB1D6E77D6A}" destId="{C63E3B85-DB6F-4358-AD04-C7E79D27D0F9}" srcOrd="0" destOrd="0" presId="urn:microsoft.com/office/officeart/2008/layout/HorizontalMultiLevelHierarchy"/>
+    <dgm:cxn modelId="{CA7A169C-4165-4093-970C-427730032216}" type="presOf" srcId="{3915E3B0-E90D-4145-A77A-8AC6F1A9DF88}" destId="{37469FC6-F97C-4564-BD28-5FB6D4A4424E}" srcOrd="1" destOrd="0" presId="urn:microsoft.com/office/officeart/2008/layout/HorizontalMultiLevelHierarchy"/>
+    <dgm:cxn modelId="{8227C99D-21D2-4985-8965-F30DF49F92FC}" type="presOf" srcId="{61E87D97-3F82-4F6C-99EF-A96351AE42AA}" destId="{CC83036E-2DF9-4076-BD5A-4FFFC4C489CB}" srcOrd="0" destOrd="0" presId="urn:microsoft.com/office/officeart/2008/layout/HorizontalMultiLevelHierarchy"/>
     <dgm:cxn modelId="{E56C4DA6-57EF-4377-B53D-63630FBE1C1C}" srcId="{D114562E-C9BE-49CB-A279-37874B8BFB98}" destId="{61E87D97-3F82-4F6C-99EF-A96351AE42AA}" srcOrd="1" destOrd="0" parTransId="{A2045D68-1DD4-4AD0-999F-7EBB27022E91}" sibTransId="{A4B6EAD9-12A5-4023-BB9C-BCE6F121E781}"/>
-    <dgm:cxn modelId="{069985AE-ECD2-4F49-874F-806D52017674}" type="presOf" srcId="{5C3EDCDC-DF4C-4B63-8217-2313688AFDDB}" destId="{E47D70A8-9449-4BA9-81D4-07206E945891}" srcOrd="0" destOrd="0" presId="urn:microsoft.com/office/officeart/2008/layout/HorizontalMultiLevelHierarchy"/>
-    <dgm:cxn modelId="{4F80DFBB-C771-4AC9-80C0-EEF57EB9EBFB}" srcId="{92F16719-4314-4855-9060-5929ED43F413}" destId="{D114562E-C9BE-49CB-A279-37874B8BFB98}" srcOrd="1" destOrd="0" parTransId="{58C21C66-1A24-49F9-9269-1FAE2381270D}" sibTransId="{A3130F60-EE7F-4928-941E-1FD97A3BD954}"/>
-    <dgm:cxn modelId="{F60C09BC-D93C-4241-9A8A-91118EC27645}" type="presOf" srcId="{AE6F42EE-05BA-404B-9EB9-6795E6693D09}" destId="{000A9F72-345C-4272-9599-355C5BF14E00}" srcOrd="1" destOrd="0" presId="urn:microsoft.com/office/officeart/2008/layout/HorizontalMultiLevelHierarchy"/>
-    <dgm:cxn modelId="{93CD25BE-3495-417B-A12B-859CF58D67D6}" srcId="{92F16719-4314-4855-9060-5929ED43F413}" destId="{B81E2989-389E-4FCB-A58E-4C131C569AB8}" srcOrd="2" destOrd="0" parTransId="{D00E739B-1489-4748-BCE8-C6F5BD364405}" sibTransId="{B89B1992-375C-4DB9-8C9D-46EEC7D15DC0}"/>
-    <dgm:cxn modelId="{39BD8DC0-BFEA-48C5-B819-9044A248FF74}" type="presOf" srcId="{AB26AC4C-94D8-4E12-8FD2-335821A03BDC}" destId="{8D515895-ACF2-4C34-9E6A-146C8645314E}" srcOrd="0" destOrd="0" presId="urn:microsoft.com/office/officeart/2008/layout/HorizontalMultiLevelHierarchy"/>
-    <dgm:cxn modelId="{5EC992D3-0C12-450A-BF15-9B376FE47DA9}" type="presOf" srcId="{D00E739B-1489-4748-BCE8-C6F5BD364405}" destId="{452CAEC8-30FA-4E4A-A0CD-B145BF3AF42F}" srcOrd="0" destOrd="0" presId="urn:microsoft.com/office/officeart/2008/layout/HorizontalMultiLevelHierarchy"/>
-    <dgm:cxn modelId="{23D3E6D6-ABAF-4218-8D0C-4FD94565BB9D}" type="presOf" srcId="{B81E2989-389E-4FCB-A58E-4C131C569AB8}" destId="{8BFE763E-1F61-43EB-86C6-6758D7B275C0}" srcOrd="0" destOrd="0" presId="urn:microsoft.com/office/officeart/2008/layout/HorizontalMultiLevelHierarchy"/>
-    <dgm:cxn modelId="{56CE99DF-B7F3-432B-8B7D-E80DD254E9C5}" type="presOf" srcId="{61E87D97-3F82-4F6C-99EF-A96351AE42AA}" destId="{CC83036E-2DF9-4076-BD5A-4FFFC4C489CB}" srcOrd="0" destOrd="0" presId="urn:microsoft.com/office/officeart/2008/layout/HorizontalMultiLevelHierarchy"/>
-    <dgm:cxn modelId="{7CD252E3-052A-45B3-82AE-B367F861B0FD}" srcId="{92F16719-4314-4855-9060-5929ED43F413}" destId="{BB07FD72-BBD0-4A83-A33E-C314DF094299}" srcOrd="0" destOrd="0" parTransId="{AE6F42EE-05BA-404B-9EB9-6795E6693D09}" sibTransId="{901D98B0-1776-47DA-B43B-D0464A2490E4}"/>
-    <dgm:cxn modelId="{0D9359E8-7F46-455E-B238-A6F162A748E6}" type="presOf" srcId="{3915E3B0-E90D-4145-A77A-8AC6F1A9DF88}" destId="{5D3E1F1E-DE1B-42AF-BA46-55CB2B590D43}" srcOrd="0" destOrd="0" presId="urn:microsoft.com/office/officeart/2008/layout/HorizontalMultiLevelHierarchy"/>
-    <dgm:cxn modelId="{07B7B1F8-742C-4B2A-86DF-14F480E319E6}" type="presOf" srcId="{A2045D68-1DD4-4AD0-999F-7EBB27022E91}" destId="{4E950AA0-5003-43C1-BB95-727AB5C079C1}" srcOrd="1" destOrd="0" presId="urn:microsoft.com/office/officeart/2008/layout/HorizontalMultiLevelHierarchy"/>
-    <dgm:cxn modelId="{FAEABFFA-2AC6-449F-A735-BDE6B4051BE2}" type="presOf" srcId="{58C21C66-1A24-49F9-9269-1FAE2381270D}" destId="{0208604E-140B-40D2-A7E8-09F6F94BB223}" srcOrd="1" destOrd="0" presId="urn:microsoft.com/office/officeart/2008/layout/HorizontalMultiLevelHierarchy"/>
-    <dgm:cxn modelId="{4C76D28E-A819-4BF3-AA14-7219FCC3A0A5}" type="presParOf" srcId="{FA891ABF-C99F-4A23-A210-2A4F0440584A}" destId="{5F265EC5-10EA-4CE7-B990-0D8A4B4B4AA5}" srcOrd="0" destOrd="0" presId="urn:microsoft.com/office/officeart/2008/layout/HorizontalMultiLevelHierarchy"/>
-    <dgm:cxn modelId="{B2FFD92E-F18E-4DE5-88BF-DDF4AC714AAE}" type="presParOf" srcId="{5F265EC5-10EA-4CE7-B990-0D8A4B4B4AA5}" destId="{62D217EF-F3EF-442A-9728-0F6250A80547}" srcOrd="0" destOrd="0" presId="urn:microsoft.com/office/officeart/2008/layout/HorizontalMultiLevelHierarchy"/>
-    <dgm:cxn modelId="{55F46546-C33F-4510-9206-A168BB20C7D9}" type="presParOf" srcId="{5F265EC5-10EA-4CE7-B990-0D8A4B4B4AA5}" destId="{7FEC6CA3-E19F-473E-AB49-A1A320644F97}" srcOrd="1" destOrd="0" presId="urn:microsoft.com/office/officeart/2008/layout/HorizontalMultiLevelHierarchy"/>
-    <dgm:cxn modelId="{6E78A7DC-6E61-4B4C-A710-2488873133F8}" type="presParOf" srcId="{7FEC6CA3-E19F-473E-AB49-A1A320644F97}" destId="{8F8123F4-E80D-407E-B824-28C40A5675FD}" srcOrd="0" destOrd="0" presId="urn:microsoft.com/office/officeart/2008/layout/HorizontalMultiLevelHierarchy"/>
-    <dgm:cxn modelId="{E8538D20-EF17-4C0D-A520-3BBC22576996}" type="presParOf" srcId="{8F8123F4-E80D-407E-B824-28C40A5675FD}" destId="{000A9F72-345C-4272-9599-355C5BF14E00}" srcOrd="0" destOrd="0" presId="urn:microsoft.com/office/officeart/2008/layout/HorizontalMultiLevelHierarchy"/>
-    <dgm:cxn modelId="{01C76755-4044-41A0-BF8C-FA5B54BD09BE}" type="presParOf" srcId="{7FEC6CA3-E19F-473E-AB49-A1A320644F97}" destId="{409554E5-22E2-45D9-AB39-8E38CD3905E8}" srcOrd="1" destOrd="0" presId="urn:microsoft.com/office/officeart/2008/layout/HorizontalMultiLevelHierarchy"/>
-    <dgm:cxn modelId="{BDDB7EC3-26A3-49B3-A996-8902DB07AB60}" type="presParOf" srcId="{409554E5-22E2-45D9-AB39-8E38CD3905E8}" destId="{576BC15B-169B-4BA9-BA1B-CA768D797C57}" srcOrd="0" destOrd="0" presId="urn:microsoft.com/office/officeart/2008/layout/HorizontalMultiLevelHierarchy"/>
-    <dgm:cxn modelId="{16111373-D98C-4053-8EC1-93FA8D6510CB}" type="presParOf" srcId="{409554E5-22E2-45D9-AB39-8E38CD3905E8}" destId="{EC799BB0-2433-423F-ABA8-87CF306F3ACA}" srcOrd="1" destOrd="0" presId="urn:microsoft.com/office/officeart/2008/layout/HorizontalMultiLevelHierarchy"/>
-    <dgm:cxn modelId="{C0C14686-F153-49A7-BFF9-6C2117944069}" type="presParOf" srcId="{7FEC6CA3-E19F-473E-AB49-A1A320644F97}" destId="{34D9AAE3-5725-4E9F-BDDB-DEB9447AD4B3}" srcOrd="2" destOrd="0" presId="urn:microsoft.com/office/officeart/2008/layout/HorizontalMultiLevelHierarchy"/>
-    <dgm:cxn modelId="{14EEF8B8-144D-4107-8BAE-E7B8522C1896}" type="presParOf" srcId="{34D9AAE3-5725-4E9F-BDDB-DEB9447AD4B3}" destId="{0208604E-140B-40D2-A7E8-09F6F94BB223}" srcOrd="0" destOrd="0" presId="urn:microsoft.com/office/officeart/2008/layout/HorizontalMultiLevelHierarchy"/>
-    <dgm:cxn modelId="{B2D8AAED-C868-4CAC-8FEB-C3D5AF3ED2AB}" type="presParOf" srcId="{7FEC6CA3-E19F-473E-AB49-A1A320644F97}" destId="{2C359AD2-22D1-414E-AA84-7DED84EDFCBA}" srcOrd="3" destOrd="0" presId="urn:microsoft.com/office/officeart/2008/layout/HorizontalMultiLevelHierarchy"/>
-    <dgm:cxn modelId="{21249F49-F7BE-4917-9678-000C4F87E963}" type="presParOf" srcId="{2C359AD2-22D1-414E-AA84-7DED84EDFCBA}" destId="{23C82D94-A270-4AB9-8A2D-D31F996A4AF1}" srcOrd="0" destOrd="0" presId="urn:microsoft.com/office/officeart/2008/layout/HorizontalMultiLevelHierarchy"/>
-    <dgm:cxn modelId="{AE5BCF42-1A48-4597-9511-333CADD95837}" type="presParOf" srcId="{2C359AD2-22D1-414E-AA84-7DED84EDFCBA}" destId="{C3A46373-48B0-48F6-AEB3-94B3CEDF4DCD}" srcOrd="1" destOrd="0" presId="urn:microsoft.com/office/officeart/2008/layout/HorizontalMultiLevelHierarchy"/>
-    <dgm:cxn modelId="{A84AB458-D786-4C8A-AAAF-7F6633C09C57}" type="presParOf" srcId="{C3A46373-48B0-48F6-AEB3-94B3CEDF4DCD}" destId="{5D3E1F1E-DE1B-42AF-BA46-55CB2B590D43}" srcOrd="0" destOrd="0" presId="urn:microsoft.com/office/officeart/2008/layout/HorizontalMultiLevelHierarchy"/>
-    <dgm:cxn modelId="{12550B08-25D8-47E0-97E2-BFC9555E4B17}" type="presParOf" srcId="{5D3E1F1E-DE1B-42AF-BA46-55CB2B590D43}" destId="{37469FC6-F97C-4564-BD28-5FB6D4A4424E}" srcOrd="0" destOrd="0" presId="urn:microsoft.com/office/officeart/2008/layout/HorizontalMultiLevelHierarchy"/>
-    <dgm:cxn modelId="{9B043B97-F09B-4B52-960D-B8F3134F32F3}" type="presParOf" srcId="{C3A46373-48B0-48F6-AEB3-94B3CEDF4DCD}" destId="{4C40D167-6C91-4AA0-8868-B3E707D0ECAC}" srcOrd="1" destOrd="0" presId="urn:microsoft.com/office/officeart/2008/layout/HorizontalMultiLevelHierarchy"/>
-    <dgm:cxn modelId="{43EEA43F-F304-4868-9D5B-148CD17062EA}" type="presParOf" srcId="{4C40D167-6C91-4AA0-8868-B3E707D0ECAC}" destId="{C63E3B85-DB6F-4358-AD04-C7E79D27D0F9}" srcOrd="0" destOrd="0" presId="urn:microsoft.com/office/officeart/2008/layout/HorizontalMultiLevelHierarchy"/>
-    <dgm:cxn modelId="{F29B2DE0-1671-4732-866B-7936AF4D71F9}" type="presParOf" srcId="{4C40D167-6C91-4AA0-8868-B3E707D0ECAC}" destId="{1FF39D6F-DEAC-411A-91CB-5CC5798BB2B0}" srcOrd="1" destOrd="0" presId="urn:microsoft.com/office/officeart/2008/layout/HorizontalMultiLevelHierarchy"/>
-    <dgm:cxn modelId="{31D0650C-B511-4028-AFB8-6BEB5219F622}" type="presParOf" srcId="{C3A46373-48B0-48F6-AEB3-94B3CEDF4DCD}" destId="{46EA138D-EC26-4575-8A60-6B619CF0FFA4}" srcOrd="2" destOrd="0" presId="urn:microsoft.com/office/officeart/2008/layout/HorizontalMultiLevelHierarchy"/>
-    <dgm:cxn modelId="{D73983A9-243D-434E-B8A5-28D7898AD818}" type="presParOf" srcId="{46EA138D-EC26-4575-8A60-6B619CF0FFA4}" destId="{4E950AA0-5003-43C1-BB95-727AB5C079C1}" srcOrd="0" destOrd="0" presId="urn:microsoft.com/office/officeart/2008/layout/HorizontalMultiLevelHierarchy"/>
-    <dgm:cxn modelId="{A8E8574C-9FD7-4706-93B9-151C5B2CECE7}" type="presParOf" srcId="{C3A46373-48B0-48F6-AEB3-94B3CEDF4DCD}" destId="{C4CD80C0-41ED-4212-B216-020ED8F0CC6B}" srcOrd="3" destOrd="0" presId="urn:microsoft.com/office/officeart/2008/layout/HorizontalMultiLevelHierarchy"/>
-    <dgm:cxn modelId="{9F72D2BA-4BB6-4775-95CF-22898AA9B553}" type="presParOf" srcId="{C4CD80C0-41ED-4212-B216-020ED8F0CC6B}" destId="{CC83036E-2DF9-4076-BD5A-4FFFC4C489CB}" srcOrd="0" destOrd="0" presId="urn:microsoft.com/office/officeart/2008/layout/HorizontalMultiLevelHierarchy"/>
-    <dgm:cxn modelId="{C3B5DEDA-F848-401A-922C-7BCDDE96D550}" type="presParOf" srcId="{C4CD80C0-41ED-4212-B216-020ED8F0CC6B}" destId="{54819D07-0508-4B63-B552-91B6348008A4}" srcOrd="1" destOrd="0" presId="urn:microsoft.com/office/officeart/2008/layout/HorizontalMultiLevelHierarchy"/>
-    <dgm:cxn modelId="{A761E9A5-51C4-4B12-BB89-CFAFEB7B289D}" type="presParOf" srcId="{C3A46373-48B0-48F6-AEB3-94B3CEDF4DCD}" destId="{8B1D37C4-BE69-4E8F-8073-932B19B29946}" srcOrd="4" destOrd="0" presId="urn:microsoft.com/office/officeart/2008/layout/HorizontalMultiLevelHierarchy"/>
-    <dgm:cxn modelId="{8636C100-CE7E-4345-889C-DFF4FE61AD8B}" type="presParOf" srcId="{8B1D37C4-BE69-4E8F-8073-932B19B29946}" destId="{4097D33A-C689-4E08-A5EE-335DF88C37F6}" srcOrd="0" destOrd="0" presId="urn:microsoft.com/office/officeart/2008/layout/HorizontalMultiLevelHierarchy"/>
-    <dgm:cxn modelId="{311B4EDC-9CC6-4556-B06D-2C0F6B37B959}" type="presParOf" srcId="{C3A46373-48B0-48F6-AEB3-94B3CEDF4DCD}" destId="{4FDDD39C-ECF9-4356-B317-9DBF7A3901AE}" srcOrd="5" destOrd="0" presId="urn:microsoft.com/office/officeart/2008/layout/HorizontalMultiLevelHierarchy"/>
-    <dgm:cxn modelId="{542723C6-FC4E-40D4-9787-B2B63461BDA8}" type="presParOf" srcId="{4FDDD39C-ECF9-4356-B317-9DBF7A3901AE}" destId="{599E43A8-1BED-49D5-BE29-4DA6FD83C36B}" srcOrd="0" destOrd="0" presId="urn:microsoft.com/office/officeart/2008/layout/HorizontalMultiLevelHierarchy"/>
-    <dgm:cxn modelId="{BB43CC2C-1872-4535-AC26-7717AA8F7777}" type="presParOf" srcId="{4FDDD39C-ECF9-4356-B317-9DBF7A3901AE}" destId="{AD7A3A98-55B6-4BF4-990B-1E30C9200F74}" srcOrd="1" destOrd="0" presId="urn:microsoft.com/office/officeart/2008/layout/HorizontalMultiLevelHierarchy"/>
-    <dgm:cxn modelId="{C331A81F-3AAD-4639-80D0-275519F9538B}" type="presParOf" srcId="{C3A46373-48B0-48F6-AEB3-94B3CEDF4DCD}" destId="{E47D70A8-9449-4BA9-81D4-07206E945891}" srcOrd="6" destOrd="0" presId="urn:microsoft.com/office/officeart/2008/layout/HorizontalMultiLevelHierarchy"/>
-    <dgm:cxn modelId="{8A9E6F8B-9BE0-48A6-A718-F0735EECC6B2}" type="presParOf" srcId="{E47D70A8-9449-4BA9-81D4-07206E945891}" destId="{5919FB03-1F63-4400-A1AD-748A7B57E0A6}" srcOrd="0" destOrd="0" presId="urn:microsoft.com/office/officeart/2008/layout/HorizontalMultiLevelHierarchy"/>
-    <dgm:cxn modelId="{B4C6FD34-37BA-49F9-BB33-04FDB283D3BF}" type="presParOf" srcId="{C3A46373-48B0-48F6-AEB3-94B3CEDF4DCD}" destId="{AC5D55A3-6674-4A9D-B80E-73F96726E7CF}" srcOrd="7" destOrd="0" presId="urn:microsoft.com/office/officeart/2008/layout/HorizontalMultiLevelHierarchy"/>
-    <dgm:cxn modelId="{0EC32DE7-C466-4596-B5F5-EF51FF93CFAC}" type="presParOf" srcId="{AC5D55A3-6674-4A9D-B80E-73F96726E7CF}" destId="{8D515895-ACF2-4C34-9E6A-146C8645314E}" srcOrd="0" destOrd="0" presId="urn:microsoft.com/office/officeart/2008/layout/HorizontalMultiLevelHierarchy"/>
-    <dgm:cxn modelId="{23C2232C-F670-4199-A9A3-F2BE349B643A}" type="presParOf" srcId="{AC5D55A3-6674-4A9D-B80E-73F96726E7CF}" destId="{BD379F1F-B6B1-46B2-AB07-F32E03CFC060}" srcOrd="1" destOrd="0" presId="urn:microsoft.com/office/officeart/2008/layout/HorizontalMultiLevelHierarchy"/>
-    <dgm:cxn modelId="{7745162C-B7AB-405D-8439-2E5153A1D552}" type="presParOf" srcId="{7FEC6CA3-E19F-473E-AB49-A1A320644F97}" destId="{452CAEC8-30FA-4E4A-A0CD-B145BF3AF42F}" srcOrd="4" destOrd="0" presId="urn:microsoft.com/office/officeart/2008/layout/HorizontalMultiLevelHierarchy"/>
-    <dgm:cxn modelId="{24A9ADF8-B9D5-4CFD-8335-C44A31BA7438}" type="presParOf" srcId="{452CAEC8-30FA-4E4A-A0CD-B145BF3AF42F}" destId="{71A76CF3-AD04-4A62-A6F8-547099891DBE}" srcOrd="0" destOrd="0" presId="urn:microsoft.com/office/officeart/2008/layout/HorizontalMultiLevelHierarchy"/>
-    <dgm:cxn modelId="{09D16CAD-CF63-4933-A318-4532CB24D38F}" type="presParOf" srcId="{7FEC6CA3-E19F-473E-AB49-A1A320644F97}" destId="{648FD88E-1A7E-4AFB-8C7C-3AB3C527BB57}" srcOrd="5" destOrd="0" presId="urn:microsoft.com/office/officeart/2008/layout/HorizontalMultiLevelHierarchy"/>
-    <dgm:cxn modelId="{64ACA45A-50EB-4EA5-9365-1121238DD23E}" type="presParOf" srcId="{648FD88E-1A7E-4AFB-8C7C-3AB3C527BB57}" destId="{8BFE763E-1F61-43EB-86C6-6758D7B275C0}" srcOrd="0" destOrd="0" presId="urn:microsoft.com/office/officeart/2008/layout/HorizontalMultiLevelHierarchy"/>
-    <dgm:cxn modelId="{F8868EC9-F1C7-4DE1-AFFC-04CE74CA69EF}" type="presParOf" srcId="{648FD88E-1A7E-4AFB-8C7C-3AB3C527BB57}" destId="{F74EABC8-8330-4BE5-985E-DFADAD390910}" srcOrd="1" destOrd="0" presId="urn:microsoft.com/office/officeart/2008/layout/HorizontalMultiLevelHierarchy"/>
+    <dgm:cxn modelId="{ACBB66B3-3FEC-4CE0-AAE1-A5D93D4223AB}" type="presOf" srcId="{5C3EDCDC-DF4C-4B63-8217-2313688AFDDB}" destId="{5919FB03-1F63-4400-A1AD-748A7B57E0A6}" srcOrd="1" destOrd="0" presId="urn:microsoft.com/office/officeart/2008/layout/HorizontalMultiLevelHierarchy"/>
+    <dgm:cxn modelId="{4F80DFBB-C771-4AC9-80C0-EEF57EB9EBFB}" srcId="{92F16719-4314-4855-9060-5929ED43F413}" destId="{D114562E-C9BE-49CB-A279-37874B8BFB98}" srcOrd="2" destOrd="0" parTransId="{58C21C66-1A24-49F9-9269-1FAE2381270D}" sibTransId="{A3130F60-EE7F-4928-941E-1FD97A3BD954}"/>
+    <dgm:cxn modelId="{250C44BC-77E7-49A9-8288-BE54DE771322}" type="presOf" srcId="{99FBDE0D-32AD-451E-A36F-39F6040D8BC0}" destId="{599E43A8-1BED-49D5-BE29-4DA6FD83C36B}" srcOrd="0" destOrd="0" presId="urn:microsoft.com/office/officeart/2008/layout/HorizontalMultiLevelHierarchy"/>
+    <dgm:cxn modelId="{93CD25BE-3495-417B-A12B-859CF58D67D6}" srcId="{92F16719-4314-4855-9060-5929ED43F413}" destId="{B81E2989-389E-4FCB-A58E-4C131C569AB8}" srcOrd="0" destOrd="0" parTransId="{D00E739B-1489-4748-BCE8-C6F5BD364405}" sibTransId="{B89B1992-375C-4DB9-8C9D-46EEC7D15DC0}"/>
+    <dgm:cxn modelId="{834D5BC0-18E0-4127-A36D-9B350A97D46E}" type="presOf" srcId="{3915E3B0-E90D-4145-A77A-8AC6F1A9DF88}" destId="{5D3E1F1E-DE1B-42AF-BA46-55CB2B590D43}" srcOrd="0" destOrd="0" presId="urn:microsoft.com/office/officeart/2008/layout/HorizontalMultiLevelHierarchy"/>
+    <dgm:cxn modelId="{805423CC-C9E5-4B2D-9E9B-F5FFF4133167}" type="presOf" srcId="{5C3EDCDC-DF4C-4B63-8217-2313688AFDDB}" destId="{E47D70A8-9449-4BA9-81D4-07206E945891}" srcOrd="0" destOrd="0" presId="urn:microsoft.com/office/officeart/2008/layout/HorizontalMultiLevelHierarchy"/>
+    <dgm:cxn modelId="{D6BEBCD1-6FB4-4337-9332-07881A5EC57E}" type="presOf" srcId="{58C21C66-1A24-49F9-9269-1FAE2381270D}" destId="{34D9AAE3-5725-4E9F-BDDB-DEB9447AD4B3}" srcOrd="0" destOrd="0" presId="urn:microsoft.com/office/officeart/2008/layout/HorizontalMultiLevelHierarchy"/>
+    <dgm:cxn modelId="{016A80D7-12DE-43C9-91E7-E153559404F3}" type="presOf" srcId="{D114562E-C9BE-49CB-A279-37874B8BFB98}" destId="{23C82D94-A270-4AB9-8A2D-D31F996A4AF1}" srcOrd="0" destOrd="0" presId="urn:microsoft.com/office/officeart/2008/layout/HorizontalMultiLevelHierarchy"/>
+    <dgm:cxn modelId="{562B13E3-23EF-4E26-A953-D66DFD45D219}" type="presOf" srcId="{D00E739B-1489-4748-BCE8-C6F5BD364405}" destId="{452CAEC8-30FA-4E4A-A0CD-B145BF3AF42F}" srcOrd="0" destOrd="0" presId="urn:microsoft.com/office/officeart/2008/layout/HorizontalMultiLevelHierarchy"/>
+    <dgm:cxn modelId="{7CD252E3-052A-45B3-82AE-B367F861B0FD}" srcId="{92F16719-4314-4855-9060-5929ED43F413}" destId="{BB07FD72-BBD0-4A83-A33E-C314DF094299}" srcOrd="1" destOrd="0" parTransId="{AE6F42EE-05BA-404B-9EB9-6795E6693D09}" sibTransId="{901D98B0-1776-47DA-B43B-D0464A2490E4}"/>
+    <dgm:cxn modelId="{3B0E51E9-F37A-4339-A380-9073E39D1D6B}" type="presOf" srcId="{AE6F42EE-05BA-404B-9EB9-6795E6693D09}" destId="{8F8123F4-E80D-407E-B824-28C40A5675FD}" srcOrd="0" destOrd="0" presId="urn:microsoft.com/office/officeart/2008/layout/HorizontalMultiLevelHierarchy"/>
+    <dgm:cxn modelId="{20CD1FF3-762E-48A5-9451-35FCAF3B1D93}" type="presOf" srcId="{BB07FD72-BBD0-4A83-A33E-C314DF094299}" destId="{576BC15B-169B-4BA9-BA1B-CA768D797C57}" srcOrd="0" destOrd="0" presId="urn:microsoft.com/office/officeart/2008/layout/HorizontalMultiLevelHierarchy"/>
+    <dgm:cxn modelId="{8DC3DBFE-95BE-47E0-8AEA-B8607F9849DC}" type="presOf" srcId="{A2045D68-1DD4-4AD0-999F-7EBB27022E91}" destId="{4E950AA0-5003-43C1-BB95-727AB5C079C1}" srcOrd="1" destOrd="0" presId="urn:microsoft.com/office/officeart/2008/layout/HorizontalMultiLevelHierarchy"/>
+    <dgm:cxn modelId="{0B79169E-1081-462D-ABB3-3738CA33574B}" type="presParOf" srcId="{FA891ABF-C99F-4A23-A210-2A4F0440584A}" destId="{5F265EC5-10EA-4CE7-B990-0D8A4B4B4AA5}" srcOrd="0" destOrd="0" presId="urn:microsoft.com/office/officeart/2008/layout/HorizontalMultiLevelHierarchy"/>
+    <dgm:cxn modelId="{EB8E34A9-ADF7-4EAB-B1B8-CDC63D09888B}" type="presParOf" srcId="{5F265EC5-10EA-4CE7-B990-0D8A4B4B4AA5}" destId="{62D217EF-F3EF-442A-9728-0F6250A80547}" srcOrd="0" destOrd="0" presId="urn:microsoft.com/office/officeart/2008/layout/HorizontalMultiLevelHierarchy"/>
+    <dgm:cxn modelId="{1895509C-3CAB-45E6-AF24-6B615CD018EF}" type="presParOf" srcId="{5F265EC5-10EA-4CE7-B990-0D8A4B4B4AA5}" destId="{7FEC6CA3-E19F-473E-AB49-A1A320644F97}" srcOrd="1" destOrd="0" presId="urn:microsoft.com/office/officeart/2008/layout/HorizontalMultiLevelHierarchy"/>
+    <dgm:cxn modelId="{CB55EB82-B918-4363-9F98-C0A019CA45E4}" type="presParOf" srcId="{7FEC6CA3-E19F-473E-AB49-A1A320644F97}" destId="{452CAEC8-30FA-4E4A-A0CD-B145BF3AF42F}" srcOrd="0" destOrd="0" presId="urn:microsoft.com/office/officeart/2008/layout/HorizontalMultiLevelHierarchy"/>
+    <dgm:cxn modelId="{E031DF7E-B638-4279-A877-9AA3F8FA1EFB}" type="presParOf" srcId="{452CAEC8-30FA-4E4A-A0CD-B145BF3AF42F}" destId="{71A76CF3-AD04-4A62-A6F8-547099891DBE}" srcOrd="0" destOrd="0" presId="urn:microsoft.com/office/officeart/2008/layout/HorizontalMultiLevelHierarchy"/>
+    <dgm:cxn modelId="{0A686759-738F-4F22-96B7-A75E68DBF55E}" type="presParOf" srcId="{7FEC6CA3-E19F-473E-AB49-A1A320644F97}" destId="{648FD88E-1A7E-4AFB-8C7C-3AB3C527BB57}" srcOrd="1" destOrd="0" presId="urn:microsoft.com/office/officeart/2008/layout/HorizontalMultiLevelHierarchy"/>
+    <dgm:cxn modelId="{01E5EEC1-A43A-4242-A29F-12A95994EBC6}" type="presParOf" srcId="{648FD88E-1A7E-4AFB-8C7C-3AB3C527BB57}" destId="{8BFE763E-1F61-43EB-86C6-6758D7B275C0}" srcOrd="0" destOrd="0" presId="urn:microsoft.com/office/officeart/2008/layout/HorizontalMultiLevelHierarchy"/>
+    <dgm:cxn modelId="{BFAC4307-6228-4573-8AFC-8FCEF8B1A26F}" type="presParOf" srcId="{648FD88E-1A7E-4AFB-8C7C-3AB3C527BB57}" destId="{F74EABC8-8330-4BE5-985E-DFADAD390910}" srcOrd="1" destOrd="0" presId="urn:microsoft.com/office/officeart/2008/layout/HorizontalMultiLevelHierarchy"/>
+    <dgm:cxn modelId="{7E243A8B-53AD-460C-81DA-C02D4095A5EC}" type="presParOf" srcId="{7FEC6CA3-E19F-473E-AB49-A1A320644F97}" destId="{8F8123F4-E80D-407E-B824-28C40A5675FD}" srcOrd="2" destOrd="0" presId="urn:microsoft.com/office/officeart/2008/layout/HorizontalMultiLevelHierarchy"/>
+    <dgm:cxn modelId="{F7846200-1144-4747-AD2D-CDDD124DDE1E}" type="presParOf" srcId="{8F8123F4-E80D-407E-B824-28C40A5675FD}" destId="{000A9F72-345C-4272-9599-355C5BF14E00}" srcOrd="0" destOrd="0" presId="urn:microsoft.com/office/officeart/2008/layout/HorizontalMultiLevelHierarchy"/>
+    <dgm:cxn modelId="{B5AD6839-3D13-4592-A54A-975641D78FF6}" type="presParOf" srcId="{7FEC6CA3-E19F-473E-AB49-A1A320644F97}" destId="{409554E5-22E2-45D9-AB39-8E38CD3905E8}" srcOrd="3" destOrd="0" presId="urn:microsoft.com/office/officeart/2008/layout/HorizontalMultiLevelHierarchy"/>
+    <dgm:cxn modelId="{B5EE325C-6B71-4529-82C1-07B947DE0089}" type="presParOf" srcId="{409554E5-22E2-45D9-AB39-8E38CD3905E8}" destId="{576BC15B-169B-4BA9-BA1B-CA768D797C57}" srcOrd="0" destOrd="0" presId="urn:microsoft.com/office/officeart/2008/layout/HorizontalMultiLevelHierarchy"/>
+    <dgm:cxn modelId="{8F518533-A8E8-4DB0-93EA-F3FEDB2CCDD1}" type="presParOf" srcId="{409554E5-22E2-45D9-AB39-8E38CD3905E8}" destId="{EC799BB0-2433-423F-ABA8-87CF306F3ACA}" srcOrd="1" destOrd="0" presId="urn:microsoft.com/office/officeart/2008/layout/HorizontalMultiLevelHierarchy"/>
+    <dgm:cxn modelId="{CD3BEA3E-CDE2-49D0-AF19-E5D61BA32311}" type="presParOf" srcId="{7FEC6CA3-E19F-473E-AB49-A1A320644F97}" destId="{34D9AAE3-5725-4E9F-BDDB-DEB9447AD4B3}" srcOrd="4" destOrd="0" presId="urn:microsoft.com/office/officeart/2008/layout/HorizontalMultiLevelHierarchy"/>
+    <dgm:cxn modelId="{B52CA6F5-0D26-477D-A8BD-1A80F4196394}" type="presParOf" srcId="{34D9AAE3-5725-4E9F-BDDB-DEB9447AD4B3}" destId="{0208604E-140B-40D2-A7E8-09F6F94BB223}" srcOrd="0" destOrd="0" presId="urn:microsoft.com/office/officeart/2008/layout/HorizontalMultiLevelHierarchy"/>
+    <dgm:cxn modelId="{85F19BE2-27E6-48E3-8C4A-CC548C4B790E}" type="presParOf" srcId="{7FEC6CA3-E19F-473E-AB49-A1A320644F97}" destId="{2C359AD2-22D1-414E-AA84-7DED84EDFCBA}" srcOrd="5" destOrd="0" presId="urn:microsoft.com/office/officeart/2008/layout/HorizontalMultiLevelHierarchy"/>
+    <dgm:cxn modelId="{52AA6944-245B-4B64-8DFC-E3FFFC209AF8}" type="presParOf" srcId="{2C359AD2-22D1-414E-AA84-7DED84EDFCBA}" destId="{23C82D94-A270-4AB9-8A2D-D31F996A4AF1}" srcOrd="0" destOrd="0" presId="urn:microsoft.com/office/officeart/2008/layout/HorizontalMultiLevelHierarchy"/>
+    <dgm:cxn modelId="{EA893C29-26EE-413C-BA06-FB8BCC22A283}" type="presParOf" srcId="{2C359AD2-22D1-414E-AA84-7DED84EDFCBA}" destId="{C3A46373-48B0-48F6-AEB3-94B3CEDF4DCD}" srcOrd="1" destOrd="0" presId="urn:microsoft.com/office/officeart/2008/layout/HorizontalMultiLevelHierarchy"/>
+    <dgm:cxn modelId="{66CA08AE-5C53-477F-A030-08D6D8B0C59A}" type="presParOf" srcId="{C3A46373-48B0-48F6-AEB3-94B3CEDF4DCD}" destId="{5D3E1F1E-DE1B-42AF-BA46-55CB2B590D43}" srcOrd="0" destOrd="0" presId="urn:microsoft.com/office/officeart/2008/layout/HorizontalMultiLevelHierarchy"/>
+    <dgm:cxn modelId="{6F86E374-9C6A-45D2-B30B-4EDF38DE9B26}" type="presParOf" srcId="{5D3E1F1E-DE1B-42AF-BA46-55CB2B590D43}" destId="{37469FC6-F97C-4564-BD28-5FB6D4A4424E}" srcOrd="0" destOrd="0" presId="urn:microsoft.com/office/officeart/2008/layout/HorizontalMultiLevelHierarchy"/>
+    <dgm:cxn modelId="{038A8149-7BCB-426A-ABB3-EE260151F39D}" type="presParOf" srcId="{C3A46373-48B0-48F6-AEB3-94B3CEDF4DCD}" destId="{4C40D167-6C91-4AA0-8868-B3E707D0ECAC}" srcOrd="1" destOrd="0" presId="urn:microsoft.com/office/officeart/2008/layout/HorizontalMultiLevelHierarchy"/>
+    <dgm:cxn modelId="{E23F2AD3-C8CF-4E5F-9E54-C697B7189BCA}" type="presParOf" srcId="{4C40D167-6C91-4AA0-8868-B3E707D0ECAC}" destId="{C63E3B85-DB6F-4358-AD04-C7E79D27D0F9}" srcOrd="0" destOrd="0" presId="urn:microsoft.com/office/officeart/2008/layout/HorizontalMultiLevelHierarchy"/>
+    <dgm:cxn modelId="{B6E2FC15-E392-4C7B-BA73-2B6D75A0ECE2}" type="presParOf" srcId="{4C40D167-6C91-4AA0-8868-B3E707D0ECAC}" destId="{1FF39D6F-DEAC-411A-91CB-5CC5798BB2B0}" srcOrd="1" destOrd="0" presId="urn:microsoft.com/office/officeart/2008/layout/HorizontalMultiLevelHierarchy"/>
+    <dgm:cxn modelId="{6C252F09-CD2C-48C9-B84A-7781984AF2D6}" type="presParOf" srcId="{C3A46373-48B0-48F6-AEB3-94B3CEDF4DCD}" destId="{46EA138D-EC26-4575-8A60-6B619CF0FFA4}" srcOrd="2" destOrd="0" presId="urn:microsoft.com/office/officeart/2008/layout/HorizontalMultiLevelHierarchy"/>
+    <dgm:cxn modelId="{8D02D7B0-3D64-4BF3-B4F5-84D6D4FA540B}" type="presParOf" srcId="{46EA138D-EC26-4575-8A60-6B619CF0FFA4}" destId="{4E950AA0-5003-43C1-BB95-727AB5C079C1}" srcOrd="0" destOrd="0" presId="urn:microsoft.com/office/officeart/2008/layout/HorizontalMultiLevelHierarchy"/>
+    <dgm:cxn modelId="{66FBD54E-B053-480D-B462-A6AD2082F055}" type="presParOf" srcId="{C3A46373-48B0-48F6-AEB3-94B3CEDF4DCD}" destId="{C4CD80C0-41ED-4212-B216-020ED8F0CC6B}" srcOrd="3" destOrd="0" presId="urn:microsoft.com/office/officeart/2008/layout/HorizontalMultiLevelHierarchy"/>
+    <dgm:cxn modelId="{4989A2D6-440C-4A43-A26D-219B2C843AC3}" type="presParOf" srcId="{C4CD80C0-41ED-4212-B216-020ED8F0CC6B}" destId="{CC83036E-2DF9-4076-BD5A-4FFFC4C489CB}" srcOrd="0" destOrd="0" presId="urn:microsoft.com/office/officeart/2008/layout/HorizontalMultiLevelHierarchy"/>
+    <dgm:cxn modelId="{F9EDE882-74CA-44DB-9B5C-6D4B3C7A3DA5}" type="presParOf" srcId="{C4CD80C0-41ED-4212-B216-020ED8F0CC6B}" destId="{54819D07-0508-4B63-B552-91B6348008A4}" srcOrd="1" destOrd="0" presId="urn:microsoft.com/office/officeart/2008/layout/HorizontalMultiLevelHierarchy"/>
+    <dgm:cxn modelId="{BAF9C5D3-FCB5-41E2-8F33-BA744BA2BC58}" type="presParOf" srcId="{C3A46373-48B0-48F6-AEB3-94B3CEDF4DCD}" destId="{8B1D37C4-BE69-4E8F-8073-932B19B29946}" srcOrd="4" destOrd="0" presId="urn:microsoft.com/office/officeart/2008/layout/HorizontalMultiLevelHierarchy"/>
+    <dgm:cxn modelId="{3838E380-7B99-477E-9F70-158A732E959F}" type="presParOf" srcId="{8B1D37C4-BE69-4E8F-8073-932B19B29946}" destId="{4097D33A-C689-4E08-A5EE-335DF88C37F6}" srcOrd="0" destOrd="0" presId="urn:microsoft.com/office/officeart/2008/layout/HorizontalMultiLevelHierarchy"/>
+    <dgm:cxn modelId="{19773EE1-188F-439B-9647-FC17AE278094}" type="presParOf" srcId="{C3A46373-48B0-48F6-AEB3-94B3CEDF4DCD}" destId="{4FDDD39C-ECF9-4356-B317-9DBF7A3901AE}" srcOrd="5" destOrd="0" presId="urn:microsoft.com/office/officeart/2008/layout/HorizontalMultiLevelHierarchy"/>
+    <dgm:cxn modelId="{1FDF5B02-B070-406C-BDB9-BC512089780E}" type="presParOf" srcId="{4FDDD39C-ECF9-4356-B317-9DBF7A3901AE}" destId="{599E43A8-1BED-49D5-BE29-4DA6FD83C36B}" srcOrd="0" destOrd="0" presId="urn:microsoft.com/office/officeart/2008/layout/HorizontalMultiLevelHierarchy"/>
+    <dgm:cxn modelId="{CCC6AE03-E8E2-4D25-B9A6-2679C474ECC7}" type="presParOf" srcId="{4FDDD39C-ECF9-4356-B317-9DBF7A3901AE}" destId="{AD7A3A98-55B6-4BF4-990B-1E30C9200F74}" srcOrd="1" destOrd="0" presId="urn:microsoft.com/office/officeart/2008/layout/HorizontalMultiLevelHierarchy"/>
+    <dgm:cxn modelId="{A90D2E34-4686-4FE2-A47B-7EF8E4D755E2}" type="presParOf" srcId="{C3A46373-48B0-48F6-AEB3-94B3CEDF4DCD}" destId="{E47D70A8-9449-4BA9-81D4-07206E945891}" srcOrd="6" destOrd="0" presId="urn:microsoft.com/office/officeart/2008/layout/HorizontalMultiLevelHierarchy"/>
+    <dgm:cxn modelId="{F12A97E0-6D23-4DCA-B3B2-48AFD2770193}" type="presParOf" srcId="{E47D70A8-9449-4BA9-81D4-07206E945891}" destId="{5919FB03-1F63-4400-A1AD-748A7B57E0A6}" srcOrd="0" destOrd="0" presId="urn:microsoft.com/office/officeart/2008/layout/HorizontalMultiLevelHierarchy"/>
+    <dgm:cxn modelId="{661C40C6-142E-454C-A73A-491AE7810912}" type="presParOf" srcId="{C3A46373-48B0-48F6-AEB3-94B3CEDF4DCD}" destId="{AC5D55A3-6674-4A9D-B80E-73F96726E7CF}" srcOrd="7" destOrd="0" presId="urn:microsoft.com/office/officeart/2008/layout/HorizontalMultiLevelHierarchy"/>
+    <dgm:cxn modelId="{4F4C7D9F-B911-4935-A4C9-CC9C8C386910}" type="presParOf" srcId="{AC5D55A3-6674-4A9D-B80E-73F96726E7CF}" destId="{8D515895-ACF2-4C34-9E6A-146C8645314E}" srcOrd="0" destOrd="0" presId="urn:microsoft.com/office/officeart/2008/layout/HorizontalMultiLevelHierarchy"/>
+    <dgm:cxn modelId="{2629154F-C552-4718-8A5E-1FE6E19A859F}" type="presParOf" srcId="{AC5D55A3-6674-4A9D-B80E-73F96726E7CF}" destId="{BD379F1F-B6B1-46B2-AB07-F32E03CFC060}" srcOrd="1" destOrd="0" presId="urn:microsoft.com/office/officeart/2008/layout/HorizontalMultiLevelHierarchy"/>
   </dgm:cxnLst>
   <dgm:bg/>
   <dgm:whole/>
@@ -1601,15 +1649,15 @@
       <dsp:cNvGrpSpPr/>
     </dsp:nvGrpSpPr>
     <dsp:grpSpPr/>
-    <dsp:sp modelId="{452CAEC8-30FA-4E4A-A0CD-B145BF3AF42F}">
+    <dsp:sp modelId="{E47D70A8-9449-4BA9-81D4-07206E945891}">
       <dsp:nvSpPr>
         <dsp:cNvPr id="0" name=""/>
         <dsp:cNvSpPr/>
       </dsp:nvSpPr>
       <dsp:spPr>
         <a:xfrm>
-          <a:off x="916848" y="2709333"/>
-          <a:ext cx="600853" cy="1144918"/>
+          <a:off x="4496831" y="3361428"/>
+          <a:ext cx="567875" cy="1623119"/>
         </a:xfrm>
         <a:custGeom>
           <a:avLst/>
@@ -1623,13 +1671,349 @@
                 <a:pt x="0" y="0"/>
               </a:moveTo>
               <a:lnTo>
-                <a:pt x="300426" y="0"/>
+                <a:pt x="283937" y="0"/>
               </a:lnTo>
               <a:lnTo>
-                <a:pt x="300426" y="1144918"/>
+                <a:pt x="283937" y="1623119"/>
               </a:lnTo>
               <a:lnTo>
-                <a:pt x="600853" y="1144918"/>
+                <a:pt x="567875" y="1623119"/>
+              </a:lnTo>
+            </a:path>
+          </a:pathLst>
+        </a:custGeom>
+        <a:noFill/>
+        <a:ln w="12700" cap="flat" cmpd="sng" algn="ctr">
+          <a:solidFill>
+            <a:scrgbClr r="0" g="0" b="0"/>
+          </a:solidFill>
+          <a:prstDash val="dash"/>
+          <a:miter lim="800000"/>
+        </a:ln>
+        <a:effectLst/>
+      </dsp:spPr>
+      <dsp:style>
+        <a:lnRef idx="2">
+          <a:scrgbClr r="0" g="0" b="0"/>
+        </a:lnRef>
+        <a:fillRef idx="0">
+          <a:scrgbClr r="0" g="0" b="0"/>
+        </a:fillRef>
+        <a:effectRef idx="0">
+          <a:scrgbClr r="0" g="0" b="0"/>
+        </a:effectRef>
+        <a:fontRef idx="minor"/>
+      </dsp:style>
+      <dsp:txBody>
+        <a:bodyPr spcFirstLastPara="0" vert="horz" wrap="square" lIns="12700" tIns="0" rIns="12700" bIns="0" numCol="1" spcCol="1270" anchor="ctr" anchorCtr="0">
+          <a:noAutofit/>
+        </a:bodyPr>
+        <a:lstStyle/>
+        <a:p>
+          <a:pPr marL="0" lvl="0" indent="0" algn="ctr" defTabSz="889000">
+            <a:lnSpc>
+              <a:spcPct val="90000"/>
+            </a:lnSpc>
+            <a:spcBef>
+              <a:spcPct val="0"/>
+            </a:spcBef>
+            <a:spcAft>
+              <a:spcPct val="35000"/>
+            </a:spcAft>
+            <a:buNone/>
+          </a:pPr>
+          <a:endParaRPr lang="en-US" sz="2000" b="0" kern="1200">
+            <a:latin typeface="Arial" panose="020B0604020202020204" pitchFamily="34" charset="0"/>
+            <a:cs typeface="Arial" panose="020B0604020202020204" pitchFamily="34" charset="0"/>
+          </a:endParaRPr>
+        </a:p>
+      </dsp:txBody>
+      <dsp:txXfrm>
+        <a:off x="4737779" y="4129998"/>
+        <a:ext cx="85979" cy="85979"/>
+      </dsp:txXfrm>
+    </dsp:sp>
+    <dsp:sp modelId="{8B1D37C4-BE69-4E8F-8073-932B19B29946}">
+      <dsp:nvSpPr>
+        <dsp:cNvPr id="0" name=""/>
+        <dsp:cNvSpPr/>
+      </dsp:nvSpPr>
+      <dsp:spPr>
+        <a:xfrm>
+          <a:off x="4496831" y="3361428"/>
+          <a:ext cx="567875" cy="541039"/>
+        </a:xfrm>
+        <a:custGeom>
+          <a:avLst/>
+          <a:gdLst/>
+          <a:ahLst/>
+          <a:cxnLst/>
+          <a:rect l="0" t="0" r="0" b="0"/>
+          <a:pathLst>
+            <a:path>
+              <a:moveTo>
+                <a:pt x="0" y="0"/>
+              </a:moveTo>
+              <a:lnTo>
+                <a:pt x="283937" y="0"/>
+              </a:lnTo>
+              <a:lnTo>
+                <a:pt x="283937" y="541039"/>
+              </a:lnTo>
+              <a:lnTo>
+                <a:pt x="567875" y="541039"/>
+              </a:lnTo>
+            </a:path>
+          </a:pathLst>
+        </a:custGeom>
+        <a:noFill/>
+        <a:ln w="12700" cap="flat" cmpd="sng" algn="ctr">
+          <a:solidFill>
+            <a:scrgbClr r="0" g="0" b="0"/>
+          </a:solidFill>
+          <a:prstDash val="dash"/>
+          <a:miter lim="800000"/>
+        </a:ln>
+        <a:effectLst/>
+      </dsp:spPr>
+      <dsp:style>
+        <a:lnRef idx="2">
+          <a:scrgbClr r="0" g="0" b="0"/>
+        </a:lnRef>
+        <a:fillRef idx="0">
+          <a:scrgbClr r="0" g="0" b="0"/>
+        </a:fillRef>
+        <a:effectRef idx="0">
+          <a:scrgbClr r="0" g="0" b="0"/>
+        </a:effectRef>
+        <a:fontRef idx="minor"/>
+      </dsp:style>
+      <dsp:txBody>
+        <a:bodyPr spcFirstLastPara="0" vert="horz" wrap="square" lIns="12700" tIns="0" rIns="12700" bIns="0" numCol="1" spcCol="1270" anchor="ctr" anchorCtr="0">
+          <a:noAutofit/>
+        </a:bodyPr>
+        <a:lstStyle/>
+        <a:p>
+          <a:pPr marL="0" lvl="0" indent="0" algn="ctr" defTabSz="889000">
+            <a:lnSpc>
+              <a:spcPct val="90000"/>
+            </a:lnSpc>
+            <a:spcBef>
+              <a:spcPct val="0"/>
+            </a:spcBef>
+            <a:spcAft>
+              <a:spcPct val="35000"/>
+            </a:spcAft>
+            <a:buNone/>
+          </a:pPr>
+          <a:endParaRPr lang="en-US" sz="2000" b="0" kern="1200">
+            <a:latin typeface="Arial" panose="020B0604020202020204" pitchFamily="34" charset="0"/>
+            <a:cs typeface="Arial" panose="020B0604020202020204" pitchFamily="34" charset="0"/>
+          </a:endParaRPr>
+        </a:p>
+      </dsp:txBody>
+      <dsp:txXfrm>
+        <a:off x="4761160" y="3612340"/>
+        <a:ext cx="39217" cy="39217"/>
+      </dsp:txXfrm>
+    </dsp:sp>
+    <dsp:sp modelId="{46EA138D-EC26-4575-8A60-6B619CF0FFA4}">
+      <dsp:nvSpPr>
+        <dsp:cNvPr id="0" name=""/>
+        <dsp:cNvSpPr/>
+      </dsp:nvSpPr>
+      <dsp:spPr>
+        <a:xfrm>
+          <a:off x="4496831" y="2820389"/>
+          <a:ext cx="567875" cy="541039"/>
+        </a:xfrm>
+        <a:custGeom>
+          <a:avLst/>
+          <a:gdLst/>
+          <a:ahLst/>
+          <a:cxnLst/>
+          <a:rect l="0" t="0" r="0" b="0"/>
+          <a:pathLst>
+            <a:path>
+              <a:moveTo>
+                <a:pt x="0" y="541039"/>
+              </a:moveTo>
+              <a:lnTo>
+                <a:pt x="283937" y="541039"/>
+              </a:lnTo>
+              <a:lnTo>
+                <a:pt x="283937" y="0"/>
+              </a:lnTo>
+              <a:lnTo>
+                <a:pt x="567875" y="0"/>
+              </a:lnTo>
+            </a:path>
+          </a:pathLst>
+        </a:custGeom>
+        <a:noFill/>
+        <a:ln w="12700" cap="flat" cmpd="sng" algn="ctr">
+          <a:solidFill>
+            <a:scrgbClr r="0" g="0" b="0"/>
+          </a:solidFill>
+          <a:prstDash val="dash"/>
+          <a:miter lim="800000"/>
+        </a:ln>
+        <a:effectLst/>
+      </dsp:spPr>
+      <dsp:style>
+        <a:lnRef idx="2">
+          <a:scrgbClr r="0" g="0" b="0"/>
+        </a:lnRef>
+        <a:fillRef idx="0">
+          <a:scrgbClr r="0" g="0" b="0"/>
+        </a:fillRef>
+        <a:effectRef idx="0">
+          <a:scrgbClr r="0" g="0" b="0"/>
+        </a:effectRef>
+        <a:fontRef idx="minor"/>
+      </dsp:style>
+      <dsp:txBody>
+        <a:bodyPr spcFirstLastPara="0" vert="horz" wrap="square" lIns="12700" tIns="0" rIns="12700" bIns="0" numCol="1" spcCol="1270" anchor="ctr" anchorCtr="0">
+          <a:noAutofit/>
+        </a:bodyPr>
+        <a:lstStyle/>
+        <a:p>
+          <a:pPr marL="0" lvl="0" indent="0" algn="ctr" defTabSz="889000">
+            <a:lnSpc>
+              <a:spcPct val="90000"/>
+            </a:lnSpc>
+            <a:spcBef>
+              <a:spcPct val="0"/>
+            </a:spcBef>
+            <a:spcAft>
+              <a:spcPct val="35000"/>
+            </a:spcAft>
+            <a:buNone/>
+          </a:pPr>
+          <a:endParaRPr lang="en-US" sz="2000" b="0" kern="1200">
+            <a:latin typeface="Arial" panose="020B0604020202020204" pitchFamily="34" charset="0"/>
+            <a:cs typeface="Arial" panose="020B0604020202020204" pitchFamily="34" charset="0"/>
+          </a:endParaRPr>
+        </a:p>
+      </dsp:txBody>
+      <dsp:txXfrm>
+        <a:off x="4761160" y="3071300"/>
+        <a:ext cx="39217" cy="39217"/>
+      </dsp:txXfrm>
+    </dsp:sp>
+    <dsp:sp modelId="{5D3E1F1E-DE1B-42AF-BA46-55CB2B590D43}">
+      <dsp:nvSpPr>
+        <dsp:cNvPr id="0" name=""/>
+        <dsp:cNvSpPr/>
+      </dsp:nvSpPr>
+      <dsp:spPr>
+        <a:xfrm>
+          <a:off x="4496831" y="1738309"/>
+          <a:ext cx="567875" cy="1623119"/>
+        </a:xfrm>
+        <a:custGeom>
+          <a:avLst/>
+          <a:gdLst/>
+          <a:ahLst/>
+          <a:cxnLst/>
+          <a:rect l="0" t="0" r="0" b="0"/>
+          <a:pathLst>
+            <a:path>
+              <a:moveTo>
+                <a:pt x="0" y="1623119"/>
+              </a:moveTo>
+              <a:lnTo>
+                <a:pt x="283937" y="1623119"/>
+              </a:lnTo>
+              <a:lnTo>
+                <a:pt x="283937" y="0"/>
+              </a:lnTo>
+              <a:lnTo>
+                <a:pt x="567875" y="0"/>
+              </a:lnTo>
+            </a:path>
+          </a:pathLst>
+        </a:custGeom>
+        <a:noFill/>
+        <a:ln w="12700" cap="flat" cmpd="sng" algn="ctr">
+          <a:solidFill>
+            <a:scrgbClr r="0" g="0" b="0"/>
+          </a:solidFill>
+          <a:prstDash val="dash"/>
+          <a:miter lim="800000"/>
+        </a:ln>
+        <a:effectLst/>
+      </dsp:spPr>
+      <dsp:style>
+        <a:lnRef idx="2">
+          <a:scrgbClr r="0" g="0" b="0"/>
+        </a:lnRef>
+        <a:fillRef idx="0">
+          <a:scrgbClr r="0" g="0" b="0"/>
+        </a:fillRef>
+        <a:effectRef idx="0">
+          <a:scrgbClr r="0" g="0" b="0"/>
+        </a:effectRef>
+        <a:fontRef idx="minor"/>
+      </dsp:style>
+      <dsp:txBody>
+        <a:bodyPr spcFirstLastPara="0" vert="horz" wrap="square" lIns="12700" tIns="0" rIns="12700" bIns="0" numCol="1" spcCol="1270" anchor="ctr" anchorCtr="0">
+          <a:noAutofit/>
+        </a:bodyPr>
+        <a:lstStyle/>
+        <a:p>
+          <a:pPr marL="0" lvl="0" indent="0" algn="ctr" defTabSz="889000">
+            <a:lnSpc>
+              <a:spcPct val="90000"/>
+            </a:lnSpc>
+            <a:spcBef>
+              <a:spcPct val="0"/>
+            </a:spcBef>
+            <a:spcAft>
+              <a:spcPct val="35000"/>
+            </a:spcAft>
+            <a:buNone/>
+          </a:pPr>
+          <a:endParaRPr lang="en-US" sz="2000" b="0" kern="1200">
+            <a:latin typeface="Arial" panose="020B0604020202020204" pitchFamily="34" charset="0"/>
+            <a:cs typeface="Arial" panose="020B0604020202020204" pitchFamily="34" charset="0"/>
+          </a:endParaRPr>
+        </a:p>
+      </dsp:txBody>
+      <dsp:txXfrm>
+        <a:off x="4737779" y="2506879"/>
+        <a:ext cx="85979" cy="85979"/>
+      </dsp:txXfrm>
+    </dsp:sp>
+    <dsp:sp modelId="{34D9AAE3-5725-4E9F-BDDB-DEB9447AD4B3}">
+      <dsp:nvSpPr>
+        <dsp:cNvPr id="0" name=""/>
+        <dsp:cNvSpPr/>
+      </dsp:nvSpPr>
+      <dsp:spPr>
+        <a:xfrm>
+          <a:off x="1089579" y="2279349"/>
+          <a:ext cx="567875" cy="1082079"/>
+        </a:xfrm>
+        <a:custGeom>
+          <a:avLst/>
+          <a:gdLst/>
+          <a:ahLst/>
+          <a:cxnLst/>
+          <a:rect l="0" t="0" r="0" b="0"/>
+          <a:pathLst>
+            <a:path>
+              <a:moveTo>
+                <a:pt x="0" y="0"/>
+              </a:moveTo>
+              <a:lnTo>
+                <a:pt x="283937" y="0"/>
+              </a:lnTo>
+              <a:lnTo>
+                <a:pt x="283937" y="1082079"/>
+              </a:lnTo>
+              <a:lnTo>
+                <a:pt x="567875" y="1082079"/>
               </a:lnTo>
             </a:path>
           </a:pathLst>
@@ -1680,361 +2064,25 @@
             <a:buNone/>
           </a:pPr>
           <a:endParaRPr lang="en-US" sz="2000" b="0" kern="1200">
-            <a:latin typeface="Aharoni" panose="020B0604020202020204" pitchFamily="2" charset="-79"/>
-            <a:cs typeface="Aharoni" panose="020B0604020202020204" pitchFamily="2" charset="-79"/>
+            <a:latin typeface="Arial" panose="020B0604020202020204" pitchFamily="34" charset="0"/>
+            <a:cs typeface="Arial" panose="020B0604020202020204" pitchFamily="34" charset="0"/>
           </a:endParaRPr>
         </a:p>
       </dsp:txBody>
       <dsp:txXfrm>
-        <a:off x="1184950" y="3249467"/>
-        <a:ext cx="64650" cy="64650"/>
+        <a:off x="1342965" y="2789838"/>
+        <a:ext cx="61101" cy="61101"/>
       </dsp:txXfrm>
     </dsp:sp>
-    <dsp:sp modelId="{E47D70A8-9449-4BA9-81D4-07206E945891}">
+    <dsp:sp modelId="{8F8123F4-E80D-407E-B824-28C40A5675FD}">
       <dsp:nvSpPr>
         <dsp:cNvPr id="0" name=""/>
         <dsp:cNvSpPr/>
       </dsp:nvSpPr>
       <dsp:spPr>
         <a:xfrm>
-          <a:off x="4521967" y="2709333"/>
-          <a:ext cx="600853" cy="1717377"/>
-        </a:xfrm>
-        <a:custGeom>
-          <a:avLst/>
-          <a:gdLst/>
-          <a:ahLst/>
-          <a:cxnLst/>
-          <a:rect l="0" t="0" r="0" b="0"/>
-          <a:pathLst>
-            <a:path>
-              <a:moveTo>
-                <a:pt x="0" y="0"/>
-              </a:moveTo>
-              <a:lnTo>
-                <a:pt x="300426" y="0"/>
-              </a:lnTo>
-              <a:lnTo>
-                <a:pt x="300426" y="1717377"/>
-              </a:lnTo>
-              <a:lnTo>
-                <a:pt x="600853" y="1717377"/>
-              </a:lnTo>
-            </a:path>
-          </a:pathLst>
-        </a:custGeom>
-        <a:noFill/>
-        <a:ln w="12700" cap="flat" cmpd="sng" algn="ctr">
-          <a:solidFill>
-            <a:scrgbClr r="0" g="0" b="0"/>
-          </a:solidFill>
-          <a:prstDash val="dash"/>
-          <a:miter lim="800000"/>
-        </a:ln>
-        <a:effectLst/>
-      </dsp:spPr>
-      <dsp:style>
-        <a:lnRef idx="2">
-          <a:scrgbClr r="0" g="0" b="0"/>
-        </a:lnRef>
-        <a:fillRef idx="0">
-          <a:scrgbClr r="0" g="0" b="0"/>
-        </a:fillRef>
-        <a:effectRef idx="0">
-          <a:scrgbClr r="0" g="0" b="0"/>
-        </a:effectRef>
-        <a:fontRef idx="minor"/>
-      </dsp:style>
-      <dsp:txBody>
-        <a:bodyPr spcFirstLastPara="0" vert="horz" wrap="square" lIns="12700" tIns="0" rIns="12700" bIns="0" numCol="1" spcCol="1270" anchor="ctr" anchorCtr="0">
-          <a:noAutofit/>
-        </a:bodyPr>
-        <a:lstStyle/>
-        <a:p>
-          <a:pPr marL="0" lvl="0" indent="0" algn="ctr" defTabSz="889000">
-            <a:lnSpc>
-              <a:spcPct val="90000"/>
-            </a:lnSpc>
-            <a:spcBef>
-              <a:spcPct val="0"/>
-            </a:spcBef>
-            <a:spcAft>
-              <a:spcPct val="35000"/>
-            </a:spcAft>
-            <a:buNone/>
-          </a:pPr>
-          <a:endParaRPr lang="en-US" sz="2000" b="0" kern="1200">
-            <a:latin typeface="Aharoni" panose="020B0604020202020204" pitchFamily="2" charset="-79"/>
-            <a:cs typeface="Aharoni" panose="020B0604020202020204" pitchFamily="2" charset="-79"/>
-          </a:endParaRPr>
-        </a:p>
-      </dsp:txBody>
-      <dsp:txXfrm>
-        <a:off x="4776907" y="3522535"/>
-        <a:ext cx="90972" cy="90972"/>
-      </dsp:txXfrm>
-    </dsp:sp>
-    <dsp:sp modelId="{8B1D37C4-BE69-4E8F-8073-932B19B29946}">
-      <dsp:nvSpPr>
-        <dsp:cNvPr id="0" name=""/>
-        <dsp:cNvSpPr/>
-      </dsp:nvSpPr>
-      <dsp:spPr>
-        <a:xfrm>
-          <a:off x="4521967" y="2709333"/>
-          <a:ext cx="600853" cy="572459"/>
-        </a:xfrm>
-        <a:custGeom>
-          <a:avLst/>
-          <a:gdLst/>
-          <a:ahLst/>
-          <a:cxnLst/>
-          <a:rect l="0" t="0" r="0" b="0"/>
-          <a:pathLst>
-            <a:path>
-              <a:moveTo>
-                <a:pt x="0" y="0"/>
-              </a:moveTo>
-              <a:lnTo>
-                <a:pt x="300426" y="0"/>
-              </a:lnTo>
-              <a:lnTo>
-                <a:pt x="300426" y="572459"/>
-              </a:lnTo>
-              <a:lnTo>
-                <a:pt x="600853" y="572459"/>
-              </a:lnTo>
-            </a:path>
-          </a:pathLst>
-        </a:custGeom>
-        <a:noFill/>
-        <a:ln w="12700" cap="flat" cmpd="sng" algn="ctr">
-          <a:solidFill>
-            <a:scrgbClr r="0" g="0" b="0"/>
-          </a:solidFill>
-          <a:prstDash val="dash"/>
-          <a:miter lim="800000"/>
-        </a:ln>
-        <a:effectLst/>
-      </dsp:spPr>
-      <dsp:style>
-        <a:lnRef idx="2">
-          <a:scrgbClr r="0" g="0" b="0"/>
-        </a:lnRef>
-        <a:fillRef idx="0">
-          <a:scrgbClr r="0" g="0" b="0"/>
-        </a:fillRef>
-        <a:effectRef idx="0">
-          <a:scrgbClr r="0" g="0" b="0"/>
-        </a:effectRef>
-        <a:fontRef idx="minor"/>
-      </dsp:style>
-      <dsp:txBody>
-        <a:bodyPr spcFirstLastPara="0" vert="horz" wrap="square" lIns="12700" tIns="0" rIns="12700" bIns="0" numCol="1" spcCol="1270" anchor="ctr" anchorCtr="0">
-          <a:noAutofit/>
-        </a:bodyPr>
-        <a:lstStyle/>
-        <a:p>
-          <a:pPr marL="0" lvl="0" indent="0" algn="ctr" defTabSz="889000">
-            <a:lnSpc>
-              <a:spcPct val="90000"/>
-            </a:lnSpc>
-            <a:spcBef>
-              <a:spcPct val="0"/>
-            </a:spcBef>
-            <a:spcAft>
-              <a:spcPct val="35000"/>
-            </a:spcAft>
-            <a:buNone/>
-          </a:pPr>
-          <a:endParaRPr lang="en-US" sz="2000" b="0" kern="1200">
-            <a:latin typeface="Aharoni" panose="020B0604020202020204" pitchFamily="2" charset="-79"/>
-            <a:cs typeface="Aharoni" panose="020B0604020202020204" pitchFamily="2" charset="-79"/>
-          </a:endParaRPr>
-        </a:p>
-      </dsp:txBody>
-      <dsp:txXfrm>
-        <a:off x="4801646" y="2974815"/>
-        <a:ext cx="41494" cy="41494"/>
-      </dsp:txXfrm>
-    </dsp:sp>
-    <dsp:sp modelId="{46EA138D-EC26-4575-8A60-6B619CF0FFA4}">
-      <dsp:nvSpPr>
-        <dsp:cNvPr id="0" name=""/>
-        <dsp:cNvSpPr/>
-      </dsp:nvSpPr>
-      <dsp:spPr>
-        <a:xfrm>
-          <a:off x="4521967" y="2136874"/>
-          <a:ext cx="600853" cy="572459"/>
-        </a:xfrm>
-        <a:custGeom>
-          <a:avLst/>
-          <a:gdLst/>
-          <a:ahLst/>
-          <a:cxnLst/>
-          <a:rect l="0" t="0" r="0" b="0"/>
-          <a:pathLst>
-            <a:path>
-              <a:moveTo>
-                <a:pt x="0" y="572459"/>
-              </a:moveTo>
-              <a:lnTo>
-                <a:pt x="300426" y="572459"/>
-              </a:lnTo>
-              <a:lnTo>
-                <a:pt x="300426" y="0"/>
-              </a:lnTo>
-              <a:lnTo>
-                <a:pt x="600853" y="0"/>
-              </a:lnTo>
-            </a:path>
-          </a:pathLst>
-        </a:custGeom>
-        <a:noFill/>
-        <a:ln w="12700" cap="flat" cmpd="sng" algn="ctr">
-          <a:solidFill>
-            <a:scrgbClr r="0" g="0" b="0"/>
-          </a:solidFill>
-          <a:prstDash val="dash"/>
-          <a:miter lim="800000"/>
-        </a:ln>
-        <a:effectLst/>
-      </dsp:spPr>
-      <dsp:style>
-        <a:lnRef idx="2">
-          <a:scrgbClr r="0" g="0" b="0"/>
-        </a:lnRef>
-        <a:fillRef idx="0">
-          <a:scrgbClr r="0" g="0" b="0"/>
-        </a:fillRef>
-        <a:effectRef idx="0">
-          <a:scrgbClr r="0" g="0" b="0"/>
-        </a:effectRef>
-        <a:fontRef idx="minor"/>
-      </dsp:style>
-      <dsp:txBody>
-        <a:bodyPr spcFirstLastPara="0" vert="horz" wrap="square" lIns="12700" tIns="0" rIns="12700" bIns="0" numCol="1" spcCol="1270" anchor="ctr" anchorCtr="0">
-          <a:noAutofit/>
-        </a:bodyPr>
-        <a:lstStyle/>
-        <a:p>
-          <a:pPr marL="0" lvl="0" indent="0" algn="ctr" defTabSz="889000">
-            <a:lnSpc>
-              <a:spcPct val="90000"/>
-            </a:lnSpc>
-            <a:spcBef>
-              <a:spcPct val="0"/>
-            </a:spcBef>
-            <a:spcAft>
-              <a:spcPct val="35000"/>
-            </a:spcAft>
-            <a:buNone/>
-          </a:pPr>
-          <a:endParaRPr lang="en-US" sz="2000" b="0" kern="1200">
-            <a:latin typeface="Aharoni" panose="020B0604020202020204" pitchFamily="2" charset="-79"/>
-            <a:cs typeface="Aharoni" panose="020B0604020202020204" pitchFamily="2" charset="-79"/>
-          </a:endParaRPr>
-        </a:p>
-      </dsp:txBody>
-      <dsp:txXfrm>
-        <a:off x="4801646" y="2402356"/>
-        <a:ext cx="41494" cy="41494"/>
-      </dsp:txXfrm>
-    </dsp:sp>
-    <dsp:sp modelId="{5D3E1F1E-DE1B-42AF-BA46-55CB2B590D43}">
-      <dsp:nvSpPr>
-        <dsp:cNvPr id="0" name=""/>
-        <dsp:cNvSpPr/>
-      </dsp:nvSpPr>
-      <dsp:spPr>
-        <a:xfrm>
-          <a:off x="4521967" y="991956"/>
-          <a:ext cx="600853" cy="1717377"/>
-        </a:xfrm>
-        <a:custGeom>
-          <a:avLst/>
-          <a:gdLst/>
-          <a:ahLst/>
-          <a:cxnLst/>
-          <a:rect l="0" t="0" r="0" b="0"/>
-          <a:pathLst>
-            <a:path>
-              <a:moveTo>
-                <a:pt x="0" y="1717377"/>
-              </a:moveTo>
-              <a:lnTo>
-                <a:pt x="300426" y="1717377"/>
-              </a:lnTo>
-              <a:lnTo>
-                <a:pt x="300426" y="0"/>
-              </a:lnTo>
-              <a:lnTo>
-                <a:pt x="600853" y="0"/>
-              </a:lnTo>
-            </a:path>
-          </a:pathLst>
-        </a:custGeom>
-        <a:noFill/>
-        <a:ln w="12700" cap="flat" cmpd="sng" algn="ctr">
-          <a:solidFill>
-            <a:scrgbClr r="0" g="0" b="0"/>
-          </a:solidFill>
-          <a:prstDash val="dash"/>
-          <a:miter lim="800000"/>
-        </a:ln>
-        <a:effectLst/>
-      </dsp:spPr>
-      <dsp:style>
-        <a:lnRef idx="2">
-          <a:scrgbClr r="0" g="0" b="0"/>
-        </a:lnRef>
-        <a:fillRef idx="0">
-          <a:scrgbClr r="0" g="0" b="0"/>
-        </a:fillRef>
-        <a:effectRef idx="0">
-          <a:scrgbClr r="0" g="0" b="0"/>
-        </a:effectRef>
-        <a:fontRef idx="minor"/>
-      </dsp:style>
-      <dsp:txBody>
-        <a:bodyPr spcFirstLastPara="0" vert="horz" wrap="square" lIns="12700" tIns="0" rIns="12700" bIns="0" numCol="1" spcCol="1270" anchor="ctr" anchorCtr="0">
-          <a:noAutofit/>
-        </a:bodyPr>
-        <a:lstStyle/>
-        <a:p>
-          <a:pPr marL="0" lvl="0" indent="0" algn="ctr" defTabSz="889000">
-            <a:lnSpc>
-              <a:spcPct val="90000"/>
-            </a:lnSpc>
-            <a:spcBef>
-              <a:spcPct val="0"/>
-            </a:spcBef>
-            <a:spcAft>
-              <a:spcPct val="35000"/>
-            </a:spcAft>
-            <a:buNone/>
-          </a:pPr>
-          <a:endParaRPr lang="en-US" sz="2000" b="0" kern="1200">
-            <a:latin typeface="Aharoni" panose="020B0604020202020204" pitchFamily="2" charset="-79"/>
-            <a:cs typeface="Aharoni" panose="020B0604020202020204" pitchFamily="2" charset="-79"/>
-          </a:endParaRPr>
-        </a:p>
-      </dsp:txBody>
-      <dsp:txXfrm>
-        <a:off x="4776907" y="1805158"/>
-        <a:ext cx="90972" cy="90972"/>
-      </dsp:txXfrm>
-    </dsp:sp>
-    <dsp:sp modelId="{34D9AAE3-5725-4E9F-BDDB-DEB9447AD4B3}">
-      <dsp:nvSpPr>
-        <dsp:cNvPr id="0" name=""/>
-        <dsp:cNvSpPr/>
-      </dsp:nvSpPr>
-      <dsp:spPr>
-        <a:xfrm>
-          <a:off x="916848" y="2663613"/>
-          <a:ext cx="600853" cy="91440"/>
+          <a:off x="1089579" y="2233629"/>
+          <a:ext cx="567875" cy="91440"/>
         </a:xfrm>
         <a:custGeom>
           <a:avLst/>
@@ -2048,7 +2096,7 @@
                 <a:pt x="0" y="45720"/>
               </a:moveTo>
               <a:lnTo>
-                <a:pt x="600853" y="45720"/>
+                <a:pt x="567875" y="45720"/>
               </a:lnTo>
             </a:path>
           </a:pathLst>
@@ -2099,25 +2147,25 @@
             <a:buNone/>
           </a:pPr>
           <a:endParaRPr lang="en-US" sz="2000" b="0" kern="1200">
-            <a:latin typeface="Aharoni" panose="020B0604020202020204" pitchFamily="2" charset="-79"/>
-            <a:cs typeface="Aharoni" panose="020B0604020202020204" pitchFamily="2" charset="-79"/>
+            <a:latin typeface="Arial" panose="020B0604020202020204" pitchFamily="34" charset="0"/>
+            <a:cs typeface="Arial" panose="020B0604020202020204" pitchFamily="34" charset="0"/>
           </a:endParaRPr>
         </a:p>
       </dsp:txBody>
       <dsp:txXfrm>
-        <a:off x="1202253" y="2694312"/>
-        <a:ext cx="30042" cy="30042"/>
+        <a:off x="1359320" y="2265152"/>
+        <a:ext cx="28393" cy="28393"/>
       </dsp:txXfrm>
     </dsp:sp>
-    <dsp:sp modelId="{8F8123F4-E80D-407E-B824-28C40A5675FD}">
+    <dsp:sp modelId="{452CAEC8-30FA-4E4A-A0CD-B145BF3AF42F}">
       <dsp:nvSpPr>
         <dsp:cNvPr id="0" name=""/>
         <dsp:cNvSpPr/>
       </dsp:nvSpPr>
       <dsp:spPr>
         <a:xfrm>
-          <a:off x="916848" y="1564415"/>
-          <a:ext cx="600853" cy="1144918"/>
+          <a:off x="1089579" y="1197269"/>
+          <a:ext cx="567875" cy="1082079"/>
         </a:xfrm>
         <a:custGeom>
           <a:avLst/>
@@ -2128,16 +2176,16 @@
           <a:pathLst>
             <a:path>
               <a:moveTo>
-                <a:pt x="0" y="1144918"/>
+                <a:pt x="0" y="1082079"/>
               </a:moveTo>
               <a:lnTo>
-                <a:pt x="300426" y="1144918"/>
+                <a:pt x="283937" y="1082079"/>
               </a:lnTo>
               <a:lnTo>
-                <a:pt x="300426" y="0"/>
+                <a:pt x="283937" y="0"/>
               </a:lnTo>
               <a:lnTo>
-                <a:pt x="600853" y="0"/>
+                <a:pt x="567875" y="0"/>
               </a:lnTo>
             </a:path>
           </a:pathLst>
@@ -2188,14 +2236,14 @@
             <a:buNone/>
           </a:pPr>
           <a:endParaRPr lang="en-US" sz="2000" b="0" kern="1200">
-            <a:latin typeface="Aharoni" panose="020B0604020202020204" pitchFamily="2" charset="-79"/>
-            <a:cs typeface="Aharoni" panose="020B0604020202020204" pitchFamily="2" charset="-79"/>
+            <a:latin typeface="Arial" panose="020B0604020202020204" pitchFamily="34" charset="0"/>
+            <a:cs typeface="Arial" panose="020B0604020202020204" pitchFamily="34" charset="0"/>
           </a:endParaRPr>
         </a:p>
       </dsp:txBody>
       <dsp:txXfrm>
-        <a:off x="1184950" y="2104549"/>
-        <a:ext cx="64650" cy="64650"/>
+        <a:off x="1342965" y="1707758"/>
+        <a:ext cx="61101" cy="61101"/>
       </dsp:txXfrm>
     </dsp:sp>
     <dsp:sp modelId="{62D217EF-F3EF-442A-9728-0F6250A80547}">
@@ -2205,8 +2253,8 @@
       </dsp:nvSpPr>
       <dsp:spPr>
         <a:xfrm rot="16200000">
-          <a:off x="-1951473" y="2251366"/>
-          <a:ext cx="4820708" cy="915934"/>
+          <a:off x="-1621315" y="1846517"/>
+          <a:ext cx="4556125" cy="865663"/>
         </a:xfrm>
         <a:prstGeom prst="rect">
           <a:avLst/>
@@ -2294,16 +2342,149 @@
           </a:pPr>
           <a:r>
             <a:rPr lang="en-US" sz="2000" b="0" kern="1200" dirty="0">
-              <a:latin typeface="Aharoni" panose="020B0604020202020204" pitchFamily="2" charset="-79"/>
-              <a:cs typeface="Aharoni" panose="020B0604020202020204" pitchFamily="2" charset="-79"/>
+              <a:latin typeface="Arial" panose="020B0604020202020204" pitchFamily="34" charset="0"/>
+              <a:cs typeface="Arial" panose="020B0604020202020204" pitchFamily="34" charset="0"/>
             </a:rPr>
             <a:t>RUNTIME</a:t>
           </a:r>
         </a:p>
       </dsp:txBody>
       <dsp:txXfrm>
-        <a:off x="-1951473" y="2251366"/>
-        <a:ext cx="4820708" cy="915934"/>
+        <a:off x="-1621315" y="1846517"/>
+        <a:ext cx="4556125" cy="865663"/>
+      </dsp:txXfrm>
+    </dsp:sp>
+    <dsp:sp modelId="{8BFE763E-1F61-43EB-86C6-6758D7B275C0}">
+      <dsp:nvSpPr>
+        <dsp:cNvPr id="0" name=""/>
+        <dsp:cNvSpPr/>
+      </dsp:nvSpPr>
+      <dsp:spPr>
+        <a:xfrm>
+          <a:off x="1657454" y="764437"/>
+          <a:ext cx="2839377" cy="865663"/>
+        </a:xfrm>
+        <a:prstGeom prst="rect">
+          <a:avLst/>
+        </a:prstGeom>
+        <a:gradFill rotWithShape="0">
+          <a:gsLst>
+            <a:gs pos="0">
+              <a:schemeClr val="accent4">
+                <a:hueOff val="0"/>
+                <a:satOff val="0"/>
+                <a:lumOff val="0"/>
+                <a:alphaOff val="0"/>
+                <a:satMod val="103000"/>
+                <a:lumMod val="102000"/>
+                <a:tint val="94000"/>
+              </a:schemeClr>
+            </a:gs>
+            <a:gs pos="50000">
+              <a:schemeClr val="accent4">
+                <a:hueOff val="0"/>
+                <a:satOff val="0"/>
+                <a:lumOff val="0"/>
+                <a:alphaOff val="0"/>
+                <a:satMod val="110000"/>
+                <a:lumMod val="100000"/>
+                <a:shade val="100000"/>
+              </a:schemeClr>
+            </a:gs>
+            <a:gs pos="100000">
+              <a:schemeClr val="accent4">
+                <a:hueOff val="0"/>
+                <a:satOff val="0"/>
+                <a:lumOff val="0"/>
+                <a:alphaOff val="0"/>
+                <a:lumMod val="99000"/>
+                <a:satMod val="120000"/>
+                <a:shade val="78000"/>
+              </a:schemeClr>
+            </a:gs>
+          </a:gsLst>
+          <a:lin ang="5400000" scaled="0"/>
+        </a:gradFill>
+        <a:ln>
+          <a:noFill/>
+        </a:ln>
+        <a:effectLst>
+          <a:outerShdw blurRad="57150" dist="19050" dir="5400000" algn="ctr" rotWithShape="0">
+            <a:srgbClr val="000000">
+              <a:alpha val="63000"/>
+            </a:srgbClr>
+          </a:outerShdw>
+        </a:effectLst>
+      </dsp:spPr>
+      <dsp:style>
+        <a:lnRef idx="0">
+          <a:scrgbClr r="0" g="0" b="0"/>
+        </a:lnRef>
+        <a:fillRef idx="3">
+          <a:scrgbClr r="0" g="0" b="0"/>
+        </a:fillRef>
+        <a:effectRef idx="3">
+          <a:scrgbClr r="0" g="0" b="0"/>
+        </a:effectRef>
+        <a:fontRef idx="minor">
+          <a:schemeClr val="lt1"/>
+        </a:fontRef>
+      </dsp:style>
+      <dsp:txBody>
+        <a:bodyPr spcFirstLastPara="0" vert="horz" wrap="square" lIns="12700" tIns="12700" rIns="12700" bIns="12700" numCol="1" spcCol="1270" anchor="ctr" anchorCtr="0">
+          <a:noAutofit/>
+        </a:bodyPr>
+        <a:lstStyle/>
+        <a:p>
+          <a:pPr marL="0" lvl="0" indent="0" algn="ctr" defTabSz="889000">
+            <a:lnSpc>
+              <a:spcPct val="90000"/>
+            </a:lnSpc>
+            <a:spcBef>
+              <a:spcPct val="0"/>
+            </a:spcBef>
+            <a:spcAft>
+              <a:spcPct val="35000"/>
+            </a:spcAft>
+            <a:buNone/>
+          </a:pPr>
+          <a:r>
+            <a:rPr lang="en-US" sz="2000" b="0" kern="1200" dirty="0" err="1">
+              <a:latin typeface="Arial" panose="020B0604020202020204" pitchFamily="34" charset="0"/>
+              <a:cs typeface="Arial" panose="020B0604020202020204" pitchFamily="34" charset="0"/>
+            </a:rPr>
+            <a:t>RuntimeConfig</a:t>
+          </a:r>
+          <a:endParaRPr lang="en-US" sz="2000" b="0" kern="1200" dirty="0">
+            <a:latin typeface="Arial" panose="020B0604020202020204" pitchFamily="34" charset="0"/>
+            <a:cs typeface="Arial" panose="020B0604020202020204" pitchFamily="34" charset="0"/>
+          </a:endParaRPr>
+        </a:p>
+        <a:p>
+          <a:pPr marL="0" lvl="0" indent="0" algn="ctr" defTabSz="889000">
+            <a:lnSpc>
+              <a:spcPct val="90000"/>
+            </a:lnSpc>
+            <a:spcBef>
+              <a:spcPct val="0"/>
+            </a:spcBef>
+            <a:spcAft>
+              <a:spcPct val="35000"/>
+            </a:spcAft>
+            <a:buNone/>
+          </a:pPr>
+          <a:r>
+            <a:rPr lang="en-US" sz="1200" b="0" kern="1200" dirty="0">
+              <a:latin typeface="Arial" panose="020B0604020202020204" pitchFamily="34" charset="0"/>
+              <a:cs typeface="Arial" panose="020B0604020202020204" pitchFamily="34" charset="0"/>
+            </a:rPr>
+            <a:t>User customizations</a:t>
+          </a:r>
+        </a:p>
+      </dsp:txBody>
+      <dsp:txXfrm>
+        <a:off x="1657454" y="764437"/>
+        <a:ext cx="2839377" cy="865663"/>
       </dsp:txXfrm>
     </dsp:sp>
     <dsp:sp modelId="{576BC15B-169B-4BA9-BA1B-CA768D797C57}">
@@ -2313,8 +2494,8 @@
       </dsp:nvSpPr>
       <dsp:spPr>
         <a:xfrm>
-          <a:off x="1517701" y="1106447"/>
-          <a:ext cx="3004265" cy="915934"/>
+          <a:off x="1657454" y="1846517"/>
+          <a:ext cx="2839377" cy="865663"/>
         </a:xfrm>
         <a:prstGeom prst="rect">
           <a:avLst/>
@@ -2402,16 +2583,62 @@
           </a:pPr>
           <a:r>
             <a:rPr lang="en-US" sz="2000" b="0" kern="1200" dirty="0">
-              <a:latin typeface="Aharoni" panose="020B0604020202020204" pitchFamily="2" charset="-79"/>
-              <a:cs typeface="Aharoni" panose="020B0604020202020204" pitchFamily="2" charset="-79"/>
+              <a:latin typeface="Arial" panose="020B0604020202020204" pitchFamily="34" charset="0"/>
+              <a:cs typeface="Arial" panose="020B0604020202020204" pitchFamily="34" charset="0"/>
             </a:rPr>
             <a:t>Subject</a:t>
           </a:r>
         </a:p>
+        <a:p>
+          <a:pPr marL="0" lvl="0" indent="0" algn="ctr" defTabSz="889000">
+            <a:lnSpc>
+              <a:spcPct val="90000"/>
+            </a:lnSpc>
+            <a:spcBef>
+              <a:spcPct val="0"/>
+            </a:spcBef>
+            <a:spcAft>
+              <a:spcPct val="35000"/>
+            </a:spcAft>
+            <a:buNone/>
+          </a:pPr>
+          <a:r>
+            <a:rPr lang="en-US" sz="1200" b="0" kern="1200" dirty="0">
+              <a:latin typeface="Arial" panose="020B0604020202020204" pitchFamily="34" charset="0"/>
+              <a:cs typeface="Arial" panose="020B0604020202020204" pitchFamily="34" charset="0"/>
+            </a:rPr>
+            <a:t>Identifying &amp; descriptive information</a:t>
+          </a:r>
+        </a:p>
+        <a:p>
+          <a:pPr marL="0" lvl="0" indent="0" algn="ctr" defTabSz="889000">
+            <a:lnSpc>
+              <a:spcPct val="90000"/>
+            </a:lnSpc>
+            <a:spcBef>
+              <a:spcPct val="0"/>
+            </a:spcBef>
+            <a:spcAft>
+              <a:spcPct val="35000"/>
+            </a:spcAft>
+            <a:buNone/>
+          </a:pPr>
+          <a:r>
+            <a:rPr lang="en-US" sz="1200" b="0" kern="1200" dirty="0">
+              <a:latin typeface="Arial" panose="020B0604020202020204" pitchFamily="34" charset="0"/>
+              <a:cs typeface="Arial" panose="020B0604020202020204" pitchFamily="34" charset="0"/>
+            </a:rPr>
+            <a:t>Subject-specific protocols</a:t>
+          </a:r>
+          <a:endParaRPr lang="en-US" sz="2000" b="0" kern="1200" dirty="0">
+            <a:latin typeface="Arial" panose="020B0604020202020204" pitchFamily="34" charset="0"/>
+            <a:cs typeface="Arial" panose="020B0604020202020204" pitchFamily="34" charset="0"/>
+          </a:endParaRPr>
+        </a:p>
       </dsp:txBody>
       <dsp:txXfrm>
-        <a:off x="1517701" y="1106447"/>
-        <a:ext cx="3004265" cy="915934"/>
+        <a:off x="1657454" y="1846517"/>
+        <a:ext cx="2839377" cy="865663"/>
       </dsp:txXfrm>
     </dsp:sp>
     <dsp:sp modelId="{23C82D94-A270-4AB9-8A2D-D31F996A4AF1}">
@@ -2421,8 +2648,8 @@
       </dsp:nvSpPr>
       <dsp:spPr>
         <a:xfrm>
-          <a:off x="1517701" y="2251366"/>
-          <a:ext cx="3004265" cy="915934"/>
+          <a:off x="1657454" y="2928597"/>
+          <a:ext cx="2839377" cy="865663"/>
         </a:xfrm>
         <a:prstGeom prst="rect">
           <a:avLst/>
@@ -2510,99 +2737,12 @@
           </a:pPr>
           <a:r>
             <a:rPr lang="en-US" sz="2000" b="0" kern="1200" dirty="0">
-              <a:latin typeface="Aharoni" panose="020B0604020202020204" pitchFamily="2" charset="-79"/>
-              <a:cs typeface="Aharoni" panose="020B0604020202020204" pitchFamily="2" charset="-79"/>
+              <a:latin typeface="Arial" panose="020B0604020202020204" pitchFamily="34" charset="0"/>
+              <a:cs typeface="Arial" panose="020B0604020202020204" pitchFamily="34" charset="0"/>
             </a:rPr>
             <a:t>Hardware</a:t>
           </a:r>
         </a:p>
-      </dsp:txBody>
-      <dsp:txXfrm>
-        <a:off x="1517701" y="2251366"/>
-        <a:ext cx="3004265" cy="915934"/>
-      </dsp:txXfrm>
-    </dsp:sp>
-    <dsp:sp modelId="{C63E3B85-DB6F-4358-AD04-C7E79D27D0F9}">
-      <dsp:nvSpPr>
-        <dsp:cNvPr id="0" name=""/>
-        <dsp:cNvSpPr/>
-      </dsp:nvSpPr>
-      <dsp:spPr>
-        <a:xfrm>
-          <a:off x="5122820" y="533988"/>
-          <a:ext cx="3004265" cy="915934"/>
-        </a:xfrm>
-        <a:prstGeom prst="rect">
-          <a:avLst/>
-        </a:prstGeom>
-        <a:gradFill rotWithShape="0">
-          <a:gsLst>
-            <a:gs pos="0">
-              <a:schemeClr val="accent5">
-                <a:hueOff val="0"/>
-                <a:satOff val="0"/>
-                <a:lumOff val="0"/>
-                <a:alphaOff val="0"/>
-                <a:satMod val="103000"/>
-                <a:lumMod val="102000"/>
-                <a:tint val="94000"/>
-              </a:schemeClr>
-            </a:gs>
-            <a:gs pos="50000">
-              <a:schemeClr val="accent5">
-                <a:hueOff val="0"/>
-                <a:satOff val="0"/>
-                <a:lumOff val="0"/>
-                <a:alphaOff val="0"/>
-                <a:satMod val="110000"/>
-                <a:lumMod val="100000"/>
-                <a:shade val="100000"/>
-              </a:schemeClr>
-            </a:gs>
-            <a:gs pos="100000">
-              <a:schemeClr val="accent5">
-                <a:hueOff val="0"/>
-                <a:satOff val="0"/>
-                <a:lumOff val="0"/>
-                <a:alphaOff val="0"/>
-                <a:lumMod val="99000"/>
-                <a:satMod val="120000"/>
-                <a:shade val="78000"/>
-              </a:schemeClr>
-            </a:gs>
-          </a:gsLst>
-          <a:lin ang="5400000" scaled="0"/>
-        </a:gradFill>
-        <a:ln>
-          <a:noFill/>
-        </a:ln>
-        <a:effectLst>
-          <a:outerShdw blurRad="57150" dist="19050" dir="5400000" algn="ctr" rotWithShape="0">
-            <a:srgbClr val="000000">
-              <a:alpha val="63000"/>
-            </a:srgbClr>
-          </a:outerShdw>
-        </a:effectLst>
-      </dsp:spPr>
-      <dsp:style>
-        <a:lnRef idx="0">
-          <a:scrgbClr r="0" g="0" b="0"/>
-        </a:lnRef>
-        <a:fillRef idx="3">
-          <a:scrgbClr r="0" g="0" b="0"/>
-        </a:fillRef>
-        <a:effectRef idx="3">
-          <a:scrgbClr r="0" g="0" b="0"/>
-        </a:effectRef>
-        <a:fontRef idx="minor">
-          <a:schemeClr val="lt1"/>
-        </a:fontRef>
-      </dsp:style>
-      <dsp:txBody>
-        <a:bodyPr spcFirstLastPara="0" vert="horz" wrap="square" lIns="12700" tIns="12700" rIns="12700" bIns="12700" numCol="1" spcCol="1270" anchor="ctr" anchorCtr="0">
-          <a:noAutofit/>
-        </a:bodyPr>
-        <a:lstStyle/>
         <a:p>
           <a:pPr marL="0" lvl="0" indent="0" algn="ctr" defTabSz="889000">
             <a:lnSpc>
@@ -2617,32 +2757,28 @@
             <a:buNone/>
           </a:pPr>
           <a:r>
-            <a:rPr lang="en-US" sz="2000" b="0" kern="1200">
-              <a:latin typeface="Aharoni" panose="020B0604020202020204" pitchFamily="2" charset="-79"/>
-              <a:cs typeface="Aharoni" panose="020B0604020202020204" pitchFamily="2" charset="-79"/>
+            <a:rPr lang="en-US" sz="1200" b="0" kern="1200" dirty="0">
+              <a:latin typeface="Arial" panose="020B0604020202020204" pitchFamily="34" charset="0"/>
+              <a:cs typeface="Arial" panose="020B0604020202020204" pitchFamily="34" charset="0"/>
             </a:rPr>
-            <a:t>TDTActiveX</a:t>
+            <a:t>Abstraction layer</a:t>
           </a:r>
-          <a:endParaRPr lang="en-US" sz="2000" b="0" kern="1200" dirty="0">
-            <a:latin typeface="Aharoni" panose="020B0604020202020204" pitchFamily="2" charset="-79"/>
-            <a:cs typeface="Aharoni" panose="020B0604020202020204" pitchFamily="2" charset="-79"/>
-          </a:endParaRPr>
         </a:p>
       </dsp:txBody>
       <dsp:txXfrm>
-        <a:off x="5122820" y="533988"/>
-        <a:ext cx="3004265" cy="915934"/>
+        <a:off x="1657454" y="2928597"/>
+        <a:ext cx="2839377" cy="865663"/>
       </dsp:txXfrm>
     </dsp:sp>
-    <dsp:sp modelId="{CC83036E-2DF9-4076-BD5A-4FFFC4C489CB}">
+    <dsp:sp modelId="{C63E3B85-DB6F-4358-AD04-C7E79D27D0F9}">
       <dsp:nvSpPr>
         <dsp:cNvPr id="0" name=""/>
         <dsp:cNvSpPr/>
       </dsp:nvSpPr>
       <dsp:spPr>
         <a:xfrm>
-          <a:off x="5122820" y="1678907"/>
-          <a:ext cx="3004265" cy="915934"/>
+          <a:off x="5064707" y="1305477"/>
+          <a:ext cx="2839377" cy="865663"/>
         </a:xfrm>
         <a:prstGeom prst="rect">
           <a:avLst/>
@@ -2730,31 +2866,31 @@
           </a:pPr>
           <a:r>
             <a:rPr lang="en-US" sz="2000" b="0" kern="1200" dirty="0" err="1">
-              <a:latin typeface="Aharoni" panose="020B0604020202020204" pitchFamily="2" charset="-79"/>
-              <a:cs typeface="Aharoni" panose="020B0604020202020204" pitchFamily="2" charset="-79"/>
+              <a:latin typeface="Arial" panose="020B0604020202020204" pitchFamily="34" charset="0"/>
+              <a:cs typeface="Arial" panose="020B0604020202020204" pitchFamily="34" charset="0"/>
             </a:rPr>
-            <a:t>TDTSynapse</a:t>
+            <a:t>TDTActiveX</a:t>
           </a:r>
           <a:endParaRPr lang="en-US" sz="2000" b="0" kern="1200" dirty="0">
-            <a:latin typeface="Aharoni" panose="020B0604020202020204" pitchFamily="2" charset="-79"/>
-            <a:cs typeface="Aharoni" panose="020B0604020202020204" pitchFamily="2" charset="-79"/>
+            <a:latin typeface="Arial" panose="020B0604020202020204" pitchFamily="34" charset="0"/>
+            <a:cs typeface="Arial" panose="020B0604020202020204" pitchFamily="34" charset="0"/>
           </a:endParaRPr>
         </a:p>
       </dsp:txBody>
       <dsp:txXfrm>
-        <a:off x="5122820" y="1678907"/>
-        <a:ext cx="3004265" cy="915934"/>
+        <a:off x="5064707" y="1305477"/>
+        <a:ext cx="2839377" cy="865663"/>
       </dsp:txXfrm>
     </dsp:sp>
-    <dsp:sp modelId="{599E43A8-1BED-49D5-BE29-4DA6FD83C36B}">
+    <dsp:sp modelId="{CC83036E-2DF9-4076-BD5A-4FFFC4C489CB}">
       <dsp:nvSpPr>
         <dsp:cNvPr id="0" name=""/>
         <dsp:cNvSpPr/>
       </dsp:nvSpPr>
       <dsp:spPr>
         <a:xfrm>
-          <a:off x="5122820" y="2823825"/>
-          <a:ext cx="3004265" cy="915934"/>
+          <a:off x="5064707" y="2387557"/>
+          <a:ext cx="2839377" cy="865663"/>
         </a:xfrm>
         <a:prstGeom prst="rect">
           <a:avLst/>
@@ -2842,20 +2978,132 @@
           </a:pPr>
           <a:r>
             <a:rPr lang="en-US" sz="2000" b="0" kern="1200" dirty="0" err="1">
-              <a:latin typeface="Aharoni" panose="020B0604020202020204" pitchFamily="2" charset="-79"/>
-              <a:cs typeface="Aharoni" panose="020B0604020202020204" pitchFamily="2" charset="-79"/>
+              <a:latin typeface="Arial" panose="020B0604020202020204" pitchFamily="34" charset="0"/>
+              <a:cs typeface="Arial" panose="020B0604020202020204" pitchFamily="34" charset="0"/>
+            </a:rPr>
+            <a:t>TDTSynapse</a:t>
+          </a:r>
+          <a:endParaRPr lang="en-US" sz="2000" b="0" kern="1200" dirty="0">
+            <a:latin typeface="Arial" panose="020B0604020202020204" pitchFamily="34" charset="0"/>
+            <a:cs typeface="Arial" panose="020B0604020202020204" pitchFamily="34" charset="0"/>
+          </a:endParaRPr>
+        </a:p>
+      </dsp:txBody>
+      <dsp:txXfrm>
+        <a:off x="5064707" y="2387557"/>
+        <a:ext cx="2839377" cy="865663"/>
+      </dsp:txXfrm>
+    </dsp:sp>
+    <dsp:sp modelId="{599E43A8-1BED-49D5-BE29-4DA6FD83C36B}">
+      <dsp:nvSpPr>
+        <dsp:cNvPr id="0" name=""/>
+        <dsp:cNvSpPr/>
+      </dsp:nvSpPr>
+      <dsp:spPr>
+        <a:xfrm>
+          <a:off x="5064707" y="3469636"/>
+          <a:ext cx="2839377" cy="865663"/>
+        </a:xfrm>
+        <a:prstGeom prst="rect">
+          <a:avLst/>
+        </a:prstGeom>
+        <a:gradFill rotWithShape="0">
+          <a:gsLst>
+            <a:gs pos="0">
+              <a:schemeClr val="accent5">
+                <a:hueOff val="0"/>
+                <a:satOff val="0"/>
+                <a:lumOff val="0"/>
+                <a:alphaOff val="0"/>
+                <a:satMod val="103000"/>
+                <a:lumMod val="102000"/>
+                <a:tint val="94000"/>
+              </a:schemeClr>
+            </a:gs>
+            <a:gs pos="50000">
+              <a:schemeClr val="accent5">
+                <a:hueOff val="0"/>
+                <a:satOff val="0"/>
+                <a:lumOff val="0"/>
+                <a:alphaOff val="0"/>
+                <a:satMod val="110000"/>
+                <a:lumMod val="100000"/>
+                <a:shade val="100000"/>
+              </a:schemeClr>
+            </a:gs>
+            <a:gs pos="100000">
+              <a:schemeClr val="accent5">
+                <a:hueOff val="0"/>
+                <a:satOff val="0"/>
+                <a:lumOff val="0"/>
+                <a:alphaOff val="0"/>
+                <a:lumMod val="99000"/>
+                <a:satMod val="120000"/>
+                <a:shade val="78000"/>
+              </a:schemeClr>
+            </a:gs>
+          </a:gsLst>
+          <a:lin ang="5400000" scaled="0"/>
+        </a:gradFill>
+        <a:ln>
+          <a:noFill/>
+        </a:ln>
+        <a:effectLst>
+          <a:outerShdw blurRad="57150" dist="19050" dir="5400000" algn="ctr" rotWithShape="0">
+            <a:srgbClr val="000000">
+              <a:alpha val="63000"/>
+            </a:srgbClr>
+          </a:outerShdw>
+        </a:effectLst>
+      </dsp:spPr>
+      <dsp:style>
+        <a:lnRef idx="0">
+          <a:scrgbClr r="0" g="0" b="0"/>
+        </a:lnRef>
+        <a:fillRef idx="3">
+          <a:scrgbClr r="0" g="0" b="0"/>
+        </a:fillRef>
+        <a:effectRef idx="3">
+          <a:scrgbClr r="0" g="0" b="0"/>
+        </a:effectRef>
+        <a:fontRef idx="minor">
+          <a:schemeClr val="lt1"/>
+        </a:fontRef>
+      </dsp:style>
+      <dsp:txBody>
+        <a:bodyPr spcFirstLastPara="0" vert="horz" wrap="square" lIns="12700" tIns="12700" rIns="12700" bIns="12700" numCol="1" spcCol="1270" anchor="ctr" anchorCtr="0">
+          <a:noAutofit/>
+        </a:bodyPr>
+        <a:lstStyle/>
+        <a:p>
+          <a:pPr marL="0" lvl="0" indent="0" algn="ctr" defTabSz="889000">
+            <a:lnSpc>
+              <a:spcPct val="90000"/>
+            </a:lnSpc>
+            <a:spcBef>
+              <a:spcPct val="0"/>
+            </a:spcBef>
+            <a:spcAft>
+              <a:spcPct val="35000"/>
+            </a:spcAft>
+            <a:buNone/>
+          </a:pPr>
+          <a:r>
+            <a:rPr lang="en-US" sz="2000" b="0" kern="1200" dirty="0" err="1">
+              <a:latin typeface="Arial" panose="020B0604020202020204" pitchFamily="34" charset="0"/>
+              <a:cs typeface="Arial" panose="020B0604020202020204" pitchFamily="34" charset="0"/>
             </a:rPr>
             <a:t>NationalInstruments</a:t>
           </a:r>
           <a:endParaRPr lang="en-US" sz="2000" b="0" kern="1200" dirty="0">
-            <a:latin typeface="Aharoni" panose="020B0604020202020204" pitchFamily="2" charset="-79"/>
-            <a:cs typeface="Aharoni" panose="020B0604020202020204" pitchFamily="2" charset="-79"/>
+            <a:latin typeface="Arial" panose="020B0604020202020204" pitchFamily="34" charset="0"/>
+            <a:cs typeface="Arial" panose="020B0604020202020204" pitchFamily="34" charset="0"/>
           </a:endParaRPr>
         </a:p>
       </dsp:txBody>
       <dsp:txXfrm>
-        <a:off x="5122820" y="2823825"/>
-        <a:ext cx="3004265" cy="915934"/>
+        <a:off x="5064707" y="3469636"/>
+        <a:ext cx="2839377" cy="865663"/>
       </dsp:txXfrm>
     </dsp:sp>
     <dsp:sp modelId="{8D515895-ACF2-4C34-9E6A-146C8645314E}">
@@ -2865,8 +3113,8 @@
       </dsp:nvSpPr>
       <dsp:spPr>
         <a:xfrm>
-          <a:off x="5122820" y="3968743"/>
-          <a:ext cx="3004265" cy="915934"/>
+          <a:off x="5064707" y="4551716"/>
+          <a:ext cx="2839377" cy="865663"/>
         </a:xfrm>
         <a:prstGeom prst="rect">
           <a:avLst/>
@@ -2954,124 +3202,16 @@
           </a:pPr>
           <a:r>
             <a:rPr lang="en-US" sz="2000" b="0" kern="1200" dirty="0">
-              <a:latin typeface="Aharoni" panose="020B0604020202020204" pitchFamily="2" charset="-79"/>
-              <a:cs typeface="Aharoni" panose="020B0604020202020204" pitchFamily="2" charset="-79"/>
+              <a:latin typeface="Arial" panose="020B0604020202020204" pitchFamily="34" charset="0"/>
+              <a:cs typeface="Arial" panose="020B0604020202020204" pitchFamily="34" charset="0"/>
             </a:rPr>
             <a:t>Some new system interface…</a:t>
           </a:r>
         </a:p>
       </dsp:txBody>
       <dsp:txXfrm>
-        <a:off x="5122820" y="3968743"/>
-        <a:ext cx="3004265" cy="915934"/>
-      </dsp:txXfrm>
-    </dsp:sp>
-    <dsp:sp modelId="{8BFE763E-1F61-43EB-86C6-6758D7B275C0}">
-      <dsp:nvSpPr>
-        <dsp:cNvPr id="0" name=""/>
-        <dsp:cNvSpPr/>
-      </dsp:nvSpPr>
-      <dsp:spPr>
-        <a:xfrm>
-          <a:off x="1517701" y="3396284"/>
-          <a:ext cx="3004265" cy="915934"/>
-        </a:xfrm>
-        <a:prstGeom prst="rect">
-          <a:avLst/>
-        </a:prstGeom>
-        <a:gradFill rotWithShape="0">
-          <a:gsLst>
-            <a:gs pos="0">
-              <a:schemeClr val="accent4">
-                <a:hueOff val="0"/>
-                <a:satOff val="0"/>
-                <a:lumOff val="0"/>
-                <a:alphaOff val="0"/>
-                <a:satMod val="103000"/>
-                <a:lumMod val="102000"/>
-                <a:tint val="94000"/>
-              </a:schemeClr>
-            </a:gs>
-            <a:gs pos="50000">
-              <a:schemeClr val="accent4">
-                <a:hueOff val="0"/>
-                <a:satOff val="0"/>
-                <a:lumOff val="0"/>
-                <a:alphaOff val="0"/>
-                <a:satMod val="110000"/>
-                <a:lumMod val="100000"/>
-                <a:shade val="100000"/>
-              </a:schemeClr>
-            </a:gs>
-            <a:gs pos="100000">
-              <a:schemeClr val="accent4">
-                <a:hueOff val="0"/>
-                <a:satOff val="0"/>
-                <a:lumOff val="0"/>
-                <a:alphaOff val="0"/>
-                <a:lumMod val="99000"/>
-                <a:satMod val="120000"/>
-                <a:shade val="78000"/>
-              </a:schemeClr>
-            </a:gs>
-          </a:gsLst>
-          <a:lin ang="5400000" scaled="0"/>
-        </a:gradFill>
-        <a:ln>
-          <a:noFill/>
-        </a:ln>
-        <a:effectLst>
-          <a:outerShdw blurRad="57150" dist="19050" dir="5400000" algn="ctr" rotWithShape="0">
-            <a:srgbClr val="000000">
-              <a:alpha val="63000"/>
-            </a:srgbClr>
-          </a:outerShdw>
-        </a:effectLst>
-      </dsp:spPr>
-      <dsp:style>
-        <a:lnRef idx="0">
-          <a:scrgbClr r="0" g="0" b="0"/>
-        </a:lnRef>
-        <a:fillRef idx="3">
-          <a:scrgbClr r="0" g="0" b="0"/>
-        </a:fillRef>
-        <a:effectRef idx="3">
-          <a:scrgbClr r="0" g="0" b="0"/>
-        </a:effectRef>
-        <a:fontRef idx="minor">
-          <a:schemeClr val="lt1"/>
-        </a:fontRef>
-      </dsp:style>
-      <dsp:txBody>
-        <a:bodyPr spcFirstLastPara="0" vert="horz" wrap="square" lIns="12700" tIns="12700" rIns="12700" bIns="12700" numCol="1" spcCol="1270" anchor="ctr" anchorCtr="0">
-          <a:noAutofit/>
-        </a:bodyPr>
-        <a:lstStyle/>
-        <a:p>
-          <a:pPr marL="0" lvl="0" indent="0" algn="ctr" defTabSz="889000">
-            <a:lnSpc>
-              <a:spcPct val="90000"/>
-            </a:lnSpc>
-            <a:spcBef>
-              <a:spcPct val="0"/>
-            </a:spcBef>
-            <a:spcAft>
-              <a:spcPct val="35000"/>
-            </a:spcAft>
-            <a:buNone/>
-          </a:pPr>
-          <a:r>
-            <a:rPr lang="en-US" sz="2000" b="0" kern="1200" dirty="0">
-              <a:latin typeface="Aharoni" panose="020B0604020202020204" pitchFamily="2" charset="-79"/>
-              <a:cs typeface="Aharoni" panose="020B0604020202020204" pitchFamily="2" charset="-79"/>
-            </a:rPr>
-            <a:t>Config</a:t>
-          </a:r>
-        </a:p>
-      </dsp:txBody>
-      <dsp:txXfrm>
-        <a:off x="1517701" y="3396284"/>
-        <a:ext cx="3004265" cy="915934"/>
+        <a:off x="5064707" y="4551716"/>
+        <a:ext cx="2839377" cy="865663"/>
       </dsp:txXfrm>
     </dsp:sp>
   </dsp:spTree>
@@ -7662,7 +7802,7 @@
           <p:nvPr>
             <p:extLst>
               <p:ext uri="{D42A27DB-BD31-4B8C-83A1-F6EECF244321}">
-                <p14:modId xmlns:p14="http://schemas.microsoft.com/office/powerpoint/2010/main" val="2645724648"/>
+                <p14:modId xmlns:p14="http://schemas.microsoft.com/office/powerpoint/2010/main" val="3297145875"/>
               </p:ext>
             </p:extLst>
           </p:nvPr>

--- a/epsych_v2_design.pptx
+++ b/epsych_v2_design.pptx
@@ -6,6 +6,7 @@
   </p:sldMasterIdLst>
   <p:sldIdLst>
     <p:sldId id="256" r:id="rId2"/>
+    <p:sldId id="257" r:id="rId3"/>
   </p:sldIdLst>
   <p:sldSz cx="12192000" cy="6858000"/>
   <p:notesSz cx="6858000" cy="9144000"/>
@@ -104,6 +105,11 @@
       </a:defRPr>
     </a:lvl9pPr>
   </p:defaultTextStyle>
+  <p:extLst>
+    <p:ext uri="{EFAFB233-063F-42B5-8137-9DF3F51BA10A}">
+      <p15:sldGuideLst xmlns:p15="http://schemas.microsoft.com/office/powerpoint/2012/main"/>
+    </p:ext>
+  </p:extLst>
 </p:presentation>
 </file>
 
@@ -855,6 +861,886 @@
   <dgm:styleLbl name="fgShp">
     <dgm:fillClrLst meth="repeat">
       <a:schemeClr val="accent3">
+        <a:tint val="40000"/>
+      </a:schemeClr>
+    </dgm:fillClrLst>
+    <dgm:linClrLst meth="repeat">
+      <a:schemeClr val="lt1"/>
+    </dgm:linClrLst>
+    <dgm:effectClrLst/>
+    <dgm:txLinClrLst/>
+    <dgm:txFillClrLst meth="repeat">
+      <a:schemeClr val="dk1"/>
+    </dgm:txFillClrLst>
+    <dgm:txEffectClrLst/>
+  </dgm:styleLbl>
+  <dgm:styleLbl name="revTx">
+    <dgm:fillClrLst meth="repeat">
+      <a:schemeClr val="lt1">
+        <a:alpha val="0"/>
+      </a:schemeClr>
+    </dgm:fillClrLst>
+    <dgm:linClrLst meth="repeat">
+      <a:schemeClr val="dk1">
+        <a:alpha val="0"/>
+      </a:schemeClr>
+    </dgm:linClrLst>
+    <dgm:effectClrLst/>
+    <dgm:txLinClrLst/>
+    <dgm:txFillClrLst meth="repeat">
+      <a:schemeClr val="tx1"/>
+    </dgm:txFillClrLst>
+    <dgm:txEffectClrLst/>
+  </dgm:styleLbl>
+</dgm:colorsDef>
+</file>
+
+<file path=ppt/diagrams/colors2.xml><?xml version="1.0" encoding="utf-8"?>
+<dgm:colorsDef xmlns:dgm="http://schemas.openxmlformats.org/drawingml/2006/diagram" xmlns:a="http://schemas.openxmlformats.org/drawingml/2006/main" uniqueId="urn:microsoft.com/office/officeart/2005/8/colors/accent4_5">
+  <dgm:title val=""/>
+  <dgm:desc val=""/>
+  <dgm:catLst>
+    <dgm:cat type="accent4" pri="11500"/>
+  </dgm:catLst>
+  <dgm:styleLbl name="node0">
+    <dgm:fillClrLst meth="cycle">
+      <a:schemeClr val="accent4">
+        <a:alpha val="80000"/>
+      </a:schemeClr>
+    </dgm:fillClrLst>
+    <dgm:linClrLst meth="repeat">
+      <a:schemeClr val="lt1"/>
+    </dgm:linClrLst>
+    <dgm:effectClrLst/>
+    <dgm:txLinClrLst/>
+    <dgm:txFillClrLst/>
+    <dgm:txEffectClrLst/>
+  </dgm:styleLbl>
+  <dgm:styleLbl name="node1">
+    <dgm:fillClrLst>
+      <a:schemeClr val="accent4">
+        <a:alpha val="90000"/>
+      </a:schemeClr>
+      <a:schemeClr val="accent4">
+        <a:alpha val="50000"/>
+      </a:schemeClr>
+    </dgm:fillClrLst>
+    <dgm:linClrLst meth="repeat">
+      <a:schemeClr val="lt1"/>
+    </dgm:linClrLst>
+    <dgm:effectClrLst/>
+    <dgm:txLinClrLst/>
+    <dgm:txFillClrLst/>
+    <dgm:txEffectClrLst/>
+  </dgm:styleLbl>
+  <dgm:styleLbl name="alignNode1">
+    <dgm:fillClrLst>
+      <a:schemeClr val="accent4">
+        <a:alpha val="90000"/>
+      </a:schemeClr>
+      <a:schemeClr val="accent4">
+        <a:alpha val="50000"/>
+      </a:schemeClr>
+    </dgm:fillClrLst>
+    <dgm:linClrLst>
+      <a:schemeClr val="accent4">
+        <a:alpha val="90000"/>
+      </a:schemeClr>
+      <a:schemeClr val="accent4">
+        <a:alpha val="50000"/>
+      </a:schemeClr>
+    </dgm:linClrLst>
+    <dgm:effectClrLst/>
+    <dgm:txLinClrLst/>
+    <dgm:txFillClrLst/>
+    <dgm:txEffectClrLst/>
+  </dgm:styleLbl>
+  <dgm:styleLbl name="lnNode1">
+    <dgm:fillClrLst>
+      <a:schemeClr val="accent4">
+        <a:shade val="90000"/>
+      </a:schemeClr>
+      <a:schemeClr val="accent4">
+        <a:alpha val="50000"/>
+        <a:tint val="50000"/>
+      </a:schemeClr>
+    </dgm:fillClrLst>
+    <dgm:linClrLst meth="repeat">
+      <a:schemeClr val="lt1"/>
+    </dgm:linClrLst>
+    <dgm:effectClrLst/>
+    <dgm:txLinClrLst/>
+    <dgm:txFillClrLst/>
+    <dgm:txEffectClrLst/>
+  </dgm:styleLbl>
+  <dgm:styleLbl name="vennNode1">
+    <dgm:fillClrLst>
+      <a:schemeClr val="accent4">
+        <a:shade val="80000"/>
+        <a:alpha val="50000"/>
+      </a:schemeClr>
+      <a:schemeClr val="accent4">
+        <a:alpha val="80000"/>
+      </a:schemeClr>
+    </dgm:fillClrLst>
+    <dgm:linClrLst meth="repeat">
+      <a:schemeClr val="lt1"/>
+    </dgm:linClrLst>
+    <dgm:effectClrLst/>
+    <dgm:txLinClrLst/>
+    <dgm:txFillClrLst/>
+    <dgm:txEffectClrLst/>
+  </dgm:styleLbl>
+  <dgm:styleLbl name="node2">
+    <dgm:fillClrLst>
+      <a:schemeClr val="accent4">
+        <a:alpha val="70000"/>
+      </a:schemeClr>
+    </dgm:fillClrLst>
+    <dgm:linClrLst meth="repeat">
+      <a:schemeClr val="lt1"/>
+    </dgm:linClrLst>
+    <dgm:effectClrLst/>
+    <dgm:txLinClrLst/>
+    <dgm:txFillClrLst/>
+    <dgm:txEffectClrLst/>
+  </dgm:styleLbl>
+  <dgm:styleLbl name="node3">
+    <dgm:fillClrLst>
+      <a:schemeClr val="accent4">
+        <a:alpha val="50000"/>
+      </a:schemeClr>
+    </dgm:fillClrLst>
+    <dgm:linClrLst meth="repeat">
+      <a:schemeClr val="lt1"/>
+    </dgm:linClrLst>
+    <dgm:effectClrLst/>
+    <dgm:txLinClrLst/>
+    <dgm:txFillClrLst/>
+    <dgm:txEffectClrLst/>
+  </dgm:styleLbl>
+  <dgm:styleLbl name="node4">
+    <dgm:fillClrLst>
+      <a:schemeClr val="accent4">
+        <a:alpha val="30000"/>
+      </a:schemeClr>
+    </dgm:fillClrLst>
+    <dgm:linClrLst meth="repeat">
+      <a:schemeClr val="lt1"/>
+    </dgm:linClrLst>
+    <dgm:effectClrLst/>
+    <dgm:txLinClrLst/>
+    <dgm:txFillClrLst/>
+    <dgm:txEffectClrLst/>
+  </dgm:styleLbl>
+  <dgm:styleLbl name="fgImgPlace1">
+    <dgm:fillClrLst>
+      <a:schemeClr val="accent4">
+        <a:tint val="50000"/>
+        <a:alpha val="90000"/>
+      </a:schemeClr>
+      <a:schemeClr val="accent4">
+        <a:tint val="20000"/>
+        <a:alpha val="50000"/>
+      </a:schemeClr>
+    </dgm:fillClrLst>
+    <dgm:linClrLst meth="repeat">
+      <a:schemeClr val="lt1"/>
+    </dgm:linClrLst>
+    <dgm:effectClrLst/>
+    <dgm:txLinClrLst/>
+    <dgm:txFillClrLst meth="repeat">
+      <a:schemeClr val="lt1"/>
+    </dgm:txFillClrLst>
+    <dgm:txEffectClrLst/>
+  </dgm:styleLbl>
+  <dgm:styleLbl name="alignImgPlace1">
+    <dgm:fillClrLst>
+      <a:schemeClr val="accent4">
+        <a:tint val="50000"/>
+      </a:schemeClr>
+      <a:schemeClr val="accent4">
+        <a:tint val="20000"/>
+      </a:schemeClr>
+    </dgm:fillClrLst>
+    <dgm:linClrLst meth="repeat">
+      <a:schemeClr val="lt1"/>
+    </dgm:linClrLst>
+    <dgm:effectClrLst/>
+    <dgm:txLinClrLst/>
+    <dgm:txFillClrLst meth="repeat">
+      <a:schemeClr val="lt1"/>
+    </dgm:txFillClrLst>
+    <dgm:txEffectClrLst/>
+  </dgm:styleLbl>
+  <dgm:styleLbl name="bgImgPlace1">
+    <dgm:fillClrLst>
+      <a:schemeClr val="accent4">
+        <a:tint val="50000"/>
+      </a:schemeClr>
+      <a:schemeClr val="accent4">
+        <a:tint val="20000"/>
+      </a:schemeClr>
+    </dgm:fillClrLst>
+    <dgm:linClrLst meth="repeat">
+      <a:schemeClr val="lt1"/>
+    </dgm:linClrLst>
+    <dgm:effectClrLst/>
+    <dgm:txLinClrLst/>
+    <dgm:txFillClrLst meth="repeat">
+      <a:schemeClr val="lt1"/>
+    </dgm:txFillClrLst>
+    <dgm:txEffectClrLst/>
+  </dgm:styleLbl>
+  <dgm:styleLbl name="sibTrans2D1">
+    <dgm:fillClrLst>
+      <a:schemeClr val="accent4">
+        <a:shade val="90000"/>
+      </a:schemeClr>
+      <a:schemeClr val="accent4">
+        <a:tint val="50000"/>
+      </a:schemeClr>
+    </dgm:fillClrLst>
+    <dgm:linClrLst>
+      <a:schemeClr val="accent4">
+        <a:shade val="90000"/>
+      </a:schemeClr>
+      <a:schemeClr val="accent4">
+        <a:tint val="50000"/>
+      </a:schemeClr>
+    </dgm:linClrLst>
+    <dgm:effectClrLst/>
+    <dgm:txLinClrLst/>
+    <dgm:txFillClrLst/>
+    <dgm:txEffectClrLst/>
+  </dgm:styleLbl>
+  <dgm:styleLbl name="fgSibTrans2D1">
+    <dgm:fillClrLst>
+      <a:schemeClr val="accent4">
+        <a:shade val="90000"/>
+      </a:schemeClr>
+      <a:schemeClr val="accent4">
+        <a:tint val="50000"/>
+      </a:schemeClr>
+    </dgm:fillClrLst>
+    <dgm:linClrLst>
+      <a:schemeClr val="accent4">
+        <a:shade val="90000"/>
+      </a:schemeClr>
+      <a:schemeClr val="accent4">
+        <a:tint val="50000"/>
+      </a:schemeClr>
+    </dgm:linClrLst>
+    <dgm:effectClrLst/>
+    <dgm:txLinClrLst/>
+    <dgm:txFillClrLst/>
+    <dgm:txEffectClrLst/>
+  </dgm:styleLbl>
+  <dgm:styleLbl name="bgSibTrans2D1">
+    <dgm:fillClrLst>
+      <a:schemeClr val="accent4">
+        <a:shade val="90000"/>
+      </a:schemeClr>
+      <a:schemeClr val="accent4">
+        <a:tint val="50000"/>
+      </a:schemeClr>
+    </dgm:fillClrLst>
+    <dgm:linClrLst>
+      <a:schemeClr val="accent4">
+        <a:shade val="90000"/>
+      </a:schemeClr>
+      <a:schemeClr val="accent4">
+        <a:tint val="50000"/>
+      </a:schemeClr>
+    </dgm:linClrLst>
+    <dgm:effectClrLst/>
+    <dgm:txLinClrLst/>
+    <dgm:txFillClrLst/>
+    <dgm:txEffectClrLst/>
+  </dgm:styleLbl>
+  <dgm:styleLbl name="sibTrans1D1">
+    <dgm:fillClrLst>
+      <a:schemeClr val="accent4">
+        <a:shade val="90000"/>
+      </a:schemeClr>
+      <a:schemeClr val="accent4">
+        <a:tint val="50000"/>
+      </a:schemeClr>
+    </dgm:fillClrLst>
+    <dgm:linClrLst>
+      <a:schemeClr val="accent4">
+        <a:shade val="90000"/>
+      </a:schemeClr>
+      <a:schemeClr val="accent4">
+        <a:tint val="50000"/>
+      </a:schemeClr>
+    </dgm:linClrLst>
+    <dgm:effectClrLst/>
+    <dgm:txLinClrLst/>
+    <dgm:txFillClrLst meth="repeat">
+      <a:schemeClr val="tx1"/>
+    </dgm:txFillClrLst>
+    <dgm:txEffectClrLst/>
+  </dgm:styleLbl>
+  <dgm:styleLbl name="callout">
+    <dgm:fillClrLst meth="repeat">
+      <a:schemeClr val="accent4"/>
+    </dgm:fillClrLst>
+    <dgm:linClrLst meth="repeat">
+      <a:schemeClr val="accent4"/>
+    </dgm:linClrLst>
+    <dgm:effectClrLst/>
+    <dgm:txLinClrLst/>
+    <dgm:txFillClrLst meth="repeat">
+      <a:schemeClr val="tx1"/>
+    </dgm:txFillClrLst>
+    <dgm:txEffectClrLst/>
+  </dgm:styleLbl>
+  <dgm:styleLbl name="asst0">
+    <dgm:fillClrLst meth="repeat">
+      <a:schemeClr val="accent4">
+        <a:alpha val="90000"/>
+      </a:schemeClr>
+    </dgm:fillClrLst>
+    <dgm:linClrLst meth="repeat">
+      <a:schemeClr val="lt1"/>
+    </dgm:linClrLst>
+    <dgm:effectClrLst/>
+    <dgm:txLinClrLst/>
+    <dgm:txFillClrLst/>
+    <dgm:txEffectClrLst/>
+  </dgm:styleLbl>
+  <dgm:styleLbl name="asst1">
+    <dgm:fillClrLst meth="repeat">
+      <a:schemeClr val="accent4">
+        <a:alpha val="90000"/>
+      </a:schemeClr>
+    </dgm:fillClrLst>
+    <dgm:linClrLst meth="repeat">
+      <a:schemeClr val="lt1"/>
+    </dgm:linClrLst>
+    <dgm:effectClrLst/>
+    <dgm:txLinClrLst/>
+    <dgm:txFillClrLst/>
+    <dgm:txEffectClrLst/>
+  </dgm:styleLbl>
+  <dgm:styleLbl name="asst2">
+    <dgm:fillClrLst>
+      <a:schemeClr val="accent4">
+        <a:alpha val="90000"/>
+      </a:schemeClr>
+    </dgm:fillClrLst>
+    <dgm:linClrLst meth="repeat">
+      <a:schemeClr val="lt1"/>
+    </dgm:linClrLst>
+    <dgm:effectClrLst/>
+    <dgm:txLinClrLst/>
+    <dgm:txFillClrLst/>
+    <dgm:txEffectClrLst/>
+  </dgm:styleLbl>
+  <dgm:styleLbl name="asst3">
+    <dgm:fillClrLst>
+      <a:schemeClr val="accent4">
+        <a:alpha val="70000"/>
+      </a:schemeClr>
+    </dgm:fillClrLst>
+    <dgm:linClrLst meth="repeat">
+      <a:schemeClr val="lt1"/>
+    </dgm:linClrLst>
+    <dgm:effectClrLst/>
+    <dgm:txLinClrLst/>
+    <dgm:txFillClrLst/>
+    <dgm:txEffectClrLst/>
+  </dgm:styleLbl>
+  <dgm:styleLbl name="asst4">
+    <dgm:fillClrLst>
+      <a:schemeClr val="accent4">
+        <a:alpha val="50000"/>
+      </a:schemeClr>
+    </dgm:fillClrLst>
+    <dgm:linClrLst meth="repeat">
+      <a:schemeClr val="lt1"/>
+    </dgm:linClrLst>
+    <dgm:effectClrLst/>
+    <dgm:txLinClrLst/>
+    <dgm:txFillClrLst/>
+    <dgm:txEffectClrLst/>
+  </dgm:styleLbl>
+  <dgm:styleLbl name="parChTrans2D1">
+    <dgm:fillClrLst meth="repeat">
+      <a:schemeClr val="accent4">
+        <a:shade val="80000"/>
+      </a:schemeClr>
+    </dgm:fillClrLst>
+    <dgm:linClrLst meth="repeat">
+      <a:schemeClr val="accent4">
+        <a:shade val="80000"/>
+      </a:schemeClr>
+    </dgm:linClrLst>
+    <dgm:effectClrLst/>
+    <dgm:txLinClrLst/>
+    <dgm:txFillClrLst/>
+    <dgm:txEffectClrLst/>
+  </dgm:styleLbl>
+  <dgm:styleLbl name="parChTrans2D2">
+    <dgm:fillClrLst meth="repeat">
+      <a:schemeClr val="accent4">
+        <a:tint val="90000"/>
+      </a:schemeClr>
+    </dgm:fillClrLst>
+    <dgm:linClrLst meth="repeat">
+      <a:schemeClr val="accent4">
+        <a:tint val="90000"/>
+      </a:schemeClr>
+    </dgm:linClrLst>
+    <dgm:effectClrLst/>
+    <dgm:txLinClrLst/>
+    <dgm:txFillClrLst/>
+    <dgm:txEffectClrLst/>
+  </dgm:styleLbl>
+  <dgm:styleLbl name="parChTrans2D3">
+    <dgm:fillClrLst meth="repeat">
+      <a:schemeClr val="accent4">
+        <a:tint val="70000"/>
+      </a:schemeClr>
+    </dgm:fillClrLst>
+    <dgm:linClrLst meth="repeat">
+      <a:schemeClr val="accent4">
+        <a:tint val="70000"/>
+      </a:schemeClr>
+    </dgm:linClrLst>
+    <dgm:effectClrLst/>
+    <dgm:txLinClrLst/>
+    <dgm:txFillClrLst/>
+    <dgm:txEffectClrLst/>
+  </dgm:styleLbl>
+  <dgm:styleLbl name="parChTrans2D4">
+    <dgm:fillClrLst meth="repeat">
+      <a:schemeClr val="accent4">
+        <a:tint val="50000"/>
+      </a:schemeClr>
+    </dgm:fillClrLst>
+    <dgm:linClrLst meth="repeat">
+      <a:schemeClr val="accent4">
+        <a:tint val="50000"/>
+      </a:schemeClr>
+    </dgm:linClrLst>
+    <dgm:effectClrLst/>
+    <dgm:txLinClrLst/>
+    <dgm:txFillClrLst meth="repeat">
+      <a:schemeClr val="dk1"/>
+    </dgm:txFillClrLst>
+    <dgm:txEffectClrLst/>
+  </dgm:styleLbl>
+  <dgm:styleLbl name="parChTrans1D1">
+    <dgm:fillClrLst meth="repeat">
+      <a:schemeClr val="accent4">
+        <a:shade val="80000"/>
+      </a:schemeClr>
+    </dgm:fillClrLst>
+    <dgm:linClrLst meth="repeat">
+      <a:schemeClr val="accent4">
+        <a:shade val="80000"/>
+      </a:schemeClr>
+    </dgm:linClrLst>
+    <dgm:effectClrLst/>
+    <dgm:txLinClrLst/>
+    <dgm:txFillClrLst meth="repeat">
+      <a:schemeClr val="tx1"/>
+    </dgm:txFillClrLst>
+    <dgm:txEffectClrLst/>
+  </dgm:styleLbl>
+  <dgm:styleLbl name="parChTrans1D2">
+    <dgm:fillClrLst meth="repeat">
+      <a:schemeClr val="accent4">
+        <a:tint val="90000"/>
+      </a:schemeClr>
+    </dgm:fillClrLst>
+    <dgm:linClrLst meth="repeat">
+      <a:schemeClr val="accent4">
+        <a:tint val="90000"/>
+      </a:schemeClr>
+    </dgm:linClrLst>
+    <dgm:effectClrLst/>
+    <dgm:txLinClrLst/>
+    <dgm:txFillClrLst meth="repeat">
+      <a:schemeClr val="tx1"/>
+    </dgm:txFillClrLst>
+    <dgm:txEffectClrLst/>
+  </dgm:styleLbl>
+  <dgm:styleLbl name="parChTrans1D3">
+    <dgm:fillClrLst meth="repeat">
+      <a:schemeClr val="accent4">
+        <a:tint val="70000"/>
+      </a:schemeClr>
+    </dgm:fillClrLst>
+    <dgm:linClrLst meth="repeat">
+      <a:schemeClr val="accent4">
+        <a:tint val="70000"/>
+      </a:schemeClr>
+    </dgm:linClrLst>
+    <dgm:effectClrLst/>
+    <dgm:txLinClrLst/>
+    <dgm:txFillClrLst meth="repeat">
+      <a:schemeClr val="tx1"/>
+    </dgm:txFillClrLst>
+    <dgm:txEffectClrLst/>
+  </dgm:styleLbl>
+  <dgm:styleLbl name="parChTrans1D4">
+    <dgm:fillClrLst meth="repeat">
+      <a:schemeClr val="accent4">
+        <a:tint val="50000"/>
+      </a:schemeClr>
+    </dgm:fillClrLst>
+    <dgm:linClrLst meth="repeat">
+      <a:schemeClr val="accent4">
+        <a:tint val="50000"/>
+      </a:schemeClr>
+    </dgm:linClrLst>
+    <dgm:effectClrLst/>
+    <dgm:txLinClrLst/>
+    <dgm:txFillClrLst meth="repeat">
+      <a:schemeClr val="tx1"/>
+    </dgm:txFillClrLst>
+    <dgm:txEffectClrLst/>
+  </dgm:styleLbl>
+  <dgm:styleLbl name="fgAcc1">
+    <dgm:fillClrLst meth="repeat">
+      <a:schemeClr val="lt1">
+        <a:alpha val="90000"/>
+      </a:schemeClr>
+    </dgm:fillClrLst>
+    <dgm:linClrLst>
+      <a:schemeClr val="accent4">
+        <a:alpha val="90000"/>
+      </a:schemeClr>
+      <a:schemeClr val="accent4">
+        <a:alpha val="50000"/>
+      </a:schemeClr>
+    </dgm:linClrLst>
+    <dgm:effectClrLst/>
+    <dgm:txLinClrLst/>
+    <dgm:txFillClrLst meth="repeat">
+      <a:schemeClr val="dk1"/>
+    </dgm:txFillClrLst>
+    <dgm:txEffectClrLst/>
+  </dgm:styleLbl>
+  <dgm:styleLbl name="conFgAcc1">
+    <dgm:fillClrLst meth="repeat">
+      <a:schemeClr val="lt1">
+        <a:alpha val="90000"/>
+      </a:schemeClr>
+    </dgm:fillClrLst>
+    <dgm:linClrLst>
+      <a:schemeClr val="accent4">
+        <a:alpha val="90000"/>
+      </a:schemeClr>
+      <a:schemeClr val="accent4">
+        <a:alpha val="50000"/>
+      </a:schemeClr>
+    </dgm:linClrLst>
+    <dgm:effectClrLst/>
+    <dgm:txLinClrLst/>
+    <dgm:txFillClrLst meth="repeat">
+      <a:schemeClr val="dk1"/>
+    </dgm:txFillClrLst>
+    <dgm:txEffectClrLst/>
+  </dgm:styleLbl>
+  <dgm:styleLbl name="alignAcc1">
+    <dgm:fillClrLst meth="repeat">
+      <a:schemeClr val="lt1">
+        <a:alpha val="90000"/>
+      </a:schemeClr>
+    </dgm:fillClrLst>
+    <dgm:linClrLst>
+      <a:schemeClr val="accent4">
+        <a:alpha val="90000"/>
+      </a:schemeClr>
+      <a:schemeClr val="accent4">
+        <a:alpha val="50000"/>
+      </a:schemeClr>
+    </dgm:linClrLst>
+    <dgm:effectClrLst/>
+    <dgm:txLinClrLst/>
+    <dgm:txFillClrLst meth="repeat">
+      <a:schemeClr val="dk1"/>
+    </dgm:txFillClrLst>
+    <dgm:txEffectClrLst/>
+  </dgm:styleLbl>
+  <dgm:styleLbl name="trAlignAcc1">
+    <dgm:fillClrLst meth="repeat">
+      <a:schemeClr val="lt1">
+        <a:alpha val="40000"/>
+      </a:schemeClr>
+    </dgm:fillClrLst>
+    <dgm:linClrLst>
+      <a:schemeClr val="accent4">
+        <a:alpha val="90000"/>
+      </a:schemeClr>
+      <a:schemeClr val="accent4">
+        <a:alpha val="50000"/>
+      </a:schemeClr>
+    </dgm:linClrLst>
+    <dgm:effectClrLst/>
+    <dgm:txLinClrLst/>
+    <dgm:txFillClrLst meth="repeat">
+      <a:schemeClr val="dk1"/>
+    </dgm:txFillClrLst>
+    <dgm:txEffectClrLst/>
+  </dgm:styleLbl>
+  <dgm:styleLbl name="bgAcc1">
+    <dgm:fillClrLst meth="repeat">
+      <a:schemeClr val="lt1">
+        <a:alpha val="90000"/>
+      </a:schemeClr>
+    </dgm:fillClrLst>
+    <dgm:linClrLst>
+      <a:schemeClr val="accent4">
+        <a:alpha val="90000"/>
+      </a:schemeClr>
+      <a:schemeClr val="accent4">
+        <a:alpha val="50000"/>
+      </a:schemeClr>
+    </dgm:linClrLst>
+    <dgm:effectClrLst/>
+    <dgm:txLinClrLst/>
+    <dgm:txFillClrLst meth="repeat">
+      <a:schemeClr val="dk1"/>
+    </dgm:txFillClrLst>
+    <dgm:txEffectClrLst/>
+  </dgm:styleLbl>
+  <dgm:styleLbl name="solidFgAcc1">
+    <dgm:fillClrLst meth="repeat">
+      <a:schemeClr val="lt1"/>
+    </dgm:fillClrLst>
+    <dgm:linClrLst>
+      <a:schemeClr val="accent4">
+        <a:alpha val="90000"/>
+      </a:schemeClr>
+      <a:schemeClr val="accent4">
+        <a:alpha val="50000"/>
+      </a:schemeClr>
+    </dgm:linClrLst>
+    <dgm:effectClrLst/>
+    <dgm:txLinClrLst/>
+    <dgm:txFillClrLst meth="repeat">
+      <a:schemeClr val="dk1"/>
+    </dgm:txFillClrLst>
+    <dgm:txEffectClrLst/>
+  </dgm:styleLbl>
+  <dgm:styleLbl name="solidAlignAcc1">
+    <dgm:fillClrLst meth="repeat">
+      <a:schemeClr val="lt1"/>
+    </dgm:fillClrLst>
+    <dgm:linClrLst meth="repeat">
+      <a:schemeClr val="accent4"/>
+    </dgm:linClrLst>
+    <dgm:effectClrLst/>
+    <dgm:txLinClrLst/>
+    <dgm:txFillClrLst meth="repeat">
+      <a:schemeClr val="dk1"/>
+    </dgm:txFillClrLst>
+    <dgm:txEffectClrLst/>
+  </dgm:styleLbl>
+  <dgm:styleLbl name="solidBgAcc1">
+    <dgm:fillClrLst meth="repeat">
+      <a:schemeClr val="lt1"/>
+    </dgm:fillClrLst>
+    <dgm:linClrLst meth="repeat">
+      <a:schemeClr val="accent4"/>
+    </dgm:linClrLst>
+    <dgm:effectClrLst/>
+    <dgm:txLinClrLst/>
+    <dgm:txFillClrLst meth="repeat">
+      <a:schemeClr val="dk1"/>
+    </dgm:txFillClrLst>
+    <dgm:txEffectClrLst/>
+  </dgm:styleLbl>
+  <dgm:styleLbl name="fgAccFollowNode1">
+    <dgm:fillClrLst>
+      <a:schemeClr val="accent4">
+        <a:alpha val="90000"/>
+        <a:tint val="40000"/>
+      </a:schemeClr>
+      <a:schemeClr val="accent4">
+        <a:alpha val="50000"/>
+        <a:tint val="40000"/>
+      </a:schemeClr>
+    </dgm:fillClrLst>
+    <dgm:linClrLst meth="repeat">
+      <a:schemeClr val="accent4">
+        <a:alpha val="90000"/>
+        <a:tint val="40000"/>
+      </a:schemeClr>
+    </dgm:linClrLst>
+    <dgm:effectClrLst/>
+    <dgm:txLinClrLst/>
+    <dgm:txFillClrLst meth="repeat">
+      <a:schemeClr val="dk1"/>
+    </dgm:txFillClrLst>
+    <dgm:txEffectClrLst/>
+  </dgm:styleLbl>
+  <dgm:styleLbl name="alignAccFollowNode1">
+    <dgm:fillClrLst meth="repeat">
+      <a:schemeClr val="accent4">
+        <a:alpha val="90000"/>
+        <a:tint val="40000"/>
+      </a:schemeClr>
+    </dgm:fillClrLst>
+    <dgm:linClrLst meth="repeat">
+      <a:schemeClr val="accent4">
+        <a:alpha val="90000"/>
+        <a:tint val="40000"/>
+      </a:schemeClr>
+    </dgm:linClrLst>
+    <dgm:effectClrLst/>
+    <dgm:txLinClrLst/>
+    <dgm:txFillClrLst meth="repeat">
+      <a:schemeClr val="dk1"/>
+    </dgm:txFillClrLst>
+    <dgm:txEffectClrLst/>
+  </dgm:styleLbl>
+  <dgm:styleLbl name="bgAccFollowNode1">
+    <dgm:fillClrLst meth="repeat">
+      <a:schemeClr val="accent4">
+        <a:alpha val="90000"/>
+        <a:tint val="40000"/>
+      </a:schemeClr>
+    </dgm:fillClrLst>
+    <dgm:linClrLst meth="repeat">
+      <a:schemeClr val="lt1"/>
+    </dgm:linClrLst>
+    <dgm:effectClrLst/>
+    <dgm:txLinClrLst/>
+    <dgm:txFillClrLst meth="repeat">
+      <a:schemeClr val="dk1"/>
+    </dgm:txFillClrLst>
+    <dgm:txEffectClrLst/>
+  </dgm:styleLbl>
+  <dgm:styleLbl name="fgAcc0">
+    <dgm:fillClrLst meth="repeat">
+      <a:schemeClr val="lt1">
+        <a:alpha val="90000"/>
+      </a:schemeClr>
+    </dgm:fillClrLst>
+    <dgm:linClrLst meth="repeat">
+      <a:schemeClr val="accent4">
+        <a:shade val="80000"/>
+      </a:schemeClr>
+    </dgm:linClrLst>
+    <dgm:effectClrLst/>
+    <dgm:txLinClrLst/>
+    <dgm:txFillClrLst meth="repeat">
+      <a:schemeClr val="dk1"/>
+    </dgm:txFillClrLst>
+    <dgm:txEffectClrLst/>
+  </dgm:styleLbl>
+  <dgm:styleLbl name="fgAcc2">
+    <dgm:fillClrLst meth="repeat">
+      <a:schemeClr val="lt1">
+        <a:alpha val="90000"/>
+      </a:schemeClr>
+    </dgm:fillClrLst>
+    <dgm:linClrLst meth="repeat">
+      <a:schemeClr val="accent4">
+        <a:tint val="90000"/>
+      </a:schemeClr>
+    </dgm:linClrLst>
+    <dgm:effectClrLst/>
+    <dgm:txLinClrLst/>
+    <dgm:txFillClrLst meth="repeat">
+      <a:schemeClr val="dk1"/>
+    </dgm:txFillClrLst>
+    <dgm:txEffectClrLst/>
+  </dgm:styleLbl>
+  <dgm:styleLbl name="fgAcc3">
+    <dgm:fillClrLst meth="repeat">
+      <a:schemeClr val="lt1">
+        <a:alpha val="90000"/>
+      </a:schemeClr>
+    </dgm:fillClrLst>
+    <dgm:linClrLst meth="repeat">
+      <a:schemeClr val="accent4">
+        <a:tint val="70000"/>
+      </a:schemeClr>
+    </dgm:linClrLst>
+    <dgm:effectClrLst/>
+    <dgm:txLinClrLst/>
+    <dgm:txFillClrLst meth="repeat">
+      <a:schemeClr val="dk1"/>
+    </dgm:txFillClrLst>
+    <dgm:txEffectClrLst/>
+  </dgm:styleLbl>
+  <dgm:styleLbl name="fgAcc4">
+    <dgm:fillClrLst meth="repeat">
+      <a:schemeClr val="lt1">
+        <a:alpha val="90000"/>
+      </a:schemeClr>
+    </dgm:fillClrLst>
+    <dgm:linClrLst meth="repeat">
+      <a:schemeClr val="accent4">
+        <a:tint val="50000"/>
+      </a:schemeClr>
+    </dgm:linClrLst>
+    <dgm:effectClrLst/>
+    <dgm:txLinClrLst/>
+    <dgm:txFillClrLst meth="repeat">
+      <a:schemeClr val="dk1"/>
+    </dgm:txFillClrLst>
+    <dgm:txEffectClrLst/>
+  </dgm:styleLbl>
+  <dgm:styleLbl name="bgShp">
+    <dgm:fillClrLst meth="repeat">
+      <a:schemeClr val="accent4">
+        <a:tint val="40000"/>
+      </a:schemeClr>
+    </dgm:fillClrLst>
+    <dgm:linClrLst meth="repeat">
+      <a:schemeClr val="dk1"/>
+    </dgm:linClrLst>
+    <dgm:effectClrLst/>
+    <dgm:txLinClrLst/>
+    <dgm:txFillClrLst meth="repeat">
+      <a:schemeClr val="dk1"/>
+    </dgm:txFillClrLst>
+    <dgm:txEffectClrLst/>
+  </dgm:styleLbl>
+  <dgm:styleLbl name="dkBgShp">
+    <dgm:fillClrLst meth="repeat">
+      <a:schemeClr val="accent4">
+        <a:shade val="90000"/>
+      </a:schemeClr>
+    </dgm:fillClrLst>
+    <dgm:linClrLst meth="repeat">
+      <a:schemeClr val="dk1"/>
+    </dgm:linClrLst>
+    <dgm:effectClrLst/>
+    <dgm:txLinClrLst/>
+    <dgm:txFillClrLst meth="repeat">
+      <a:schemeClr val="lt1"/>
+    </dgm:txFillClrLst>
+    <dgm:txEffectClrLst/>
+  </dgm:styleLbl>
+  <dgm:styleLbl name="trBgShp">
+    <dgm:fillClrLst meth="repeat">
+      <a:schemeClr val="accent4">
+        <a:tint val="50000"/>
+        <a:alpha val="40000"/>
+      </a:schemeClr>
+    </dgm:fillClrLst>
+    <dgm:linClrLst meth="repeat">
+      <a:schemeClr val="accent4"/>
+    </dgm:linClrLst>
+    <dgm:effectClrLst/>
+    <dgm:txLinClrLst/>
+    <dgm:txFillClrLst meth="repeat">
+      <a:schemeClr val="lt1"/>
+    </dgm:txFillClrLst>
+    <dgm:txEffectClrLst/>
+  </dgm:styleLbl>
+  <dgm:styleLbl name="fgShp">
+    <dgm:fillClrLst meth="repeat">
+      <a:schemeClr val="accent4">
         <a:tint val="40000"/>
       </a:schemeClr>
     </dgm:fillClrLst>
@@ -1090,16 +1976,12 @@
         <a:p>
           <a:pPr algn="ctr"/>
           <a:r>
-            <a:rPr lang="en-US" sz="2000" b="0" dirty="0" err="1">
+            <a:rPr lang="en-US" sz="2000" b="0" dirty="0">
               <a:latin typeface="Arial" panose="020B0604020202020204" pitchFamily="34" charset="0"/>
               <a:cs typeface="Arial" panose="020B0604020202020204" pitchFamily="34" charset="0"/>
             </a:rPr>
-            <a:t>RuntimeConfig</a:t>
+            <a:t>Config</a:t>
           </a:r>
-          <a:endParaRPr lang="en-US" sz="2000" b="0" dirty="0">
-            <a:latin typeface="Arial" panose="020B0604020202020204" pitchFamily="34" charset="0"/>
-            <a:cs typeface="Arial" panose="020B0604020202020204" pitchFamily="34" charset="0"/>
-          </a:endParaRPr>
         </a:p>
         <a:p>
           <a:pPr algn="ctr"/>
@@ -1363,6 +2245,50 @@
         </a:p>
       </dgm:t>
     </dgm:pt>
+    <dgm:pt modelId="{FDD2C0B4-707B-4500-BAC1-1B71EB248FCB}">
+      <dgm:prSet phldrT="[Text]" custT="1"/>
+      <dgm:spPr/>
+      <dgm:t>
+        <a:bodyPr/>
+        <a:lstStyle/>
+        <a:p>
+          <a:pPr algn="ctr"/>
+          <a:r>
+            <a:rPr lang="en-US" sz="2000" b="0" dirty="0" err="1">
+              <a:latin typeface="Arial" panose="020B0604020202020204" pitchFamily="34" charset="0"/>
+              <a:cs typeface="Arial" panose="020B0604020202020204" pitchFamily="34" charset="0"/>
+            </a:rPr>
+            <a:t>Psychtoolbox</a:t>
+          </a:r>
+          <a:endParaRPr lang="en-US" sz="2000" b="0" dirty="0">
+            <a:latin typeface="Arial" panose="020B0604020202020204" pitchFamily="34" charset="0"/>
+            <a:cs typeface="Arial" panose="020B0604020202020204" pitchFamily="34" charset="0"/>
+          </a:endParaRPr>
+        </a:p>
+      </dgm:t>
+    </dgm:pt>
+    <dgm:pt modelId="{64710067-EC0C-4322-8536-33EC0AC82271}" type="parTrans" cxnId="{3E53EC4C-9417-482F-9C43-367C3C2EB6CD}">
+      <dgm:prSet/>
+      <dgm:spPr/>
+      <dgm:t>
+        <a:bodyPr/>
+        <a:lstStyle/>
+        <a:p>
+          <a:endParaRPr lang="en-US"/>
+        </a:p>
+      </dgm:t>
+    </dgm:pt>
+    <dgm:pt modelId="{902983FC-8915-44D1-8FA0-B38A3A2B3430}" type="sibTrans" cxnId="{3E53EC4C-9417-482F-9C43-367C3C2EB6CD}">
+      <dgm:prSet/>
+      <dgm:spPr/>
+      <dgm:t>
+        <a:bodyPr/>
+        <a:lstStyle/>
+        <a:p>
+          <a:endParaRPr lang="en-US"/>
+        </a:p>
+      </dgm:t>
+    </dgm:pt>
     <dgm:pt modelId="{FA891ABF-C99F-4A23-A210-2A4F0440584A}" type="pres">
       <dgm:prSet presAssocID="{9AE20638-A7AF-496D-93A6-0B5E3373B0B1}" presName="Name0" presStyleCnt="0">
         <dgm:presLayoutVars>
@@ -1464,11 +2390,11 @@
       <dgm:spPr/>
     </dgm:pt>
     <dgm:pt modelId="{5D3E1F1E-DE1B-42AF-BA46-55CB2B590D43}" type="pres">
-      <dgm:prSet presAssocID="{3915E3B0-E90D-4145-A77A-8AC6F1A9DF88}" presName="conn2-1" presStyleLbl="parChTrans1D3" presStyleIdx="0" presStyleCnt="4"/>
+      <dgm:prSet presAssocID="{3915E3B0-E90D-4145-A77A-8AC6F1A9DF88}" presName="conn2-1" presStyleLbl="parChTrans1D3" presStyleIdx="0" presStyleCnt="5"/>
       <dgm:spPr/>
     </dgm:pt>
     <dgm:pt modelId="{37469FC6-F97C-4564-BD28-5FB6D4A4424E}" type="pres">
-      <dgm:prSet presAssocID="{3915E3B0-E90D-4145-A77A-8AC6F1A9DF88}" presName="connTx" presStyleLbl="parChTrans1D3" presStyleIdx="0" presStyleCnt="4"/>
+      <dgm:prSet presAssocID="{3915E3B0-E90D-4145-A77A-8AC6F1A9DF88}" presName="connTx" presStyleLbl="parChTrans1D3" presStyleIdx="0" presStyleCnt="5"/>
       <dgm:spPr/>
     </dgm:pt>
     <dgm:pt modelId="{4C40D167-6C91-4AA0-8868-B3E707D0ECAC}" type="pres">
@@ -1476,7 +2402,7 @@
       <dgm:spPr/>
     </dgm:pt>
     <dgm:pt modelId="{C63E3B85-DB6F-4358-AD04-C7E79D27D0F9}" type="pres">
-      <dgm:prSet presAssocID="{0A665E6E-7693-4B4D-957C-8DB1D6E77D6A}" presName="LevelTwoTextNode" presStyleLbl="node3" presStyleIdx="0" presStyleCnt="4">
+      <dgm:prSet presAssocID="{0A665E6E-7693-4B4D-957C-8DB1D6E77D6A}" presName="LevelTwoTextNode" presStyleLbl="node3" presStyleIdx="0" presStyleCnt="5">
         <dgm:presLayoutVars>
           <dgm:chPref val="3"/>
         </dgm:presLayoutVars>
@@ -1488,11 +2414,11 @@
       <dgm:spPr/>
     </dgm:pt>
     <dgm:pt modelId="{46EA138D-EC26-4575-8A60-6B619CF0FFA4}" type="pres">
-      <dgm:prSet presAssocID="{A2045D68-1DD4-4AD0-999F-7EBB27022E91}" presName="conn2-1" presStyleLbl="parChTrans1D3" presStyleIdx="1" presStyleCnt="4"/>
+      <dgm:prSet presAssocID="{A2045D68-1DD4-4AD0-999F-7EBB27022E91}" presName="conn2-1" presStyleLbl="parChTrans1D3" presStyleIdx="1" presStyleCnt="5"/>
       <dgm:spPr/>
     </dgm:pt>
     <dgm:pt modelId="{4E950AA0-5003-43C1-BB95-727AB5C079C1}" type="pres">
-      <dgm:prSet presAssocID="{A2045D68-1DD4-4AD0-999F-7EBB27022E91}" presName="connTx" presStyleLbl="parChTrans1D3" presStyleIdx="1" presStyleCnt="4"/>
+      <dgm:prSet presAssocID="{A2045D68-1DD4-4AD0-999F-7EBB27022E91}" presName="connTx" presStyleLbl="parChTrans1D3" presStyleIdx="1" presStyleCnt="5"/>
       <dgm:spPr/>
     </dgm:pt>
     <dgm:pt modelId="{C4CD80C0-41ED-4212-B216-020ED8F0CC6B}" type="pres">
@@ -1500,7 +2426,7 @@
       <dgm:spPr/>
     </dgm:pt>
     <dgm:pt modelId="{CC83036E-2DF9-4076-BD5A-4FFFC4C489CB}" type="pres">
-      <dgm:prSet presAssocID="{61E87D97-3F82-4F6C-99EF-A96351AE42AA}" presName="LevelTwoTextNode" presStyleLbl="node3" presStyleIdx="1" presStyleCnt="4">
+      <dgm:prSet presAssocID="{61E87D97-3F82-4F6C-99EF-A96351AE42AA}" presName="LevelTwoTextNode" presStyleLbl="node3" presStyleIdx="1" presStyleCnt="5">
         <dgm:presLayoutVars>
           <dgm:chPref val="3"/>
         </dgm:presLayoutVars>
@@ -1512,11 +2438,11 @@
       <dgm:spPr/>
     </dgm:pt>
     <dgm:pt modelId="{8B1D37C4-BE69-4E8F-8073-932B19B29946}" type="pres">
-      <dgm:prSet presAssocID="{2C683329-F021-46C4-873A-4A90024F5824}" presName="conn2-1" presStyleLbl="parChTrans1D3" presStyleIdx="2" presStyleCnt="4"/>
+      <dgm:prSet presAssocID="{2C683329-F021-46C4-873A-4A90024F5824}" presName="conn2-1" presStyleLbl="parChTrans1D3" presStyleIdx="2" presStyleCnt="5"/>
       <dgm:spPr/>
     </dgm:pt>
     <dgm:pt modelId="{4097D33A-C689-4E08-A5EE-335DF88C37F6}" type="pres">
-      <dgm:prSet presAssocID="{2C683329-F021-46C4-873A-4A90024F5824}" presName="connTx" presStyleLbl="parChTrans1D3" presStyleIdx="2" presStyleCnt="4"/>
+      <dgm:prSet presAssocID="{2C683329-F021-46C4-873A-4A90024F5824}" presName="connTx" presStyleLbl="parChTrans1D3" presStyleIdx="2" presStyleCnt="5"/>
       <dgm:spPr/>
     </dgm:pt>
     <dgm:pt modelId="{4FDDD39C-ECF9-4356-B317-9DBF7A3901AE}" type="pres">
@@ -1524,7 +2450,7 @@
       <dgm:spPr/>
     </dgm:pt>
     <dgm:pt modelId="{599E43A8-1BED-49D5-BE29-4DA6FD83C36B}" type="pres">
-      <dgm:prSet presAssocID="{99FBDE0D-32AD-451E-A36F-39F6040D8BC0}" presName="LevelTwoTextNode" presStyleLbl="node3" presStyleIdx="2" presStyleCnt="4">
+      <dgm:prSet presAssocID="{99FBDE0D-32AD-451E-A36F-39F6040D8BC0}" presName="LevelTwoTextNode" presStyleLbl="node3" presStyleIdx="2" presStyleCnt="5">
         <dgm:presLayoutVars>
           <dgm:chPref val="3"/>
         </dgm:presLayoutVars>
@@ -1535,34 +2461,59 @@
       <dgm:prSet presAssocID="{99FBDE0D-32AD-451E-A36F-39F6040D8BC0}" presName="level3hierChild" presStyleCnt="0"/>
       <dgm:spPr/>
     </dgm:pt>
-    <dgm:pt modelId="{E47D70A8-9449-4BA9-81D4-07206E945891}" type="pres">
-      <dgm:prSet presAssocID="{5C3EDCDC-DF4C-4B63-8217-2313688AFDDB}" presName="conn2-1" presStyleLbl="parChTrans1D3" presStyleIdx="3" presStyleCnt="4"/>
-      <dgm:spPr/>
-    </dgm:pt>
-    <dgm:pt modelId="{5919FB03-1F63-4400-A1AD-748A7B57E0A6}" type="pres">
-      <dgm:prSet presAssocID="{5C3EDCDC-DF4C-4B63-8217-2313688AFDDB}" presName="connTx" presStyleLbl="parChTrans1D3" presStyleIdx="3" presStyleCnt="4"/>
-      <dgm:spPr/>
-    </dgm:pt>
-    <dgm:pt modelId="{AC5D55A3-6674-4A9D-B80E-73F96726E7CF}" type="pres">
-      <dgm:prSet presAssocID="{AB26AC4C-94D8-4E12-8FD2-335821A03BDC}" presName="root2" presStyleCnt="0"/>
-      <dgm:spPr/>
-    </dgm:pt>
-    <dgm:pt modelId="{8D515895-ACF2-4C34-9E6A-146C8645314E}" type="pres">
-      <dgm:prSet presAssocID="{AB26AC4C-94D8-4E12-8FD2-335821A03BDC}" presName="LevelTwoTextNode" presStyleLbl="node3" presStyleIdx="3" presStyleCnt="4">
+    <dgm:pt modelId="{0452D450-0985-49FE-BA00-B11A1C40BC36}" type="pres">
+      <dgm:prSet presAssocID="{64710067-EC0C-4322-8536-33EC0AC82271}" presName="conn2-1" presStyleLbl="parChTrans1D3" presStyleIdx="3" presStyleCnt="5"/>
+      <dgm:spPr/>
+    </dgm:pt>
+    <dgm:pt modelId="{755E120B-73B4-4DD6-AF15-E0D1F6156D4B}" type="pres">
+      <dgm:prSet presAssocID="{64710067-EC0C-4322-8536-33EC0AC82271}" presName="connTx" presStyleLbl="parChTrans1D3" presStyleIdx="3" presStyleCnt="5"/>
+      <dgm:spPr/>
+    </dgm:pt>
+    <dgm:pt modelId="{15A000DA-2D9B-47FF-86EF-2D4A655B0032}" type="pres">
+      <dgm:prSet presAssocID="{FDD2C0B4-707B-4500-BAC1-1B71EB248FCB}" presName="root2" presStyleCnt="0"/>
+      <dgm:spPr/>
+    </dgm:pt>
+    <dgm:pt modelId="{8D7D4FB0-45CC-4DB7-866C-F6C2E48DDFDA}" type="pres">
+      <dgm:prSet presAssocID="{FDD2C0B4-707B-4500-BAC1-1B71EB248FCB}" presName="LevelTwoTextNode" presStyleLbl="node3" presStyleIdx="3" presStyleCnt="5">
         <dgm:presLayoutVars>
           <dgm:chPref val="3"/>
         </dgm:presLayoutVars>
       </dgm:prSet>
       <dgm:spPr/>
     </dgm:pt>
-    <dgm:pt modelId="{BD379F1F-B6B1-46B2-AB07-F32E03CFC060}" type="pres">
+    <dgm:pt modelId="{B8593C30-3423-4AC8-885D-B692D5949B75}" type="pres">
+      <dgm:prSet presAssocID="{FDD2C0B4-707B-4500-BAC1-1B71EB248FCB}" presName="level3hierChild" presStyleCnt="0"/>
+      <dgm:spPr/>
+    </dgm:pt>
+    <dgm:pt modelId="{D9219F59-DB8F-4144-8807-113FFF017258}" type="pres">
+      <dgm:prSet presAssocID="{5C3EDCDC-DF4C-4B63-8217-2313688AFDDB}" presName="conn2-1" presStyleLbl="parChTrans1D3" presStyleIdx="4" presStyleCnt="5"/>
+      <dgm:spPr/>
+    </dgm:pt>
+    <dgm:pt modelId="{1DA9420A-142C-4E9B-95F2-98C7DD65E71E}" type="pres">
+      <dgm:prSet presAssocID="{5C3EDCDC-DF4C-4B63-8217-2313688AFDDB}" presName="connTx" presStyleLbl="parChTrans1D3" presStyleIdx="4" presStyleCnt="5"/>
+      <dgm:spPr/>
+    </dgm:pt>
+    <dgm:pt modelId="{6F31DA07-D79C-4829-AA9F-B12E386EC715}" type="pres">
+      <dgm:prSet presAssocID="{AB26AC4C-94D8-4E12-8FD2-335821A03BDC}" presName="root2" presStyleCnt="0"/>
+      <dgm:spPr/>
+    </dgm:pt>
+    <dgm:pt modelId="{F6493FA7-0399-4A3B-AC59-F56A8E49DD6E}" type="pres">
+      <dgm:prSet presAssocID="{AB26AC4C-94D8-4E12-8FD2-335821A03BDC}" presName="LevelTwoTextNode" presStyleLbl="node3" presStyleIdx="4" presStyleCnt="5">
+        <dgm:presLayoutVars>
+          <dgm:chPref val="3"/>
+        </dgm:presLayoutVars>
+      </dgm:prSet>
+      <dgm:spPr/>
+    </dgm:pt>
+    <dgm:pt modelId="{0725FECE-124D-4F08-868F-362E317E3A46}" type="pres">
       <dgm:prSet presAssocID="{AB26AC4C-94D8-4E12-8FD2-335821A03BDC}" presName="level3hierChild" presStyleCnt="0"/>
       <dgm:spPr/>
     </dgm:pt>
   </dgm:ptLst>
   <dgm:cxnLst>
-    <dgm:cxn modelId="{BDA78710-EDDB-4EE5-B6A5-1242F2572039}" srcId="{D114562E-C9BE-49CB-A279-37874B8BFB98}" destId="{AB26AC4C-94D8-4E12-8FD2-335821A03BDC}" srcOrd="3" destOrd="0" parTransId="{5C3EDCDC-DF4C-4B63-8217-2313688AFDDB}" sibTransId="{05202101-939C-4639-A60A-6A91AEF27C2A}"/>
+    <dgm:cxn modelId="{BDA78710-EDDB-4EE5-B6A5-1242F2572039}" srcId="{D114562E-C9BE-49CB-A279-37874B8BFB98}" destId="{AB26AC4C-94D8-4E12-8FD2-335821A03BDC}" srcOrd="4" destOrd="0" parTransId="{5C3EDCDC-DF4C-4B63-8217-2313688AFDDB}" sibTransId="{05202101-939C-4639-A60A-6A91AEF27C2A}"/>
     <dgm:cxn modelId="{320F2A1E-3FD8-4005-8379-F233F4D68D7F}" type="presOf" srcId="{92F16719-4314-4855-9060-5929ED43F413}" destId="{62D217EF-F3EF-442A-9728-0F6250A80547}" srcOrd="0" destOrd="0" presId="urn:microsoft.com/office/officeart/2008/layout/HorizontalMultiLevelHierarchy"/>
+    <dgm:cxn modelId="{6A6ED629-D5CC-478E-A4AB-194BB76A1490}" type="presOf" srcId="{AB26AC4C-94D8-4E12-8FD2-335821A03BDC}" destId="{F6493FA7-0399-4A3B-AC59-F56A8E49DD6E}" srcOrd="0" destOrd="0" presId="urn:microsoft.com/office/officeart/2008/layout/HorizontalMultiLevelHierarchy"/>
     <dgm:cxn modelId="{E1EE4F2C-0CFD-4BAA-B226-6197151CDFCF}" type="presOf" srcId="{B81E2989-389E-4FCB-A58E-4C131C569AB8}" destId="{8BFE763E-1F61-43EB-86C6-6758D7B275C0}" srcOrd="0" destOrd="0" presId="urn:microsoft.com/office/officeart/2008/layout/HorizontalMultiLevelHierarchy"/>
     <dgm:cxn modelId="{7FC8912F-BB57-4C41-9C14-ACB1CF3FD976}" type="presOf" srcId="{D00E739B-1489-4748-BCE8-C6F5BD364405}" destId="{71A76CF3-AD04-4A62-A6F8-547099891DBE}" srcOrd="1" destOrd="0" presId="urn:microsoft.com/office/officeart/2008/layout/HorizontalMultiLevelHierarchy"/>
     <dgm:cxn modelId="{ECB1A239-2A81-419D-B498-CC6472465C2A}" type="presOf" srcId="{58C21C66-1A24-49F9-9269-1FAE2381270D}" destId="{0208604E-140B-40D2-A7E8-09F6F94BB223}" srcOrd="1" destOrd="0" presId="urn:microsoft.com/office/officeart/2008/layout/HorizontalMultiLevelHierarchy"/>
@@ -1571,25 +2522,28 @@
     <dgm:cxn modelId="{ED7F1F60-3A39-45EF-94CF-79F4FF6A80FD}" type="presOf" srcId="{AE6F42EE-05BA-404B-9EB9-6795E6693D09}" destId="{000A9F72-345C-4272-9599-355C5BF14E00}" srcOrd="1" destOrd="0" presId="urn:microsoft.com/office/officeart/2008/layout/HorizontalMultiLevelHierarchy"/>
     <dgm:cxn modelId="{C9891E46-215D-4717-BB64-21718CC5C79C}" type="presOf" srcId="{2C683329-F021-46C4-873A-4A90024F5824}" destId="{8B1D37C4-BE69-4E8F-8073-932B19B29946}" srcOrd="0" destOrd="0" presId="urn:microsoft.com/office/officeart/2008/layout/HorizontalMultiLevelHierarchy"/>
     <dgm:cxn modelId="{8DBC806A-B548-4333-8F83-95F05E59C70B}" type="presOf" srcId="{2C683329-F021-46C4-873A-4A90024F5824}" destId="{4097D33A-C689-4E08-A5EE-335DF88C37F6}" srcOrd="1" destOrd="0" presId="urn:microsoft.com/office/officeart/2008/layout/HorizontalMultiLevelHierarchy"/>
+    <dgm:cxn modelId="{3E53EC4C-9417-482F-9C43-367C3C2EB6CD}" srcId="{D114562E-C9BE-49CB-A279-37874B8BFB98}" destId="{FDD2C0B4-707B-4500-BAC1-1B71EB248FCB}" srcOrd="3" destOrd="0" parTransId="{64710067-EC0C-4322-8536-33EC0AC82271}" sibTransId="{902983FC-8915-44D1-8FA0-B38A3A2B3430}"/>
     <dgm:cxn modelId="{9D3AC150-F820-430F-A5E6-2B774B8C91B6}" srcId="{9AE20638-A7AF-496D-93A6-0B5E3373B0B1}" destId="{92F16719-4314-4855-9060-5929ED43F413}" srcOrd="0" destOrd="0" parTransId="{3B59925F-D550-4509-B76D-9D5C34070B2D}" sibTransId="{1ED1B468-4ADC-40EF-AA45-4B3993F13981}"/>
     <dgm:cxn modelId="{3244DC71-1057-4733-88A5-B61B8B910CE1}" type="presOf" srcId="{9AE20638-A7AF-496D-93A6-0B5E3373B0B1}" destId="{FA891ABF-C99F-4A23-A210-2A4F0440584A}" srcOrd="0" destOrd="0" presId="urn:microsoft.com/office/officeart/2008/layout/HorizontalMultiLevelHierarchy"/>
-    <dgm:cxn modelId="{69F5BE73-5034-4899-B784-F947AC14E41E}" type="presOf" srcId="{AB26AC4C-94D8-4E12-8FD2-335821A03BDC}" destId="{8D515895-ACF2-4C34-9E6A-146C8645314E}" srcOrd="0" destOrd="0" presId="urn:microsoft.com/office/officeart/2008/layout/HorizontalMultiLevelHierarchy"/>
     <dgm:cxn modelId="{5142D18F-A5E8-4845-8E55-D54B7A84A722}" srcId="{D114562E-C9BE-49CB-A279-37874B8BFB98}" destId="{99FBDE0D-32AD-451E-A36F-39F6040D8BC0}" srcOrd="2" destOrd="0" parTransId="{2C683329-F021-46C4-873A-4A90024F5824}" sibTransId="{42B81935-3677-45AA-9416-1517CF79D130}"/>
+    <dgm:cxn modelId="{77B9E094-4636-438E-9F83-F8D27D09E32B}" type="presOf" srcId="{FDD2C0B4-707B-4500-BAC1-1B71EB248FCB}" destId="{8D7D4FB0-45CC-4DB7-866C-F6C2E48DDFDA}" srcOrd="0" destOrd="0" presId="urn:microsoft.com/office/officeart/2008/layout/HorizontalMultiLevelHierarchy"/>
     <dgm:cxn modelId="{41300B97-CF41-49E0-A6CE-96A5E1FEDDB9}" type="presOf" srcId="{0A665E6E-7693-4B4D-957C-8DB1D6E77D6A}" destId="{C63E3B85-DB6F-4358-AD04-C7E79D27D0F9}" srcOrd="0" destOrd="0" presId="urn:microsoft.com/office/officeart/2008/layout/HorizontalMultiLevelHierarchy"/>
     <dgm:cxn modelId="{CA7A169C-4165-4093-970C-427730032216}" type="presOf" srcId="{3915E3B0-E90D-4145-A77A-8AC6F1A9DF88}" destId="{37469FC6-F97C-4564-BD28-5FB6D4A4424E}" srcOrd="1" destOrd="0" presId="urn:microsoft.com/office/officeart/2008/layout/HorizontalMultiLevelHierarchy"/>
     <dgm:cxn modelId="{8227C99D-21D2-4985-8965-F30DF49F92FC}" type="presOf" srcId="{61E87D97-3F82-4F6C-99EF-A96351AE42AA}" destId="{CC83036E-2DF9-4076-BD5A-4FFFC4C489CB}" srcOrd="0" destOrd="0" presId="urn:microsoft.com/office/officeart/2008/layout/HorizontalMultiLevelHierarchy"/>
     <dgm:cxn modelId="{E56C4DA6-57EF-4377-B53D-63630FBE1C1C}" srcId="{D114562E-C9BE-49CB-A279-37874B8BFB98}" destId="{61E87D97-3F82-4F6C-99EF-A96351AE42AA}" srcOrd="1" destOrd="0" parTransId="{A2045D68-1DD4-4AD0-999F-7EBB27022E91}" sibTransId="{A4B6EAD9-12A5-4023-BB9C-BCE6F121E781}"/>
-    <dgm:cxn modelId="{ACBB66B3-3FEC-4CE0-AAE1-A5D93D4223AB}" type="presOf" srcId="{5C3EDCDC-DF4C-4B63-8217-2313688AFDDB}" destId="{5919FB03-1F63-4400-A1AD-748A7B57E0A6}" srcOrd="1" destOrd="0" presId="urn:microsoft.com/office/officeart/2008/layout/HorizontalMultiLevelHierarchy"/>
+    <dgm:cxn modelId="{C6C0ABA9-B29F-4DDD-B5B2-F22C94B66809}" type="presOf" srcId="{5C3EDCDC-DF4C-4B63-8217-2313688AFDDB}" destId="{1DA9420A-142C-4E9B-95F2-98C7DD65E71E}" srcOrd="1" destOrd="0" presId="urn:microsoft.com/office/officeart/2008/layout/HorizontalMultiLevelHierarchy"/>
     <dgm:cxn modelId="{4F80DFBB-C771-4AC9-80C0-EEF57EB9EBFB}" srcId="{92F16719-4314-4855-9060-5929ED43F413}" destId="{D114562E-C9BE-49CB-A279-37874B8BFB98}" srcOrd="2" destOrd="0" parTransId="{58C21C66-1A24-49F9-9269-1FAE2381270D}" sibTransId="{A3130F60-EE7F-4928-941E-1FD97A3BD954}"/>
     <dgm:cxn modelId="{250C44BC-77E7-49A9-8288-BE54DE771322}" type="presOf" srcId="{99FBDE0D-32AD-451E-A36F-39F6040D8BC0}" destId="{599E43A8-1BED-49D5-BE29-4DA6FD83C36B}" srcOrd="0" destOrd="0" presId="urn:microsoft.com/office/officeart/2008/layout/HorizontalMultiLevelHierarchy"/>
     <dgm:cxn modelId="{93CD25BE-3495-417B-A12B-859CF58D67D6}" srcId="{92F16719-4314-4855-9060-5929ED43F413}" destId="{B81E2989-389E-4FCB-A58E-4C131C569AB8}" srcOrd="0" destOrd="0" parTransId="{D00E739B-1489-4748-BCE8-C6F5BD364405}" sibTransId="{B89B1992-375C-4DB9-8C9D-46EEC7D15DC0}"/>
     <dgm:cxn modelId="{834D5BC0-18E0-4127-A36D-9B350A97D46E}" type="presOf" srcId="{3915E3B0-E90D-4145-A77A-8AC6F1A9DF88}" destId="{5D3E1F1E-DE1B-42AF-BA46-55CB2B590D43}" srcOrd="0" destOrd="0" presId="urn:microsoft.com/office/officeart/2008/layout/HorizontalMultiLevelHierarchy"/>
-    <dgm:cxn modelId="{805423CC-C9E5-4B2D-9E9B-F5FFF4133167}" type="presOf" srcId="{5C3EDCDC-DF4C-4B63-8217-2313688AFDDB}" destId="{E47D70A8-9449-4BA9-81D4-07206E945891}" srcOrd="0" destOrd="0" presId="urn:microsoft.com/office/officeart/2008/layout/HorizontalMultiLevelHierarchy"/>
+    <dgm:cxn modelId="{CC8D5EC3-4259-4F4B-9355-B269BC739323}" type="presOf" srcId="{5C3EDCDC-DF4C-4B63-8217-2313688AFDDB}" destId="{D9219F59-DB8F-4144-8807-113FFF017258}" srcOrd="0" destOrd="0" presId="urn:microsoft.com/office/officeart/2008/layout/HorizontalMultiLevelHierarchy"/>
     <dgm:cxn modelId="{D6BEBCD1-6FB4-4337-9332-07881A5EC57E}" type="presOf" srcId="{58C21C66-1A24-49F9-9269-1FAE2381270D}" destId="{34D9AAE3-5725-4E9F-BDDB-DEB9447AD4B3}" srcOrd="0" destOrd="0" presId="urn:microsoft.com/office/officeart/2008/layout/HorizontalMultiLevelHierarchy"/>
     <dgm:cxn modelId="{016A80D7-12DE-43C9-91E7-E153559404F3}" type="presOf" srcId="{D114562E-C9BE-49CB-A279-37874B8BFB98}" destId="{23C82D94-A270-4AB9-8A2D-D31F996A4AF1}" srcOrd="0" destOrd="0" presId="urn:microsoft.com/office/officeart/2008/layout/HorizontalMultiLevelHierarchy"/>
+    <dgm:cxn modelId="{9D6826D8-1323-42D9-898C-52D81B8E8DF9}" type="presOf" srcId="{64710067-EC0C-4322-8536-33EC0AC82271}" destId="{0452D450-0985-49FE-BA00-B11A1C40BC36}" srcOrd="0" destOrd="0" presId="urn:microsoft.com/office/officeart/2008/layout/HorizontalMultiLevelHierarchy"/>
     <dgm:cxn modelId="{562B13E3-23EF-4E26-A953-D66DFD45D219}" type="presOf" srcId="{D00E739B-1489-4748-BCE8-C6F5BD364405}" destId="{452CAEC8-30FA-4E4A-A0CD-B145BF3AF42F}" srcOrd="0" destOrd="0" presId="urn:microsoft.com/office/officeart/2008/layout/HorizontalMultiLevelHierarchy"/>
     <dgm:cxn modelId="{7CD252E3-052A-45B3-82AE-B367F861B0FD}" srcId="{92F16719-4314-4855-9060-5929ED43F413}" destId="{BB07FD72-BBD0-4A83-A33E-C314DF094299}" srcOrd="1" destOrd="0" parTransId="{AE6F42EE-05BA-404B-9EB9-6795E6693D09}" sibTransId="{901D98B0-1776-47DA-B43B-D0464A2490E4}"/>
     <dgm:cxn modelId="{3B0E51E9-F37A-4339-A380-9073E39D1D6B}" type="presOf" srcId="{AE6F42EE-05BA-404B-9EB9-6795E6693D09}" destId="{8F8123F4-E80D-407E-B824-28C40A5675FD}" srcOrd="0" destOrd="0" presId="urn:microsoft.com/office/officeart/2008/layout/HorizontalMultiLevelHierarchy"/>
+    <dgm:cxn modelId="{E18467EC-3878-4953-8A97-06DCC0BF386A}" type="presOf" srcId="{64710067-EC0C-4322-8536-33EC0AC82271}" destId="{755E120B-73B4-4DD6-AF15-E0D1F6156D4B}" srcOrd="1" destOrd="0" presId="urn:microsoft.com/office/officeart/2008/layout/HorizontalMultiLevelHierarchy"/>
     <dgm:cxn modelId="{20CD1FF3-762E-48A5-9451-35FCAF3B1D93}" type="presOf" srcId="{BB07FD72-BBD0-4A83-A33E-C314DF094299}" destId="{576BC15B-169B-4BA9-BA1B-CA768D797C57}" srcOrd="0" destOrd="0" presId="urn:microsoft.com/office/officeart/2008/layout/HorizontalMultiLevelHierarchy"/>
     <dgm:cxn modelId="{8DC3DBFE-95BE-47E0-8AEA-B8607F9849DC}" type="presOf" srcId="{A2045D68-1DD4-4AD0-999F-7EBB27022E91}" destId="{4E950AA0-5003-43C1-BB95-727AB5C079C1}" srcOrd="1" destOrd="0" presId="urn:microsoft.com/office/officeart/2008/layout/HorizontalMultiLevelHierarchy"/>
     <dgm:cxn modelId="{0B79169E-1081-462D-ABB3-3738CA33574B}" type="presParOf" srcId="{FA891ABF-C99F-4A23-A210-2A4F0440584A}" destId="{5F265EC5-10EA-4CE7-B990-0D8A4B4B4AA5}" srcOrd="0" destOrd="0" presId="urn:microsoft.com/office/officeart/2008/layout/HorizontalMultiLevelHierarchy"/>
@@ -1625,11 +2579,958 @@
     <dgm:cxn modelId="{19773EE1-188F-439B-9647-FC17AE278094}" type="presParOf" srcId="{C3A46373-48B0-48F6-AEB3-94B3CEDF4DCD}" destId="{4FDDD39C-ECF9-4356-B317-9DBF7A3901AE}" srcOrd="5" destOrd="0" presId="urn:microsoft.com/office/officeart/2008/layout/HorizontalMultiLevelHierarchy"/>
     <dgm:cxn modelId="{1FDF5B02-B070-406C-BDB9-BC512089780E}" type="presParOf" srcId="{4FDDD39C-ECF9-4356-B317-9DBF7A3901AE}" destId="{599E43A8-1BED-49D5-BE29-4DA6FD83C36B}" srcOrd="0" destOrd="0" presId="urn:microsoft.com/office/officeart/2008/layout/HorizontalMultiLevelHierarchy"/>
     <dgm:cxn modelId="{CCC6AE03-E8E2-4D25-B9A6-2679C474ECC7}" type="presParOf" srcId="{4FDDD39C-ECF9-4356-B317-9DBF7A3901AE}" destId="{AD7A3A98-55B6-4BF4-990B-1E30C9200F74}" srcOrd="1" destOrd="0" presId="urn:microsoft.com/office/officeart/2008/layout/HorizontalMultiLevelHierarchy"/>
-    <dgm:cxn modelId="{A90D2E34-4686-4FE2-A47B-7EF8E4D755E2}" type="presParOf" srcId="{C3A46373-48B0-48F6-AEB3-94B3CEDF4DCD}" destId="{E47D70A8-9449-4BA9-81D4-07206E945891}" srcOrd="6" destOrd="0" presId="urn:microsoft.com/office/officeart/2008/layout/HorizontalMultiLevelHierarchy"/>
-    <dgm:cxn modelId="{F12A97E0-6D23-4DCA-B3B2-48AFD2770193}" type="presParOf" srcId="{E47D70A8-9449-4BA9-81D4-07206E945891}" destId="{5919FB03-1F63-4400-A1AD-748A7B57E0A6}" srcOrd="0" destOrd="0" presId="urn:microsoft.com/office/officeart/2008/layout/HorizontalMultiLevelHierarchy"/>
-    <dgm:cxn modelId="{661C40C6-142E-454C-A73A-491AE7810912}" type="presParOf" srcId="{C3A46373-48B0-48F6-AEB3-94B3CEDF4DCD}" destId="{AC5D55A3-6674-4A9D-B80E-73F96726E7CF}" srcOrd="7" destOrd="0" presId="urn:microsoft.com/office/officeart/2008/layout/HorizontalMultiLevelHierarchy"/>
-    <dgm:cxn modelId="{4F4C7D9F-B911-4935-A4C9-CC9C8C386910}" type="presParOf" srcId="{AC5D55A3-6674-4A9D-B80E-73F96726E7CF}" destId="{8D515895-ACF2-4C34-9E6A-146C8645314E}" srcOrd="0" destOrd="0" presId="urn:microsoft.com/office/officeart/2008/layout/HorizontalMultiLevelHierarchy"/>
-    <dgm:cxn modelId="{2629154F-C552-4718-8A5E-1FE6E19A859F}" type="presParOf" srcId="{AC5D55A3-6674-4A9D-B80E-73F96726E7CF}" destId="{BD379F1F-B6B1-46B2-AB07-F32E03CFC060}" srcOrd="1" destOrd="0" presId="urn:microsoft.com/office/officeart/2008/layout/HorizontalMultiLevelHierarchy"/>
+    <dgm:cxn modelId="{3E062775-D7CF-4FA9-AFBD-84826B1E30B9}" type="presParOf" srcId="{C3A46373-48B0-48F6-AEB3-94B3CEDF4DCD}" destId="{0452D450-0985-49FE-BA00-B11A1C40BC36}" srcOrd="6" destOrd="0" presId="urn:microsoft.com/office/officeart/2008/layout/HorizontalMultiLevelHierarchy"/>
+    <dgm:cxn modelId="{62E2F2C6-D23B-41F5-8278-0D422EC5A567}" type="presParOf" srcId="{0452D450-0985-49FE-BA00-B11A1C40BC36}" destId="{755E120B-73B4-4DD6-AF15-E0D1F6156D4B}" srcOrd="0" destOrd="0" presId="urn:microsoft.com/office/officeart/2008/layout/HorizontalMultiLevelHierarchy"/>
+    <dgm:cxn modelId="{341AA85C-21EC-47AB-8FD4-7D1021ACFCAA}" type="presParOf" srcId="{C3A46373-48B0-48F6-AEB3-94B3CEDF4DCD}" destId="{15A000DA-2D9B-47FF-86EF-2D4A655B0032}" srcOrd="7" destOrd="0" presId="urn:microsoft.com/office/officeart/2008/layout/HorizontalMultiLevelHierarchy"/>
+    <dgm:cxn modelId="{DCE7D852-10FD-4F4E-890B-2BE7E08A9E50}" type="presParOf" srcId="{15A000DA-2D9B-47FF-86EF-2D4A655B0032}" destId="{8D7D4FB0-45CC-4DB7-866C-F6C2E48DDFDA}" srcOrd="0" destOrd="0" presId="urn:microsoft.com/office/officeart/2008/layout/HorizontalMultiLevelHierarchy"/>
+    <dgm:cxn modelId="{92A3FE94-E16D-4978-A4AF-94580AEA1CD5}" type="presParOf" srcId="{15A000DA-2D9B-47FF-86EF-2D4A655B0032}" destId="{B8593C30-3423-4AC8-885D-B692D5949B75}" srcOrd="1" destOrd="0" presId="urn:microsoft.com/office/officeart/2008/layout/HorizontalMultiLevelHierarchy"/>
+    <dgm:cxn modelId="{4ED52CD2-9E2F-4B9E-8B50-042A1CB3F996}" type="presParOf" srcId="{C3A46373-48B0-48F6-AEB3-94B3CEDF4DCD}" destId="{D9219F59-DB8F-4144-8807-113FFF017258}" srcOrd="8" destOrd="0" presId="urn:microsoft.com/office/officeart/2008/layout/HorizontalMultiLevelHierarchy"/>
+    <dgm:cxn modelId="{17FC93AD-ED3D-4F37-9056-53F91ABB38AE}" type="presParOf" srcId="{D9219F59-DB8F-4144-8807-113FFF017258}" destId="{1DA9420A-142C-4E9B-95F2-98C7DD65E71E}" srcOrd="0" destOrd="0" presId="urn:microsoft.com/office/officeart/2008/layout/HorizontalMultiLevelHierarchy"/>
+    <dgm:cxn modelId="{44D69021-DB94-4943-8DE7-5D9FA3B6F069}" type="presParOf" srcId="{C3A46373-48B0-48F6-AEB3-94B3CEDF4DCD}" destId="{6F31DA07-D79C-4829-AA9F-B12E386EC715}" srcOrd="9" destOrd="0" presId="urn:microsoft.com/office/officeart/2008/layout/HorizontalMultiLevelHierarchy"/>
+    <dgm:cxn modelId="{71278C99-A2A1-4522-87E4-A9EDAB6F9969}" type="presParOf" srcId="{6F31DA07-D79C-4829-AA9F-B12E386EC715}" destId="{F6493FA7-0399-4A3B-AC59-F56A8E49DD6E}" srcOrd="0" destOrd="0" presId="urn:microsoft.com/office/officeart/2008/layout/HorizontalMultiLevelHierarchy"/>
+    <dgm:cxn modelId="{0BFC499C-8198-4C81-8D1C-5B5580C10DCA}" type="presParOf" srcId="{6F31DA07-D79C-4829-AA9F-B12E386EC715}" destId="{0725FECE-124D-4F08-868F-362E317E3A46}" srcOrd="1" destOrd="0" presId="urn:microsoft.com/office/officeart/2008/layout/HorizontalMultiLevelHierarchy"/>
+  </dgm:cxnLst>
+  <dgm:bg/>
+  <dgm:whole/>
+  <dgm:extLst>
+    <a:ext uri="http://schemas.microsoft.com/office/drawing/2008/diagram">
+      <dsp:dataModelExt xmlns:dsp="http://schemas.microsoft.com/office/drawing/2008/diagram" relId="rId6" minVer="http://schemas.openxmlformats.org/drawingml/2006/diagram"/>
+    </a:ext>
+  </dgm:extLst>
+</dgm:dataModel>
+</file>
+
+<file path=ppt/diagrams/data2.xml><?xml version="1.0" encoding="utf-8"?>
+<dgm:dataModel xmlns:dgm="http://schemas.openxmlformats.org/drawingml/2006/diagram" xmlns:a="http://schemas.openxmlformats.org/drawingml/2006/main">
+  <dgm:ptLst>
+    <dgm:pt modelId="{929273FE-65CD-41A4-9060-B58DA6B53F70}" type="doc">
+      <dgm:prSet loTypeId="urn:microsoft.com/office/officeart/2008/layout/LinedList" loCatId="hierarchy" qsTypeId="urn:microsoft.com/office/officeart/2005/8/quickstyle/simple5" qsCatId="simple" csTypeId="urn:microsoft.com/office/officeart/2005/8/colors/accent4_5" csCatId="accent4" phldr="1"/>
+      <dgm:spPr/>
+      <dgm:t>
+        <a:bodyPr/>
+        <a:lstStyle/>
+        <a:p>
+          <a:endParaRPr lang="en-US"/>
+        </a:p>
+      </dgm:t>
+    </dgm:pt>
+    <dgm:pt modelId="{CB283B36-4D6F-4C53-9130-5DEE50BA07A3}">
+      <dgm:prSet phldrT="[Text]" custT="1"/>
+      <dgm:spPr/>
+      <dgm:t>
+        <a:bodyPr/>
+        <a:lstStyle/>
+        <a:p>
+          <a:r>
+            <a:rPr lang="en-US" sz="1800" dirty="0">
+              <a:latin typeface="Arial" panose="020B0604020202020204" pitchFamily="34" charset="0"/>
+              <a:cs typeface="Arial" panose="020B0604020202020204" pitchFamily="34" charset="0"/>
+            </a:rPr>
+            <a:t>Hardware</a:t>
+          </a:r>
+        </a:p>
+      </dgm:t>
+    </dgm:pt>
+    <dgm:pt modelId="{86CAA897-0612-4807-BE6A-725DC9F97555}" type="parTrans" cxnId="{6F458E0A-2AB6-4821-8CE4-EA09C59D94E1}">
+      <dgm:prSet/>
+      <dgm:spPr/>
+      <dgm:t>
+        <a:bodyPr/>
+        <a:lstStyle/>
+        <a:p>
+          <a:endParaRPr lang="en-US"/>
+        </a:p>
+      </dgm:t>
+    </dgm:pt>
+    <dgm:pt modelId="{AA37F94B-DE91-4FB3-AF6E-4D15514BD669}" type="sibTrans" cxnId="{6F458E0A-2AB6-4821-8CE4-EA09C59D94E1}">
+      <dgm:prSet/>
+      <dgm:spPr/>
+      <dgm:t>
+        <a:bodyPr/>
+        <a:lstStyle/>
+        <a:p>
+          <a:endParaRPr lang="en-US"/>
+        </a:p>
+      </dgm:t>
+    </dgm:pt>
+    <dgm:pt modelId="{1868ACCF-6933-4112-AF41-DF2A08783EBE}">
+      <dgm:prSet phldrT="[Text]" custT="1"/>
+      <dgm:spPr/>
+      <dgm:t>
+        <a:bodyPr/>
+        <a:lstStyle/>
+        <a:p>
+          <a:r>
+            <a:rPr lang="en-US" sz="1800" dirty="0">
+              <a:latin typeface="Arial" panose="020B0604020202020204" pitchFamily="34" charset="0"/>
+              <a:cs typeface="Arial" panose="020B0604020202020204" pitchFamily="34" charset="0"/>
+            </a:rPr>
+            <a:t>Constant</a:t>
+          </a:r>
+          <a:br>
+            <a:rPr lang="en-US" sz="3200" dirty="0">
+              <a:latin typeface="Arial" panose="020B0604020202020204" pitchFamily="34" charset="0"/>
+              <a:cs typeface="Arial" panose="020B0604020202020204" pitchFamily="34" charset="0"/>
+            </a:rPr>
+          </a:br>
+          <a:r>
+            <a:rPr lang="en-US" sz="1400" dirty="0">
+              <a:latin typeface="Arial" panose="020B0604020202020204" pitchFamily="34" charset="0"/>
+              <a:cs typeface="Arial" panose="020B0604020202020204" pitchFamily="34" charset="0"/>
+            </a:rPr>
+            <a:t>Name; Type; Description</a:t>
+          </a:r>
+        </a:p>
+      </dgm:t>
+    </dgm:pt>
+    <dgm:pt modelId="{AA8D95A3-3FE1-4C07-8704-133B541B96C0}" type="parTrans" cxnId="{0E3E47F4-A3CA-48E2-8ED1-6DA4E187799E}">
+      <dgm:prSet/>
+      <dgm:spPr/>
+      <dgm:t>
+        <a:bodyPr/>
+        <a:lstStyle/>
+        <a:p>
+          <a:endParaRPr lang="en-US" sz="1200">
+            <a:latin typeface="Arial" panose="020B0604020202020204" pitchFamily="34" charset="0"/>
+            <a:cs typeface="Arial" panose="020B0604020202020204" pitchFamily="34" charset="0"/>
+          </a:endParaRPr>
+        </a:p>
+      </dgm:t>
+    </dgm:pt>
+    <dgm:pt modelId="{DA1B633F-6069-421B-A0F9-9F7A0F9F806E}" type="sibTrans" cxnId="{0E3E47F4-A3CA-48E2-8ED1-6DA4E187799E}">
+      <dgm:prSet/>
+      <dgm:spPr/>
+      <dgm:t>
+        <a:bodyPr/>
+        <a:lstStyle/>
+        <a:p>
+          <a:endParaRPr lang="en-US"/>
+        </a:p>
+      </dgm:t>
+    </dgm:pt>
+    <dgm:pt modelId="{98C248D1-B35E-4FD6-8064-311328E092A1}">
+      <dgm:prSet phldrT="[Text]" custT="1"/>
+      <dgm:spPr/>
+      <dgm:t>
+        <a:bodyPr/>
+        <a:lstStyle/>
+        <a:p>
+          <a:r>
+            <a:rPr lang="en-US" sz="1600" dirty="0">
+              <a:latin typeface="Arial" panose="020B0604020202020204" pitchFamily="34" charset="0"/>
+              <a:cs typeface="Arial" panose="020B0604020202020204" pitchFamily="34" charset="0"/>
+            </a:rPr>
+            <a:t>Dependent</a:t>
+          </a:r>
+          <a:br>
+            <a:rPr lang="en-US" sz="1800" dirty="0">
+              <a:latin typeface="Arial" panose="020B0604020202020204" pitchFamily="34" charset="0"/>
+              <a:cs typeface="Arial" panose="020B0604020202020204" pitchFamily="34" charset="0"/>
+            </a:rPr>
+          </a:br>
+          <a:r>
+            <a:rPr lang="en-US" sz="1400" dirty="0">
+              <a:latin typeface="Arial" panose="020B0604020202020204" pitchFamily="34" charset="0"/>
+              <a:cs typeface="Arial" panose="020B0604020202020204" pitchFamily="34" charset="0"/>
+            </a:rPr>
+            <a:t>Status</a:t>
+          </a:r>
+          <a:endParaRPr lang="en-US" sz="4800" dirty="0">
+            <a:latin typeface="Arial" panose="020B0604020202020204" pitchFamily="34" charset="0"/>
+            <a:cs typeface="Arial" panose="020B0604020202020204" pitchFamily="34" charset="0"/>
+          </a:endParaRPr>
+        </a:p>
+      </dgm:t>
+    </dgm:pt>
+    <dgm:pt modelId="{90778425-1F9B-47BC-945D-4D7E5B265021}" type="parTrans" cxnId="{17EE1BB3-6E2F-466B-AC58-9FDF4445B222}">
+      <dgm:prSet/>
+      <dgm:spPr/>
+      <dgm:t>
+        <a:bodyPr/>
+        <a:lstStyle/>
+        <a:p>
+          <a:endParaRPr lang="en-US" sz="1200">
+            <a:latin typeface="Arial" panose="020B0604020202020204" pitchFamily="34" charset="0"/>
+            <a:cs typeface="Arial" panose="020B0604020202020204" pitchFamily="34" charset="0"/>
+          </a:endParaRPr>
+        </a:p>
+      </dgm:t>
+    </dgm:pt>
+    <dgm:pt modelId="{62790DFF-4E77-484E-9397-6C911D0C7F15}" type="sibTrans" cxnId="{17EE1BB3-6E2F-466B-AC58-9FDF4445B222}">
+      <dgm:prSet/>
+      <dgm:spPr/>
+      <dgm:t>
+        <a:bodyPr/>
+        <a:lstStyle/>
+        <a:p>
+          <a:endParaRPr lang="en-US"/>
+        </a:p>
+      </dgm:t>
+    </dgm:pt>
+    <dgm:pt modelId="{DCE74F5D-CFE5-44E4-BAEF-19BFE51D188B}">
+      <dgm:prSet phldrT="[Text]" custT="1"/>
+      <dgm:spPr/>
+      <dgm:t>
+        <a:bodyPr/>
+        <a:lstStyle/>
+        <a:p>
+          <a:r>
+            <a:rPr lang="en-US" sz="1800" dirty="0">
+              <a:latin typeface="Arial" panose="020B0604020202020204" pitchFamily="34" charset="0"/>
+              <a:cs typeface="Arial" panose="020B0604020202020204" pitchFamily="34" charset="0"/>
+            </a:rPr>
+            <a:t>Abstract Properties</a:t>
+          </a:r>
+        </a:p>
+      </dgm:t>
+    </dgm:pt>
+    <dgm:pt modelId="{1095FE89-C215-4C72-B40A-4FB0D31A0590}" type="parTrans" cxnId="{A57F9DBF-7F4C-4ADE-A564-A92CA727E4E0}">
+      <dgm:prSet/>
+      <dgm:spPr/>
+      <dgm:t>
+        <a:bodyPr/>
+        <a:lstStyle/>
+        <a:p>
+          <a:endParaRPr lang="en-US" sz="1200">
+            <a:latin typeface="Arial" panose="020B0604020202020204" pitchFamily="34" charset="0"/>
+            <a:cs typeface="Arial" panose="020B0604020202020204" pitchFamily="34" charset="0"/>
+          </a:endParaRPr>
+        </a:p>
+      </dgm:t>
+    </dgm:pt>
+    <dgm:pt modelId="{841656D6-EFED-41E3-A4D1-9DBDCB7F8059}" type="sibTrans" cxnId="{A57F9DBF-7F4C-4ADE-A564-A92CA727E4E0}">
+      <dgm:prSet/>
+      <dgm:spPr/>
+      <dgm:t>
+        <a:bodyPr/>
+        <a:lstStyle/>
+        <a:p>
+          <a:endParaRPr lang="en-US"/>
+        </a:p>
+      </dgm:t>
+    </dgm:pt>
+    <dgm:pt modelId="{1D6D63EE-60C6-423B-A3F7-288CD17C2217}">
+      <dgm:prSet phldrT="[Text]" custT="1"/>
+      <dgm:spPr/>
+      <dgm:t>
+        <a:bodyPr/>
+        <a:lstStyle/>
+        <a:p>
+          <a:r>
+            <a:rPr lang="en-US" sz="1400" dirty="0">
+              <a:latin typeface="Arial" panose="020B0604020202020204" pitchFamily="34" charset="0"/>
+              <a:cs typeface="Arial" panose="020B0604020202020204" pitchFamily="34" charset="0"/>
+            </a:rPr>
+            <a:t>State</a:t>
+          </a:r>
+        </a:p>
+      </dgm:t>
+    </dgm:pt>
+    <dgm:pt modelId="{C5CD67E5-0803-4F5D-8F59-0D300BEE05E3}" type="parTrans" cxnId="{FABC9AB6-1506-4E8F-A674-41181A2E9DE4}">
+      <dgm:prSet/>
+      <dgm:spPr/>
+      <dgm:t>
+        <a:bodyPr/>
+        <a:lstStyle/>
+        <a:p>
+          <a:endParaRPr lang="en-US" sz="1200">
+            <a:latin typeface="Arial" panose="020B0604020202020204" pitchFamily="34" charset="0"/>
+            <a:cs typeface="Arial" panose="020B0604020202020204" pitchFamily="34" charset="0"/>
+          </a:endParaRPr>
+        </a:p>
+      </dgm:t>
+    </dgm:pt>
+    <dgm:pt modelId="{F01CABFD-53DD-4153-9544-2A910A590989}" type="sibTrans" cxnId="{FABC9AB6-1506-4E8F-A674-41181A2E9DE4}">
+      <dgm:prSet/>
+      <dgm:spPr/>
+      <dgm:t>
+        <a:bodyPr/>
+        <a:lstStyle/>
+        <a:p>
+          <a:endParaRPr lang="en-US"/>
+        </a:p>
+      </dgm:t>
+    </dgm:pt>
+    <dgm:pt modelId="{88910CBC-D9ED-4564-A4F1-76163DA89E0C}">
+      <dgm:prSet phldrT="[Text]" custT="1"/>
+      <dgm:spPr/>
+      <dgm:t>
+        <a:bodyPr/>
+        <a:lstStyle/>
+        <a:p>
+          <a:r>
+            <a:rPr lang="en-US" sz="2000" dirty="0">
+              <a:latin typeface="Arial" panose="020B0604020202020204" pitchFamily="34" charset="0"/>
+              <a:cs typeface="Arial" panose="020B0604020202020204" pitchFamily="34" charset="0"/>
+            </a:rPr>
+            <a:t>Abstract Methods</a:t>
+          </a:r>
+        </a:p>
+      </dgm:t>
+    </dgm:pt>
+    <dgm:pt modelId="{BB627342-4E93-49C1-890B-DF79ECA6587E}" type="parTrans" cxnId="{31CCB919-62D4-46E9-A115-027586A83FA2}">
+      <dgm:prSet/>
+      <dgm:spPr/>
+      <dgm:t>
+        <a:bodyPr/>
+        <a:lstStyle/>
+        <a:p>
+          <a:endParaRPr lang="en-US"/>
+        </a:p>
+      </dgm:t>
+    </dgm:pt>
+    <dgm:pt modelId="{AF844274-863A-44DF-9286-EA47CE6CA7C6}" type="sibTrans" cxnId="{31CCB919-62D4-46E9-A115-027586A83FA2}">
+      <dgm:prSet/>
+      <dgm:spPr/>
+      <dgm:t>
+        <a:bodyPr/>
+        <a:lstStyle/>
+        <a:p>
+          <a:endParaRPr lang="en-US"/>
+        </a:p>
+      </dgm:t>
+    </dgm:pt>
+    <dgm:pt modelId="{D1B07FE5-F905-4E59-8A3A-A8E50DBCBF95}">
+      <dgm:prSet phldrT="[Text]" custT="1"/>
+      <dgm:spPr/>
+      <dgm:t>
+        <a:bodyPr/>
+        <a:lstStyle/>
+        <a:p>
+          <a:r>
+            <a:rPr lang="en-US" sz="2000" dirty="0">
+              <a:latin typeface="Arial" panose="020B0604020202020204" pitchFamily="34" charset="0"/>
+              <a:cs typeface="Arial" panose="020B0604020202020204" pitchFamily="34" charset="0"/>
+            </a:rPr>
+            <a:t>setup</a:t>
+          </a:r>
+        </a:p>
+      </dgm:t>
+    </dgm:pt>
+    <dgm:pt modelId="{A258FE5A-891E-4F2E-B6E1-9BDF9B246309}" type="parTrans" cxnId="{AA804371-9EB5-44CB-A5A4-D6CFD8F5A736}">
+      <dgm:prSet/>
+      <dgm:spPr/>
+      <dgm:t>
+        <a:bodyPr/>
+        <a:lstStyle/>
+        <a:p>
+          <a:endParaRPr lang="en-US"/>
+        </a:p>
+      </dgm:t>
+    </dgm:pt>
+    <dgm:pt modelId="{7C9831F9-1128-4DC1-997B-0C8D594E8BA5}" type="sibTrans" cxnId="{AA804371-9EB5-44CB-A5A4-D6CFD8F5A736}">
+      <dgm:prSet/>
+      <dgm:spPr/>
+      <dgm:t>
+        <a:bodyPr/>
+        <a:lstStyle/>
+        <a:p>
+          <a:endParaRPr lang="en-US"/>
+        </a:p>
+      </dgm:t>
+    </dgm:pt>
+    <dgm:pt modelId="{D0D53731-E3E4-4932-84F9-D0C99736C96D}">
+      <dgm:prSet phldrT="[Text]" custT="1"/>
+      <dgm:spPr/>
+      <dgm:t>
+        <a:bodyPr/>
+        <a:lstStyle/>
+        <a:p>
+          <a:r>
+            <a:rPr lang="en-US" sz="2000" dirty="0">
+              <a:latin typeface="Arial" panose="020B0604020202020204" pitchFamily="34" charset="0"/>
+              <a:cs typeface="Arial" panose="020B0604020202020204" pitchFamily="34" charset="0"/>
+            </a:rPr>
+            <a:t>prepare</a:t>
+          </a:r>
+        </a:p>
+      </dgm:t>
+    </dgm:pt>
+    <dgm:pt modelId="{9E511972-F4F1-4240-B4D7-22D94ABAEC5D}" type="parTrans" cxnId="{9114D90B-DCA7-48E3-AF53-E86A90AF2EE5}">
+      <dgm:prSet/>
+      <dgm:spPr/>
+      <dgm:t>
+        <a:bodyPr/>
+        <a:lstStyle/>
+        <a:p>
+          <a:endParaRPr lang="en-US"/>
+        </a:p>
+      </dgm:t>
+    </dgm:pt>
+    <dgm:pt modelId="{958BB28C-C345-4807-B3D6-589CA42B8CAD}" type="sibTrans" cxnId="{9114D90B-DCA7-48E3-AF53-E86A90AF2EE5}">
+      <dgm:prSet/>
+      <dgm:spPr/>
+      <dgm:t>
+        <a:bodyPr/>
+        <a:lstStyle/>
+        <a:p>
+          <a:endParaRPr lang="en-US"/>
+        </a:p>
+      </dgm:t>
+    </dgm:pt>
+    <dgm:pt modelId="{681D4DC3-1978-4D15-8BE1-FB2A09DDAAE6}">
+      <dgm:prSet phldrT="[Text]" custT="1"/>
+      <dgm:spPr/>
+      <dgm:t>
+        <a:bodyPr/>
+        <a:lstStyle/>
+        <a:p>
+          <a:r>
+            <a:rPr lang="en-US" sz="2000" dirty="0">
+              <a:latin typeface="Arial" panose="020B0604020202020204" pitchFamily="34" charset="0"/>
+              <a:cs typeface="Arial" panose="020B0604020202020204" pitchFamily="34" charset="0"/>
+            </a:rPr>
+            <a:t>run</a:t>
+          </a:r>
+        </a:p>
+      </dgm:t>
+    </dgm:pt>
+    <dgm:pt modelId="{C186AB12-88C3-4A01-B565-1D5B0D9DDA0F}" type="parTrans" cxnId="{11B0C4ED-A87D-4DA6-8192-FC9FB56A165D}">
+      <dgm:prSet/>
+      <dgm:spPr/>
+      <dgm:t>
+        <a:bodyPr/>
+        <a:lstStyle/>
+        <a:p>
+          <a:endParaRPr lang="en-US"/>
+        </a:p>
+      </dgm:t>
+    </dgm:pt>
+    <dgm:pt modelId="{F0A0812F-72CD-45E4-8766-22F693FFC4C1}" type="sibTrans" cxnId="{11B0C4ED-A87D-4DA6-8192-FC9FB56A165D}">
+      <dgm:prSet/>
+      <dgm:spPr/>
+      <dgm:t>
+        <a:bodyPr/>
+        <a:lstStyle/>
+        <a:p>
+          <a:endParaRPr lang="en-US"/>
+        </a:p>
+      </dgm:t>
+    </dgm:pt>
+    <dgm:pt modelId="{25924990-2716-47F4-B330-112B7E951267}">
+      <dgm:prSet phldrT="[Text]" custT="1"/>
+      <dgm:spPr/>
+      <dgm:t>
+        <a:bodyPr/>
+        <a:lstStyle/>
+        <a:p>
+          <a:r>
+            <a:rPr lang="en-US" sz="2000" dirty="0">
+              <a:latin typeface="Arial" panose="020B0604020202020204" pitchFamily="34" charset="0"/>
+              <a:cs typeface="Arial" panose="020B0604020202020204" pitchFamily="34" charset="0"/>
+            </a:rPr>
+            <a:t>stop</a:t>
+          </a:r>
+        </a:p>
+      </dgm:t>
+    </dgm:pt>
+    <dgm:pt modelId="{98C4A09A-30C6-4B27-82B6-F26952527291}" type="parTrans" cxnId="{7443BF74-AEC4-4F6A-839E-BC157FE2CD70}">
+      <dgm:prSet/>
+      <dgm:spPr/>
+      <dgm:t>
+        <a:bodyPr/>
+        <a:lstStyle/>
+        <a:p>
+          <a:endParaRPr lang="en-US"/>
+        </a:p>
+      </dgm:t>
+    </dgm:pt>
+    <dgm:pt modelId="{F4C44A89-EB68-4C66-850B-1FEA44A6328F}" type="sibTrans" cxnId="{7443BF74-AEC4-4F6A-839E-BC157FE2CD70}">
+      <dgm:prSet/>
+      <dgm:spPr/>
+      <dgm:t>
+        <a:bodyPr/>
+        <a:lstStyle/>
+        <a:p>
+          <a:endParaRPr lang="en-US"/>
+        </a:p>
+      </dgm:t>
+    </dgm:pt>
+    <dgm:pt modelId="{2B8075FE-0EEC-4AD5-9D90-0EFA3C68E0B5}">
+      <dgm:prSet phldrT="[Text]" custT="1"/>
+      <dgm:spPr/>
+      <dgm:t>
+        <a:bodyPr/>
+        <a:lstStyle/>
+        <a:p>
+          <a:r>
+            <a:rPr lang="en-US" sz="2000" dirty="0">
+              <a:latin typeface="Arial" panose="020B0604020202020204" pitchFamily="34" charset="0"/>
+              <a:cs typeface="Arial" panose="020B0604020202020204" pitchFamily="34" charset="0"/>
+            </a:rPr>
+            <a:t>write</a:t>
+          </a:r>
+        </a:p>
+      </dgm:t>
+    </dgm:pt>
+    <dgm:pt modelId="{FEC63EA7-3853-48CF-AC81-4B2362A623B8}" type="parTrans" cxnId="{8D51922B-B033-4E91-ACD3-7A769FEE2D28}">
+      <dgm:prSet/>
+      <dgm:spPr/>
+      <dgm:t>
+        <a:bodyPr/>
+        <a:lstStyle/>
+        <a:p>
+          <a:endParaRPr lang="en-US"/>
+        </a:p>
+      </dgm:t>
+    </dgm:pt>
+    <dgm:pt modelId="{EDDFB030-BF0F-4933-A120-AEE0CC85E126}" type="sibTrans" cxnId="{8D51922B-B033-4E91-ACD3-7A769FEE2D28}">
+      <dgm:prSet/>
+      <dgm:spPr/>
+      <dgm:t>
+        <a:bodyPr/>
+        <a:lstStyle/>
+        <a:p>
+          <a:endParaRPr lang="en-US"/>
+        </a:p>
+      </dgm:t>
+    </dgm:pt>
+    <dgm:pt modelId="{0D902084-CF33-4869-A8A0-DC7ADBCD1430}">
+      <dgm:prSet phldrT="[Text]" custT="1"/>
+      <dgm:spPr/>
+      <dgm:t>
+        <a:bodyPr/>
+        <a:lstStyle/>
+        <a:p>
+          <a:r>
+            <a:rPr lang="en-US" sz="2000" dirty="0">
+              <a:latin typeface="Arial" panose="020B0604020202020204" pitchFamily="34" charset="0"/>
+              <a:cs typeface="Arial" panose="020B0604020202020204" pitchFamily="34" charset="0"/>
+            </a:rPr>
+            <a:t>read</a:t>
+          </a:r>
+        </a:p>
+      </dgm:t>
+    </dgm:pt>
+    <dgm:pt modelId="{A9623750-D0BF-49A1-A6AD-5260643AD8E7}" type="parTrans" cxnId="{95571CDE-D41F-4691-B9A7-EED7D1FF739E}">
+      <dgm:prSet/>
+      <dgm:spPr/>
+      <dgm:t>
+        <a:bodyPr/>
+        <a:lstStyle/>
+        <a:p>
+          <a:endParaRPr lang="en-US"/>
+        </a:p>
+      </dgm:t>
+    </dgm:pt>
+    <dgm:pt modelId="{6857DB71-DE1F-4A01-9354-E6D6755D585A}" type="sibTrans" cxnId="{95571CDE-D41F-4691-B9A7-EED7D1FF739E}">
+      <dgm:prSet/>
+      <dgm:spPr/>
+      <dgm:t>
+        <a:bodyPr/>
+        <a:lstStyle/>
+        <a:p>
+          <a:endParaRPr lang="en-US"/>
+        </a:p>
+      </dgm:t>
+    </dgm:pt>
+    <dgm:pt modelId="{8577AF81-95C9-447B-BDCD-177A67DEB05A}">
+      <dgm:prSet phldrT="[Text]" custT="1"/>
+      <dgm:spPr/>
+      <dgm:t>
+        <a:bodyPr/>
+        <a:lstStyle/>
+        <a:p>
+          <a:r>
+            <a:rPr lang="en-US" sz="2000">
+              <a:latin typeface="Arial" panose="020B0604020202020204" pitchFamily="34" charset="0"/>
+              <a:cs typeface="Arial" panose="020B0604020202020204" pitchFamily="34" charset="0"/>
+            </a:rPr>
+            <a:t>trigger</a:t>
+          </a:r>
+          <a:endParaRPr lang="en-US" sz="2000" dirty="0">
+            <a:latin typeface="Arial" panose="020B0604020202020204" pitchFamily="34" charset="0"/>
+            <a:cs typeface="Arial" panose="020B0604020202020204" pitchFamily="34" charset="0"/>
+          </a:endParaRPr>
+        </a:p>
+      </dgm:t>
+    </dgm:pt>
+    <dgm:pt modelId="{ADFC7CE5-AC8C-4E3F-8588-FCED1F720643}" type="parTrans" cxnId="{AAABD417-6E9D-4436-B83D-700B65F11276}">
+      <dgm:prSet/>
+      <dgm:spPr/>
+      <dgm:t>
+        <a:bodyPr/>
+        <a:lstStyle/>
+        <a:p>
+          <a:endParaRPr lang="en-US"/>
+        </a:p>
+      </dgm:t>
+    </dgm:pt>
+    <dgm:pt modelId="{C11D62F9-1D00-4B51-A362-C02696AC58C9}" type="sibTrans" cxnId="{AAABD417-6E9D-4436-B83D-700B65F11276}">
+      <dgm:prSet/>
+      <dgm:spPr/>
+      <dgm:t>
+        <a:bodyPr/>
+        <a:lstStyle/>
+        <a:p>
+          <a:endParaRPr lang="en-US"/>
+        </a:p>
+      </dgm:t>
+    </dgm:pt>
+    <dgm:pt modelId="{A85C504C-85FE-4375-905B-5C3BC80E8EAA}" type="pres">
+      <dgm:prSet presAssocID="{929273FE-65CD-41A4-9060-B58DA6B53F70}" presName="vert0" presStyleCnt="0">
+        <dgm:presLayoutVars>
+          <dgm:dir/>
+          <dgm:animOne val="branch"/>
+          <dgm:animLvl val="lvl"/>
+        </dgm:presLayoutVars>
+      </dgm:prSet>
+      <dgm:spPr/>
+    </dgm:pt>
+    <dgm:pt modelId="{707BED30-1405-41A2-BFBB-A7200EBF6662}" type="pres">
+      <dgm:prSet presAssocID="{CB283B36-4D6F-4C53-9130-5DEE50BA07A3}" presName="thickLine" presStyleLbl="alignNode1" presStyleIdx="0" presStyleCnt="1"/>
+      <dgm:spPr/>
+    </dgm:pt>
+    <dgm:pt modelId="{6027D1AE-600C-4268-8487-1717C0A082FD}" type="pres">
+      <dgm:prSet presAssocID="{CB283B36-4D6F-4C53-9130-5DEE50BA07A3}" presName="horz1" presStyleCnt="0"/>
+      <dgm:spPr/>
+    </dgm:pt>
+    <dgm:pt modelId="{5F1FD871-3715-4C2C-A7D8-E302FA953F38}" type="pres">
+      <dgm:prSet presAssocID="{CB283B36-4D6F-4C53-9130-5DEE50BA07A3}" presName="tx1" presStyleLbl="revTx" presStyleIdx="0" presStyleCnt="13"/>
+      <dgm:spPr/>
+    </dgm:pt>
+    <dgm:pt modelId="{1FC95E9F-FB88-4CE5-9F8A-097E4423F5C9}" type="pres">
+      <dgm:prSet presAssocID="{CB283B36-4D6F-4C53-9130-5DEE50BA07A3}" presName="vert1" presStyleCnt="0"/>
+      <dgm:spPr/>
+    </dgm:pt>
+    <dgm:pt modelId="{07A103AC-B2CF-4ED8-A32F-384546F8CBAC}" type="pres">
+      <dgm:prSet presAssocID="{DCE74F5D-CFE5-44E4-BAEF-19BFE51D188B}" presName="vertSpace2a" presStyleCnt="0"/>
+      <dgm:spPr/>
+    </dgm:pt>
+    <dgm:pt modelId="{C302DD5B-49CE-49FB-B3DF-6FD818853408}" type="pres">
+      <dgm:prSet presAssocID="{DCE74F5D-CFE5-44E4-BAEF-19BFE51D188B}" presName="horz2" presStyleCnt="0"/>
+      <dgm:spPr/>
+    </dgm:pt>
+    <dgm:pt modelId="{1C634852-441D-4926-B77A-5C2722B7961D}" type="pres">
+      <dgm:prSet presAssocID="{DCE74F5D-CFE5-44E4-BAEF-19BFE51D188B}" presName="horzSpace2" presStyleCnt="0"/>
+      <dgm:spPr/>
+    </dgm:pt>
+    <dgm:pt modelId="{04AE2207-2E66-4FD2-BE18-4B889B408E40}" type="pres">
+      <dgm:prSet presAssocID="{DCE74F5D-CFE5-44E4-BAEF-19BFE51D188B}" presName="tx2" presStyleLbl="revTx" presStyleIdx="1" presStyleCnt="13"/>
+      <dgm:spPr/>
+    </dgm:pt>
+    <dgm:pt modelId="{FE85F924-0F80-45BF-83F2-2F96F69029A7}" type="pres">
+      <dgm:prSet presAssocID="{DCE74F5D-CFE5-44E4-BAEF-19BFE51D188B}" presName="vert2" presStyleCnt="0"/>
+      <dgm:spPr/>
+    </dgm:pt>
+    <dgm:pt modelId="{5FA81E42-D1B8-406D-B6DE-DCC20AF09782}" type="pres">
+      <dgm:prSet presAssocID="{1D6D63EE-60C6-423B-A3F7-288CD17C2217}" presName="horz3" presStyleCnt="0"/>
+      <dgm:spPr/>
+    </dgm:pt>
+    <dgm:pt modelId="{5F53F05D-09CC-4FEB-8D43-B292A25A6338}" type="pres">
+      <dgm:prSet presAssocID="{1D6D63EE-60C6-423B-A3F7-288CD17C2217}" presName="horzSpace3" presStyleCnt="0"/>
+      <dgm:spPr/>
+    </dgm:pt>
+    <dgm:pt modelId="{31972320-9162-419E-8304-A8D1085A23D9}" type="pres">
+      <dgm:prSet presAssocID="{1D6D63EE-60C6-423B-A3F7-288CD17C2217}" presName="tx3" presStyleLbl="revTx" presStyleIdx="2" presStyleCnt="13"/>
+      <dgm:spPr/>
+    </dgm:pt>
+    <dgm:pt modelId="{1EA030C5-EC1F-487C-9164-FF5BBA069484}" type="pres">
+      <dgm:prSet presAssocID="{1D6D63EE-60C6-423B-A3F7-288CD17C2217}" presName="vert3" presStyleCnt="0"/>
+      <dgm:spPr/>
+    </dgm:pt>
+    <dgm:pt modelId="{79CB4AF8-09D8-4FA2-8C5D-D7AFC87AD888}" type="pres">
+      <dgm:prSet presAssocID="{F01CABFD-53DD-4153-9544-2A910A590989}" presName="thinLine3" presStyleLbl="callout" presStyleIdx="0" presStyleCnt="10"/>
+      <dgm:spPr/>
+    </dgm:pt>
+    <dgm:pt modelId="{AEFF3648-BC48-4A16-A76C-36038141F1C4}" type="pres">
+      <dgm:prSet presAssocID="{1868ACCF-6933-4112-AF41-DF2A08783EBE}" presName="horz3" presStyleCnt="0"/>
+      <dgm:spPr/>
+    </dgm:pt>
+    <dgm:pt modelId="{10DF37BE-5E4C-42EA-ABF5-10E5A1E9700C}" type="pres">
+      <dgm:prSet presAssocID="{1868ACCF-6933-4112-AF41-DF2A08783EBE}" presName="horzSpace3" presStyleCnt="0"/>
+      <dgm:spPr/>
+    </dgm:pt>
+    <dgm:pt modelId="{260E2668-3CA6-4E47-B170-DCCAD87871B2}" type="pres">
+      <dgm:prSet presAssocID="{1868ACCF-6933-4112-AF41-DF2A08783EBE}" presName="tx3" presStyleLbl="revTx" presStyleIdx="3" presStyleCnt="13"/>
+      <dgm:spPr/>
+    </dgm:pt>
+    <dgm:pt modelId="{CF5C4AED-1195-4B38-AF25-DA618A6C5753}" type="pres">
+      <dgm:prSet presAssocID="{1868ACCF-6933-4112-AF41-DF2A08783EBE}" presName="vert3" presStyleCnt="0"/>
+      <dgm:spPr/>
+    </dgm:pt>
+    <dgm:pt modelId="{C0535B07-C3A6-4926-ACA3-6B940C6EDFA8}" type="pres">
+      <dgm:prSet presAssocID="{DA1B633F-6069-421B-A0F9-9F7A0F9F806E}" presName="thinLine3" presStyleLbl="callout" presStyleIdx="1" presStyleCnt="10"/>
+      <dgm:spPr/>
+    </dgm:pt>
+    <dgm:pt modelId="{3BC7EC85-B386-4A8D-A365-B295353154F2}" type="pres">
+      <dgm:prSet presAssocID="{98C248D1-B35E-4FD6-8064-311328E092A1}" presName="horz3" presStyleCnt="0"/>
+      <dgm:spPr/>
+    </dgm:pt>
+    <dgm:pt modelId="{96B5C9CE-98AF-4681-B920-36F413252B11}" type="pres">
+      <dgm:prSet presAssocID="{98C248D1-B35E-4FD6-8064-311328E092A1}" presName="horzSpace3" presStyleCnt="0"/>
+      <dgm:spPr/>
+    </dgm:pt>
+    <dgm:pt modelId="{109B1B07-335D-4CE6-857C-51BADF147A62}" type="pres">
+      <dgm:prSet presAssocID="{98C248D1-B35E-4FD6-8064-311328E092A1}" presName="tx3" presStyleLbl="revTx" presStyleIdx="4" presStyleCnt="13"/>
+      <dgm:spPr/>
+    </dgm:pt>
+    <dgm:pt modelId="{2215108E-38B7-49D8-A987-7CA37B79EABB}" type="pres">
+      <dgm:prSet presAssocID="{98C248D1-B35E-4FD6-8064-311328E092A1}" presName="vert3" presStyleCnt="0"/>
+      <dgm:spPr/>
+    </dgm:pt>
+    <dgm:pt modelId="{AC783A0E-03F7-4A81-BD1A-458761B3D000}" type="pres">
+      <dgm:prSet presAssocID="{DCE74F5D-CFE5-44E4-BAEF-19BFE51D188B}" presName="thinLine2b" presStyleLbl="callout" presStyleIdx="2" presStyleCnt="10"/>
+      <dgm:spPr/>
+    </dgm:pt>
+    <dgm:pt modelId="{0DB97D6C-54C9-4AFF-A4A2-2D3261299F54}" type="pres">
+      <dgm:prSet presAssocID="{DCE74F5D-CFE5-44E4-BAEF-19BFE51D188B}" presName="vertSpace2b" presStyleCnt="0"/>
+      <dgm:spPr/>
+    </dgm:pt>
+    <dgm:pt modelId="{F1D0504B-C292-4F56-856B-B3F9B1FB2C2B}" type="pres">
+      <dgm:prSet presAssocID="{88910CBC-D9ED-4564-A4F1-76163DA89E0C}" presName="horz2" presStyleCnt="0"/>
+      <dgm:spPr/>
+    </dgm:pt>
+    <dgm:pt modelId="{DE9357B9-1586-4908-AC63-5A99670794FB}" type="pres">
+      <dgm:prSet presAssocID="{88910CBC-D9ED-4564-A4F1-76163DA89E0C}" presName="horzSpace2" presStyleCnt="0"/>
+      <dgm:spPr/>
+    </dgm:pt>
+    <dgm:pt modelId="{7FD05DD1-F4CB-4A15-BFEC-DA63BD98FA81}" type="pres">
+      <dgm:prSet presAssocID="{88910CBC-D9ED-4564-A4F1-76163DA89E0C}" presName="tx2" presStyleLbl="revTx" presStyleIdx="5" presStyleCnt="13"/>
+      <dgm:spPr/>
+    </dgm:pt>
+    <dgm:pt modelId="{CA20A8F4-7B56-42F3-B772-588568B766F0}" type="pres">
+      <dgm:prSet presAssocID="{88910CBC-D9ED-4564-A4F1-76163DA89E0C}" presName="vert2" presStyleCnt="0"/>
+      <dgm:spPr/>
+    </dgm:pt>
+    <dgm:pt modelId="{9CE090BB-BD73-4542-86A7-82BDA2FE08A8}" type="pres">
+      <dgm:prSet presAssocID="{D1B07FE5-F905-4E59-8A3A-A8E50DBCBF95}" presName="horz3" presStyleCnt="0"/>
+      <dgm:spPr/>
+    </dgm:pt>
+    <dgm:pt modelId="{18A4FB37-8731-4AC5-92B2-054AA2FD0ED2}" type="pres">
+      <dgm:prSet presAssocID="{D1B07FE5-F905-4E59-8A3A-A8E50DBCBF95}" presName="horzSpace3" presStyleCnt="0"/>
+      <dgm:spPr/>
+    </dgm:pt>
+    <dgm:pt modelId="{AF2E1543-3D7E-4DA6-9CD5-987A7E911DDD}" type="pres">
+      <dgm:prSet presAssocID="{D1B07FE5-F905-4E59-8A3A-A8E50DBCBF95}" presName="tx3" presStyleLbl="revTx" presStyleIdx="6" presStyleCnt="13"/>
+      <dgm:spPr/>
+    </dgm:pt>
+    <dgm:pt modelId="{E81DCBCA-3128-4030-8AF2-A4405FA742B7}" type="pres">
+      <dgm:prSet presAssocID="{D1B07FE5-F905-4E59-8A3A-A8E50DBCBF95}" presName="vert3" presStyleCnt="0"/>
+      <dgm:spPr/>
+    </dgm:pt>
+    <dgm:pt modelId="{D9354758-8AC8-48CD-855F-7DF1F38E26B6}" type="pres">
+      <dgm:prSet presAssocID="{7C9831F9-1128-4DC1-997B-0C8D594E8BA5}" presName="thinLine3" presStyleLbl="callout" presStyleIdx="3" presStyleCnt="10"/>
+      <dgm:spPr/>
+    </dgm:pt>
+    <dgm:pt modelId="{351DBE2A-1EED-4E7C-BB71-402588EE50EA}" type="pres">
+      <dgm:prSet presAssocID="{D0D53731-E3E4-4932-84F9-D0C99736C96D}" presName="horz3" presStyleCnt="0"/>
+      <dgm:spPr/>
+    </dgm:pt>
+    <dgm:pt modelId="{4EE873F6-9E13-4AC6-8CE2-0CF04472ED53}" type="pres">
+      <dgm:prSet presAssocID="{D0D53731-E3E4-4932-84F9-D0C99736C96D}" presName="horzSpace3" presStyleCnt="0"/>
+      <dgm:spPr/>
+    </dgm:pt>
+    <dgm:pt modelId="{11347742-0629-473A-83A1-3FD9625FD4AD}" type="pres">
+      <dgm:prSet presAssocID="{D0D53731-E3E4-4932-84F9-D0C99736C96D}" presName="tx3" presStyleLbl="revTx" presStyleIdx="7" presStyleCnt="13"/>
+      <dgm:spPr/>
+    </dgm:pt>
+    <dgm:pt modelId="{4051E3BA-BFC3-4DD5-9681-F38F0F4A344C}" type="pres">
+      <dgm:prSet presAssocID="{D0D53731-E3E4-4932-84F9-D0C99736C96D}" presName="vert3" presStyleCnt="0"/>
+      <dgm:spPr/>
+    </dgm:pt>
+    <dgm:pt modelId="{BECC162D-B9EE-4421-A8E1-5C0BEE101497}" type="pres">
+      <dgm:prSet presAssocID="{958BB28C-C345-4807-B3D6-589CA42B8CAD}" presName="thinLine3" presStyleLbl="callout" presStyleIdx="4" presStyleCnt="10"/>
+      <dgm:spPr/>
+    </dgm:pt>
+    <dgm:pt modelId="{A8DB3710-CE10-4812-9787-6EAE95F18204}" type="pres">
+      <dgm:prSet presAssocID="{681D4DC3-1978-4D15-8BE1-FB2A09DDAAE6}" presName="horz3" presStyleCnt="0"/>
+      <dgm:spPr/>
+    </dgm:pt>
+    <dgm:pt modelId="{E1A1F1DC-A4E5-4E53-8E74-2242F773EA8F}" type="pres">
+      <dgm:prSet presAssocID="{681D4DC3-1978-4D15-8BE1-FB2A09DDAAE6}" presName="horzSpace3" presStyleCnt="0"/>
+      <dgm:spPr/>
+    </dgm:pt>
+    <dgm:pt modelId="{F341C787-34BE-4B21-A9C1-5BC709F0891E}" type="pres">
+      <dgm:prSet presAssocID="{681D4DC3-1978-4D15-8BE1-FB2A09DDAAE6}" presName="tx3" presStyleLbl="revTx" presStyleIdx="8" presStyleCnt="13"/>
+      <dgm:spPr/>
+    </dgm:pt>
+    <dgm:pt modelId="{C7548351-74DB-489C-B324-FA86E67C4340}" type="pres">
+      <dgm:prSet presAssocID="{681D4DC3-1978-4D15-8BE1-FB2A09DDAAE6}" presName="vert3" presStyleCnt="0"/>
+      <dgm:spPr/>
+    </dgm:pt>
+    <dgm:pt modelId="{1FC5BBBF-3FA5-4A41-B254-2BDC18A5A2CC}" type="pres">
+      <dgm:prSet presAssocID="{F0A0812F-72CD-45E4-8766-22F693FFC4C1}" presName="thinLine3" presStyleLbl="callout" presStyleIdx="5" presStyleCnt="10"/>
+      <dgm:spPr/>
+    </dgm:pt>
+    <dgm:pt modelId="{25C9933D-0D7F-4603-87AB-7718D98BE3D6}" type="pres">
+      <dgm:prSet presAssocID="{25924990-2716-47F4-B330-112B7E951267}" presName="horz3" presStyleCnt="0"/>
+      <dgm:spPr/>
+    </dgm:pt>
+    <dgm:pt modelId="{E4F08496-0E6F-428B-A153-61E7579EB47B}" type="pres">
+      <dgm:prSet presAssocID="{25924990-2716-47F4-B330-112B7E951267}" presName="horzSpace3" presStyleCnt="0"/>
+      <dgm:spPr/>
+    </dgm:pt>
+    <dgm:pt modelId="{3CB3FF16-2095-4EC7-8FD5-7099FF948509}" type="pres">
+      <dgm:prSet presAssocID="{25924990-2716-47F4-B330-112B7E951267}" presName="tx3" presStyleLbl="revTx" presStyleIdx="9" presStyleCnt="13"/>
+      <dgm:spPr/>
+    </dgm:pt>
+    <dgm:pt modelId="{37BF117A-A163-4CDE-AD0F-DD2666EA1356}" type="pres">
+      <dgm:prSet presAssocID="{25924990-2716-47F4-B330-112B7E951267}" presName="vert3" presStyleCnt="0"/>
+      <dgm:spPr/>
+    </dgm:pt>
+    <dgm:pt modelId="{206D2A30-02B3-4381-A2C3-2BBC893810EF}" type="pres">
+      <dgm:prSet presAssocID="{F4C44A89-EB68-4C66-850B-1FEA44A6328F}" presName="thinLine3" presStyleLbl="callout" presStyleIdx="6" presStyleCnt="10"/>
+      <dgm:spPr/>
+    </dgm:pt>
+    <dgm:pt modelId="{FEFA6FDE-58B1-4C76-8980-876013C8232F}" type="pres">
+      <dgm:prSet presAssocID="{2B8075FE-0EEC-4AD5-9D90-0EFA3C68E0B5}" presName="horz3" presStyleCnt="0"/>
+      <dgm:spPr/>
+    </dgm:pt>
+    <dgm:pt modelId="{BA289C7D-6AC8-40C4-9835-9EEFC5A22B44}" type="pres">
+      <dgm:prSet presAssocID="{2B8075FE-0EEC-4AD5-9D90-0EFA3C68E0B5}" presName="horzSpace3" presStyleCnt="0"/>
+      <dgm:spPr/>
+    </dgm:pt>
+    <dgm:pt modelId="{0B668DA3-9DBF-4DB4-91D8-1E30F81F6F90}" type="pres">
+      <dgm:prSet presAssocID="{2B8075FE-0EEC-4AD5-9D90-0EFA3C68E0B5}" presName="tx3" presStyleLbl="revTx" presStyleIdx="10" presStyleCnt="13"/>
+      <dgm:spPr/>
+    </dgm:pt>
+    <dgm:pt modelId="{0A655A44-694B-4656-98AB-EA506AC33BDD}" type="pres">
+      <dgm:prSet presAssocID="{2B8075FE-0EEC-4AD5-9D90-0EFA3C68E0B5}" presName="vert3" presStyleCnt="0"/>
+      <dgm:spPr/>
+    </dgm:pt>
+    <dgm:pt modelId="{D4EE8A43-ADCB-4FB9-94C5-9266234ACF4E}" type="pres">
+      <dgm:prSet presAssocID="{EDDFB030-BF0F-4933-A120-AEE0CC85E126}" presName="thinLine3" presStyleLbl="callout" presStyleIdx="7" presStyleCnt="10"/>
+      <dgm:spPr/>
+    </dgm:pt>
+    <dgm:pt modelId="{11D6F287-7E81-4368-A89A-E40EAE09122B}" type="pres">
+      <dgm:prSet presAssocID="{0D902084-CF33-4869-A8A0-DC7ADBCD1430}" presName="horz3" presStyleCnt="0"/>
+      <dgm:spPr/>
+    </dgm:pt>
+    <dgm:pt modelId="{B8275C4F-5671-444C-8895-350874D3CF15}" type="pres">
+      <dgm:prSet presAssocID="{0D902084-CF33-4869-A8A0-DC7ADBCD1430}" presName="horzSpace3" presStyleCnt="0"/>
+      <dgm:spPr/>
+    </dgm:pt>
+    <dgm:pt modelId="{E38DA39D-C9A7-4037-A70F-2F91C1DB597F}" type="pres">
+      <dgm:prSet presAssocID="{0D902084-CF33-4869-A8A0-DC7ADBCD1430}" presName="tx3" presStyleLbl="revTx" presStyleIdx="11" presStyleCnt="13"/>
+      <dgm:spPr/>
+    </dgm:pt>
+    <dgm:pt modelId="{FFC77905-E290-49D5-9CC4-AFC22F88CA6B}" type="pres">
+      <dgm:prSet presAssocID="{0D902084-CF33-4869-A8A0-DC7ADBCD1430}" presName="vert3" presStyleCnt="0"/>
+      <dgm:spPr/>
+    </dgm:pt>
+    <dgm:pt modelId="{BDB4CC31-0323-4700-B0D8-A3DC77A93A21}" type="pres">
+      <dgm:prSet presAssocID="{6857DB71-DE1F-4A01-9354-E6D6755D585A}" presName="thinLine3" presStyleLbl="callout" presStyleIdx="8" presStyleCnt="10"/>
+      <dgm:spPr/>
+    </dgm:pt>
+    <dgm:pt modelId="{1E52AF76-F182-4B0F-9E43-5D51878439C5}" type="pres">
+      <dgm:prSet presAssocID="{8577AF81-95C9-447B-BDCD-177A67DEB05A}" presName="horz3" presStyleCnt="0"/>
+      <dgm:spPr/>
+    </dgm:pt>
+    <dgm:pt modelId="{3562FC44-9BDF-4B4C-A500-E48F4E017401}" type="pres">
+      <dgm:prSet presAssocID="{8577AF81-95C9-447B-BDCD-177A67DEB05A}" presName="horzSpace3" presStyleCnt="0"/>
+      <dgm:spPr/>
+    </dgm:pt>
+    <dgm:pt modelId="{D0B84BC6-33E2-4C3C-93DA-74D8307A8F0A}" type="pres">
+      <dgm:prSet presAssocID="{8577AF81-95C9-447B-BDCD-177A67DEB05A}" presName="tx3" presStyleLbl="revTx" presStyleIdx="12" presStyleCnt="13"/>
+      <dgm:spPr/>
+    </dgm:pt>
+    <dgm:pt modelId="{B4AEE62C-0358-460A-B8D0-820802D9A921}" type="pres">
+      <dgm:prSet presAssocID="{8577AF81-95C9-447B-BDCD-177A67DEB05A}" presName="vert3" presStyleCnt="0"/>
+      <dgm:spPr/>
+    </dgm:pt>
+    <dgm:pt modelId="{02D7DB7E-AC04-4796-B044-77FA7938AC36}" type="pres">
+      <dgm:prSet presAssocID="{88910CBC-D9ED-4564-A4F1-76163DA89E0C}" presName="thinLine2b" presStyleLbl="callout" presStyleIdx="9" presStyleCnt="10"/>
+      <dgm:spPr/>
+    </dgm:pt>
+    <dgm:pt modelId="{62188399-4ED0-498C-A19E-BF3EF41FF97F}" type="pres">
+      <dgm:prSet presAssocID="{88910CBC-D9ED-4564-A4F1-76163DA89E0C}" presName="vertSpace2b" presStyleCnt="0"/>
+      <dgm:spPr/>
+    </dgm:pt>
+  </dgm:ptLst>
+  <dgm:cxnLst>
+    <dgm:cxn modelId="{6F458E0A-2AB6-4821-8CE4-EA09C59D94E1}" srcId="{929273FE-65CD-41A4-9060-B58DA6B53F70}" destId="{CB283B36-4D6F-4C53-9130-5DEE50BA07A3}" srcOrd="0" destOrd="0" parTransId="{86CAA897-0612-4807-BE6A-725DC9F97555}" sibTransId="{AA37F94B-DE91-4FB3-AF6E-4D15514BD669}"/>
+    <dgm:cxn modelId="{9114D90B-DCA7-48E3-AF53-E86A90AF2EE5}" srcId="{88910CBC-D9ED-4564-A4F1-76163DA89E0C}" destId="{D0D53731-E3E4-4932-84F9-D0C99736C96D}" srcOrd="1" destOrd="0" parTransId="{9E511972-F4F1-4240-B4D7-22D94ABAEC5D}" sibTransId="{958BB28C-C345-4807-B3D6-589CA42B8CAD}"/>
+    <dgm:cxn modelId="{8864FE0B-BECD-496E-9271-2310F14F1ECF}" type="presOf" srcId="{D0D53731-E3E4-4932-84F9-D0C99736C96D}" destId="{11347742-0629-473A-83A1-3FD9625FD4AD}" srcOrd="0" destOrd="0" presId="urn:microsoft.com/office/officeart/2008/layout/LinedList"/>
+    <dgm:cxn modelId="{14FF6211-CE41-4D9D-812F-F2DA1483EE96}" type="presOf" srcId="{1D6D63EE-60C6-423B-A3F7-288CD17C2217}" destId="{31972320-9162-419E-8304-A8D1085A23D9}" srcOrd="0" destOrd="0" presId="urn:microsoft.com/office/officeart/2008/layout/LinedList"/>
+    <dgm:cxn modelId="{AAABD417-6E9D-4436-B83D-700B65F11276}" srcId="{88910CBC-D9ED-4564-A4F1-76163DA89E0C}" destId="{8577AF81-95C9-447B-BDCD-177A67DEB05A}" srcOrd="6" destOrd="0" parTransId="{ADFC7CE5-AC8C-4E3F-8588-FCED1F720643}" sibTransId="{C11D62F9-1D00-4B51-A362-C02696AC58C9}"/>
+    <dgm:cxn modelId="{31CCB919-62D4-46E9-A115-027586A83FA2}" srcId="{CB283B36-4D6F-4C53-9130-5DEE50BA07A3}" destId="{88910CBC-D9ED-4564-A4F1-76163DA89E0C}" srcOrd="1" destOrd="0" parTransId="{BB627342-4E93-49C1-890B-DF79ECA6587E}" sibTransId="{AF844274-863A-44DF-9286-EA47CE6CA7C6}"/>
+    <dgm:cxn modelId="{72205325-D4DE-4E65-9C60-6B9AC70D2D14}" type="presOf" srcId="{929273FE-65CD-41A4-9060-B58DA6B53F70}" destId="{A85C504C-85FE-4375-905B-5C3BC80E8EAA}" srcOrd="0" destOrd="0" presId="urn:microsoft.com/office/officeart/2008/layout/LinedList"/>
+    <dgm:cxn modelId="{6F95322B-E8AF-4DF9-81E9-233660E9CD8F}" type="presOf" srcId="{D1B07FE5-F905-4E59-8A3A-A8E50DBCBF95}" destId="{AF2E1543-3D7E-4DA6-9CD5-987A7E911DDD}" srcOrd="0" destOrd="0" presId="urn:microsoft.com/office/officeart/2008/layout/LinedList"/>
+    <dgm:cxn modelId="{8D51922B-B033-4E91-ACD3-7A769FEE2D28}" srcId="{88910CBC-D9ED-4564-A4F1-76163DA89E0C}" destId="{2B8075FE-0EEC-4AD5-9D90-0EFA3C68E0B5}" srcOrd="4" destOrd="0" parTransId="{FEC63EA7-3853-48CF-AC81-4B2362A623B8}" sibTransId="{EDDFB030-BF0F-4933-A120-AEE0CC85E126}"/>
+    <dgm:cxn modelId="{FDFCB22B-6B72-46ED-A903-7A76E3C35595}" type="presOf" srcId="{0D902084-CF33-4869-A8A0-DC7ADBCD1430}" destId="{E38DA39D-C9A7-4037-A70F-2F91C1DB597F}" srcOrd="0" destOrd="0" presId="urn:microsoft.com/office/officeart/2008/layout/LinedList"/>
+    <dgm:cxn modelId="{AA804371-9EB5-44CB-A5A4-D6CFD8F5A736}" srcId="{88910CBC-D9ED-4564-A4F1-76163DA89E0C}" destId="{D1B07FE5-F905-4E59-8A3A-A8E50DBCBF95}" srcOrd="0" destOrd="0" parTransId="{A258FE5A-891E-4F2E-B6E1-9BDF9B246309}" sibTransId="{7C9831F9-1128-4DC1-997B-0C8D594E8BA5}"/>
+    <dgm:cxn modelId="{7443BF74-AEC4-4F6A-839E-BC157FE2CD70}" srcId="{88910CBC-D9ED-4564-A4F1-76163DA89E0C}" destId="{25924990-2716-47F4-B330-112B7E951267}" srcOrd="3" destOrd="0" parTransId="{98C4A09A-30C6-4B27-82B6-F26952527291}" sibTransId="{F4C44A89-EB68-4C66-850B-1FEA44A6328F}"/>
+    <dgm:cxn modelId="{54949496-75E6-4F55-8595-25F2DDC15A4D}" type="presOf" srcId="{98C248D1-B35E-4FD6-8064-311328E092A1}" destId="{109B1B07-335D-4CE6-857C-51BADF147A62}" srcOrd="0" destOrd="0" presId="urn:microsoft.com/office/officeart/2008/layout/LinedList"/>
+    <dgm:cxn modelId="{D168DB9C-A617-4178-8BD6-6242A42C74A4}" type="presOf" srcId="{2B8075FE-0EEC-4AD5-9D90-0EFA3C68E0B5}" destId="{0B668DA3-9DBF-4DB4-91D8-1E30F81F6F90}" srcOrd="0" destOrd="0" presId="urn:microsoft.com/office/officeart/2008/layout/LinedList"/>
+    <dgm:cxn modelId="{67040FB2-AF6A-4E5C-A93F-1AD4C707E9B8}" type="presOf" srcId="{681D4DC3-1978-4D15-8BE1-FB2A09DDAAE6}" destId="{F341C787-34BE-4B21-A9C1-5BC709F0891E}" srcOrd="0" destOrd="0" presId="urn:microsoft.com/office/officeart/2008/layout/LinedList"/>
+    <dgm:cxn modelId="{17EE1BB3-6E2F-466B-AC58-9FDF4445B222}" srcId="{DCE74F5D-CFE5-44E4-BAEF-19BFE51D188B}" destId="{98C248D1-B35E-4FD6-8064-311328E092A1}" srcOrd="2" destOrd="0" parTransId="{90778425-1F9B-47BC-945D-4D7E5B265021}" sibTransId="{62790DFF-4E77-484E-9397-6C911D0C7F15}"/>
+    <dgm:cxn modelId="{FABC9AB6-1506-4E8F-A674-41181A2E9DE4}" srcId="{DCE74F5D-CFE5-44E4-BAEF-19BFE51D188B}" destId="{1D6D63EE-60C6-423B-A3F7-288CD17C2217}" srcOrd="0" destOrd="0" parTransId="{C5CD67E5-0803-4F5D-8F59-0D300BEE05E3}" sibTransId="{F01CABFD-53DD-4153-9544-2A910A590989}"/>
+    <dgm:cxn modelId="{A57F9DBF-7F4C-4ADE-A564-A92CA727E4E0}" srcId="{CB283B36-4D6F-4C53-9130-5DEE50BA07A3}" destId="{DCE74F5D-CFE5-44E4-BAEF-19BFE51D188B}" srcOrd="0" destOrd="0" parTransId="{1095FE89-C215-4C72-B40A-4FB0D31A0590}" sibTransId="{841656D6-EFED-41E3-A4D1-9DBDCB7F8059}"/>
+    <dgm:cxn modelId="{E91C1DC9-2ED8-4679-984B-FE3421FEF8D1}" type="presOf" srcId="{CB283B36-4D6F-4C53-9130-5DEE50BA07A3}" destId="{5F1FD871-3715-4C2C-A7D8-E302FA953F38}" srcOrd="0" destOrd="0" presId="urn:microsoft.com/office/officeart/2008/layout/LinedList"/>
+    <dgm:cxn modelId="{50A59ECD-4663-4832-82FB-0537AF4E5B5B}" type="presOf" srcId="{8577AF81-95C9-447B-BDCD-177A67DEB05A}" destId="{D0B84BC6-33E2-4C3C-93DA-74D8307A8F0A}" srcOrd="0" destOrd="0" presId="urn:microsoft.com/office/officeart/2008/layout/LinedList"/>
+    <dgm:cxn modelId="{597339D9-6209-4544-AEB5-F95A69AF0D34}" type="presOf" srcId="{DCE74F5D-CFE5-44E4-BAEF-19BFE51D188B}" destId="{04AE2207-2E66-4FD2-BE18-4B889B408E40}" srcOrd="0" destOrd="0" presId="urn:microsoft.com/office/officeart/2008/layout/LinedList"/>
+    <dgm:cxn modelId="{95571CDE-D41F-4691-B9A7-EED7D1FF739E}" srcId="{88910CBC-D9ED-4564-A4F1-76163DA89E0C}" destId="{0D902084-CF33-4869-A8A0-DC7ADBCD1430}" srcOrd="5" destOrd="0" parTransId="{A9623750-D0BF-49A1-A6AD-5260643AD8E7}" sibTransId="{6857DB71-DE1F-4A01-9354-E6D6755D585A}"/>
+    <dgm:cxn modelId="{9FABBFEC-8B11-498E-8AB1-5F2BD5679A3B}" type="presOf" srcId="{88910CBC-D9ED-4564-A4F1-76163DA89E0C}" destId="{7FD05DD1-F4CB-4A15-BFEC-DA63BD98FA81}" srcOrd="0" destOrd="0" presId="urn:microsoft.com/office/officeart/2008/layout/LinedList"/>
+    <dgm:cxn modelId="{11B0C4ED-A87D-4DA6-8192-FC9FB56A165D}" srcId="{88910CBC-D9ED-4564-A4F1-76163DA89E0C}" destId="{681D4DC3-1978-4D15-8BE1-FB2A09DDAAE6}" srcOrd="2" destOrd="0" parTransId="{C186AB12-88C3-4A01-B565-1D5B0D9DDA0F}" sibTransId="{F0A0812F-72CD-45E4-8766-22F693FFC4C1}"/>
+    <dgm:cxn modelId="{597262EF-26EC-4818-AA5C-703C1000A6AA}" type="presOf" srcId="{25924990-2716-47F4-B330-112B7E951267}" destId="{3CB3FF16-2095-4EC7-8FD5-7099FF948509}" srcOrd="0" destOrd="0" presId="urn:microsoft.com/office/officeart/2008/layout/LinedList"/>
+    <dgm:cxn modelId="{68B1B1F2-76EA-462B-9614-2C3A0C3CEAE3}" type="presOf" srcId="{1868ACCF-6933-4112-AF41-DF2A08783EBE}" destId="{260E2668-3CA6-4E47-B170-DCCAD87871B2}" srcOrd="0" destOrd="0" presId="urn:microsoft.com/office/officeart/2008/layout/LinedList"/>
+    <dgm:cxn modelId="{0E3E47F4-A3CA-48E2-8ED1-6DA4E187799E}" srcId="{DCE74F5D-CFE5-44E4-BAEF-19BFE51D188B}" destId="{1868ACCF-6933-4112-AF41-DF2A08783EBE}" srcOrd="1" destOrd="0" parTransId="{AA8D95A3-3FE1-4C07-8704-133B541B96C0}" sibTransId="{DA1B633F-6069-421B-A0F9-9F7A0F9F806E}"/>
+    <dgm:cxn modelId="{9A19A695-22D2-4667-B10F-5A8100166AE3}" type="presParOf" srcId="{A85C504C-85FE-4375-905B-5C3BC80E8EAA}" destId="{707BED30-1405-41A2-BFBB-A7200EBF6662}" srcOrd="0" destOrd="0" presId="urn:microsoft.com/office/officeart/2008/layout/LinedList"/>
+    <dgm:cxn modelId="{07E52CB7-DEA6-46A6-B702-4EAD63CD5417}" type="presParOf" srcId="{A85C504C-85FE-4375-905B-5C3BC80E8EAA}" destId="{6027D1AE-600C-4268-8487-1717C0A082FD}" srcOrd="1" destOrd="0" presId="urn:microsoft.com/office/officeart/2008/layout/LinedList"/>
+    <dgm:cxn modelId="{84862B1A-6E74-416C-9704-F4FB7E3B7554}" type="presParOf" srcId="{6027D1AE-600C-4268-8487-1717C0A082FD}" destId="{5F1FD871-3715-4C2C-A7D8-E302FA953F38}" srcOrd="0" destOrd="0" presId="urn:microsoft.com/office/officeart/2008/layout/LinedList"/>
+    <dgm:cxn modelId="{2C3EE2E6-8E5E-4ECF-8D42-E5CB11CA95B3}" type="presParOf" srcId="{6027D1AE-600C-4268-8487-1717C0A082FD}" destId="{1FC95E9F-FB88-4CE5-9F8A-097E4423F5C9}" srcOrd="1" destOrd="0" presId="urn:microsoft.com/office/officeart/2008/layout/LinedList"/>
+    <dgm:cxn modelId="{475CF434-2FDA-433C-AB4B-FD23D925CD44}" type="presParOf" srcId="{1FC95E9F-FB88-4CE5-9F8A-097E4423F5C9}" destId="{07A103AC-B2CF-4ED8-A32F-384546F8CBAC}" srcOrd="0" destOrd="0" presId="urn:microsoft.com/office/officeart/2008/layout/LinedList"/>
+    <dgm:cxn modelId="{62B622AE-E9BA-4662-9962-65F8B3CFABFA}" type="presParOf" srcId="{1FC95E9F-FB88-4CE5-9F8A-097E4423F5C9}" destId="{C302DD5B-49CE-49FB-B3DF-6FD818853408}" srcOrd="1" destOrd="0" presId="urn:microsoft.com/office/officeart/2008/layout/LinedList"/>
+    <dgm:cxn modelId="{7B862637-DEA3-43DD-935E-A7F23FC10BA6}" type="presParOf" srcId="{C302DD5B-49CE-49FB-B3DF-6FD818853408}" destId="{1C634852-441D-4926-B77A-5C2722B7961D}" srcOrd="0" destOrd="0" presId="urn:microsoft.com/office/officeart/2008/layout/LinedList"/>
+    <dgm:cxn modelId="{91ABCE4C-D102-4CD0-81AC-2B3D17D62281}" type="presParOf" srcId="{C302DD5B-49CE-49FB-B3DF-6FD818853408}" destId="{04AE2207-2E66-4FD2-BE18-4B889B408E40}" srcOrd="1" destOrd="0" presId="urn:microsoft.com/office/officeart/2008/layout/LinedList"/>
+    <dgm:cxn modelId="{AB95974D-84C3-4702-89BA-E054F8D86693}" type="presParOf" srcId="{C302DD5B-49CE-49FB-B3DF-6FD818853408}" destId="{FE85F924-0F80-45BF-83F2-2F96F69029A7}" srcOrd="2" destOrd="0" presId="urn:microsoft.com/office/officeart/2008/layout/LinedList"/>
+    <dgm:cxn modelId="{113C935B-49FB-451A-B24E-13676A3D8FFA}" type="presParOf" srcId="{FE85F924-0F80-45BF-83F2-2F96F69029A7}" destId="{5FA81E42-D1B8-406D-B6DE-DCC20AF09782}" srcOrd="0" destOrd="0" presId="urn:microsoft.com/office/officeart/2008/layout/LinedList"/>
+    <dgm:cxn modelId="{AEA26A64-5259-450E-B583-AE473B727451}" type="presParOf" srcId="{5FA81E42-D1B8-406D-B6DE-DCC20AF09782}" destId="{5F53F05D-09CC-4FEB-8D43-B292A25A6338}" srcOrd="0" destOrd="0" presId="urn:microsoft.com/office/officeart/2008/layout/LinedList"/>
+    <dgm:cxn modelId="{D2279A91-CAED-4EF9-9BD6-FA4A5092D906}" type="presParOf" srcId="{5FA81E42-D1B8-406D-B6DE-DCC20AF09782}" destId="{31972320-9162-419E-8304-A8D1085A23D9}" srcOrd="1" destOrd="0" presId="urn:microsoft.com/office/officeart/2008/layout/LinedList"/>
+    <dgm:cxn modelId="{F6C5518C-2F59-4DDB-96EE-4AAF2F4C59F5}" type="presParOf" srcId="{5FA81E42-D1B8-406D-B6DE-DCC20AF09782}" destId="{1EA030C5-EC1F-487C-9164-FF5BBA069484}" srcOrd="2" destOrd="0" presId="urn:microsoft.com/office/officeart/2008/layout/LinedList"/>
+    <dgm:cxn modelId="{1139AAFC-B7B1-4A29-8E1B-414B1E1F2776}" type="presParOf" srcId="{FE85F924-0F80-45BF-83F2-2F96F69029A7}" destId="{79CB4AF8-09D8-4FA2-8C5D-D7AFC87AD888}" srcOrd="1" destOrd="0" presId="urn:microsoft.com/office/officeart/2008/layout/LinedList"/>
+    <dgm:cxn modelId="{0572F5A5-8307-4C5D-B9D1-9D83842AFCDF}" type="presParOf" srcId="{FE85F924-0F80-45BF-83F2-2F96F69029A7}" destId="{AEFF3648-BC48-4A16-A76C-36038141F1C4}" srcOrd="2" destOrd="0" presId="urn:microsoft.com/office/officeart/2008/layout/LinedList"/>
+    <dgm:cxn modelId="{B407DCB8-B094-4C21-83C9-5147630B4F78}" type="presParOf" srcId="{AEFF3648-BC48-4A16-A76C-36038141F1C4}" destId="{10DF37BE-5E4C-42EA-ABF5-10E5A1E9700C}" srcOrd="0" destOrd="0" presId="urn:microsoft.com/office/officeart/2008/layout/LinedList"/>
+    <dgm:cxn modelId="{7161A566-BCAC-4621-AF1D-B46E5B72E653}" type="presParOf" srcId="{AEFF3648-BC48-4A16-A76C-36038141F1C4}" destId="{260E2668-3CA6-4E47-B170-DCCAD87871B2}" srcOrd="1" destOrd="0" presId="urn:microsoft.com/office/officeart/2008/layout/LinedList"/>
+    <dgm:cxn modelId="{FB981377-53AE-4CC8-B3ED-FB5BCC978663}" type="presParOf" srcId="{AEFF3648-BC48-4A16-A76C-36038141F1C4}" destId="{CF5C4AED-1195-4B38-AF25-DA618A6C5753}" srcOrd="2" destOrd="0" presId="urn:microsoft.com/office/officeart/2008/layout/LinedList"/>
+    <dgm:cxn modelId="{9DA053D4-11DF-415E-835D-063FCF81B235}" type="presParOf" srcId="{FE85F924-0F80-45BF-83F2-2F96F69029A7}" destId="{C0535B07-C3A6-4926-ACA3-6B940C6EDFA8}" srcOrd="3" destOrd="0" presId="urn:microsoft.com/office/officeart/2008/layout/LinedList"/>
+    <dgm:cxn modelId="{D734912A-73A8-41A7-ACE1-22C1E9E37791}" type="presParOf" srcId="{FE85F924-0F80-45BF-83F2-2F96F69029A7}" destId="{3BC7EC85-B386-4A8D-A365-B295353154F2}" srcOrd="4" destOrd="0" presId="urn:microsoft.com/office/officeart/2008/layout/LinedList"/>
+    <dgm:cxn modelId="{A2F258CD-1C09-4737-BFF9-568B0CC05332}" type="presParOf" srcId="{3BC7EC85-B386-4A8D-A365-B295353154F2}" destId="{96B5C9CE-98AF-4681-B920-36F413252B11}" srcOrd="0" destOrd="0" presId="urn:microsoft.com/office/officeart/2008/layout/LinedList"/>
+    <dgm:cxn modelId="{A181E0D9-443F-427F-840D-CDFA06CDD1C7}" type="presParOf" srcId="{3BC7EC85-B386-4A8D-A365-B295353154F2}" destId="{109B1B07-335D-4CE6-857C-51BADF147A62}" srcOrd="1" destOrd="0" presId="urn:microsoft.com/office/officeart/2008/layout/LinedList"/>
+    <dgm:cxn modelId="{7BE7D8D5-6023-4D2E-8CAC-3FB7F6ADDCA7}" type="presParOf" srcId="{3BC7EC85-B386-4A8D-A365-B295353154F2}" destId="{2215108E-38B7-49D8-A987-7CA37B79EABB}" srcOrd="2" destOrd="0" presId="urn:microsoft.com/office/officeart/2008/layout/LinedList"/>
+    <dgm:cxn modelId="{B84C4D94-E62E-49E8-BC9A-89CFB00E9BB6}" type="presParOf" srcId="{1FC95E9F-FB88-4CE5-9F8A-097E4423F5C9}" destId="{AC783A0E-03F7-4A81-BD1A-458761B3D000}" srcOrd="2" destOrd="0" presId="urn:microsoft.com/office/officeart/2008/layout/LinedList"/>
+    <dgm:cxn modelId="{EDD8C4F6-3E3B-4E01-BA57-A76C9DB42556}" type="presParOf" srcId="{1FC95E9F-FB88-4CE5-9F8A-097E4423F5C9}" destId="{0DB97D6C-54C9-4AFF-A4A2-2D3261299F54}" srcOrd="3" destOrd="0" presId="urn:microsoft.com/office/officeart/2008/layout/LinedList"/>
+    <dgm:cxn modelId="{01CD31C1-E108-4061-8EA5-FADF06038C8A}" type="presParOf" srcId="{1FC95E9F-FB88-4CE5-9F8A-097E4423F5C9}" destId="{F1D0504B-C292-4F56-856B-B3F9B1FB2C2B}" srcOrd="4" destOrd="0" presId="urn:microsoft.com/office/officeart/2008/layout/LinedList"/>
+    <dgm:cxn modelId="{5869CCC9-FBCF-40B8-B3DA-299D878F2612}" type="presParOf" srcId="{F1D0504B-C292-4F56-856B-B3F9B1FB2C2B}" destId="{DE9357B9-1586-4908-AC63-5A99670794FB}" srcOrd="0" destOrd="0" presId="urn:microsoft.com/office/officeart/2008/layout/LinedList"/>
+    <dgm:cxn modelId="{8AD44571-F436-4337-A9AC-65AD7BABAC04}" type="presParOf" srcId="{F1D0504B-C292-4F56-856B-B3F9B1FB2C2B}" destId="{7FD05DD1-F4CB-4A15-BFEC-DA63BD98FA81}" srcOrd="1" destOrd="0" presId="urn:microsoft.com/office/officeart/2008/layout/LinedList"/>
+    <dgm:cxn modelId="{E68FD0FE-C1E8-4DAB-8878-481E9125962A}" type="presParOf" srcId="{F1D0504B-C292-4F56-856B-B3F9B1FB2C2B}" destId="{CA20A8F4-7B56-42F3-B772-588568B766F0}" srcOrd="2" destOrd="0" presId="urn:microsoft.com/office/officeart/2008/layout/LinedList"/>
+    <dgm:cxn modelId="{3756D57E-9257-484D-88A8-2D59FA5A4DDE}" type="presParOf" srcId="{CA20A8F4-7B56-42F3-B772-588568B766F0}" destId="{9CE090BB-BD73-4542-86A7-82BDA2FE08A8}" srcOrd="0" destOrd="0" presId="urn:microsoft.com/office/officeart/2008/layout/LinedList"/>
+    <dgm:cxn modelId="{7F582F5D-9BC8-4084-BFC9-E03F906146DF}" type="presParOf" srcId="{9CE090BB-BD73-4542-86A7-82BDA2FE08A8}" destId="{18A4FB37-8731-4AC5-92B2-054AA2FD0ED2}" srcOrd="0" destOrd="0" presId="urn:microsoft.com/office/officeart/2008/layout/LinedList"/>
+    <dgm:cxn modelId="{D24ABF67-C2AF-43D5-9F9F-29F8402E9C75}" type="presParOf" srcId="{9CE090BB-BD73-4542-86A7-82BDA2FE08A8}" destId="{AF2E1543-3D7E-4DA6-9CD5-987A7E911DDD}" srcOrd="1" destOrd="0" presId="urn:microsoft.com/office/officeart/2008/layout/LinedList"/>
+    <dgm:cxn modelId="{192FE5F1-C25E-4F8E-9592-31335F7D140A}" type="presParOf" srcId="{9CE090BB-BD73-4542-86A7-82BDA2FE08A8}" destId="{E81DCBCA-3128-4030-8AF2-A4405FA742B7}" srcOrd="2" destOrd="0" presId="urn:microsoft.com/office/officeart/2008/layout/LinedList"/>
+    <dgm:cxn modelId="{4702D4E2-D90D-4766-A183-357F80172E24}" type="presParOf" srcId="{CA20A8F4-7B56-42F3-B772-588568B766F0}" destId="{D9354758-8AC8-48CD-855F-7DF1F38E26B6}" srcOrd="1" destOrd="0" presId="urn:microsoft.com/office/officeart/2008/layout/LinedList"/>
+    <dgm:cxn modelId="{FFB05289-7FD5-41BF-8CE6-ADB51F4CFA6B}" type="presParOf" srcId="{CA20A8F4-7B56-42F3-B772-588568B766F0}" destId="{351DBE2A-1EED-4E7C-BB71-402588EE50EA}" srcOrd="2" destOrd="0" presId="urn:microsoft.com/office/officeart/2008/layout/LinedList"/>
+    <dgm:cxn modelId="{BA0BA9C3-D2BF-4616-B15F-063431A6202C}" type="presParOf" srcId="{351DBE2A-1EED-4E7C-BB71-402588EE50EA}" destId="{4EE873F6-9E13-4AC6-8CE2-0CF04472ED53}" srcOrd="0" destOrd="0" presId="urn:microsoft.com/office/officeart/2008/layout/LinedList"/>
+    <dgm:cxn modelId="{2610FFA6-5CCB-4EF2-A2ED-F1B571C36E32}" type="presParOf" srcId="{351DBE2A-1EED-4E7C-BB71-402588EE50EA}" destId="{11347742-0629-473A-83A1-3FD9625FD4AD}" srcOrd="1" destOrd="0" presId="urn:microsoft.com/office/officeart/2008/layout/LinedList"/>
+    <dgm:cxn modelId="{A473F9FD-1F0E-4DEC-826A-56EEE0CB21C8}" type="presParOf" srcId="{351DBE2A-1EED-4E7C-BB71-402588EE50EA}" destId="{4051E3BA-BFC3-4DD5-9681-F38F0F4A344C}" srcOrd="2" destOrd="0" presId="urn:microsoft.com/office/officeart/2008/layout/LinedList"/>
+    <dgm:cxn modelId="{B13D644F-A9FA-4440-9824-C497ED4B2745}" type="presParOf" srcId="{CA20A8F4-7B56-42F3-B772-588568B766F0}" destId="{BECC162D-B9EE-4421-A8E1-5C0BEE101497}" srcOrd="3" destOrd="0" presId="urn:microsoft.com/office/officeart/2008/layout/LinedList"/>
+    <dgm:cxn modelId="{2ECC9E44-4CFC-424F-B4FC-550E835908FF}" type="presParOf" srcId="{CA20A8F4-7B56-42F3-B772-588568B766F0}" destId="{A8DB3710-CE10-4812-9787-6EAE95F18204}" srcOrd="4" destOrd="0" presId="urn:microsoft.com/office/officeart/2008/layout/LinedList"/>
+    <dgm:cxn modelId="{5178B56B-D2FB-4400-975B-7EE396F0A29C}" type="presParOf" srcId="{A8DB3710-CE10-4812-9787-6EAE95F18204}" destId="{E1A1F1DC-A4E5-4E53-8E74-2242F773EA8F}" srcOrd="0" destOrd="0" presId="urn:microsoft.com/office/officeart/2008/layout/LinedList"/>
+    <dgm:cxn modelId="{3B8115D0-0A04-41D8-8ED1-D58F2B6BA72A}" type="presParOf" srcId="{A8DB3710-CE10-4812-9787-6EAE95F18204}" destId="{F341C787-34BE-4B21-A9C1-5BC709F0891E}" srcOrd="1" destOrd="0" presId="urn:microsoft.com/office/officeart/2008/layout/LinedList"/>
+    <dgm:cxn modelId="{02EE915F-F543-49C1-AF1D-2D601A427B03}" type="presParOf" srcId="{A8DB3710-CE10-4812-9787-6EAE95F18204}" destId="{C7548351-74DB-489C-B324-FA86E67C4340}" srcOrd="2" destOrd="0" presId="urn:microsoft.com/office/officeart/2008/layout/LinedList"/>
+    <dgm:cxn modelId="{CBFAF59F-4B43-4EE0-B926-BFF6459B1B0B}" type="presParOf" srcId="{CA20A8F4-7B56-42F3-B772-588568B766F0}" destId="{1FC5BBBF-3FA5-4A41-B254-2BDC18A5A2CC}" srcOrd="5" destOrd="0" presId="urn:microsoft.com/office/officeart/2008/layout/LinedList"/>
+    <dgm:cxn modelId="{7A2B8517-F4B7-4F45-91C9-B536602D634E}" type="presParOf" srcId="{CA20A8F4-7B56-42F3-B772-588568B766F0}" destId="{25C9933D-0D7F-4603-87AB-7718D98BE3D6}" srcOrd="6" destOrd="0" presId="urn:microsoft.com/office/officeart/2008/layout/LinedList"/>
+    <dgm:cxn modelId="{1D58F039-2254-40A1-BED7-2B00DBF4D80E}" type="presParOf" srcId="{25C9933D-0D7F-4603-87AB-7718D98BE3D6}" destId="{E4F08496-0E6F-428B-A153-61E7579EB47B}" srcOrd="0" destOrd="0" presId="urn:microsoft.com/office/officeart/2008/layout/LinedList"/>
+    <dgm:cxn modelId="{D90FA6F0-B670-402E-8A91-1DC443DA82CF}" type="presParOf" srcId="{25C9933D-0D7F-4603-87AB-7718D98BE3D6}" destId="{3CB3FF16-2095-4EC7-8FD5-7099FF948509}" srcOrd="1" destOrd="0" presId="urn:microsoft.com/office/officeart/2008/layout/LinedList"/>
+    <dgm:cxn modelId="{ACC0280A-D63B-4FD5-B6A1-0A05896C7E28}" type="presParOf" srcId="{25C9933D-0D7F-4603-87AB-7718D98BE3D6}" destId="{37BF117A-A163-4CDE-AD0F-DD2666EA1356}" srcOrd="2" destOrd="0" presId="urn:microsoft.com/office/officeart/2008/layout/LinedList"/>
+    <dgm:cxn modelId="{CEC8A1C9-B2DD-4EE3-BCE5-36D80E722127}" type="presParOf" srcId="{CA20A8F4-7B56-42F3-B772-588568B766F0}" destId="{206D2A30-02B3-4381-A2C3-2BBC893810EF}" srcOrd="7" destOrd="0" presId="urn:microsoft.com/office/officeart/2008/layout/LinedList"/>
+    <dgm:cxn modelId="{C65592AF-C9C3-4664-9031-F41EE9981986}" type="presParOf" srcId="{CA20A8F4-7B56-42F3-B772-588568B766F0}" destId="{FEFA6FDE-58B1-4C76-8980-876013C8232F}" srcOrd="8" destOrd="0" presId="urn:microsoft.com/office/officeart/2008/layout/LinedList"/>
+    <dgm:cxn modelId="{32E8B52A-91FF-4CD8-9A39-E6AF9D5ED4D8}" type="presParOf" srcId="{FEFA6FDE-58B1-4C76-8980-876013C8232F}" destId="{BA289C7D-6AC8-40C4-9835-9EEFC5A22B44}" srcOrd="0" destOrd="0" presId="urn:microsoft.com/office/officeart/2008/layout/LinedList"/>
+    <dgm:cxn modelId="{C69C6404-FF53-48F0-A7F2-AAFA97BC3F0A}" type="presParOf" srcId="{FEFA6FDE-58B1-4C76-8980-876013C8232F}" destId="{0B668DA3-9DBF-4DB4-91D8-1E30F81F6F90}" srcOrd="1" destOrd="0" presId="urn:microsoft.com/office/officeart/2008/layout/LinedList"/>
+    <dgm:cxn modelId="{2C216FB9-7D00-41C3-AD5B-23F0EBFB73DE}" type="presParOf" srcId="{FEFA6FDE-58B1-4C76-8980-876013C8232F}" destId="{0A655A44-694B-4656-98AB-EA506AC33BDD}" srcOrd="2" destOrd="0" presId="urn:microsoft.com/office/officeart/2008/layout/LinedList"/>
+    <dgm:cxn modelId="{BDDB0064-845B-4306-BE53-F456DEF89026}" type="presParOf" srcId="{CA20A8F4-7B56-42F3-B772-588568B766F0}" destId="{D4EE8A43-ADCB-4FB9-94C5-9266234ACF4E}" srcOrd="9" destOrd="0" presId="urn:microsoft.com/office/officeart/2008/layout/LinedList"/>
+    <dgm:cxn modelId="{40AD3F80-CF56-43B8-B3F1-0B2645AA098D}" type="presParOf" srcId="{CA20A8F4-7B56-42F3-B772-588568B766F0}" destId="{11D6F287-7E81-4368-A89A-E40EAE09122B}" srcOrd="10" destOrd="0" presId="urn:microsoft.com/office/officeart/2008/layout/LinedList"/>
+    <dgm:cxn modelId="{22C37BAA-F9DE-44E1-80CA-FA7C99196CD7}" type="presParOf" srcId="{11D6F287-7E81-4368-A89A-E40EAE09122B}" destId="{B8275C4F-5671-444C-8895-350874D3CF15}" srcOrd="0" destOrd="0" presId="urn:microsoft.com/office/officeart/2008/layout/LinedList"/>
+    <dgm:cxn modelId="{1D5A6D0D-767A-4CEC-824D-717C72DCA68F}" type="presParOf" srcId="{11D6F287-7E81-4368-A89A-E40EAE09122B}" destId="{E38DA39D-C9A7-4037-A70F-2F91C1DB597F}" srcOrd="1" destOrd="0" presId="urn:microsoft.com/office/officeart/2008/layout/LinedList"/>
+    <dgm:cxn modelId="{AA996729-883E-47C4-8ECC-8FA343395C71}" type="presParOf" srcId="{11D6F287-7E81-4368-A89A-E40EAE09122B}" destId="{FFC77905-E290-49D5-9CC4-AFC22F88CA6B}" srcOrd="2" destOrd="0" presId="urn:microsoft.com/office/officeart/2008/layout/LinedList"/>
+    <dgm:cxn modelId="{DA33C88A-D289-4108-82FD-C550920539D5}" type="presParOf" srcId="{CA20A8F4-7B56-42F3-B772-588568B766F0}" destId="{BDB4CC31-0323-4700-B0D8-A3DC77A93A21}" srcOrd="11" destOrd="0" presId="urn:microsoft.com/office/officeart/2008/layout/LinedList"/>
+    <dgm:cxn modelId="{566303E8-CC4E-4B9E-A89D-0D3DF398B7BB}" type="presParOf" srcId="{CA20A8F4-7B56-42F3-B772-588568B766F0}" destId="{1E52AF76-F182-4B0F-9E43-5D51878439C5}" srcOrd="12" destOrd="0" presId="urn:microsoft.com/office/officeart/2008/layout/LinedList"/>
+    <dgm:cxn modelId="{C1FA346F-820A-435E-8BCD-8CD8D5CAD9E5}" type="presParOf" srcId="{1E52AF76-F182-4B0F-9E43-5D51878439C5}" destId="{3562FC44-9BDF-4B4C-A500-E48F4E017401}" srcOrd="0" destOrd="0" presId="urn:microsoft.com/office/officeart/2008/layout/LinedList"/>
+    <dgm:cxn modelId="{C4D251AD-8F13-4DF6-ADC3-2FC2D3963674}" type="presParOf" srcId="{1E52AF76-F182-4B0F-9E43-5D51878439C5}" destId="{D0B84BC6-33E2-4C3C-93DA-74D8307A8F0A}" srcOrd="1" destOrd="0" presId="urn:microsoft.com/office/officeart/2008/layout/LinedList"/>
+    <dgm:cxn modelId="{A0D178F8-3CEC-4A54-98BA-37910C6712A0}" type="presParOf" srcId="{1E52AF76-F182-4B0F-9E43-5D51878439C5}" destId="{B4AEE62C-0358-460A-B8D0-820802D9A921}" srcOrd="2" destOrd="0" presId="urn:microsoft.com/office/officeart/2008/layout/LinedList"/>
+    <dgm:cxn modelId="{E2160C71-190A-4A6D-B98F-53B770DFB00C}" type="presParOf" srcId="{1FC95E9F-FB88-4CE5-9F8A-097E4423F5C9}" destId="{02D7DB7E-AC04-4796-B044-77FA7938AC36}" srcOrd="5" destOrd="0" presId="urn:microsoft.com/office/officeart/2008/layout/LinedList"/>
+    <dgm:cxn modelId="{3022B5F2-7579-4D3E-B791-C084F8160DB0}" type="presParOf" srcId="{1FC95E9F-FB88-4CE5-9F8A-097E4423F5C9}" destId="{62188399-4ED0-498C-A19E-BF3EF41FF97F}" srcOrd="6" destOrd="0" presId="urn:microsoft.com/office/officeart/2008/layout/LinedList"/>
   </dgm:cxnLst>
   <dgm:bg/>
   <dgm:whole/>
@@ -1649,15 +3550,15 @@
       <dsp:cNvGrpSpPr/>
     </dsp:nvGrpSpPr>
     <dsp:grpSpPr/>
-    <dsp:sp modelId="{E47D70A8-9449-4BA9-81D4-07206E945891}">
+    <dsp:sp modelId="{D9219F59-DB8F-4144-8807-113FFF017258}">
       <dsp:nvSpPr>
         <dsp:cNvPr id="0" name=""/>
         <dsp:cNvSpPr/>
       </dsp:nvSpPr>
       <dsp:spPr>
         <a:xfrm>
-          <a:off x="4496831" y="3361428"/>
-          <a:ext cx="567875" cy="1623119"/>
+          <a:off x="4457620" y="3056341"/>
+          <a:ext cx="516430" cy="1968103"/>
         </a:xfrm>
         <a:custGeom>
           <a:avLst/>
@@ -1671,13 +3572,13 @@
                 <a:pt x="0" y="0"/>
               </a:moveTo>
               <a:lnTo>
-                <a:pt x="283937" y="0"/>
+                <a:pt x="258215" y="0"/>
               </a:lnTo>
               <a:lnTo>
-                <a:pt x="283937" y="1623119"/>
+                <a:pt x="258215" y="1968103"/>
               </a:lnTo>
               <a:lnTo>
-                <a:pt x="567875" y="1623119"/>
+                <a:pt x="516430" y="1968103"/>
               </a:lnTo>
             </a:path>
           </a:pathLst>
@@ -1729,19 +3630,19 @@
         </a:p>
       </dsp:txBody>
       <dsp:txXfrm>
-        <a:off x="4737779" y="4129998"/>
-        <a:ext cx="85979" cy="85979"/>
+        <a:off x="4664967" y="3989524"/>
+        <a:ext cx="101736" cy="101736"/>
       </dsp:txXfrm>
     </dsp:sp>
-    <dsp:sp modelId="{8B1D37C4-BE69-4E8F-8073-932B19B29946}">
+    <dsp:sp modelId="{0452D450-0985-49FE-BA00-B11A1C40BC36}">
       <dsp:nvSpPr>
         <dsp:cNvPr id="0" name=""/>
         <dsp:cNvSpPr/>
       </dsp:nvSpPr>
       <dsp:spPr>
         <a:xfrm>
-          <a:off x="4496831" y="3361428"/>
-          <a:ext cx="567875" cy="541039"/>
+          <a:off x="4457620" y="3056341"/>
+          <a:ext cx="516430" cy="984051"/>
         </a:xfrm>
         <a:custGeom>
           <a:avLst/>
@@ -1755,13 +3656,93 @@
                 <a:pt x="0" y="0"/>
               </a:moveTo>
               <a:lnTo>
-                <a:pt x="283937" y="0"/>
+                <a:pt x="258215" y="0"/>
               </a:lnTo>
               <a:lnTo>
-                <a:pt x="283937" y="541039"/>
+                <a:pt x="258215" y="984051"/>
               </a:lnTo>
               <a:lnTo>
-                <a:pt x="567875" y="541039"/>
+                <a:pt x="516430" y="984051"/>
+              </a:lnTo>
+            </a:path>
+          </a:pathLst>
+        </a:custGeom>
+        <a:noFill/>
+        <a:ln w="12700" cap="flat" cmpd="sng" algn="ctr">
+          <a:solidFill>
+            <a:schemeClr val="accent5">
+              <a:hueOff val="0"/>
+              <a:satOff val="0"/>
+              <a:lumOff val="0"/>
+              <a:alphaOff val="0"/>
+            </a:schemeClr>
+          </a:solidFill>
+          <a:prstDash val="solid"/>
+          <a:miter lim="800000"/>
+        </a:ln>
+        <a:effectLst/>
+      </dsp:spPr>
+      <dsp:style>
+        <a:lnRef idx="2">
+          <a:scrgbClr r="0" g="0" b="0"/>
+        </a:lnRef>
+        <a:fillRef idx="0">
+          <a:scrgbClr r="0" g="0" b="0"/>
+        </a:fillRef>
+        <a:effectRef idx="0">
+          <a:scrgbClr r="0" g="0" b="0"/>
+        </a:effectRef>
+        <a:fontRef idx="minor"/>
+      </dsp:style>
+      <dsp:txBody>
+        <a:bodyPr spcFirstLastPara="0" vert="horz" wrap="square" lIns="12700" tIns="0" rIns="12700" bIns="0" numCol="1" spcCol="1270" anchor="ctr" anchorCtr="0">
+          <a:noAutofit/>
+        </a:bodyPr>
+        <a:lstStyle/>
+        <a:p>
+          <a:pPr marL="0" lvl="0" indent="0" algn="ctr" defTabSz="222250">
+            <a:lnSpc>
+              <a:spcPct val="90000"/>
+            </a:lnSpc>
+            <a:spcBef>
+              <a:spcPct val="0"/>
+            </a:spcBef>
+            <a:spcAft>
+              <a:spcPct val="35000"/>
+            </a:spcAft>
+            <a:buNone/>
+          </a:pPr>
+          <a:endParaRPr lang="en-US" sz="500" kern="1200"/>
+        </a:p>
+      </dsp:txBody>
+      <dsp:txXfrm>
+        <a:off x="4688052" y="3520583"/>
+        <a:ext cx="55566" cy="55566"/>
+      </dsp:txXfrm>
+    </dsp:sp>
+    <dsp:sp modelId="{8B1D37C4-BE69-4E8F-8073-932B19B29946}">
+      <dsp:nvSpPr>
+        <dsp:cNvPr id="0" name=""/>
+        <dsp:cNvSpPr/>
+      </dsp:nvSpPr>
+      <dsp:spPr>
+        <a:xfrm>
+          <a:off x="4457620" y="3010621"/>
+          <a:ext cx="516430" cy="91440"/>
+        </a:xfrm>
+        <a:custGeom>
+          <a:avLst/>
+          <a:gdLst/>
+          <a:ahLst/>
+          <a:cxnLst/>
+          <a:rect l="0" t="0" r="0" b="0"/>
+          <a:pathLst>
+            <a:path>
+              <a:moveTo>
+                <a:pt x="0" y="45720"/>
+              </a:moveTo>
+              <a:lnTo>
+                <a:pt x="516430" y="45720"/>
               </a:lnTo>
             </a:path>
           </a:pathLst>
@@ -1813,8 +3794,8 @@
         </a:p>
       </dsp:txBody>
       <dsp:txXfrm>
-        <a:off x="4761160" y="3612340"/>
-        <a:ext cx="39217" cy="39217"/>
+        <a:off x="4702925" y="3043430"/>
+        <a:ext cx="25821" cy="25821"/>
       </dsp:txXfrm>
     </dsp:sp>
     <dsp:sp modelId="{46EA138D-EC26-4575-8A60-6B619CF0FFA4}">
@@ -1824,8 +3805,8 @@
       </dsp:nvSpPr>
       <dsp:spPr>
         <a:xfrm>
-          <a:off x="4496831" y="2820389"/>
-          <a:ext cx="567875" cy="541039"/>
+          <a:off x="4457620" y="2072289"/>
+          <a:ext cx="516430" cy="984051"/>
         </a:xfrm>
         <a:custGeom>
           <a:avLst/>
@@ -1836,16 +3817,16 @@
           <a:pathLst>
             <a:path>
               <a:moveTo>
-                <a:pt x="0" y="541039"/>
+                <a:pt x="0" y="984051"/>
               </a:moveTo>
               <a:lnTo>
-                <a:pt x="283937" y="541039"/>
+                <a:pt x="258215" y="984051"/>
               </a:lnTo>
               <a:lnTo>
-                <a:pt x="283937" y="0"/>
+                <a:pt x="258215" y="0"/>
               </a:lnTo>
               <a:lnTo>
-                <a:pt x="567875" y="0"/>
+                <a:pt x="516430" y="0"/>
               </a:lnTo>
             </a:path>
           </a:pathLst>
@@ -1897,8 +3878,8 @@
         </a:p>
       </dsp:txBody>
       <dsp:txXfrm>
-        <a:off x="4761160" y="3071300"/>
-        <a:ext cx="39217" cy="39217"/>
+        <a:off x="4688052" y="2536532"/>
+        <a:ext cx="55566" cy="55566"/>
       </dsp:txXfrm>
     </dsp:sp>
     <dsp:sp modelId="{5D3E1F1E-DE1B-42AF-BA46-55CB2B590D43}">
@@ -1908,8 +3889,8 @@
       </dsp:nvSpPr>
       <dsp:spPr>
         <a:xfrm>
-          <a:off x="4496831" y="1738309"/>
-          <a:ext cx="567875" cy="1623119"/>
+          <a:off x="4457620" y="1088237"/>
+          <a:ext cx="516430" cy="1968103"/>
         </a:xfrm>
         <a:custGeom>
           <a:avLst/>
@@ -1920,16 +3901,16 @@
           <a:pathLst>
             <a:path>
               <a:moveTo>
-                <a:pt x="0" y="1623119"/>
+                <a:pt x="0" y="1968103"/>
               </a:moveTo>
               <a:lnTo>
-                <a:pt x="283937" y="1623119"/>
+                <a:pt x="258215" y="1968103"/>
               </a:lnTo>
               <a:lnTo>
-                <a:pt x="283937" y="0"/>
+                <a:pt x="258215" y="0"/>
               </a:lnTo>
               <a:lnTo>
-                <a:pt x="567875" y="0"/>
+                <a:pt x="516430" y="0"/>
               </a:lnTo>
             </a:path>
           </a:pathLst>
@@ -1981,8 +3962,8 @@
         </a:p>
       </dsp:txBody>
       <dsp:txXfrm>
-        <a:off x="4737779" y="2506879"/>
-        <a:ext cx="85979" cy="85979"/>
+        <a:off x="4664967" y="2021421"/>
+        <a:ext cx="101736" cy="101736"/>
       </dsp:txXfrm>
     </dsp:sp>
     <dsp:sp modelId="{34D9AAE3-5725-4E9F-BDDB-DEB9447AD4B3}">
@@ -1992,8 +3973,8 @@
       </dsp:nvSpPr>
       <dsp:spPr>
         <a:xfrm>
-          <a:off x="1089579" y="2279349"/>
-          <a:ext cx="567875" cy="1082079"/>
+          <a:off x="1359038" y="2072289"/>
+          <a:ext cx="516430" cy="984051"/>
         </a:xfrm>
         <a:custGeom>
           <a:avLst/>
@@ -2007,13 +3988,13 @@
                 <a:pt x="0" y="0"/>
               </a:moveTo>
               <a:lnTo>
-                <a:pt x="283937" y="0"/>
+                <a:pt x="258215" y="0"/>
               </a:lnTo>
               <a:lnTo>
-                <a:pt x="283937" y="1082079"/>
+                <a:pt x="258215" y="984051"/>
               </a:lnTo>
               <a:lnTo>
-                <a:pt x="567875" y="1082079"/>
+                <a:pt x="516430" y="984051"/>
               </a:lnTo>
             </a:path>
           </a:pathLst>
@@ -2070,8 +4051,8 @@
         </a:p>
       </dsp:txBody>
       <dsp:txXfrm>
-        <a:off x="1342965" y="2789838"/>
-        <a:ext cx="61101" cy="61101"/>
+        <a:off x="1589470" y="2536532"/>
+        <a:ext cx="55566" cy="55566"/>
       </dsp:txXfrm>
     </dsp:sp>
     <dsp:sp modelId="{8F8123F4-E80D-407E-B824-28C40A5675FD}">
@@ -2081,8 +4062,8 @@
       </dsp:nvSpPr>
       <dsp:spPr>
         <a:xfrm>
-          <a:off x="1089579" y="2233629"/>
-          <a:ext cx="567875" cy="91440"/>
+          <a:off x="1359038" y="2026569"/>
+          <a:ext cx="516430" cy="91440"/>
         </a:xfrm>
         <a:custGeom>
           <a:avLst/>
@@ -2096,7 +4077,7 @@
                 <a:pt x="0" y="45720"/>
               </a:moveTo>
               <a:lnTo>
-                <a:pt x="567875" y="45720"/>
+                <a:pt x="516430" y="45720"/>
               </a:lnTo>
             </a:path>
           </a:pathLst>
@@ -2153,8 +4134,8 @@
         </a:p>
       </dsp:txBody>
       <dsp:txXfrm>
-        <a:off x="1359320" y="2265152"/>
-        <a:ext cx="28393" cy="28393"/>
+        <a:off x="1604343" y="2059378"/>
+        <a:ext cx="25821" cy="25821"/>
       </dsp:txXfrm>
     </dsp:sp>
     <dsp:sp modelId="{452CAEC8-30FA-4E4A-A0CD-B145BF3AF42F}">
@@ -2164,8 +4145,8 @@
       </dsp:nvSpPr>
       <dsp:spPr>
         <a:xfrm>
-          <a:off x="1089579" y="1197269"/>
-          <a:ext cx="567875" cy="1082079"/>
+          <a:off x="1359038" y="1088237"/>
+          <a:ext cx="516430" cy="984051"/>
         </a:xfrm>
         <a:custGeom>
           <a:avLst/>
@@ -2176,16 +4157,16 @@
           <a:pathLst>
             <a:path>
               <a:moveTo>
-                <a:pt x="0" y="1082079"/>
+                <a:pt x="0" y="984051"/>
               </a:moveTo>
               <a:lnTo>
-                <a:pt x="283937" y="1082079"/>
+                <a:pt x="258215" y="984051"/>
               </a:lnTo>
               <a:lnTo>
-                <a:pt x="283937" y="0"/>
+                <a:pt x="258215" y="0"/>
               </a:lnTo>
               <a:lnTo>
-                <a:pt x="567875" y="0"/>
+                <a:pt x="516430" y="0"/>
               </a:lnTo>
             </a:path>
           </a:pathLst>
@@ -2242,8 +4223,8 @@
         </a:p>
       </dsp:txBody>
       <dsp:txXfrm>
-        <a:off x="1342965" y="1707758"/>
-        <a:ext cx="61101" cy="61101"/>
+        <a:off x="1589470" y="1552480"/>
+        <a:ext cx="55566" cy="55566"/>
       </dsp:txXfrm>
     </dsp:sp>
     <dsp:sp modelId="{62D217EF-F3EF-442A-9728-0F6250A80547}">
@@ -2253,8 +4234,8 @@
       </dsp:nvSpPr>
       <dsp:spPr>
         <a:xfrm rot="16200000">
-          <a:off x="-1621315" y="1846517"/>
-          <a:ext cx="4556125" cy="865663"/>
+          <a:off x="-1106269" y="1678668"/>
+          <a:ext cx="4143375" cy="787241"/>
         </a:xfrm>
         <a:prstGeom prst="rect">
           <a:avLst/>
@@ -2350,8 +4331,8 @@
         </a:p>
       </dsp:txBody>
       <dsp:txXfrm>
-        <a:off x="-1621315" y="1846517"/>
-        <a:ext cx="4556125" cy="865663"/>
+        <a:off x="-1106269" y="1678668"/>
+        <a:ext cx="4143375" cy="787241"/>
       </dsp:txXfrm>
     </dsp:sp>
     <dsp:sp modelId="{8BFE763E-1F61-43EB-86C6-6758D7B275C0}">
@@ -2361,8 +4342,8 @@
       </dsp:nvSpPr>
       <dsp:spPr>
         <a:xfrm>
-          <a:off x="1657454" y="764437"/>
-          <a:ext cx="2839377" cy="865663"/>
+          <a:off x="1875469" y="694617"/>
+          <a:ext cx="2582151" cy="787241"/>
         </a:xfrm>
         <a:prstGeom prst="rect">
           <a:avLst/>
@@ -2449,16 +4430,12 @@
             <a:buNone/>
           </a:pPr>
           <a:r>
-            <a:rPr lang="en-US" sz="2000" b="0" kern="1200" dirty="0" err="1">
+            <a:rPr lang="en-US" sz="2000" b="0" kern="1200" dirty="0">
               <a:latin typeface="Arial" panose="020B0604020202020204" pitchFamily="34" charset="0"/>
               <a:cs typeface="Arial" panose="020B0604020202020204" pitchFamily="34" charset="0"/>
             </a:rPr>
-            <a:t>RuntimeConfig</a:t>
+            <a:t>Config</a:t>
           </a:r>
-          <a:endParaRPr lang="en-US" sz="2000" b="0" kern="1200" dirty="0">
-            <a:latin typeface="Arial" panose="020B0604020202020204" pitchFamily="34" charset="0"/>
-            <a:cs typeface="Arial" panose="020B0604020202020204" pitchFamily="34" charset="0"/>
-          </a:endParaRPr>
         </a:p>
         <a:p>
           <a:pPr marL="0" lvl="0" indent="0" algn="ctr" defTabSz="889000">
@@ -2483,8 +4460,8 @@
         </a:p>
       </dsp:txBody>
       <dsp:txXfrm>
-        <a:off x="1657454" y="764437"/>
-        <a:ext cx="2839377" cy="865663"/>
+        <a:off x="1875469" y="694617"/>
+        <a:ext cx="2582151" cy="787241"/>
       </dsp:txXfrm>
     </dsp:sp>
     <dsp:sp modelId="{576BC15B-169B-4BA9-BA1B-CA768D797C57}">
@@ -2494,8 +4471,8 @@
       </dsp:nvSpPr>
       <dsp:spPr>
         <a:xfrm>
-          <a:off x="1657454" y="1846517"/>
-          <a:ext cx="2839377" cy="865663"/>
+          <a:off x="1875469" y="1678668"/>
+          <a:ext cx="2582151" cy="787241"/>
         </a:xfrm>
         <a:prstGeom prst="rect">
           <a:avLst/>
@@ -2637,8 +4614,8 @@
         </a:p>
       </dsp:txBody>
       <dsp:txXfrm>
-        <a:off x="1657454" y="1846517"/>
-        <a:ext cx="2839377" cy="865663"/>
+        <a:off x="1875469" y="1678668"/>
+        <a:ext cx="2582151" cy="787241"/>
       </dsp:txXfrm>
     </dsp:sp>
     <dsp:sp modelId="{23C82D94-A270-4AB9-8A2D-D31F996A4AF1}">
@@ -2648,8 +4625,8 @@
       </dsp:nvSpPr>
       <dsp:spPr>
         <a:xfrm>
-          <a:off x="1657454" y="2928597"/>
-          <a:ext cx="2839377" cy="865663"/>
+          <a:off x="1875469" y="2662720"/>
+          <a:ext cx="2582151" cy="787241"/>
         </a:xfrm>
         <a:prstGeom prst="rect">
           <a:avLst/>
@@ -2766,8 +4743,8 @@
         </a:p>
       </dsp:txBody>
       <dsp:txXfrm>
-        <a:off x="1657454" y="2928597"/>
-        <a:ext cx="2839377" cy="865663"/>
+        <a:off x="1875469" y="2662720"/>
+        <a:ext cx="2582151" cy="787241"/>
       </dsp:txXfrm>
     </dsp:sp>
     <dsp:sp modelId="{C63E3B85-DB6F-4358-AD04-C7E79D27D0F9}">
@@ -2777,8 +4754,8 @@
       </dsp:nvSpPr>
       <dsp:spPr>
         <a:xfrm>
-          <a:off x="5064707" y="1305477"/>
-          <a:ext cx="2839377" cy="865663"/>
+          <a:off x="4974050" y="694617"/>
+          <a:ext cx="2582151" cy="787241"/>
         </a:xfrm>
         <a:prstGeom prst="rect">
           <a:avLst/>
@@ -2878,8 +4855,8 @@
         </a:p>
       </dsp:txBody>
       <dsp:txXfrm>
-        <a:off x="5064707" y="1305477"/>
-        <a:ext cx="2839377" cy="865663"/>
+        <a:off x="4974050" y="694617"/>
+        <a:ext cx="2582151" cy="787241"/>
       </dsp:txXfrm>
     </dsp:sp>
     <dsp:sp modelId="{CC83036E-2DF9-4076-BD5A-4FFFC4C489CB}">
@@ -2889,8 +4866,8 @@
       </dsp:nvSpPr>
       <dsp:spPr>
         <a:xfrm>
-          <a:off x="5064707" y="2387557"/>
-          <a:ext cx="2839377" cy="865663"/>
+          <a:off x="4974050" y="1678668"/>
+          <a:ext cx="2582151" cy="787241"/>
         </a:xfrm>
         <a:prstGeom prst="rect">
           <a:avLst/>
@@ -2990,8 +4967,8 @@
         </a:p>
       </dsp:txBody>
       <dsp:txXfrm>
-        <a:off x="5064707" y="2387557"/>
-        <a:ext cx="2839377" cy="865663"/>
+        <a:off x="4974050" y="1678668"/>
+        <a:ext cx="2582151" cy="787241"/>
       </dsp:txXfrm>
     </dsp:sp>
     <dsp:sp modelId="{599E43A8-1BED-49D5-BE29-4DA6FD83C36B}">
@@ -3001,8 +4978,8 @@
       </dsp:nvSpPr>
       <dsp:spPr>
         <a:xfrm>
-          <a:off x="5064707" y="3469636"/>
-          <a:ext cx="2839377" cy="865663"/>
+          <a:off x="4974050" y="2662720"/>
+          <a:ext cx="2582151" cy="787241"/>
         </a:xfrm>
         <a:prstGeom prst="rect">
           <a:avLst/>
@@ -3102,19 +5079,131 @@
         </a:p>
       </dsp:txBody>
       <dsp:txXfrm>
-        <a:off x="5064707" y="3469636"/>
-        <a:ext cx="2839377" cy="865663"/>
+        <a:off x="4974050" y="2662720"/>
+        <a:ext cx="2582151" cy="787241"/>
       </dsp:txXfrm>
     </dsp:sp>
-    <dsp:sp modelId="{8D515895-ACF2-4C34-9E6A-146C8645314E}">
+    <dsp:sp modelId="{8D7D4FB0-45CC-4DB7-866C-F6C2E48DDFDA}">
       <dsp:nvSpPr>
         <dsp:cNvPr id="0" name=""/>
         <dsp:cNvSpPr/>
       </dsp:nvSpPr>
       <dsp:spPr>
         <a:xfrm>
-          <a:off x="5064707" y="4551716"/>
-          <a:ext cx="2839377" cy="865663"/>
+          <a:off x="4974050" y="3646772"/>
+          <a:ext cx="2582151" cy="787241"/>
+        </a:xfrm>
+        <a:prstGeom prst="rect">
+          <a:avLst/>
+        </a:prstGeom>
+        <a:gradFill rotWithShape="0">
+          <a:gsLst>
+            <a:gs pos="0">
+              <a:schemeClr val="accent5">
+                <a:hueOff val="0"/>
+                <a:satOff val="0"/>
+                <a:lumOff val="0"/>
+                <a:alphaOff val="0"/>
+                <a:satMod val="103000"/>
+                <a:lumMod val="102000"/>
+                <a:tint val="94000"/>
+              </a:schemeClr>
+            </a:gs>
+            <a:gs pos="50000">
+              <a:schemeClr val="accent5">
+                <a:hueOff val="0"/>
+                <a:satOff val="0"/>
+                <a:lumOff val="0"/>
+                <a:alphaOff val="0"/>
+                <a:satMod val="110000"/>
+                <a:lumMod val="100000"/>
+                <a:shade val="100000"/>
+              </a:schemeClr>
+            </a:gs>
+            <a:gs pos="100000">
+              <a:schemeClr val="accent5">
+                <a:hueOff val="0"/>
+                <a:satOff val="0"/>
+                <a:lumOff val="0"/>
+                <a:alphaOff val="0"/>
+                <a:lumMod val="99000"/>
+                <a:satMod val="120000"/>
+                <a:shade val="78000"/>
+              </a:schemeClr>
+            </a:gs>
+          </a:gsLst>
+          <a:lin ang="5400000" scaled="0"/>
+        </a:gradFill>
+        <a:ln>
+          <a:noFill/>
+        </a:ln>
+        <a:effectLst>
+          <a:outerShdw blurRad="57150" dist="19050" dir="5400000" algn="ctr" rotWithShape="0">
+            <a:srgbClr val="000000">
+              <a:alpha val="63000"/>
+            </a:srgbClr>
+          </a:outerShdw>
+        </a:effectLst>
+      </dsp:spPr>
+      <dsp:style>
+        <a:lnRef idx="0">
+          <a:scrgbClr r="0" g="0" b="0"/>
+        </a:lnRef>
+        <a:fillRef idx="3">
+          <a:scrgbClr r="0" g="0" b="0"/>
+        </a:fillRef>
+        <a:effectRef idx="3">
+          <a:scrgbClr r="0" g="0" b="0"/>
+        </a:effectRef>
+        <a:fontRef idx="minor">
+          <a:schemeClr val="lt1"/>
+        </a:fontRef>
+      </dsp:style>
+      <dsp:txBody>
+        <a:bodyPr spcFirstLastPara="0" vert="horz" wrap="square" lIns="12700" tIns="12700" rIns="12700" bIns="12700" numCol="1" spcCol="1270" anchor="ctr" anchorCtr="0">
+          <a:noAutofit/>
+        </a:bodyPr>
+        <a:lstStyle/>
+        <a:p>
+          <a:pPr marL="0" lvl="0" indent="0" algn="ctr" defTabSz="889000">
+            <a:lnSpc>
+              <a:spcPct val="90000"/>
+            </a:lnSpc>
+            <a:spcBef>
+              <a:spcPct val="0"/>
+            </a:spcBef>
+            <a:spcAft>
+              <a:spcPct val="35000"/>
+            </a:spcAft>
+            <a:buNone/>
+          </a:pPr>
+          <a:r>
+            <a:rPr lang="en-US" sz="2000" b="0" kern="1200" dirty="0" err="1">
+              <a:latin typeface="Arial" panose="020B0604020202020204" pitchFamily="34" charset="0"/>
+              <a:cs typeface="Arial" panose="020B0604020202020204" pitchFamily="34" charset="0"/>
+            </a:rPr>
+            <a:t>Psychtoolbox</a:t>
+          </a:r>
+          <a:endParaRPr lang="en-US" sz="2000" b="0" kern="1200" dirty="0">
+            <a:latin typeface="Arial" panose="020B0604020202020204" pitchFamily="34" charset="0"/>
+            <a:cs typeface="Arial" panose="020B0604020202020204" pitchFamily="34" charset="0"/>
+          </a:endParaRPr>
+        </a:p>
+      </dsp:txBody>
+      <dsp:txXfrm>
+        <a:off x="4974050" y="3646772"/>
+        <a:ext cx="2582151" cy="787241"/>
+      </dsp:txXfrm>
+    </dsp:sp>
+    <dsp:sp modelId="{F6493FA7-0399-4A3B-AC59-F56A8E49DD6E}">
+      <dsp:nvSpPr>
+        <dsp:cNvPr id="0" name=""/>
+        <dsp:cNvSpPr/>
+      </dsp:nvSpPr>
+      <dsp:spPr>
+        <a:xfrm>
+          <a:off x="4974050" y="4630823"/>
+          <a:ext cx="2582151" cy="787241"/>
         </a:xfrm>
         <a:prstGeom prst="rect">
           <a:avLst/>
@@ -3210,9 +5299,1374 @@
         </a:p>
       </dsp:txBody>
       <dsp:txXfrm>
-        <a:off x="5064707" y="4551716"/>
-        <a:ext cx="2839377" cy="865663"/>
+        <a:off x="4974050" y="4630823"/>
+        <a:ext cx="2582151" cy="787241"/>
       </dsp:txXfrm>
+    </dsp:sp>
+  </dsp:spTree>
+</dsp:drawing>
+</file>
+
+<file path=ppt/diagrams/drawing2.xml><?xml version="1.0" encoding="utf-8"?>
+<dsp:drawing xmlns:dgm="http://schemas.openxmlformats.org/drawingml/2006/diagram" xmlns:dsp="http://schemas.microsoft.com/office/drawing/2008/diagram" xmlns:a="http://schemas.openxmlformats.org/drawingml/2006/main">
+  <dsp:spTree>
+    <dsp:nvGrpSpPr>
+      <dsp:cNvPr id="0" name=""/>
+      <dsp:cNvGrpSpPr/>
+    </dsp:nvGrpSpPr>
+    <dsp:grpSpPr/>
+    <dsp:sp modelId="{707BED30-1405-41A2-BFBB-A7200EBF6662}">
+      <dsp:nvSpPr>
+        <dsp:cNvPr id="0" name=""/>
+        <dsp:cNvSpPr/>
+      </dsp:nvSpPr>
+      <dsp:spPr>
+        <a:xfrm>
+          <a:off x="0" y="2645"/>
+          <a:ext cx="8128000" cy="0"/>
+        </a:xfrm>
+        <a:prstGeom prst="line">
+          <a:avLst/>
+        </a:prstGeom>
+        <a:gradFill rotWithShape="0">
+          <a:gsLst>
+            <a:gs pos="0">
+              <a:schemeClr val="accent4">
+                <a:alpha val="90000"/>
+                <a:hueOff val="0"/>
+                <a:satOff val="0"/>
+                <a:lumOff val="0"/>
+                <a:alphaOff val="0"/>
+                <a:satMod val="103000"/>
+                <a:lumMod val="102000"/>
+                <a:tint val="94000"/>
+              </a:schemeClr>
+            </a:gs>
+            <a:gs pos="50000">
+              <a:schemeClr val="accent4">
+                <a:alpha val="90000"/>
+                <a:hueOff val="0"/>
+                <a:satOff val="0"/>
+                <a:lumOff val="0"/>
+                <a:alphaOff val="0"/>
+                <a:satMod val="110000"/>
+                <a:lumMod val="100000"/>
+                <a:shade val="100000"/>
+              </a:schemeClr>
+            </a:gs>
+            <a:gs pos="100000">
+              <a:schemeClr val="accent4">
+                <a:alpha val="90000"/>
+                <a:hueOff val="0"/>
+                <a:satOff val="0"/>
+                <a:lumOff val="0"/>
+                <a:alphaOff val="0"/>
+                <a:lumMod val="99000"/>
+                <a:satMod val="120000"/>
+                <a:shade val="78000"/>
+              </a:schemeClr>
+            </a:gs>
+          </a:gsLst>
+          <a:lin ang="5400000" scaled="0"/>
+        </a:gradFill>
+        <a:ln w="6350" cap="flat" cmpd="sng" algn="ctr">
+          <a:solidFill>
+            <a:schemeClr val="accent4">
+              <a:alpha val="90000"/>
+              <a:hueOff val="0"/>
+              <a:satOff val="0"/>
+              <a:lumOff val="0"/>
+              <a:alphaOff val="0"/>
+            </a:schemeClr>
+          </a:solidFill>
+          <a:prstDash val="solid"/>
+          <a:miter lim="800000"/>
+        </a:ln>
+        <a:effectLst>
+          <a:outerShdw blurRad="57150" dist="19050" dir="5400000" algn="ctr" rotWithShape="0">
+            <a:srgbClr val="000000">
+              <a:alpha val="63000"/>
+            </a:srgbClr>
+          </a:outerShdw>
+        </a:effectLst>
+      </dsp:spPr>
+      <dsp:style>
+        <a:lnRef idx="1">
+          <a:scrgbClr r="0" g="0" b="0"/>
+        </a:lnRef>
+        <a:fillRef idx="3">
+          <a:scrgbClr r="0" g="0" b="0"/>
+        </a:fillRef>
+        <a:effectRef idx="3">
+          <a:scrgbClr r="0" g="0" b="0"/>
+        </a:effectRef>
+        <a:fontRef idx="minor">
+          <a:schemeClr val="lt1"/>
+        </a:fontRef>
+      </dsp:style>
+    </dsp:sp>
+    <dsp:sp modelId="{5F1FD871-3715-4C2C-A7D8-E302FA953F38}">
+      <dsp:nvSpPr>
+        <dsp:cNvPr id="0" name=""/>
+        <dsp:cNvSpPr/>
+      </dsp:nvSpPr>
+      <dsp:spPr>
+        <a:xfrm>
+          <a:off x="0" y="2645"/>
+          <a:ext cx="1625600" cy="5413375"/>
+        </a:xfrm>
+        <a:prstGeom prst="rect">
+          <a:avLst/>
+        </a:prstGeom>
+        <a:noFill/>
+        <a:ln>
+          <a:noFill/>
+        </a:ln>
+        <a:effectLst/>
+      </dsp:spPr>
+      <dsp:style>
+        <a:lnRef idx="0">
+          <a:scrgbClr r="0" g="0" b="0"/>
+        </a:lnRef>
+        <a:fillRef idx="0">
+          <a:scrgbClr r="0" g="0" b="0"/>
+        </a:fillRef>
+        <a:effectRef idx="0">
+          <a:scrgbClr r="0" g="0" b="0"/>
+        </a:effectRef>
+        <a:fontRef idx="minor"/>
+      </dsp:style>
+      <dsp:txBody>
+        <a:bodyPr spcFirstLastPara="0" vert="horz" wrap="square" lIns="68580" tIns="68580" rIns="68580" bIns="68580" numCol="1" spcCol="1270" anchor="t" anchorCtr="0">
+          <a:noAutofit/>
+        </a:bodyPr>
+        <a:lstStyle/>
+        <a:p>
+          <a:pPr marL="0" lvl="0" indent="0" algn="l" defTabSz="800100">
+            <a:lnSpc>
+              <a:spcPct val="90000"/>
+            </a:lnSpc>
+            <a:spcBef>
+              <a:spcPct val="0"/>
+            </a:spcBef>
+            <a:spcAft>
+              <a:spcPct val="35000"/>
+            </a:spcAft>
+            <a:buNone/>
+          </a:pPr>
+          <a:r>
+            <a:rPr lang="en-US" sz="1800" kern="1200" dirty="0">
+              <a:latin typeface="Arial" panose="020B0604020202020204" pitchFamily="34" charset="0"/>
+              <a:cs typeface="Arial" panose="020B0604020202020204" pitchFamily="34" charset="0"/>
+            </a:rPr>
+            <a:t>Hardware</a:t>
+          </a:r>
+        </a:p>
+      </dsp:txBody>
+      <dsp:txXfrm>
+        <a:off x="0" y="2645"/>
+        <a:ext cx="1625600" cy="5413375"/>
+      </dsp:txXfrm>
+    </dsp:sp>
+    <dsp:sp modelId="{04AE2207-2E66-4FD2-BE18-4B889B408E40}">
+      <dsp:nvSpPr>
+        <dsp:cNvPr id="0" name=""/>
+        <dsp:cNvSpPr/>
+      </dsp:nvSpPr>
+      <dsp:spPr>
+        <a:xfrm>
+          <a:off x="1747519" y="128464"/>
+          <a:ext cx="3129280" cy="2516373"/>
+        </a:xfrm>
+        <a:prstGeom prst="rect">
+          <a:avLst/>
+        </a:prstGeom>
+        <a:noFill/>
+        <a:ln>
+          <a:noFill/>
+        </a:ln>
+        <a:effectLst/>
+      </dsp:spPr>
+      <dsp:style>
+        <a:lnRef idx="0">
+          <a:scrgbClr r="0" g="0" b="0"/>
+        </a:lnRef>
+        <a:fillRef idx="0">
+          <a:scrgbClr r="0" g="0" b="0"/>
+        </a:fillRef>
+        <a:effectRef idx="0">
+          <a:scrgbClr r="0" g="0" b="0"/>
+        </a:effectRef>
+        <a:fontRef idx="minor"/>
+      </dsp:style>
+      <dsp:txBody>
+        <a:bodyPr spcFirstLastPara="0" vert="horz" wrap="square" lIns="68580" tIns="68580" rIns="68580" bIns="68580" numCol="1" spcCol="1270" anchor="t" anchorCtr="0">
+          <a:noAutofit/>
+        </a:bodyPr>
+        <a:lstStyle/>
+        <a:p>
+          <a:pPr marL="0" lvl="0" indent="0" algn="l" defTabSz="800100">
+            <a:lnSpc>
+              <a:spcPct val="90000"/>
+            </a:lnSpc>
+            <a:spcBef>
+              <a:spcPct val="0"/>
+            </a:spcBef>
+            <a:spcAft>
+              <a:spcPct val="35000"/>
+            </a:spcAft>
+            <a:buNone/>
+          </a:pPr>
+          <a:r>
+            <a:rPr lang="en-US" sz="1800" kern="1200" dirty="0">
+              <a:latin typeface="Arial" panose="020B0604020202020204" pitchFamily="34" charset="0"/>
+              <a:cs typeface="Arial" panose="020B0604020202020204" pitchFamily="34" charset="0"/>
+            </a:rPr>
+            <a:t>Abstract Properties</a:t>
+          </a:r>
+        </a:p>
+      </dsp:txBody>
+      <dsp:txXfrm>
+        <a:off x="1747519" y="128464"/>
+        <a:ext cx="3129280" cy="2516373"/>
+      </dsp:txXfrm>
+    </dsp:sp>
+    <dsp:sp modelId="{31972320-9162-419E-8304-A8D1085A23D9}">
+      <dsp:nvSpPr>
+        <dsp:cNvPr id="0" name=""/>
+        <dsp:cNvSpPr/>
+      </dsp:nvSpPr>
+      <dsp:spPr>
+        <a:xfrm>
+          <a:off x="4998720" y="128464"/>
+          <a:ext cx="3129280" cy="837972"/>
+        </a:xfrm>
+        <a:prstGeom prst="rect">
+          <a:avLst/>
+        </a:prstGeom>
+        <a:noFill/>
+        <a:ln>
+          <a:noFill/>
+        </a:ln>
+        <a:effectLst/>
+      </dsp:spPr>
+      <dsp:style>
+        <a:lnRef idx="0">
+          <a:scrgbClr r="0" g="0" b="0"/>
+        </a:lnRef>
+        <a:fillRef idx="0">
+          <a:scrgbClr r="0" g="0" b="0"/>
+        </a:fillRef>
+        <a:effectRef idx="0">
+          <a:scrgbClr r="0" g="0" b="0"/>
+        </a:effectRef>
+        <a:fontRef idx="minor"/>
+      </dsp:style>
+      <dsp:txBody>
+        <a:bodyPr spcFirstLastPara="0" vert="horz" wrap="square" lIns="53340" tIns="53340" rIns="53340" bIns="53340" numCol="1" spcCol="1270" anchor="t" anchorCtr="0">
+          <a:noAutofit/>
+        </a:bodyPr>
+        <a:lstStyle/>
+        <a:p>
+          <a:pPr marL="0" lvl="0" indent="0" algn="l" defTabSz="622300">
+            <a:lnSpc>
+              <a:spcPct val="90000"/>
+            </a:lnSpc>
+            <a:spcBef>
+              <a:spcPct val="0"/>
+            </a:spcBef>
+            <a:spcAft>
+              <a:spcPct val="35000"/>
+            </a:spcAft>
+            <a:buNone/>
+          </a:pPr>
+          <a:r>
+            <a:rPr lang="en-US" sz="1400" kern="1200" dirty="0">
+              <a:latin typeface="Arial" panose="020B0604020202020204" pitchFamily="34" charset="0"/>
+              <a:cs typeface="Arial" panose="020B0604020202020204" pitchFamily="34" charset="0"/>
+            </a:rPr>
+            <a:t>State</a:t>
+          </a:r>
+        </a:p>
+      </dsp:txBody>
+      <dsp:txXfrm>
+        <a:off x="4998720" y="128464"/>
+        <a:ext cx="3129280" cy="837972"/>
+      </dsp:txXfrm>
+    </dsp:sp>
+    <dsp:sp modelId="{79CB4AF8-09D8-4FA2-8C5D-D7AFC87AD888}">
+      <dsp:nvSpPr>
+        <dsp:cNvPr id="0" name=""/>
+        <dsp:cNvSpPr/>
+      </dsp:nvSpPr>
+      <dsp:spPr>
+        <a:xfrm>
+          <a:off x="4876800" y="966436"/>
+          <a:ext cx="3129280" cy="0"/>
+        </a:xfrm>
+        <a:prstGeom prst="line">
+          <a:avLst/>
+        </a:prstGeom>
+        <a:noFill/>
+        <a:ln w="6350" cap="flat" cmpd="sng" algn="ctr">
+          <a:solidFill>
+            <a:schemeClr val="accent4">
+              <a:hueOff val="0"/>
+              <a:satOff val="0"/>
+              <a:lumOff val="0"/>
+              <a:alphaOff val="0"/>
+            </a:schemeClr>
+          </a:solidFill>
+          <a:prstDash val="solid"/>
+          <a:miter lim="800000"/>
+        </a:ln>
+        <a:effectLst/>
+      </dsp:spPr>
+      <dsp:style>
+        <a:lnRef idx="1">
+          <a:scrgbClr r="0" g="0" b="0"/>
+        </a:lnRef>
+        <a:fillRef idx="0">
+          <a:scrgbClr r="0" g="0" b="0"/>
+        </a:fillRef>
+        <a:effectRef idx="1">
+          <a:scrgbClr r="0" g="0" b="0"/>
+        </a:effectRef>
+        <a:fontRef idx="minor"/>
+      </dsp:style>
+    </dsp:sp>
+    <dsp:sp modelId="{260E2668-3CA6-4E47-B170-DCCAD87871B2}">
+      <dsp:nvSpPr>
+        <dsp:cNvPr id="0" name=""/>
+        <dsp:cNvSpPr/>
+      </dsp:nvSpPr>
+      <dsp:spPr>
+        <a:xfrm>
+          <a:off x="4998720" y="966436"/>
+          <a:ext cx="3129280" cy="837972"/>
+        </a:xfrm>
+        <a:prstGeom prst="rect">
+          <a:avLst/>
+        </a:prstGeom>
+        <a:noFill/>
+        <a:ln>
+          <a:noFill/>
+        </a:ln>
+        <a:effectLst/>
+      </dsp:spPr>
+      <dsp:style>
+        <a:lnRef idx="0">
+          <a:scrgbClr r="0" g="0" b="0"/>
+        </a:lnRef>
+        <a:fillRef idx="0">
+          <a:scrgbClr r="0" g="0" b="0"/>
+        </a:fillRef>
+        <a:effectRef idx="0">
+          <a:scrgbClr r="0" g="0" b="0"/>
+        </a:effectRef>
+        <a:fontRef idx="minor"/>
+      </dsp:style>
+      <dsp:txBody>
+        <a:bodyPr spcFirstLastPara="0" vert="horz" wrap="square" lIns="68580" tIns="68580" rIns="68580" bIns="68580" numCol="1" spcCol="1270" anchor="t" anchorCtr="0">
+          <a:noAutofit/>
+        </a:bodyPr>
+        <a:lstStyle/>
+        <a:p>
+          <a:pPr marL="0" lvl="0" indent="0" algn="l" defTabSz="800100">
+            <a:lnSpc>
+              <a:spcPct val="90000"/>
+            </a:lnSpc>
+            <a:spcBef>
+              <a:spcPct val="0"/>
+            </a:spcBef>
+            <a:spcAft>
+              <a:spcPct val="35000"/>
+            </a:spcAft>
+            <a:buNone/>
+          </a:pPr>
+          <a:r>
+            <a:rPr lang="en-US" sz="1800" kern="1200" dirty="0">
+              <a:latin typeface="Arial" panose="020B0604020202020204" pitchFamily="34" charset="0"/>
+              <a:cs typeface="Arial" panose="020B0604020202020204" pitchFamily="34" charset="0"/>
+            </a:rPr>
+            <a:t>Constant</a:t>
+          </a:r>
+          <a:br>
+            <a:rPr lang="en-US" sz="3200" kern="1200" dirty="0">
+              <a:latin typeface="Arial" panose="020B0604020202020204" pitchFamily="34" charset="0"/>
+              <a:cs typeface="Arial" panose="020B0604020202020204" pitchFamily="34" charset="0"/>
+            </a:rPr>
+          </a:br>
+          <a:r>
+            <a:rPr lang="en-US" sz="1400" kern="1200" dirty="0">
+              <a:latin typeface="Arial" panose="020B0604020202020204" pitchFamily="34" charset="0"/>
+              <a:cs typeface="Arial" panose="020B0604020202020204" pitchFamily="34" charset="0"/>
+            </a:rPr>
+            <a:t>Name; Type; Description</a:t>
+          </a:r>
+        </a:p>
+      </dsp:txBody>
+      <dsp:txXfrm>
+        <a:off x="4998720" y="966436"/>
+        <a:ext cx="3129280" cy="837972"/>
+      </dsp:txXfrm>
+    </dsp:sp>
+    <dsp:sp modelId="{C0535B07-C3A6-4926-ACA3-6B940C6EDFA8}">
+      <dsp:nvSpPr>
+        <dsp:cNvPr id="0" name=""/>
+        <dsp:cNvSpPr/>
+      </dsp:nvSpPr>
+      <dsp:spPr>
+        <a:xfrm>
+          <a:off x="4876800" y="1804408"/>
+          <a:ext cx="3129280" cy="0"/>
+        </a:xfrm>
+        <a:prstGeom prst="line">
+          <a:avLst/>
+        </a:prstGeom>
+        <a:noFill/>
+        <a:ln w="6350" cap="flat" cmpd="sng" algn="ctr">
+          <a:solidFill>
+            <a:schemeClr val="accent4">
+              <a:hueOff val="0"/>
+              <a:satOff val="0"/>
+              <a:lumOff val="0"/>
+              <a:alphaOff val="0"/>
+            </a:schemeClr>
+          </a:solidFill>
+          <a:prstDash val="solid"/>
+          <a:miter lim="800000"/>
+        </a:ln>
+        <a:effectLst/>
+      </dsp:spPr>
+      <dsp:style>
+        <a:lnRef idx="1">
+          <a:scrgbClr r="0" g="0" b="0"/>
+        </a:lnRef>
+        <a:fillRef idx="0">
+          <a:scrgbClr r="0" g="0" b="0"/>
+        </a:fillRef>
+        <a:effectRef idx="1">
+          <a:scrgbClr r="0" g="0" b="0"/>
+        </a:effectRef>
+        <a:fontRef idx="minor"/>
+      </dsp:style>
+    </dsp:sp>
+    <dsp:sp modelId="{109B1B07-335D-4CE6-857C-51BADF147A62}">
+      <dsp:nvSpPr>
+        <dsp:cNvPr id="0" name=""/>
+        <dsp:cNvSpPr/>
+      </dsp:nvSpPr>
+      <dsp:spPr>
+        <a:xfrm>
+          <a:off x="4998720" y="1804408"/>
+          <a:ext cx="3129280" cy="837972"/>
+        </a:xfrm>
+        <a:prstGeom prst="rect">
+          <a:avLst/>
+        </a:prstGeom>
+        <a:noFill/>
+        <a:ln>
+          <a:noFill/>
+        </a:ln>
+        <a:effectLst/>
+      </dsp:spPr>
+      <dsp:style>
+        <a:lnRef idx="0">
+          <a:scrgbClr r="0" g="0" b="0"/>
+        </a:lnRef>
+        <a:fillRef idx="0">
+          <a:scrgbClr r="0" g="0" b="0"/>
+        </a:fillRef>
+        <a:effectRef idx="0">
+          <a:scrgbClr r="0" g="0" b="0"/>
+        </a:effectRef>
+        <a:fontRef idx="minor"/>
+      </dsp:style>
+      <dsp:txBody>
+        <a:bodyPr spcFirstLastPara="0" vert="horz" wrap="square" lIns="60960" tIns="60960" rIns="60960" bIns="60960" numCol="1" spcCol="1270" anchor="t" anchorCtr="0">
+          <a:noAutofit/>
+        </a:bodyPr>
+        <a:lstStyle/>
+        <a:p>
+          <a:pPr marL="0" lvl="0" indent="0" algn="l" defTabSz="711200">
+            <a:lnSpc>
+              <a:spcPct val="90000"/>
+            </a:lnSpc>
+            <a:spcBef>
+              <a:spcPct val="0"/>
+            </a:spcBef>
+            <a:spcAft>
+              <a:spcPct val="35000"/>
+            </a:spcAft>
+            <a:buNone/>
+          </a:pPr>
+          <a:r>
+            <a:rPr lang="en-US" sz="1600" kern="1200" dirty="0">
+              <a:latin typeface="Arial" panose="020B0604020202020204" pitchFamily="34" charset="0"/>
+              <a:cs typeface="Arial" panose="020B0604020202020204" pitchFamily="34" charset="0"/>
+            </a:rPr>
+            <a:t>Dependent</a:t>
+          </a:r>
+          <a:br>
+            <a:rPr lang="en-US" sz="1800" kern="1200" dirty="0">
+              <a:latin typeface="Arial" panose="020B0604020202020204" pitchFamily="34" charset="0"/>
+              <a:cs typeface="Arial" panose="020B0604020202020204" pitchFamily="34" charset="0"/>
+            </a:rPr>
+          </a:br>
+          <a:r>
+            <a:rPr lang="en-US" sz="1400" kern="1200" dirty="0">
+              <a:latin typeface="Arial" panose="020B0604020202020204" pitchFamily="34" charset="0"/>
+              <a:cs typeface="Arial" panose="020B0604020202020204" pitchFamily="34" charset="0"/>
+            </a:rPr>
+            <a:t>Status</a:t>
+          </a:r>
+          <a:endParaRPr lang="en-US" sz="4800" kern="1200" dirty="0">
+            <a:latin typeface="Arial" panose="020B0604020202020204" pitchFamily="34" charset="0"/>
+            <a:cs typeface="Arial" panose="020B0604020202020204" pitchFamily="34" charset="0"/>
+          </a:endParaRPr>
+        </a:p>
+      </dsp:txBody>
+      <dsp:txXfrm>
+        <a:off x="4998720" y="1804408"/>
+        <a:ext cx="3129280" cy="837972"/>
+      </dsp:txXfrm>
+    </dsp:sp>
+    <dsp:sp modelId="{AC783A0E-03F7-4A81-BD1A-458761B3D000}">
+      <dsp:nvSpPr>
+        <dsp:cNvPr id="0" name=""/>
+        <dsp:cNvSpPr/>
+      </dsp:nvSpPr>
+      <dsp:spPr>
+        <a:xfrm>
+          <a:off x="1625599" y="2644838"/>
+          <a:ext cx="6502400" cy="0"/>
+        </a:xfrm>
+        <a:prstGeom prst="line">
+          <a:avLst/>
+        </a:prstGeom>
+        <a:noFill/>
+        <a:ln w="6350" cap="flat" cmpd="sng" algn="ctr">
+          <a:solidFill>
+            <a:schemeClr val="accent4">
+              <a:hueOff val="0"/>
+              <a:satOff val="0"/>
+              <a:lumOff val="0"/>
+              <a:alphaOff val="0"/>
+            </a:schemeClr>
+          </a:solidFill>
+          <a:prstDash val="solid"/>
+          <a:miter lim="800000"/>
+        </a:ln>
+        <a:effectLst/>
+      </dsp:spPr>
+      <dsp:style>
+        <a:lnRef idx="1">
+          <a:scrgbClr r="0" g="0" b="0"/>
+        </a:lnRef>
+        <a:fillRef idx="0">
+          <a:scrgbClr r="0" g="0" b="0"/>
+        </a:fillRef>
+        <a:effectRef idx="1">
+          <a:scrgbClr r="0" g="0" b="0"/>
+        </a:effectRef>
+        <a:fontRef idx="minor"/>
+      </dsp:style>
+    </dsp:sp>
+    <dsp:sp modelId="{7FD05DD1-F4CB-4A15-BFEC-DA63BD98FA81}">
+      <dsp:nvSpPr>
+        <dsp:cNvPr id="0" name=""/>
+        <dsp:cNvSpPr/>
+      </dsp:nvSpPr>
+      <dsp:spPr>
+        <a:xfrm>
+          <a:off x="1747519" y="2770656"/>
+          <a:ext cx="3129280" cy="2516373"/>
+        </a:xfrm>
+        <a:prstGeom prst="rect">
+          <a:avLst/>
+        </a:prstGeom>
+        <a:noFill/>
+        <a:ln>
+          <a:noFill/>
+        </a:ln>
+        <a:effectLst/>
+      </dsp:spPr>
+      <dsp:style>
+        <a:lnRef idx="0">
+          <a:scrgbClr r="0" g="0" b="0"/>
+        </a:lnRef>
+        <a:fillRef idx="0">
+          <a:scrgbClr r="0" g="0" b="0"/>
+        </a:fillRef>
+        <a:effectRef idx="0">
+          <a:scrgbClr r="0" g="0" b="0"/>
+        </a:effectRef>
+        <a:fontRef idx="minor"/>
+      </dsp:style>
+      <dsp:txBody>
+        <a:bodyPr spcFirstLastPara="0" vert="horz" wrap="square" lIns="76200" tIns="76200" rIns="76200" bIns="76200" numCol="1" spcCol="1270" anchor="t" anchorCtr="0">
+          <a:noAutofit/>
+        </a:bodyPr>
+        <a:lstStyle/>
+        <a:p>
+          <a:pPr marL="0" lvl="0" indent="0" algn="l" defTabSz="889000">
+            <a:lnSpc>
+              <a:spcPct val="90000"/>
+            </a:lnSpc>
+            <a:spcBef>
+              <a:spcPct val="0"/>
+            </a:spcBef>
+            <a:spcAft>
+              <a:spcPct val="35000"/>
+            </a:spcAft>
+            <a:buNone/>
+          </a:pPr>
+          <a:r>
+            <a:rPr lang="en-US" sz="2000" kern="1200" dirty="0">
+              <a:latin typeface="Arial" panose="020B0604020202020204" pitchFamily="34" charset="0"/>
+              <a:cs typeface="Arial" panose="020B0604020202020204" pitchFamily="34" charset="0"/>
+            </a:rPr>
+            <a:t>Abstract Methods</a:t>
+          </a:r>
+        </a:p>
+      </dsp:txBody>
+      <dsp:txXfrm>
+        <a:off x="1747519" y="2770656"/>
+        <a:ext cx="3129280" cy="2516373"/>
+      </dsp:txXfrm>
+    </dsp:sp>
+    <dsp:sp modelId="{AF2E1543-3D7E-4DA6-9CD5-987A7E911DDD}">
+      <dsp:nvSpPr>
+        <dsp:cNvPr id="0" name=""/>
+        <dsp:cNvSpPr/>
+      </dsp:nvSpPr>
+      <dsp:spPr>
+        <a:xfrm>
+          <a:off x="4998720" y="2770656"/>
+          <a:ext cx="3129280" cy="359394"/>
+        </a:xfrm>
+        <a:prstGeom prst="rect">
+          <a:avLst/>
+        </a:prstGeom>
+        <a:noFill/>
+        <a:ln>
+          <a:noFill/>
+        </a:ln>
+        <a:effectLst/>
+      </dsp:spPr>
+      <dsp:style>
+        <a:lnRef idx="0">
+          <a:scrgbClr r="0" g="0" b="0"/>
+        </a:lnRef>
+        <a:fillRef idx="0">
+          <a:scrgbClr r="0" g="0" b="0"/>
+        </a:fillRef>
+        <a:effectRef idx="0">
+          <a:scrgbClr r="0" g="0" b="0"/>
+        </a:effectRef>
+        <a:fontRef idx="minor"/>
+      </dsp:style>
+      <dsp:txBody>
+        <a:bodyPr spcFirstLastPara="0" vert="horz" wrap="square" lIns="76200" tIns="76200" rIns="76200" bIns="76200" numCol="1" spcCol="1270" anchor="t" anchorCtr="0">
+          <a:noAutofit/>
+        </a:bodyPr>
+        <a:lstStyle/>
+        <a:p>
+          <a:pPr marL="0" lvl="0" indent="0" algn="l" defTabSz="889000">
+            <a:lnSpc>
+              <a:spcPct val="90000"/>
+            </a:lnSpc>
+            <a:spcBef>
+              <a:spcPct val="0"/>
+            </a:spcBef>
+            <a:spcAft>
+              <a:spcPct val="35000"/>
+            </a:spcAft>
+            <a:buNone/>
+          </a:pPr>
+          <a:r>
+            <a:rPr lang="en-US" sz="2000" kern="1200" dirty="0">
+              <a:latin typeface="Arial" panose="020B0604020202020204" pitchFamily="34" charset="0"/>
+              <a:cs typeface="Arial" panose="020B0604020202020204" pitchFamily="34" charset="0"/>
+            </a:rPr>
+            <a:t>setup</a:t>
+          </a:r>
+        </a:p>
+      </dsp:txBody>
+      <dsp:txXfrm>
+        <a:off x="4998720" y="2770656"/>
+        <a:ext cx="3129280" cy="359394"/>
+      </dsp:txXfrm>
+    </dsp:sp>
+    <dsp:sp modelId="{D9354758-8AC8-48CD-855F-7DF1F38E26B6}">
+      <dsp:nvSpPr>
+        <dsp:cNvPr id="0" name=""/>
+        <dsp:cNvSpPr/>
+      </dsp:nvSpPr>
+      <dsp:spPr>
+        <a:xfrm>
+          <a:off x="4876800" y="3130051"/>
+          <a:ext cx="3129280" cy="0"/>
+        </a:xfrm>
+        <a:prstGeom prst="line">
+          <a:avLst/>
+        </a:prstGeom>
+        <a:noFill/>
+        <a:ln w="6350" cap="flat" cmpd="sng" algn="ctr">
+          <a:solidFill>
+            <a:schemeClr val="accent4">
+              <a:hueOff val="0"/>
+              <a:satOff val="0"/>
+              <a:lumOff val="0"/>
+              <a:alphaOff val="0"/>
+            </a:schemeClr>
+          </a:solidFill>
+          <a:prstDash val="solid"/>
+          <a:miter lim="800000"/>
+        </a:ln>
+        <a:effectLst/>
+      </dsp:spPr>
+      <dsp:style>
+        <a:lnRef idx="1">
+          <a:scrgbClr r="0" g="0" b="0"/>
+        </a:lnRef>
+        <a:fillRef idx="0">
+          <a:scrgbClr r="0" g="0" b="0"/>
+        </a:fillRef>
+        <a:effectRef idx="1">
+          <a:scrgbClr r="0" g="0" b="0"/>
+        </a:effectRef>
+        <a:fontRef idx="minor"/>
+      </dsp:style>
+    </dsp:sp>
+    <dsp:sp modelId="{11347742-0629-473A-83A1-3FD9625FD4AD}">
+      <dsp:nvSpPr>
+        <dsp:cNvPr id="0" name=""/>
+        <dsp:cNvSpPr/>
+      </dsp:nvSpPr>
+      <dsp:spPr>
+        <a:xfrm>
+          <a:off x="4998720" y="3130051"/>
+          <a:ext cx="3129280" cy="359394"/>
+        </a:xfrm>
+        <a:prstGeom prst="rect">
+          <a:avLst/>
+        </a:prstGeom>
+        <a:noFill/>
+        <a:ln>
+          <a:noFill/>
+        </a:ln>
+        <a:effectLst/>
+      </dsp:spPr>
+      <dsp:style>
+        <a:lnRef idx="0">
+          <a:scrgbClr r="0" g="0" b="0"/>
+        </a:lnRef>
+        <a:fillRef idx="0">
+          <a:scrgbClr r="0" g="0" b="0"/>
+        </a:fillRef>
+        <a:effectRef idx="0">
+          <a:scrgbClr r="0" g="0" b="0"/>
+        </a:effectRef>
+        <a:fontRef idx="minor"/>
+      </dsp:style>
+      <dsp:txBody>
+        <a:bodyPr spcFirstLastPara="0" vert="horz" wrap="square" lIns="76200" tIns="76200" rIns="76200" bIns="76200" numCol="1" spcCol="1270" anchor="t" anchorCtr="0">
+          <a:noAutofit/>
+        </a:bodyPr>
+        <a:lstStyle/>
+        <a:p>
+          <a:pPr marL="0" lvl="0" indent="0" algn="l" defTabSz="889000">
+            <a:lnSpc>
+              <a:spcPct val="90000"/>
+            </a:lnSpc>
+            <a:spcBef>
+              <a:spcPct val="0"/>
+            </a:spcBef>
+            <a:spcAft>
+              <a:spcPct val="35000"/>
+            </a:spcAft>
+            <a:buNone/>
+          </a:pPr>
+          <a:r>
+            <a:rPr lang="en-US" sz="2000" kern="1200" dirty="0">
+              <a:latin typeface="Arial" panose="020B0604020202020204" pitchFamily="34" charset="0"/>
+              <a:cs typeface="Arial" panose="020B0604020202020204" pitchFamily="34" charset="0"/>
+            </a:rPr>
+            <a:t>prepare</a:t>
+          </a:r>
+        </a:p>
+      </dsp:txBody>
+      <dsp:txXfrm>
+        <a:off x="4998720" y="3130051"/>
+        <a:ext cx="3129280" cy="359394"/>
+      </dsp:txXfrm>
+    </dsp:sp>
+    <dsp:sp modelId="{BECC162D-B9EE-4421-A8E1-5C0BEE101497}">
+      <dsp:nvSpPr>
+        <dsp:cNvPr id="0" name=""/>
+        <dsp:cNvSpPr/>
+      </dsp:nvSpPr>
+      <dsp:spPr>
+        <a:xfrm>
+          <a:off x="4876800" y="3489445"/>
+          <a:ext cx="3129280" cy="0"/>
+        </a:xfrm>
+        <a:prstGeom prst="line">
+          <a:avLst/>
+        </a:prstGeom>
+        <a:noFill/>
+        <a:ln w="6350" cap="flat" cmpd="sng" algn="ctr">
+          <a:solidFill>
+            <a:schemeClr val="accent4">
+              <a:hueOff val="0"/>
+              <a:satOff val="0"/>
+              <a:lumOff val="0"/>
+              <a:alphaOff val="0"/>
+            </a:schemeClr>
+          </a:solidFill>
+          <a:prstDash val="solid"/>
+          <a:miter lim="800000"/>
+        </a:ln>
+        <a:effectLst/>
+      </dsp:spPr>
+      <dsp:style>
+        <a:lnRef idx="1">
+          <a:scrgbClr r="0" g="0" b="0"/>
+        </a:lnRef>
+        <a:fillRef idx="0">
+          <a:scrgbClr r="0" g="0" b="0"/>
+        </a:fillRef>
+        <a:effectRef idx="1">
+          <a:scrgbClr r="0" g="0" b="0"/>
+        </a:effectRef>
+        <a:fontRef idx="minor"/>
+      </dsp:style>
+    </dsp:sp>
+    <dsp:sp modelId="{F341C787-34BE-4B21-A9C1-5BC709F0891E}">
+      <dsp:nvSpPr>
+        <dsp:cNvPr id="0" name=""/>
+        <dsp:cNvSpPr/>
+      </dsp:nvSpPr>
+      <dsp:spPr>
+        <a:xfrm>
+          <a:off x="4998720" y="3489445"/>
+          <a:ext cx="3129280" cy="359394"/>
+        </a:xfrm>
+        <a:prstGeom prst="rect">
+          <a:avLst/>
+        </a:prstGeom>
+        <a:noFill/>
+        <a:ln>
+          <a:noFill/>
+        </a:ln>
+        <a:effectLst/>
+      </dsp:spPr>
+      <dsp:style>
+        <a:lnRef idx="0">
+          <a:scrgbClr r="0" g="0" b="0"/>
+        </a:lnRef>
+        <a:fillRef idx="0">
+          <a:scrgbClr r="0" g="0" b="0"/>
+        </a:fillRef>
+        <a:effectRef idx="0">
+          <a:scrgbClr r="0" g="0" b="0"/>
+        </a:effectRef>
+        <a:fontRef idx="minor"/>
+      </dsp:style>
+      <dsp:txBody>
+        <a:bodyPr spcFirstLastPara="0" vert="horz" wrap="square" lIns="76200" tIns="76200" rIns="76200" bIns="76200" numCol="1" spcCol="1270" anchor="t" anchorCtr="0">
+          <a:noAutofit/>
+        </a:bodyPr>
+        <a:lstStyle/>
+        <a:p>
+          <a:pPr marL="0" lvl="0" indent="0" algn="l" defTabSz="889000">
+            <a:lnSpc>
+              <a:spcPct val="90000"/>
+            </a:lnSpc>
+            <a:spcBef>
+              <a:spcPct val="0"/>
+            </a:spcBef>
+            <a:spcAft>
+              <a:spcPct val="35000"/>
+            </a:spcAft>
+            <a:buNone/>
+          </a:pPr>
+          <a:r>
+            <a:rPr lang="en-US" sz="2000" kern="1200" dirty="0">
+              <a:latin typeface="Arial" panose="020B0604020202020204" pitchFamily="34" charset="0"/>
+              <a:cs typeface="Arial" panose="020B0604020202020204" pitchFamily="34" charset="0"/>
+            </a:rPr>
+            <a:t>run</a:t>
+          </a:r>
+        </a:p>
+      </dsp:txBody>
+      <dsp:txXfrm>
+        <a:off x="4998720" y="3489445"/>
+        <a:ext cx="3129280" cy="359394"/>
+      </dsp:txXfrm>
+    </dsp:sp>
+    <dsp:sp modelId="{1FC5BBBF-3FA5-4A41-B254-2BDC18A5A2CC}">
+      <dsp:nvSpPr>
+        <dsp:cNvPr id="0" name=""/>
+        <dsp:cNvSpPr/>
+      </dsp:nvSpPr>
+      <dsp:spPr>
+        <a:xfrm>
+          <a:off x="4876800" y="3848839"/>
+          <a:ext cx="3129280" cy="0"/>
+        </a:xfrm>
+        <a:prstGeom prst="line">
+          <a:avLst/>
+        </a:prstGeom>
+        <a:noFill/>
+        <a:ln w="6350" cap="flat" cmpd="sng" algn="ctr">
+          <a:solidFill>
+            <a:schemeClr val="accent4">
+              <a:hueOff val="0"/>
+              <a:satOff val="0"/>
+              <a:lumOff val="0"/>
+              <a:alphaOff val="0"/>
+            </a:schemeClr>
+          </a:solidFill>
+          <a:prstDash val="solid"/>
+          <a:miter lim="800000"/>
+        </a:ln>
+        <a:effectLst/>
+      </dsp:spPr>
+      <dsp:style>
+        <a:lnRef idx="1">
+          <a:scrgbClr r="0" g="0" b="0"/>
+        </a:lnRef>
+        <a:fillRef idx="0">
+          <a:scrgbClr r="0" g="0" b="0"/>
+        </a:fillRef>
+        <a:effectRef idx="1">
+          <a:scrgbClr r="0" g="0" b="0"/>
+        </a:effectRef>
+        <a:fontRef idx="minor"/>
+      </dsp:style>
+    </dsp:sp>
+    <dsp:sp modelId="{3CB3FF16-2095-4EC7-8FD5-7099FF948509}">
+      <dsp:nvSpPr>
+        <dsp:cNvPr id="0" name=""/>
+        <dsp:cNvSpPr/>
+      </dsp:nvSpPr>
+      <dsp:spPr>
+        <a:xfrm>
+          <a:off x="4998720" y="3848839"/>
+          <a:ext cx="3129280" cy="359394"/>
+        </a:xfrm>
+        <a:prstGeom prst="rect">
+          <a:avLst/>
+        </a:prstGeom>
+        <a:noFill/>
+        <a:ln>
+          <a:noFill/>
+        </a:ln>
+        <a:effectLst/>
+      </dsp:spPr>
+      <dsp:style>
+        <a:lnRef idx="0">
+          <a:scrgbClr r="0" g="0" b="0"/>
+        </a:lnRef>
+        <a:fillRef idx="0">
+          <a:scrgbClr r="0" g="0" b="0"/>
+        </a:fillRef>
+        <a:effectRef idx="0">
+          <a:scrgbClr r="0" g="0" b="0"/>
+        </a:effectRef>
+        <a:fontRef idx="minor"/>
+      </dsp:style>
+      <dsp:txBody>
+        <a:bodyPr spcFirstLastPara="0" vert="horz" wrap="square" lIns="76200" tIns="76200" rIns="76200" bIns="76200" numCol="1" spcCol="1270" anchor="t" anchorCtr="0">
+          <a:noAutofit/>
+        </a:bodyPr>
+        <a:lstStyle/>
+        <a:p>
+          <a:pPr marL="0" lvl="0" indent="0" algn="l" defTabSz="889000">
+            <a:lnSpc>
+              <a:spcPct val="90000"/>
+            </a:lnSpc>
+            <a:spcBef>
+              <a:spcPct val="0"/>
+            </a:spcBef>
+            <a:spcAft>
+              <a:spcPct val="35000"/>
+            </a:spcAft>
+            <a:buNone/>
+          </a:pPr>
+          <a:r>
+            <a:rPr lang="en-US" sz="2000" kern="1200" dirty="0">
+              <a:latin typeface="Arial" panose="020B0604020202020204" pitchFamily="34" charset="0"/>
+              <a:cs typeface="Arial" panose="020B0604020202020204" pitchFamily="34" charset="0"/>
+            </a:rPr>
+            <a:t>stop</a:t>
+          </a:r>
+        </a:p>
+      </dsp:txBody>
+      <dsp:txXfrm>
+        <a:off x="4998720" y="3848839"/>
+        <a:ext cx="3129280" cy="359394"/>
+      </dsp:txXfrm>
+    </dsp:sp>
+    <dsp:sp modelId="{206D2A30-02B3-4381-A2C3-2BBC893810EF}">
+      <dsp:nvSpPr>
+        <dsp:cNvPr id="0" name=""/>
+        <dsp:cNvSpPr/>
+      </dsp:nvSpPr>
+      <dsp:spPr>
+        <a:xfrm>
+          <a:off x="4876800" y="4208233"/>
+          <a:ext cx="3129280" cy="0"/>
+        </a:xfrm>
+        <a:prstGeom prst="line">
+          <a:avLst/>
+        </a:prstGeom>
+        <a:noFill/>
+        <a:ln w="6350" cap="flat" cmpd="sng" algn="ctr">
+          <a:solidFill>
+            <a:schemeClr val="accent4">
+              <a:hueOff val="0"/>
+              <a:satOff val="0"/>
+              <a:lumOff val="0"/>
+              <a:alphaOff val="0"/>
+            </a:schemeClr>
+          </a:solidFill>
+          <a:prstDash val="solid"/>
+          <a:miter lim="800000"/>
+        </a:ln>
+        <a:effectLst/>
+      </dsp:spPr>
+      <dsp:style>
+        <a:lnRef idx="1">
+          <a:scrgbClr r="0" g="0" b="0"/>
+        </a:lnRef>
+        <a:fillRef idx="0">
+          <a:scrgbClr r="0" g="0" b="0"/>
+        </a:fillRef>
+        <a:effectRef idx="1">
+          <a:scrgbClr r="0" g="0" b="0"/>
+        </a:effectRef>
+        <a:fontRef idx="minor"/>
+      </dsp:style>
+    </dsp:sp>
+    <dsp:sp modelId="{0B668DA3-9DBF-4DB4-91D8-1E30F81F6F90}">
+      <dsp:nvSpPr>
+        <dsp:cNvPr id="0" name=""/>
+        <dsp:cNvSpPr/>
+      </dsp:nvSpPr>
+      <dsp:spPr>
+        <a:xfrm>
+          <a:off x="4998720" y="4208233"/>
+          <a:ext cx="3129280" cy="359394"/>
+        </a:xfrm>
+        <a:prstGeom prst="rect">
+          <a:avLst/>
+        </a:prstGeom>
+        <a:noFill/>
+        <a:ln>
+          <a:noFill/>
+        </a:ln>
+        <a:effectLst/>
+      </dsp:spPr>
+      <dsp:style>
+        <a:lnRef idx="0">
+          <a:scrgbClr r="0" g="0" b="0"/>
+        </a:lnRef>
+        <a:fillRef idx="0">
+          <a:scrgbClr r="0" g="0" b="0"/>
+        </a:fillRef>
+        <a:effectRef idx="0">
+          <a:scrgbClr r="0" g="0" b="0"/>
+        </a:effectRef>
+        <a:fontRef idx="minor"/>
+      </dsp:style>
+      <dsp:txBody>
+        <a:bodyPr spcFirstLastPara="0" vert="horz" wrap="square" lIns="76200" tIns="76200" rIns="76200" bIns="76200" numCol="1" spcCol="1270" anchor="t" anchorCtr="0">
+          <a:noAutofit/>
+        </a:bodyPr>
+        <a:lstStyle/>
+        <a:p>
+          <a:pPr marL="0" lvl="0" indent="0" algn="l" defTabSz="889000">
+            <a:lnSpc>
+              <a:spcPct val="90000"/>
+            </a:lnSpc>
+            <a:spcBef>
+              <a:spcPct val="0"/>
+            </a:spcBef>
+            <a:spcAft>
+              <a:spcPct val="35000"/>
+            </a:spcAft>
+            <a:buNone/>
+          </a:pPr>
+          <a:r>
+            <a:rPr lang="en-US" sz="2000" kern="1200" dirty="0">
+              <a:latin typeface="Arial" panose="020B0604020202020204" pitchFamily="34" charset="0"/>
+              <a:cs typeface="Arial" panose="020B0604020202020204" pitchFamily="34" charset="0"/>
+            </a:rPr>
+            <a:t>write</a:t>
+          </a:r>
+        </a:p>
+      </dsp:txBody>
+      <dsp:txXfrm>
+        <a:off x="4998720" y="4208233"/>
+        <a:ext cx="3129280" cy="359394"/>
+      </dsp:txXfrm>
+    </dsp:sp>
+    <dsp:sp modelId="{D4EE8A43-ADCB-4FB9-94C5-9266234ACF4E}">
+      <dsp:nvSpPr>
+        <dsp:cNvPr id="0" name=""/>
+        <dsp:cNvSpPr/>
+      </dsp:nvSpPr>
+      <dsp:spPr>
+        <a:xfrm>
+          <a:off x="4876800" y="4567627"/>
+          <a:ext cx="3129280" cy="0"/>
+        </a:xfrm>
+        <a:prstGeom prst="line">
+          <a:avLst/>
+        </a:prstGeom>
+        <a:noFill/>
+        <a:ln w="6350" cap="flat" cmpd="sng" algn="ctr">
+          <a:solidFill>
+            <a:schemeClr val="accent4">
+              <a:hueOff val="0"/>
+              <a:satOff val="0"/>
+              <a:lumOff val="0"/>
+              <a:alphaOff val="0"/>
+            </a:schemeClr>
+          </a:solidFill>
+          <a:prstDash val="solid"/>
+          <a:miter lim="800000"/>
+        </a:ln>
+        <a:effectLst/>
+      </dsp:spPr>
+      <dsp:style>
+        <a:lnRef idx="1">
+          <a:scrgbClr r="0" g="0" b="0"/>
+        </a:lnRef>
+        <a:fillRef idx="0">
+          <a:scrgbClr r="0" g="0" b="0"/>
+        </a:fillRef>
+        <a:effectRef idx="1">
+          <a:scrgbClr r="0" g="0" b="0"/>
+        </a:effectRef>
+        <a:fontRef idx="minor"/>
+      </dsp:style>
+    </dsp:sp>
+    <dsp:sp modelId="{E38DA39D-C9A7-4037-A70F-2F91C1DB597F}">
+      <dsp:nvSpPr>
+        <dsp:cNvPr id="0" name=""/>
+        <dsp:cNvSpPr/>
+      </dsp:nvSpPr>
+      <dsp:spPr>
+        <a:xfrm>
+          <a:off x="4998720" y="4567627"/>
+          <a:ext cx="3129280" cy="359394"/>
+        </a:xfrm>
+        <a:prstGeom prst="rect">
+          <a:avLst/>
+        </a:prstGeom>
+        <a:noFill/>
+        <a:ln>
+          <a:noFill/>
+        </a:ln>
+        <a:effectLst/>
+      </dsp:spPr>
+      <dsp:style>
+        <a:lnRef idx="0">
+          <a:scrgbClr r="0" g="0" b="0"/>
+        </a:lnRef>
+        <a:fillRef idx="0">
+          <a:scrgbClr r="0" g="0" b="0"/>
+        </a:fillRef>
+        <a:effectRef idx="0">
+          <a:scrgbClr r="0" g="0" b="0"/>
+        </a:effectRef>
+        <a:fontRef idx="minor"/>
+      </dsp:style>
+      <dsp:txBody>
+        <a:bodyPr spcFirstLastPara="0" vert="horz" wrap="square" lIns="76200" tIns="76200" rIns="76200" bIns="76200" numCol="1" spcCol="1270" anchor="t" anchorCtr="0">
+          <a:noAutofit/>
+        </a:bodyPr>
+        <a:lstStyle/>
+        <a:p>
+          <a:pPr marL="0" lvl="0" indent="0" algn="l" defTabSz="889000">
+            <a:lnSpc>
+              <a:spcPct val="90000"/>
+            </a:lnSpc>
+            <a:spcBef>
+              <a:spcPct val="0"/>
+            </a:spcBef>
+            <a:spcAft>
+              <a:spcPct val="35000"/>
+            </a:spcAft>
+            <a:buNone/>
+          </a:pPr>
+          <a:r>
+            <a:rPr lang="en-US" sz="2000" kern="1200" dirty="0">
+              <a:latin typeface="Arial" panose="020B0604020202020204" pitchFamily="34" charset="0"/>
+              <a:cs typeface="Arial" panose="020B0604020202020204" pitchFamily="34" charset="0"/>
+            </a:rPr>
+            <a:t>read</a:t>
+          </a:r>
+        </a:p>
+      </dsp:txBody>
+      <dsp:txXfrm>
+        <a:off x="4998720" y="4567627"/>
+        <a:ext cx="3129280" cy="359394"/>
+      </dsp:txXfrm>
+    </dsp:sp>
+    <dsp:sp modelId="{BDB4CC31-0323-4700-B0D8-A3DC77A93A21}">
+      <dsp:nvSpPr>
+        <dsp:cNvPr id="0" name=""/>
+        <dsp:cNvSpPr/>
+      </dsp:nvSpPr>
+      <dsp:spPr>
+        <a:xfrm>
+          <a:off x="4876800" y="4927022"/>
+          <a:ext cx="3129280" cy="0"/>
+        </a:xfrm>
+        <a:prstGeom prst="line">
+          <a:avLst/>
+        </a:prstGeom>
+        <a:noFill/>
+        <a:ln w="6350" cap="flat" cmpd="sng" algn="ctr">
+          <a:solidFill>
+            <a:schemeClr val="accent4">
+              <a:hueOff val="0"/>
+              <a:satOff val="0"/>
+              <a:lumOff val="0"/>
+              <a:alphaOff val="0"/>
+            </a:schemeClr>
+          </a:solidFill>
+          <a:prstDash val="solid"/>
+          <a:miter lim="800000"/>
+        </a:ln>
+        <a:effectLst/>
+      </dsp:spPr>
+      <dsp:style>
+        <a:lnRef idx="1">
+          <a:scrgbClr r="0" g="0" b="0"/>
+        </a:lnRef>
+        <a:fillRef idx="0">
+          <a:scrgbClr r="0" g="0" b="0"/>
+        </a:fillRef>
+        <a:effectRef idx="1">
+          <a:scrgbClr r="0" g="0" b="0"/>
+        </a:effectRef>
+        <a:fontRef idx="minor"/>
+      </dsp:style>
+    </dsp:sp>
+    <dsp:sp modelId="{D0B84BC6-33E2-4C3C-93DA-74D8307A8F0A}">
+      <dsp:nvSpPr>
+        <dsp:cNvPr id="0" name=""/>
+        <dsp:cNvSpPr/>
+      </dsp:nvSpPr>
+      <dsp:spPr>
+        <a:xfrm>
+          <a:off x="4998720" y="4927022"/>
+          <a:ext cx="3129280" cy="359394"/>
+        </a:xfrm>
+        <a:prstGeom prst="rect">
+          <a:avLst/>
+        </a:prstGeom>
+        <a:noFill/>
+        <a:ln>
+          <a:noFill/>
+        </a:ln>
+        <a:effectLst/>
+      </dsp:spPr>
+      <dsp:style>
+        <a:lnRef idx="0">
+          <a:scrgbClr r="0" g="0" b="0"/>
+        </a:lnRef>
+        <a:fillRef idx="0">
+          <a:scrgbClr r="0" g="0" b="0"/>
+        </a:fillRef>
+        <a:effectRef idx="0">
+          <a:scrgbClr r="0" g="0" b="0"/>
+        </a:effectRef>
+        <a:fontRef idx="minor"/>
+      </dsp:style>
+      <dsp:txBody>
+        <a:bodyPr spcFirstLastPara="0" vert="horz" wrap="square" lIns="76200" tIns="76200" rIns="76200" bIns="76200" numCol="1" spcCol="1270" anchor="t" anchorCtr="0">
+          <a:noAutofit/>
+        </a:bodyPr>
+        <a:lstStyle/>
+        <a:p>
+          <a:pPr marL="0" lvl="0" indent="0" algn="l" defTabSz="889000">
+            <a:lnSpc>
+              <a:spcPct val="90000"/>
+            </a:lnSpc>
+            <a:spcBef>
+              <a:spcPct val="0"/>
+            </a:spcBef>
+            <a:spcAft>
+              <a:spcPct val="35000"/>
+            </a:spcAft>
+            <a:buNone/>
+          </a:pPr>
+          <a:r>
+            <a:rPr lang="en-US" sz="2000" kern="1200">
+              <a:latin typeface="Arial" panose="020B0604020202020204" pitchFamily="34" charset="0"/>
+              <a:cs typeface="Arial" panose="020B0604020202020204" pitchFamily="34" charset="0"/>
+            </a:rPr>
+            <a:t>trigger</a:t>
+          </a:r>
+          <a:endParaRPr lang="en-US" sz="2000" kern="1200" dirty="0">
+            <a:latin typeface="Arial" panose="020B0604020202020204" pitchFamily="34" charset="0"/>
+            <a:cs typeface="Arial" panose="020B0604020202020204" pitchFamily="34" charset="0"/>
+          </a:endParaRPr>
+        </a:p>
+      </dsp:txBody>
+      <dsp:txXfrm>
+        <a:off x="4998720" y="4927022"/>
+        <a:ext cx="3129280" cy="359394"/>
+      </dsp:txXfrm>
+    </dsp:sp>
+    <dsp:sp modelId="{02D7DB7E-AC04-4796-B044-77FA7938AC36}">
+      <dsp:nvSpPr>
+        <dsp:cNvPr id="0" name=""/>
+        <dsp:cNvSpPr/>
+      </dsp:nvSpPr>
+      <dsp:spPr>
+        <a:xfrm>
+          <a:off x="1625599" y="5287030"/>
+          <a:ext cx="6502400" cy="0"/>
+        </a:xfrm>
+        <a:prstGeom prst="line">
+          <a:avLst/>
+        </a:prstGeom>
+        <a:noFill/>
+        <a:ln w="6350" cap="flat" cmpd="sng" algn="ctr">
+          <a:solidFill>
+            <a:schemeClr val="accent4">
+              <a:hueOff val="0"/>
+              <a:satOff val="0"/>
+              <a:lumOff val="0"/>
+              <a:alphaOff val="0"/>
+            </a:schemeClr>
+          </a:solidFill>
+          <a:prstDash val="solid"/>
+          <a:miter lim="800000"/>
+        </a:ln>
+        <a:effectLst/>
+      </dsp:spPr>
+      <dsp:style>
+        <a:lnRef idx="1">
+          <a:scrgbClr r="0" g="0" b="0"/>
+        </a:lnRef>
+        <a:fillRef idx="0">
+          <a:scrgbClr r="0" g="0" b="0"/>
+        </a:fillRef>
+        <a:effectRef idx="1">
+          <a:scrgbClr r="0" g="0" b="0"/>
+        </a:effectRef>
+        <a:fontRef idx="minor"/>
+      </dsp:style>
     </dsp:sp>
   </dsp:spTree>
 </dsp:drawing>
@@ -3541,7 +6995,1507 @@
 </dgm:layoutDef>
 </file>
 
+<file path=ppt/diagrams/layout2.xml><?xml version="1.0" encoding="utf-8"?>
+<dgm:layoutDef xmlns:dgm="http://schemas.openxmlformats.org/drawingml/2006/diagram" xmlns:a="http://schemas.openxmlformats.org/drawingml/2006/main" uniqueId="urn:microsoft.com/office/officeart/2008/layout/LinedList">
+  <dgm:title val=""/>
+  <dgm:desc val=""/>
+  <dgm:catLst>
+    <dgm:cat type="hierarchy" pri="8000"/>
+    <dgm:cat type="list" pri="2500"/>
+  </dgm:catLst>
+  <dgm:sampData>
+    <dgm:dataModel>
+      <dgm:ptLst>
+        <dgm:pt modelId="0" type="doc"/>
+        <dgm:pt modelId="1">
+          <dgm:prSet phldr="1"/>
+        </dgm:pt>
+        <dgm:pt modelId="11">
+          <dgm:prSet phldr="1"/>
+        </dgm:pt>
+        <dgm:pt modelId="12">
+          <dgm:prSet phldr="1"/>
+        </dgm:pt>
+        <dgm:pt modelId="13">
+          <dgm:prSet phldr="1"/>
+        </dgm:pt>
+      </dgm:ptLst>
+      <dgm:cxnLst>
+        <dgm:cxn modelId="2" srcId="0" destId="1" srcOrd="0" destOrd="0"/>
+        <dgm:cxn modelId="3" srcId="1" destId="11" srcOrd="0" destOrd="0"/>
+        <dgm:cxn modelId="4" srcId="1" destId="12" srcOrd="1" destOrd="0"/>
+        <dgm:cxn modelId="5" srcId="1" destId="13" srcOrd="2" destOrd="0"/>
+      </dgm:cxnLst>
+      <dgm:bg/>
+      <dgm:whole/>
+    </dgm:dataModel>
+  </dgm:sampData>
+  <dgm:styleData>
+    <dgm:dataModel>
+      <dgm:ptLst>
+        <dgm:pt modelId="0" type="doc"/>
+        <dgm:pt modelId="1">
+          <dgm:prSet phldr="1"/>
+        </dgm:pt>
+        <dgm:pt modelId="11">
+          <dgm:prSet phldr="1"/>
+        </dgm:pt>
+        <dgm:pt modelId="12">
+          <dgm:prSet phldr="1"/>
+        </dgm:pt>
+      </dgm:ptLst>
+      <dgm:cxnLst>
+        <dgm:cxn modelId="2" srcId="0" destId="1" srcOrd="0" destOrd="0"/>
+        <dgm:cxn modelId="3" srcId="1" destId="11" srcOrd="0" destOrd="0"/>
+        <dgm:cxn modelId="4" srcId="1" destId="12" srcOrd="1" destOrd="0"/>
+      </dgm:cxnLst>
+      <dgm:bg/>
+      <dgm:whole/>
+    </dgm:dataModel>
+  </dgm:styleData>
+  <dgm:clrData>
+    <dgm:dataModel>
+      <dgm:ptLst>
+        <dgm:pt modelId="0" type="doc"/>
+        <dgm:pt modelId="1">
+          <dgm:prSet phldr="1"/>
+        </dgm:pt>
+        <dgm:pt modelId="11">
+          <dgm:prSet phldr="1"/>
+        </dgm:pt>
+        <dgm:pt modelId="12">
+          <dgm:prSet phldr="1"/>
+        </dgm:pt>
+      </dgm:ptLst>
+      <dgm:cxnLst>
+        <dgm:cxn modelId="2" srcId="0" destId="1" srcOrd="0" destOrd="0"/>
+        <dgm:cxn modelId="3" srcId="1" destId="11" srcOrd="0" destOrd="0"/>
+        <dgm:cxn modelId="4" srcId="1" destId="12" srcOrd="1" destOrd="0"/>
+      </dgm:cxnLst>
+      <dgm:bg/>
+      <dgm:whole/>
+    </dgm:dataModel>
+  </dgm:clrData>
+  <dgm:layoutNode name="vert0">
+    <dgm:varLst>
+      <dgm:dir/>
+      <dgm:animOne val="branch"/>
+      <dgm:animLvl val="lvl"/>
+    </dgm:varLst>
+    <dgm:choose name="Name0">
+      <dgm:if name="Name1" func="var" arg="dir" op="equ" val="norm">
+        <dgm:alg type="lin">
+          <dgm:param type="linDir" val="fromT"/>
+          <dgm:param type="nodeHorzAlign" val="l"/>
+        </dgm:alg>
+      </dgm:if>
+      <dgm:else name="Name2">
+        <dgm:alg type="lin">
+          <dgm:param type="linDir" val="fromT"/>
+          <dgm:param type="nodeHorzAlign" val="r"/>
+        </dgm:alg>
+      </dgm:else>
+    </dgm:choose>
+    <dgm:shape xmlns:r="http://schemas.openxmlformats.org/officeDocument/2006/relationships" r:blip="">
+      <dgm:adjLst/>
+    </dgm:shape>
+    <dgm:presOf/>
+    <dgm:constrLst>
+      <dgm:constr type="w" for="ch" forName="horz1" refType="w"/>
+      <dgm:constr type="h" for="ch" forName="horz1" refType="h"/>
+      <dgm:constr type="h" for="des" forName="vert1" refType="h"/>
+      <dgm:constr type="h" for="des" forName="tx1" refType="h"/>
+      <dgm:constr type="h" for="des" forName="horz2" refType="h"/>
+      <dgm:constr type="h" for="des" forName="vert2" refType="h"/>
+      <dgm:constr type="h" for="des" forName="horz3" refType="h"/>
+      <dgm:constr type="h" for="des" forName="vert3" refType="h"/>
+      <dgm:constr type="h" for="des" forName="horz4" refType="h"/>
+      <dgm:constr type="h" for="des" ptType="node" refType="h"/>
+      <dgm:constr type="primFontSz" for="des" forName="tx1" op="equ" val="65"/>
+      <dgm:constr type="primFontSz" for="des" forName="tx2" op="equ" val="65"/>
+      <dgm:constr type="primFontSz" for="des" forName="tx3" op="equ" val="65"/>
+      <dgm:constr type="primFontSz" for="des" forName="tx4" op="equ" val="65"/>
+      <dgm:constr type="w" for="des" forName="thickLine" refType="w"/>
+      <dgm:constr type="h" for="des" forName="thickLine"/>
+      <dgm:constr type="h" for="des" forName="thinLine1"/>
+      <dgm:constr type="h" for="des" forName="thinLine2b"/>
+      <dgm:constr type="h" for="des" forName="thinLine3"/>
+      <dgm:constr type="h" for="des" forName="vertSpace2a" refType="h" fact="0.05"/>
+      <dgm:constr type="h" for="des" forName="vertSpace2b" refType="h" refFor="des" refForName="vertSpace2a"/>
+    </dgm:constrLst>
+    <dgm:forEach name="Name3" axis="ch" ptType="node">
+      <dgm:layoutNode name="thickLine" styleLbl="alignNode1">
+        <dgm:alg type="sp"/>
+        <dgm:shape xmlns:r="http://schemas.openxmlformats.org/officeDocument/2006/relationships" type="line" r:blip="">
+          <dgm:adjLst/>
+        </dgm:shape>
+        <dgm:presOf/>
+      </dgm:layoutNode>
+      <dgm:layoutNode name="horz1">
+        <dgm:choose name="Name4">
+          <dgm:if name="Name5" func="var" arg="dir" op="equ" val="norm">
+            <dgm:alg type="lin">
+              <dgm:param type="linDir" val="fromL"/>
+              <dgm:param type="nodeVertAlign" val="t"/>
+            </dgm:alg>
+          </dgm:if>
+          <dgm:else name="Name6">
+            <dgm:alg type="lin">
+              <dgm:param type="linDir" val="fromR"/>
+              <dgm:param type="nodeVertAlign" val="t"/>
+            </dgm:alg>
+          </dgm:else>
+        </dgm:choose>
+        <dgm:shape xmlns:r="http://schemas.openxmlformats.org/officeDocument/2006/relationships" r:blip="">
+          <dgm:adjLst/>
+        </dgm:shape>
+        <dgm:presOf/>
+        <dgm:choose name="Name7">
+          <dgm:if name="Name8" axis="root des" func="maxDepth" op="equ" val="1">
+            <dgm:constrLst>
+              <dgm:constr type="w" for="ch" forName="tx1" refType="w"/>
+            </dgm:constrLst>
+          </dgm:if>
+          <dgm:if name="Name9" axis="root des" func="maxDepth" op="equ" val="2">
+            <dgm:constrLst>
+              <dgm:constr type="w" for="ch" forName="tx1" refType="w" fact="0.2"/>
+              <dgm:constr type="w" for="des" forName="tx2" refType="w" fact="0.785"/>
+              <dgm:constr type="w" for="des" forName="horzSpace2" refType="w" fact="0.015"/>
+              <dgm:constr type="w" for="des" forName="thinLine2b" refType="w" fact="0.8"/>
+            </dgm:constrLst>
+          </dgm:if>
+          <dgm:if name="Name10" axis="root des" func="maxDepth" op="equ" val="3">
+            <dgm:constrLst>
+              <dgm:constr type="w" for="ch" forName="tx1" refType="w" fact="0.2"/>
+              <dgm:constr type="w" for="des" forName="tx2" refType="w" fact="0.385"/>
+              <dgm:constr type="w" for="des" forName="tx3" refType="w" fact="0.385"/>
+              <dgm:constr type="w" for="des" forName="horzSpace2" refType="w" fact="0.015"/>
+              <dgm:constr type="w" for="des" forName="horzSpace3" refType="w" fact="0.015"/>
+              <dgm:constr type="w" for="des" forName="thinLine2b" refType="w" fact="0.8"/>
+              <dgm:constr type="w" for="des" forName="thinLine3" refType="w" fact="0.385"/>
+            </dgm:constrLst>
+          </dgm:if>
+          <dgm:if name="Name11" axis="root des" func="maxDepth" op="gte" val="4">
+            <dgm:constrLst>
+              <dgm:constr type="w" for="ch" forName="tx1" refType="w" fact="0.2"/>
+              <dgm:constr type="w" for="des" forName="tx2" refType="w" fact="0.2516"/>
+              <dgm:constr type="w" for="des" forName="tx3" refType="w" fact="0.2516"/>
+              <dgm:constr type="w" for="des" forName="tx4" refType="w" fact="0.2516"/>
+              <dgm:constr type="w" for="des" forName="horzSpace2" refType="w" fact="0.015"/>
+              <dgm:constr type="w" for="des" forName="horzSpace3" refType="w" fact="0.015"/>
+              <dgm:constr type="w" for="des" forName="horzSpace4" refType="w" fact="0.015"/>
+              <dgm:constr type="w" for="des" forName="thinLine2b" refType="w" fact="0.8"/>
+              <dgm:constr type="w" for="des" forName="thinLine3" refType="w" fact="0.5332"/>
+            </dgm:constrLst>
+          </dgm:if>
+          <dgm:else name="Name12"/>
+        </dgm:choose>
+        <dgm:layoutNode name="tx1" styleLbl="revTx">
+          <dgm:alg type="tx">
+            <dgm:param type="parTxLTRAlign" val="l"/>
+            <dgm:param type="parTxRTLAlign" val="r"/>
+            <dgm:param type="txAnchorVert" val="t"/>
+          </dgm:alg>
+          <dgm:shape xmlns:r="http://schemas.openxmlformats.org/officeDocument/2006/relationships" type="rect" r:blip="">
+            <dgm:adjLst/>
+          </dgm:shape>
+          <dgm:presOf axis="self"/>
+          <dgm:constrLst>
+            <dgm:constr type="tMarg" refType="primFontSz" fact="0.3"/>
+            <dgm:constr type="bMarg" refType="primFontSz" fact="0.3"/>
+            <dgm:constr type="lMarg" refType="primFontSz" fact="0.3"/>
+            <dgm:constr type="rMarg" refType="primFontSz" fact="0.3"/>
+          </dgm:constrLst>
+          <dgm:ruleLst>
+            <dgm:rule type="primFontSz" val="5" fact="NaN" max="NaN"/>
+          </dgm:ruleLst>
+        </dgm:layoutNode>
+        <dgm:layoutNode name="vert1">
+          <dgm:choose name="Name13">
+            <dgm:if name="Name14" func="var" arg="dir" op="equ" val="norm">
+              <dgm:alg type="lin">
+                <dgm:param type="linDir" val="fromT"/>
+                <dgm:param type="nodeHorzAlign" val="l"/>
+              </dgm:alg>
+            </dgm:if>
+            <dgm:else name="Name15">
+              <dgm:alg type="lin">
+                <dgm:param type="linDir" val="fromT"/>
+                <dgm:param type="nodeHorzAlign" val="r"/>
+              </dgm:alg>
+            </dgm:else>
+          </dgm:choose>
+          <dgm:shape xmlns:r="http://schemas.openxmlformats.org/officeDocument/2006/relationships" r:blip="">
+            <dgm:adjLst/>
+          </dgm:shape>
+          <dgm:presOf/>
+          <dgm:forEach name="Name16" axis="ch" ptType="node">
+            <dgm:choose name="Name17">
+              <dgm:if name="Name18" axis="self" ptType="node" func="pos" op="equ" val="1">
+                <dgm:layoutNode name="vertSpace2a">
+                  <dgm:alg type="sp"/>
+                  <dgm:shape xmlns:r="http://schemas.openxmlformats.org/officeDocument/2006/relationships" r:blip="">
+                    <dgm:adjLst/>
+                  </dgm:shape>
+                  <dgm:presOf/>
+                </dgm:layoutNode>
+              </dgm:if>
+              <dgm:else name="Name19"/>
+            </dgm:choose>
+            <dgm:layoutNode name="horz2">
+              <dgm:choose name="Name20">
+                <dgm:if name="Name21" func="var" arg="dir" op="equ" val="norm">
+                  <dgm:alg type="lin">
+                    <dgm:param type="linDir" val="fromL"/>
+                    <dgm:param type="nodeVertAlign" val="t"/>
+                  </dgm:alg>
+                </dgm:if>
+                <dgm:else name="Name22">
+                  <dgm:alg type="lin">
+                    <dgm:param type="linDir" val="fromR"/>
+                    <dgm:param type="nodeVertAlign" val="t"/>
+                  </dgm:alg>
+                </dgm:else>
+              </dgm:choose>
+              <dgm:shape xmlns:r="http://schemas.openxmlformats.org/officeDocument/2006/relationships" r:blip="">
+                <dgm:adjLst/>
+              </dgm:shape>
+              <dgm:presOf/>
+              <dgm:layoutNode name="horzSpace2">
+                <dgm:alg type="sp"/>
+                <dgm:shape xmlns:r="http://schemas.openxmlformats.org/officeDocument/2006/relationships" r:blip="">
+                  <dgm:adjLst/>
+                </dgm:shape>
+                <dgm:presOf/>
+              </dgm:layoutNode>
+              <dgm:layoutNode name="tx2" styleLbl="revTx">
+                <dgm:alg type="tx">
+                  <dgm:param type="parTxLTRAlign" val="l"/>
+                  <dgm:param type="parTxRTLAlign" val="r"/>
+                  <dgm:param type="txAnchorVert" val="t"/>
+                </dgm:alg>
+                <dgm:shape xmlns:r="http://schemas.openxmlformats.org/officeDocument/2006/relationships" type="rect" r:blip="">
+                  <dgm:adjLst/>
+                </dgm:shape>
+                <dgm:presOf axis="self"/>
+                <dgm:constrLst>
+                  <dgm:constr type="tMarg" refType="primFontSz" fact="0.3"/>
+                  <dgm:constr type="bMarg" refType="primFontSz" fact="0.3"/>
+                  <dgm:constr type="lMarg" refType="primFontSz" fact="0.3"/>
+                  <dgm:constr type="rMarg" refType="primFontSz" fact="0.3"/>
+                </dgm:constrLst>
+                <dgm:ruleLst>
+                  <dgm:rule type="primFontSz" val="5" fact="NaN" max="NaN"/>
+                </dgm:ruleLst>
+              </dgm:layoutNode>
+              <dgm:layoutNode name="vert2">
+                <dgm:choose name="Name23">
+                  <dgm:if name="Name24" func="var" arg="dir" op="equ" val="norm">
+                    <dgm:alg type="lin">
+                      <dgm:param type="linDir" val="fromT"/>
+                      <dgm:param type="nodeHorzAlign" val="l"/>
+                    </dgm:alg>
+                  </dgm:if>
+                  <dgm:else name="Name25">
+                    <dgm:alg type="lin">
+                      <dgm:param type="linDir" val="fromT"/>
+                      <dgm:param type="nodeHorzAlign" val="r"/>
+                    </dgm:alg>
+                  </dgm:else>
+                </dgm:choose>
+                <dgm:shape xmlns:r="http://schemas.openxmlformats.org/officeDocument/2006/relationships" r:blip="">
+                  <dgm:adjLst/>
+                </dgm:shape>
+                <dgm:presOf/>
+                <dgm:forEach name="Name26" axis="ch" ptType="node">
+                  <dgm:layoutNode name="horz3">
+                    <dgm:choose name="Name27">
+                      <dgm:if name="Name28" func="var" arg="dir" op="equ" val="norm">
+                        <dgm:alg type="lin">
+                          <dgm:param type="linDir" val="fromL"/>
+                          <dgm:param type="nodeVertAlign" val="t"/>
+                        </dgm:alg>
+                      </dgm:if>
+                      <dgm:else name="Name29">
+                        <dgm:alg type="lin">
+                          <dgm:param type="linDir" val="fromR"/>
+                          <dgm:param type="nodeVertAlign" val="t"/>
+                        </dgm:alg>
+                      </dgm:else>
+                    </dgm:choose>
+                    <dgm:shape xmlns:r="http://schemas.openxmlformats.org/officeDocument/2006/relationships" r:blip="">
+                      <dgm:adjLst/>
+                    </dgm:shape>
+                    <dgm:presOf/>
+                    <dgm:layoutNode name="horzSpace3">
+                      <dgm:alg type="sp"/>
+                      <dgm:shape xmlns:r="http://schemas.openxmlformats.org/officeDocument/2006/relationships" r:blip="">
+                        <dgm:adjLst/>
+                      </dgm:shape>
+                      <dgm:presOf/>
+                    </dgm:layoutNode>
+                    <dgm:layoutNode name="tx3" styleLbl="revTx">
+                      <dgm:alg type="tx">
+                        <dgm:param type="parTxLTRAlign" val="l"/>
+                        <dgm:param type="parTxRTLAlign" val="r"/>
+                        <dgm:param type="txAnchorVert" val="t"/>
+                      </dgm:alg>
+                      <dgm:shape xmlns:r="http://schemas.openxmlformats.org/officeDocument/2006/relationships" type="rect" r:blip="">
+                        <dgm:adjLst/>
+                      </dgm:shape>
+                      <dgm:presOf axis="self"/>
+                      <dgm:constrLst>
+                        <dgm:constr type="tMarg" refType="primFontSz" fact="0.3"/>
+                        <dgm:constr type="bMarg" refType="primFontSz" fact="0.3"/>
+                        <dgm:constr type="lMarg" refType="primFontSz" fact="0.3"/>
+                        <dgm:constr type="rMarg" refType="primFontSz" fact="0.3"/>
+                      </dgm:constrLst>
+                      <dgm:ruleLst>
+                        <dgm:rule type="primFontSz" val="5" fact="NaN" max="NaN"/>
+                      </dgm:ruleLst>
+                    </dgm:layoutNode>
+                    <dgm:layoutNode name="vert3">
+                      <dgm:choose name="Name30">
+                        <dgm:if name="Name31" func="var" arg="dir" op="equ" val="norm">
+                          <dgm:alg type="lin">
+                            <dgm:param type="linDir" val="fromT"/>
+                            <dgm:param type="nodeHorzAlign" val="l"/>
+                          </dgm:alg>
+                        </dgm:if>
+                        <dgm:else name="Name32">
+                          <dgm:alg type="lin">
+                            <dgm:param type="linDir" val="fromT"/>
+                            <dgm:param type="nodeHorzAlign" val="r"/>
+                          </dgm:alg>
+                        </dgm:else>
+                      </dgm:choose>
+                      <dgm:shape xmlns:r="http://schemas.openxmlformats.org/officeDocument/2006/relationships" r:blip="">
+                        <dgm:adjLst/>
+                      </dgm:shape>
+                      <dgm:presOf/>
+                      <dgm:forEach name="Name33" axis="ch" ptType="node">
+                        <dgm:layoutNode name="horz4">
+                          <dgm:choose name="Name34">
+                            <dgm:if name="Name35" func="var" arg="dir" op="equ" val="norm">
+                              <dgm:alg type="lin">
+                                <dgm:param type="linDir" val="fromL"/>
+                                <dgm:param type="nodeVertAlign" val="t"/>
+                              </dgm:alg>
+                            </dgm:if>
+                            <dgm:else name="Name36">
+                              <dgm:alg type="lin">
+                                <dgm:param type="linDir" val="fromR"/>
+                                <dgm:param type="nodeVertAlign" val="t"/>
+                              </dgm:alg>
+                            </dgm:else>
+                          </dgm:choose>
+                          <dgm:shape xmlns:r="http://schemas.openxmlformats.org/officeDocument/2006/relationships" r:blip="">
+                            <dgm:adjLst/>
+                          </dgm:shape>
+                          <dgm:presOf/>
+                          <dgm:layoutNode name="horzSpace4">
+                            <dgm:alg type="sp"/>
+                            <dgm:shape xmlns:r="http://schemas.openxmlformats.org/officeDocument/2006/relationships" r:blip="">
+                              <dgm:adjLst/>
+                            </dgm:shape>
+                            <dgm:presOf/>
+                          </dgm:layoutNode>
+                          <dgm:layoutNode name="tx4" styleLbl="revTx">
+                            <dgm:varLst>
+                              <dgm:bulletEnabled val="1"/>
+                            </dgm:varLst>
+                            <dgm:alg type="tx">
+                              <dgm:param type="parTxLTRAlign" val="l"/>
+                              <dgm:param type="parTxRTLAlign" val="r"/>
+                              <dgm:param type="txAnchorVert" val="t"/>
+                            </dgm:alg>
+                            <dgm:shape xmlns:r="http://schemas.openxmlformats.org/officeDocument/2006/relationships" type="rect" r:blip="">
+                              <dgm:adjLst/>
+                            </dgm:shape>
+                            <dgm:presOf axis="desOrSelf" ptType="node"/>
+                            <dgm:constrLst>
+                              <dgm:constr type="tMarg" refType="primFontSz" fact="0.3"/>
+                              <dgm:constr type="bMarg" refType="primFontSz" fact="0.3"/>
+                              <dgm:constr type="lMarg" refType="primFontSz" fact="0.3"/>
+                              <dgm:constr type="rMarg" refType="primFontSz" fact="0.3"/>
+                            </dgm:constrLst>
+                            <dgm:ruleLst>
+                              <dgm:rule type="primFontSz" val="5" fact="NaN" max="NaN"/>
+                            </dgm:ruleLst>
+                          </dgm:layoutNode>
+                        </dgm:layoutNode>
+                      </dgm:forEach>
+                    </dgm:layoutNode>
+                  </dgm:layoutNode>
+                  <dgm:forEach name="Name37" axis="followSib" ptType="sibTrans" cnt="1">
+                    <dgm:layoutNode name="thinLine3" styleLbl="callout">
+                      <dgm:alg type="sp"/>
+                      <dgm:shape xmlns:r="http://schemas.openxmlformats.org/officeDocument/2006/relationships" type="line" r:blip="">
+                        <dgm:adjLst/>
+                      </dgm:shape>
+                      <dgm:presOf/>
+                    </dgm:layoutNode>
+                  </dgm:forEach>
+                </dgm:forEach>
+              </dgm:layoutNode>
+            </dgm:layoutNode>
+            <dgm:layoutNode name="thinLine2b" styleLbl="callout">
+              <dgm:alg type="sp"/>
+              <dgm:shape xmlns:r="http://schemas.openxmlformats.org/officeDocument/2006/relationships" type="line" r:blip="">
+                <dgm:adjLst/>
+              </dgm:shape>
+              <dgm:presOf/>
+            </dgm:layoutNode>
+            <dgm:layoutNode name="vertSpace2b">
+              <dgm:alg type="sp"/>
+              <dgm:shape xmlns:r="http://schemas.openxmlformats.org/officeDocument/2006/relationships" r:blip="">
+                <dgm:adjLst/>
+              </dgm:shape>
+              <dgm:presOf/>
+            </dgm:layoutNode>
+          </dgm:forEach>
+        </dgm:layoutNode>
+      </dgm:layoutNode>
+    </dgm:forEach>
+  </dgm:layoutNode>
+</dgm:layoutDef>
+</file>
+
 <file path=ppt/diagrams/quickStyle1.xml><?xml version="1.0" encoding="utf-8"?>
+<dgm:styleDef xmlns:dgm="http://schemas.openxmlformats.org/drawingml/2006/diagram" xmlns:a="http://schemas.openxmlformats.org/drawingml/2006/main" uniqueId="urn:microsoft.com/office/officeart/2005/8/quickstyle/simple5">
+  <dgm:title val=""/>
+  <dgm:desc val=""/>
+  <dgm:catLst>
+    <dgm:cat type="simple" pri="10500"/>
+  </dgm:catLst>
+  <dgm:scene3d>
+    <a:camera prst="orthographicFront"/>
+    <a:lightRig rig="threePt" dir="t"/>
+  </dgm:scene3d>
+  <dgm:styleLbl name="node0">
+    <dgm:scene3d>
+      <a:camera prst="orthographicFront"/>
+      <a:lightRig rig="threePt" dir="t"/>
+    </dgm:scene3d>
+    <dgm:sp3d/>
+    <dgm:txPr/>
+    <dgm:style>
+      <a:lnRef idx="0">
+        <a:scrgbClr r="0" g="0" b="0"/>
+      </a:lnRef>
+      <a:fillRef idx="3">
+        <a:scrgbClr r="0" g="0" b="0"/>
+      </a:fillRef>
+      <a:effectRef idx="3">
+        <a:scrgbClr r="0" g="0" b="0"/>
+      </a:effectRef>
+      <a:fontRef idx="minor">
+        <a:schemeClr val="lt1"/>
+      </a:fontRef>
+    </dgm:style>
+  </dgm:styleLbl>
+  <dgm:styleLbl name="lnNode1">
+    <dgm:scene3d>
+      <a:camera prst="orthographicFront"/>
+      <a:lightRig rig="threePt" dir="t"/>
+    </dgm:scene3d>
+    <dgm:sp3d/>
+    <dgm:txPr/>
+    <dgm:style>
+      <a:lnRef idx="0">
+        <a:scrgbClr r="0" g="0" b="0"/>
+      </a:lnRef>
+      <a:fillRef idx="3">
+        <a:scrgbClr r="0" g="0" b="0"/>
+      </a:fillRef>
+      <a:effectRef idx="3">
+        <a:scrgbClr r="0" g="0" b="0"/>
+      </a:effectRef>
+      <a:fontRef idx="minor">
+        <a:schemeClr val="lt1"/>
+      </a:fontRef>
+    </dgm:style>
+  </dgm:styleLbl>
+  <dgm:styleLbl name="vennNode1">
+    <dgm:scene3d>
+      <a:camera prst="orthographicFront"/>
+      <a:lightRig rig="threePt" dir="t"/>
+    </dgm:scene3d>
+    <dgm:sp3d/>
+    <dgm:txPr/>
+    <dgm:style>
+      <a:lnRef idx="0">
+        <a:scrgbClr r="0" g="0" b="0"/>
+      </a:lnRef>
+      <a:fillRef idx="3">
+        <a:scrgbClr r="0" g="0" b="0"/>
+      </a:fillRef>
+      <a:effectRef idx="3">
+        <a:scrgbClr r="0" g="0" b="0"/>
+      </a:effectRef>
+      <a:fontRef idx="minor">
+        <a:schemeClr val="tx1"/>
+      </a:fontRef>
+    </dgm:style>
+  </dgm:styleLbl>
+  <dgm:styleLbl name="alignNode1">
+    <dgm:scene3d>
+      <a:camera prst="orthographicFront"/>
+      <a:lightRig rig="threePt" dir="t"/>
+    </dgm:scene3d>
+    <dgm:sp3d/>
+    <dgm:txPr/>
+    <dgm:style>
+      <a:lnRef idx="1">
+        <a:scrgbClr r="0" g="0" b="0"/>
+      </a:lnRef>
+      <a:fillRef idx="3">
+        <a:scrgbClr r="0" g="0" b="0"/>
+      </a:fillRef>
+      <a:effectRef idx="3">
+        <a:scrgbClr r="0" g="0" b="0"/>
+      </a:effectRef>
+      <a:fontRef idx="minor">
+        <a:schemeClr val="lt1"/>
+      </a:fontRef>
+    </dgm:style>
+  </dgm:styleLbl>
+  <dgm:styleLbl name="node1">
+    <dgm:scene3d>
+      <a:camera prst="orthographicFront"/>
+      <a:lightRig rig="threePt" dir="t"/>
+    </dgm:scene3d>
+    <dgm:sp3d/>
+    <dgm:txPr/>
+    <dgm:style>
+      <a:lnRef idx="0">
+        <a:scrgbClr r="0" g="0" b="0"/>
+      </a:lnRef>
+      <a:fillRef idx="3">
+        <a:scrgbClr r="0" g="0" b="0"/>
+      </a:fillRef>
+      <a:effectRef idx="3">
+        <a:scrgbClr r="0" g="0" b="0"/>
+      </a:effectRef>
+      <a:fontRef idx="minor">
+        <a:schemeClr val="lt1"/>
+      </a:fontRef>
+    </dgm:style>
+  </dgm:styleLbl>
+  <dgm:styleLbl name="node2">
+    <dgm:scene3d>
+      <a:camera prst="orthographicFront"/>
+      <a:lightRig rig="threePt" dir="t"/>
+    </dgm:scene3d>
+    <dgm:sp3d/>
+    <dgm:txPr/>
+    <dgm:style>
+      <a:lnRef idx="0">
+        <a:scrgbClr r="0" g="0" b="0"/>
+      </a:lnRef>
+      <a:fillRef idx="3">
+        <a:scrgbClr r="0" g="0" b="0"/>
+      </a:fillRef>
+      <a:effectRef idx="3">
+        <a:scrgbClr r="0" g="0" b="0"/>
+      </a:effectRef>
+      <a:fontRef idx="minor">
+        <a:schemeClr val="lt1"/>
+      </a:fontRef>
+    </dgm:style>
+  </dgm:styleLbl>
+  <dgm:styleLbl name="node3">
+    <dgm:scene3d>
+      <a:camera prst="orthographicFront"/>
+      <a:lightRig rig="threePt" dir="t"/>
+    </dgm:scene3d>
+    <dgm:sp3d/>
+    <dgm:txPr/>
+    <dgm:style>
+      <a:lnRef idx="0">
+        <a:scrgbClr r="0" g="0" b="0"/>
+      </a:lnRef>
+      <a:fillRef idx="3">
+        <a:scrgbClr r="0" g="0" b="0"/>
+      </a:fillRef>
+      <a:effectRef idx="3">
+        <a:scrgbClr r="0" g="0" b="0"/>
+      </a:effectRef>
+      <a:fontRef idx="minor">
+        <a:schemeClr val="lt1"/>
+      </a:fontRef>
+    </dgm:style>
+  </dgm:styleLbl>
+  <dgm:styleLbl name="node4">
+    <dgm:scene3d>
+      <a:camera prst="orthographicFront"/>
+      <a:lightRig rig="threePt" dir="t"/>
+    </dgm:scene3d>
+    <dgm:sp3d/>
+    <dgm:txPr/>
+    <dgm:style>
+      <a:lnRef idx="0">
+        <a:scrgbClr r="0" g="0" b="0"/>
+      </a:lnRef>
+      <a:fillRef idx="3">
+        <a:scrgbClr r="0" g="0" b="0"/>
+      </a:fillRef>
+      <a:effectRef idx="3">
+        <a:scrgbClr r="0" g="0" b="0"/>
+      </a:effectRef>
+      <a:fontRef idx="minor">
+        <a:schemeClr val="lt1"/>
+      </a:fontRef>
+    </dgm:style>
+  </dgm:styleLbl>
+  <dgm:styleLbl name="fgImgPlace1">
+    <dgm:scene3d>
+      <a:camera prst="orthographicFront"/>
+      <a:lightRig rig="threePt" dir="t"/>
+    </dgm:scene3d>
+    <dgm:sp3d/>
+    <dgm:txPr/>
+    <dgm:style>
+      <a:lnRef idx="0">
+        <a:scrgbClr r="0" g="0" b="0"/>
+      </a:lnRef>
+      <a:fillRef idx="1">
+        <a:scrgbClr r="0" g="0" b="0"/>
+      </a:fillRef>
+      <a:effectRef idx="3">
+        <a:scrgbClr r="0" g="0" b="0"/>
+      </a:effectRef>
+      <a:fontRef idx="minor"/>
+    </dgm:style>
+  </dgm:styleLbl>
+  <dgm:styleLbl name="alignImgPlace1">
+    <dgm:scene3d>
+      <a:camera prst="orthographicFront"/>
+      <a:lightRig rig="threePt" dir="t"/>
+    </dgm:scene3d>
+    <dgm:sp3d/>
+    <dgm:txPr/>
+    <dgm:style>
+      <a:lnRef idx="0">
+        <a:scrgbClr r="0" g="0" b="0"/>
+      </a:lnRef>
+      <a:fillRef idx="1">
+        <a:scrgbClr r="0" g="0" b="0"/>
+      </a:fillRef>
+      <a:effectRef idx="3">
+        <a:scrgbClr r="0" g="0" b="0"/>
+      </a:effectRef>
+      <a:fontRef idx="minor"/>
+    </dgm:style>
+  </dgm:styleLbl>
+  <dgm:styleLbl name="bgImgPlace1">
+    <dgm:scene3d>
+      <a:camera prst="orthographicFront"/>
+      <a:lightRig rig="threePt" dir="t"/>
+    </dgm:scene3d>
+    <dgm:sp3d/>
+    <dgm:txPr/>
+    <dgm:style>
+      <a:lnRef idx="0">
+        <a:scrgbClr r="0" g="0" b="0"/>
+      </a:lnRef>
+      <a:fillRef idx="1">
+        <a:scrgbClr r="0" g="0" b="0"/>
+      </a:fillRef>
+      <a:effectRef idx="3">
+        <a:scrgbClr r="0" g="0" b="0"/>
+      </a:effectRef>
+      <a:fontRef idx="minor"/>
+    </dgm:style>
+  </dgm:styleLbl>
+  <dgm:styleLbl name="sibTrans2D1">
+    <dgm:scene3d>
+      <a:camera prst="orthographicFront"/>
+      <a:lightRig rig="threePt" dir="t"/>
+    </dgm:scene3d>
+    <dgm:sp3d/>
+    <dgm:txPr/>
+    <dgm:style>
+      <a:lnRef idx="0">
+        <a:scrgbClr r="0" g="0" b="0"/>
+      </a:lnRef>
+      <a:fillRef idx="3">
+        <a:scrgbClr r="0" g="0" b="0"/>
+      </a:fillRef>
+      <a:effectRef idx="3">
+        <a:scrgbClr r="0" g="0" b="0"/>
+      </a:effectRef>
+      <a:fontRef idx="minor">
+        <a:schemeClr val="lt1"/>
+      </a:fontRef>
+    </dgm:style>
+  </dgm:styleLbl>
+  <dgm:styleLbl name="fgSibTrans2D1">
+    <dgm:scene3d>
+      <a:camera prst="orthographicFront"/>
+      <a:lightRig rig="threePt" dir="t"/>
+    </dgm:scene3d>
+    <dgm:sp3d/>
+    <dgm:txPr/>
+    <dgm:style>
+      <a:lnRef idx="0">
+        <a:scrgbClr r="0" g="0" b="0"/>
+      </a:lnRef>
+      <a:fillRef idx="3">
+        <a:scrgbClr r="0" g="0" b="0"/>
+      </a:fillRef>
+      <a:effectRef idx="3">
+        <a:scrgbClr r="0" g="0" b="0"/>
+      </a:effectRef>
+      <a:fontRef idx="minor">
+        <a:schemeClr val="lt1"/>
+      </a:fontRef>
+    </dgm:style>
+  </dgm:styleLbl>
+  <dgm:styleLbl name="bgSibTrans2D1">
+    <dgm:scene3d>
+      <a:camera prst="orthographicFront"/>
+      <a:lightRig rig="threePt" dir="t"/>
+    </dgm:scene3d>
+    <dgm:sp3d/>
+    <dgm:txPr/>
+    <dgm:style>
+      <a:lnRef idx="0">
+        <a:scrgbClr r="0" g="0" b="0"/>
+      </a:lnRef>
+      <a:fillRef idx="3">
+        <a:scrgbClr r="0" g="0" b="0"/>
+      </a:fillRef>
+      <a:effectRef idx="3">
+        <a:scrgbClr r="0" g="0" b="0"/>
+      </a:effectRef>
+      <a:fontRef idx="minor">
+        <a:schemeClr val="lt1"/>
+      </a:fontRef>
+    </dgm:style>
+  </dgm:styleLbl>
+  <dgm:styleLbl name="sibTrans1D1">
+    <dgm:scene3d>
+      <a:camera prst="orthographicFront"/>
+      <a:lightRig rig="threePt" dir="t"/>
+    </dgm:scene3d>
+    <dgm:sp3d/>
+    <dgm:txPr/>
+    <dgm:style>
+      <a:lnRef idx="1">
+        <a:scrgbClr r="0" g="0" b="0"/>
+      </a:lnRef>
+      <a:fillRef idx="0">
+        <a:scrgbClr r="0" g="0" b="0"/>
+      </a:fillRef>
+      <a:effectRef idx="0">
+        <a:scrgbClr r="0" g="0" b="0"/>
+      </a:effectRef>
+      <a:fontRef idx="minor"/>
+    </dgm:style>
+  </dgm:styleLbl>
+  <dgm:styleLbl name="callout">
+    <dgm:scene3d>
+      <a:camera prst="orthographicFront"/>
+      <a:lightRig rig="threePt" dir="t"/>
+    </dgm:scene3d>
+    <dgm:sp3d/>
+    <dgm:txPr/>
+    <dgm:style>
+      <a:lnRef idx="1">
+        <a:scrgbClr r="0" g="0" b="0"/>
+      </a:lnRef>
+      <a:fillRef idx="0">
+        <a:scrgbClr r="0" g="0" b="0"/>
+      </a:fillRef>
+      <a:effectRef idx="1">
+        <a:scrgbClr r="0" g="0" b="0"/>
+      </a:effectRef>
+      <a:fontRef idx="minor"/>
+    </dgm:style>
+  </dgm:styleLbl>
+  <dgm:styleLbl name="asst0">
+    <dgm:scene3d>
+      <a:camera prst="orthographicFront"/>
+      <a:lightRig rig="threePt" dir="t"/>
+    </dgm:scene3d>
+    <dgm:sp3d/>
+    <dgm:txPr/>
+    <dgm:style>
+      <a:lnRef idx="0">
+        <a:scrgbClr r="0" g="0" b="0"/>
+      </a:lnRef>
+      <a:fillRef idx="3">
+        <a:scrgbClr r="0" g="0" b="0"/>
+      </a:fillRef>
+      <a:effectRef idx="3">
+        <a:scrgbClr r="0" g="0" b="0"/>
+      </a:effectRef>
+      <a:fontRef idx="minor">
+        <a:schemeClr val="lt1"/>
+      </a:fontRef>
+    </dgm:style>
+  </dgm:styleLbl>
+  <dgm:styleLbl name="asst1">
+    <dgm:scene3d>
+      <a:camera prst="orthographicFront"/>
+      <a:lightRig rig="threePt" dir="t"/>
+    </dgm:scene3d>
+    <dgm:sp3d/>
+    <dgm:txPr/>
+    <dgm:style>
+      <a:lnRef idx="0">
+        <a:scrgbClr r="0" g="0" b="0"/>
+      </a:lnRef>
+      <a:fillRef idx="3">
+        <a:scrgbClr r="0" g="0" b="0"/>
+      </a:fillRef>
+      <a:effectRef idx="3">
+        <a:scrgbClr r="0" g="0" b="0"/>
+      </a:effectRef>
+      <a:fontRef idx="minor">
+        <a:schemeClr val="lt1"/>
+      </a:fontRef>
+    </dgm:style>
+  </dgm:styleLbl>
+  <dgm:styleLbl name="asst2">
+    <dgm:scene3d>
+      <a:camera prst="orthographicFront"/>
+      <a:lightRig rig="threePt" dir="t"/>
+    </dgm:scene3d>
+    <dgm:sp3d/>
+    <dgm:txPr/>
+    <dgm:style>
+      <a:lnRef idx="0">
+        <a:scrgbClr r="0" g="0" b="0"/>
+      </a:lnRef>
+      <a:fillRef idx="3">
+        <a:scrgbClr r="0" g="0" b="0"/>
+      </a:fillRef>
+      <a:effectRef idx="3">
+        <a:scrgbClr r="0" g="0" b="0"/>
+      </a:effectRef>
+      <a:fontRef idx="minor">
+        <a:schemeClr val="lt1"/>
+      </a:fontRef>
+    </dgm:style>
+  </dgm:styleLbl>
+  <dgm:styleLbl name="asst3">
+    <dgm:scene3d>
+      <a:camera prst="orthographicFront"/>
+      <a:lightRig rig="threePt" dir="t"/>
+    </dgm:scene3d>
+    <dgm:sp3d/>
+    <dgm:txPr/>
+    <dgm:style>
+      <a:lnRef idx="0">
+        <a:scrgbClr r="0" g="0" b="0"/>
+      </a:lnRef>
+      <a:fillRef idx="3">
+        <a:scrgbClr r="0" g="0" b="0"/>
+      </a:fillRef>
+      <a:effectRef idx="3">
+        <a:scrgbClr r="0" g="0" b="0"/>
+      </a:effectRef>
+      <a:fontRef idx="minor">
+        <a:schemeClr val="lt1"/>
+      </a:fontRef>
+    </dgm:style>
+  </dgm:styleLbl>
+  <dgm:styleLbl name="asst4">
+    <dgm:scene3d>
+      <a:camera prst="orthographicFront"/>
+      <a:lightRig rig="threePt" dir="t"/>
+    </dgm:scene3d>
+    <dgm:sp3d/>
+    <dgm:txPr/>
+    <dgm:style>
+      <a:lnRef idx="0">
+        <a:scrgbClr r="0" g="0" b="0"/>
+      </a:lnRef>
+      <a:fillRef idx="3">
+        <a:scrgbClr r="0" g="0" b="0"/>
+      </a:fillRef>
+      <a:effectRef idx="3">
+        <a:scrgbClr r="0" g="0" b="0"/>
+      </a:effectRef>
+      <a:fontRef idx="minor">
+        <a:schemeClr val="lt1"/>
+      </a:fontRef>
+    </dgm:style>
+  </dgm:styleLbl>
+  <dgm:styleLbl name="parChTrans2D1">
+    <dgm:scene3d>
+      <a:camera prst="orthographicFront"/>
+      <a:lightRig rig="threePt" dir="t"/>
+    </dgm:scene3d>
+    <dgm:sp3d/>
+    <dgm:txPr/>
+    <dgm:style>
+      <a:lnRef idx="0">
+        <a:scrgbClr r="0" g="0" b="0"/>
+      </a:lnRef>
+      <a:fillRef idx="3">
+        <a:scrgbClr r="0" g="0" b="0"/>
+      </a:fillRef>
+      <a:effectRef idx="3">
+        <a:scrgbClr r="0" g="0" b="0"/>
+      </a:effectRef>
+      <a:fontRef idx="minor">
+        <a:schemeClr val="lt1"/>
+      </a:fontRef>
+    </dgm:style>
+  </dgm:styleLbl>
+  <dgm:styleLbl name="parChTrans2D2">
+    <dgm:scene3d>
+      <a:camera prst="orthographicFront"/>
+      <a:lightRig rig="threePt" dir="t"/>
+    </dgm:scene3d>
+    <dgm:sp3d/>
+    <dgm:txPr/>
+    <dgm:style>
+      <a:lnRef idx="0">
+        <a:scrgbClr r="0" g="0" b="0"/>
+      </a:lnRef>
+      <a:fillRef idx="3">
+        <a:scrgbClr r="0" g="0" b="0"/>
+      </a:fillRef>
+      <a:effectRef idx="3">
+        <a:scrgbClr r="0" g="0" b="0"/>
+      </a:effectRef>
+      <a:fontRef idx="minor">
+        <a:schemeClr val="lt1"/>
+      </a:fontRef>
+    </dgm:style>
+  </dgm:styleLbl>
+  <dgm:styleLbl name="parChTrans2D3">
+    <dgm:scene3d>
+      <a:camera prst="orthographicFront"/>
+      <a:lightRig rig="threePt" dir="t"/>
+    </dgm:scene3d>
+    <dgm:sp3d/>
+    <dgm:txPr/>
+    <dgm:style>
+      <a:lnRef idx="0">
+        <a:scrgbClr r="0" g="0" b="0"/>
+      </a:lnRef>
+      <a:fillRef idx="3">
+        <a:scrgbClr r="0" g="0" b="0"/>
+      </a:fillRef>
+      <a:effectRef idx="3">
+        <a:scrgbClr r="0" g="0" b="0"/>
+      </a:effectRef>
+      <a:fontRef idx="minor">
+        <a:schemeClr val="lt1"/>
+      </a:fontRef>
+    </dgm:style>
+  </dgm:styleLbl>
+  <dgm:styleLbl name="parChTrans2D4">
+    <dgm:scene3d>
+      <a:camera prst="orthographicFront"/>
+      <a:lightRig rig="threePt" dir="t"/>
+    </dgm:scene3d>
+    <dgm:sp3d/>
+    <dgm:txPr/>
+    <dgm:style>
+      <a:lnRef idx="0">
+        <a:scrgbClr r="0" g="0" b="0"/>
+      </a:lnRef>
+      <a:fillRef idx="3">
+        <a:scrgbClr r="0" g="0" b="0"/>
+      </a:fillRef>
+      <a:effectRef idx="3">
+        <a:scrgbClr r="0" g="0" b="0"/>
+      </a:effectRef>
+      <a:fontRef idx="minor">
+        <a:schemeClr val="lt1"/>
+      </a:fontRef>
+    </dgm:style>
+  </dgm:styleLbl>
+  <dgm:styleLbl name="parChTrans1D1">
+    <dgm:scene3d>
+      <a:camera prst="orthographicFront"/>
+      <a:lightRig rig="threePt" dir="t"/>
+    </dgm:scene3d>
+    <dgm:sp3d/>
+    <dgm:txPr/>
+    <dgm:style>
+      <a:lnRef idx="2">
+        <a:scrgbClr r="0" g="0" b="0"/>
+      </a:lnRef>
+      <a:fillRef idx="0">
+        <a:scrgbClr r="0" g="0" b="0"/>
+      </a:fillRef>
+      <a:effectRef idx="0">
+        <a:scrgbClr r="0" g="0" b="0"/>
+      </a:effectRef>
+      <a:fontRef idx="minor"/>
+    </dgm:style>
+  </dgm:styleLbl>
+  <dgm:styleLbl name="parChTrans1D2">
+    <dgm:scene3d>
+      <a:camera prst="orthographicFront"/>
+      <a:lightRig rig="threePt" dir="t"/>
+    </dgm:scene3d>
+    <dgm:sp3d/>
+    <dgm:txPr/>
+    <dgm:style>
+      <a:lnRef idx="2">
+        <a:scrgbClr r="0" g="0" b="0"/>
+      </a:lnRef>
+      <a:fillRef idx="0">
+        <a:scrgbClr r="0" g="0" b="0"/>
+      </a:fillRef>
+      <a:effectRef idx="0">
+        <a:scrgbClr r="0" g="0" b="0"/>
+      </a:effectRef>
+      <a:fontRef idx="minor"/>
+    </dgm:style>
+  </dgm:styleLbl>
+  <dgm:styleLbl name="parChTrans1D3">
+    <dgm:scene3d>
+      <a:camera prst="orthographicFront"/>
+      <a:lightRig rig="threePt" dir="t"/>
+    </dgm:scene3d>
+    <dgm:sp3d/>
+    <dgm:txPr/>
+    <dgm:style>
+      <a:lnRef idx="2">
+        <a:scrgbClr r="0" g="0" b="0"/>
+      </a:lnRef>
+      <a:fillRef idx="0">
+        <a:scrgbClr r="0" g="0" b="0"/>
+      </a:fillRef>
+      <a:effectRef idx="0">
+        <a:scrgbClr r="0" g="0" b="0"/>
+      </a:effectRef>
+      <a:fontRef idx="minor"/>
+    </dgm:style>
+  </dgm:styleLbl>
+  <dgm:styleLbl name="parChTrans1D4">
+    <dgm:scene3d>
+      <a:camera prst="orthographicFront"/>
+      <a:lightRig rig="threePt" dir="t"/>
+    </dgm:scene3d>
+    <dgm:sp3d/>
+    <dgm:txPr/>
+    <dgm:style>
+      <a:lnRef idx="2">
+        <a:scrgbClr r="0" g="0" b="0"/>
+      </a:lnRef>
+      <a:fillRef idx="0">
+        <a:scrgbClr r="0" g="0" b="0"/>
+      </a:fillRef>
+      <a:effectRef idx="0">
+        <a:scrgbClr r="0" g="0" b="0"/>
+      </a:effectRef>
+      <a:fontRef idx="minor"/>
+    </dgm:style>
+  </dgm:styleLbl>
+  <dgm:styleLbl name="fgAcc1">
+    <dgm:scene3d>
+      <a:camera prst="orthographicFront"/>
+      <a:lightRig rig="threePt" dir="t"/>
+    </dgm:scene3d>
+    <dgm:sp3d/>
+    <dgm:txPr/>
+    <dgm:style>
+      <a:lnRef idx="1">
+        <a:scrgbClr r="0" g="0" b="0"/>
+      </a:lnRef>
+      <a:fillRef idx="1">
+        <a:scrgbClr r="0" g="0" b="0"/>
+      </a:fillRef>
+      <a:effectRef idx="2">
+        <a:scrgbClr r="0" g="0" b="0"/>
+      </a:effectRef>
+      <a:fontRef idx="minor"/>
+    </dgm:style>
+  </dgm:styleLbl>
+  <dgm:styleLbl name="conFgAcc1">
+    <dgm:scene3d>
+      <a:camera prst="orthographicFront"/>
+      <a:lightRig rig="threePt" dir="t"/>
+    </dgm:scene3d>
+    <dgm:sp3d/>
+    <dgm:txPr/>
+    <dgm:style>
+      <a:lnRef idx="1">
+        <a:scrgbClr r="0" g="0" b="0"/>
+      </a:lnRef>
+      <a:fillRef idx="1">
+        <a:scrgbClr r="0" g="0" b="0"/>
+      </a:fillRef>
+      <a:effectRef idx="2">
+        <a:scrgbClr r="0" g="0" b="0"/>
+      </a:effectRef>
+      <a:fontRef idx="minor"/>
+    </dgm:style>
+  </dgm:styleLbl>
+  <dgm:styleLbl name="alignAcc1">
+    <dgm:scene3d>
+      <a:camera prst="orthographicFront"/>
+      <a:lightRig rig="threePt" dir="t"/>
+    </dgm:scene3d>
+    <dgm:sp3d/>
+    <dgm:txPr/>
+    <dgm:style>
+      <a:lnRef idx="1">
+        <a:scrgbClr r="0" g="0" b="0"/>
+      </a:lnRef>
+      <a:fillRef idx="1">
+        <a:scrgbClr r="0" g="0" b="0"/>
+      </a:fillRef>
+      <a:effectRef idx="2">
+        <a:scrgbClr r="0" g="0" b="0"/>
+      </a:effectRef>
+      <a:fontRef idx="minor"/>
+    </dgm:style>
+  </dgm:styleLbl>
+  <dgm:styleLbl name="trAlignAcc1">
+    <dgm:scene3d>
+      <a:camera prst="orthographicFront"/>
+      <a:lightRig rig="threePt" dir="t"/>
+    </dgm:scene3d>
+    <dgm:sp3d/>
+    <dgm:txPr/>
+    <dgm:style>
+      <a:lnRef idx="1">
+        <a:scrgbClr r="0" g="0" b="0"/>
+      </a:lnRef>
+      <a:fillRef idx="1">
+        <a:scrgbClr r="0" g="0" b="0"/>
+      </a:fillRef>
+      <a:effectRef idx="0">
+        <a:scrgbClr r="0" g="0" b="0"/>
+      </a:effectRef>
+      <a:fontRef idx="minor"/>
+    </dgm:style>
+  </dgm:styleLbl>
+  <dgm:styleLbl name="bgAcc1">
+    <dgm:scene3d>
+      <a:camera prst="orthographicFront"/>
+      <a:lightRig rig="threePt" dir="t"/>
+    </dgm:scene3d>
+    <dgm:sp3d/>
+    <dgm:txPr/>
+    <dgm:style>
+      <a:lnRef idx="1">
+        <a:scrgbClr r="0" g="0" b="0"/>
+      </a:lnRef>
+      <a:fillRef idx="1">
+        <a:scrgbClr r="0" g="0" b="0"/>
+      </a:fillRef>
+      <a:effectRef idx="2">
+        <a:scrgbClr r="0" g="0" b="0"/>
+      </a:effectRef>
+      <a:fontRef idx="minor"/>
+    </dgm:style>
+  </dgm:styleLbl>
+  <dgm:styleLbl name="solidFgAcc1">
+    <dgm:scene3d>
+      <a:camera prst="orthographicFront"/>
+      <a:lightRig rig="threePt" dir="t"/>
+    </dgm:scene3d>
+    <dgm:sp3d/>
+    <dgm:txPr/>
+    <dgm:style>
+      <a:lnRef idx="1">
+        <a:scrgbClr r="0" g="0" b="0"/>
+      </a:lnRef>
+      <a:fillRef idx="1">
+        <a:scrgbClr r="0" g="0" b="0"/>
+      </a:fillRef>
+      <a:effectRef idx="2">
+        <a:scrgbClr r="0" g="0" b="0"/>
+      </a:effectRef>
+      <a:fontRef idx="minor"/>
+    </dgm:style>
+  </dgm:styleLbl>
+  <dgm:styleLbl name="solidAlignAcc1">
+    <dgm:scene3d>
+      <a:camera prst="orthographicFront"/>
+      <a:lightRig rig="threePt" dir="t"/>
+    </dgm:scene3d>
+    <dgm:sp3d/>
+    <dgm:txPr/>
+    <dgm:style>
+      <a:lnRef idx="1">
+        <a:scrgbClr r="0" g="0" b="0"/>
+      </a:lnRef>
+      <a:fillRef idx="1">
+        <a:scrgbClr r="0" g="0" b="0"/>
+      </a:fillRef>
+      <a:effectRef idx="3">
+        <a:scrgbClr r="0" g="0" b="0"/>
+      </a:effectRef>
+      <a:fontRef idx="minor"/>
+    </dgm:style>
+  </dgm:styleLbl>
+  <dgm:styleLbl name="solidBgAcc1">
+    <dgm:scene3d>
+      <a:camera prst="orthographicFront"/>
+      <a:lightRig rig="threePt" dir="t"/>
+    </dgm:scene3d>
+    <dgm:sp3d/>
+    <dgm:txPr/>
+    <dgm:style>
+      <a:lnRef idx="1">
+        <a:scrgbClr r="0" g="0" b="0"/>
+      </a:lnRef>
+      <a:fillRef idx="1">
+        <a:scrgbClr r="0" g="0" b="0"/>
+      </a:fillRef>
+      <a:effectRef idx="3">
+        <a:scrgbClr r="0" g="0" b="0"/>
+      </a:effectRef>
+      <a:fontRef idx="minor"/>
+    </dgm:style>
+  </dgm:styleLbl>
+  <dgm:styleLbl name="fgAccFollowNode1">
+    <dgm:scene3d>
+      <a:camera prst="orthographicFront"/>
+      <a:lightRig rig="threePt" dir="t"/>
+    </dgm:scene3d>
+    <dgm:sp3d/>
+    <dgm:txPr/>
+    <dgm:style>
+      <a:lnRef idx="1">
+        <a:scrgbClr r="0" g="0" b="0"/>
+      </a:lnRef>
+      <a:fillRef idx="1">
+        <a:scrgbClr r="0" g="0" b="0"/>
+      </a:fillRef>
+      <a:effectRef idx="2">
+        <a:scrgbClr r="0" g="0" b="0"/>
+      </a:effectRef>
+      <a:fontRef idx="minor"/>
+    </dgm:style>
+  </dgm:styleLbl>
+  <dgm:styleLbl name="alignAccFollowNode1">
+    <dgm:scene3d>
+      <a:camera prst="orthographicFront"/>
+      <a:lightRig rig="threePt" dir="t"/>
+    </dgm:scene3d>
+    <dgm:sp3d/>
+    <dgm:txPr/>
+    <dgm:style>
+      <a:lnRef idx="1">
+        <a:scrgbClr r="0" g="0" b="0"/>
+      </a:lnRef>
+      <a:fillRef idx="1">
+        <a:scrgbClr r="0" g="0" b="0"/>
+      </a:fillRef>
+      <a:effectRef idx="2">
+        <a:scrgbClr r="0" g="0" b="0"/>
+      </a:effectRef>
+      <a:fontRef idx="minor"/>
+    </dgm:style>
+  </dgm:styleLbl>
+  <dgm:styleLbl name="bgAccFollowNode1">
+    <dgm:scene3d>
+      <a:camera prst="orthographicFront"/>
+      <a:lightRig rig="threePt" dir="t"/>
+    </dgm:scene3d>
+    <dgm:sp3d/>
+    <dgm:txPr/>
+    <dgm:style>
+      <a:lnRef idx="1">
+        <a:scrgbClr r="0" g="0" b="0"/>
+      </a:lnRef>
+      <a:fillRef idx="1">
+        <a:scrgbClr r="0" g="0" b="0"/>
+      </a:fillRef>
+      <a:effectRef idx="2">
+        <a:scrgbClr r="0" g="0" b="0"/>
+      </a:effectRef>
+      <a:fontRef idx="minor"/>
+    </dgm:style>
+  </dgm:styleLbl>
+  <dgm:styleLbl name="fgAcc0">
+    <dgm:scene3d>
+      <a:camera prst="orthographicFront"/>
+      <a:lightRig rig="threePt" dir="t"/>
+    </dgm:scene3d>
+    <dgm:sp3d/>
+    <dgm:txPr/>
+    <dgm:style>
+      <a:lnRef idx="1">
+        <a:scrgbClr r="0" g="0" b="0"/>
+      </a:lnRef>
+      <a:fillRef idx="1">
+        <a:scrgbClr r="0" g="0" b="0"/>
+      </a:fillRef>
+      <a:effectRef idx="2">
+        <a:scrgbClr r="0" g="0" b="0"/>
+      </a:effectRef>
+      <a:fontRef idx="minor"/>
+    </dgm:style>
+  </dgm:styleLbl>
+  <dgm:styleLbl name="fgAcc2">
+    <dgm:scene3d>
+      <a:camera prst="orthographicFront"/>
+      <a:lightRig rig="threePt" dir="t"/>
+    </dgm:scene3d>
+    <dgm:sp3d/>
+    <dgm:txPr/>
+    <dgm:style>
+      <a:lnRef idx="1">
+        <a:scrgbClr r="0" g="0" b="0"/>
+      </a:lnRef>
+      <a:fillRef idx="1">
+        <a:scrgbClr r="0" g="0" b="0"/>
+      </a:fillRef>
+      <a:effectRef idx="2">
+        <a:scrgbClr r="0" g="0" b="0"/>
+      </a:effectRef>
+      <a:fontRef idx="minor"/>
+    </dgm:style>
+  </dgm:styleLbl>
+  <dgm:styleLbl name="fgAcc3">
+    <dgm:scene3d>
+      <a:camera prst="orthographicFront"/>
+      <a:lightRig rig="threePt" dir="t"/>
+    </dgm:scene3d>
+    <dgm:sp3d/>
+    <dgm:txPr/>
+    <dgm:style>
+      <a:lnRef idx="1">
+        <a:scrgbClr r="0" g="0" b="0"/>
+      </a:lnRef>
+      <a:fillRef idx="1">
+        <a:scrgbClr r="0" g="0" b="0"/>
+      </a:fillRef>
+      <a:effectRef idx="2">
+        <a:scrgbClr r="0" g="0" b="0"/>
+      </a:effectRef>
+      <a:fontRef idx="minor"/>
+    </dgm:style>
+  </dgm:styleLbl>
+  <dgm:styleLbl name="fgAcc4">
+    <dgm:scene3d>
+      <a:camera prst="orthographicFront"/>
+      <a:lightRig rig="threePt" dir="t"/>
+    </dgm:scene3d>
+    <dgm:sp3d/>
+    <dgm:txPr/>
+    <dgm:style>
+      <a:lnRef idx="1">
+        <a:scrgbClr r="0" g="0" b="0"/>
+      </a:lnRef>
+      <a:fillRef idx="1">
+        <a:scrgbClr r="0" g="0" b="0"/>
+      </a:fillRef>
+      <a:effectRef idx="2">
+        <a:scrgbClr r="0" g="0" b="0"/>
+      </a:effectRef>
+      <a:fontRef idx="minor"/>
+    </dgm:style>
+  </dgm:styleLbl>
+  <dgm:styleLbl name="bgShp">
+    <dgm:scene3d>
+      <a:camera prst="orthographicFront"/>
+      <a:lightRig rig="threePt" dir="t"/>
+    </dgm:scene3d>
+    <dgm:sp3d/>
+    <dgm:txPr/>
+    <dgm:style>
+      <a:lnRef idx="0">
+        <a:scrgbClr r="0" g="0" b="0"/>
+      </a:lnRef>
+      <a:fillRef idx="1">
+        <a:scrgbClr r="0" g="0" b="0"/>
+      </a:fillRef>
+      <a:effectRef idx="2">
+        <a:scrgbClr r="0" g="0" b="0"/>
+      </a:effectRef>
+      <a:fontRef idx="minor"/>
+    </dgm:style>
+  </dgm:styleLbl>
+  <dgm:styleLbl name="dkBgShp">
+    <dgm:scene3d>
+      <a:camera prst="orthographicFront"/>
+      <a:lightRig rig="threePt" dir="t"/>
+    </dgm:scene3d>
+    <dgm:sp3d/>
+    <dgm:txPr/>
+    <dgm:style>
+      <a:lnRef idx="0">
+        <a:scrgbClr r="0" g="0" b="0"/>
+      </a:lnRef>
+      <a:fillRef idx="1">
+        <a:scrgbClr r="0" g="0" b="0"/>
+      </a:fillRef>
+      <a:effectRef idx="3">
+        <a:scrgbClr r="0" g="0" b="0"/>
+      </a:effectRef>
+      <a:fontRef idx="minor"/>
+    </dgm:style>
+  </dgm:styleLbl>
+  <dgm:styleLbl name="trBgShp">
+    <dgm:scene3d>
+      <a:camera prst="orthographicFront"/>
+      <a:lightRig rig="threePt" dir="t"/>
+    </dgm:scene3d>
+    <dgm:sp3d/>
+    <dgm:txPr/>
+    <dgm:style>
+      <a:lnRef idx="0">
+        <a:scrgbClr r="0" g="0" b="0"/>
+      </a:lnRef>
+      <a:fillRef idx="1">
+        <a:scrgbClr r="0" g="0" b="0"/>
+      </a:fillRef>
+      <a:effectRef idx="0">
+        <a:scrgbClr r="0" g="0" b="0"/>
+      </a:effectRef>
+      <a:fontRef idx="minor"/>
+    </dgm:style>
+  </dgm:styleLbl>
+  <dgm:styleLbl name="fgShp">
+    <dgm:scene3d>
+      <a:camera prst="orthographicFront"/>
+      <a:lightRig rig="threePt" dir="t"/>
+    </dgm:scene3d>
+    <dgm:sp3d/>
+    <dgm:txPr/>
+    <dgm:style>
+      <a:lnRef idx="0">
+        <a:scrgbClr r="0" g="0" b="0"/>
+      </a:lnRef>
+      <a:fillRef idx="3">
+        <a:scrgbClr r="0" g="0" b="0"/>
+      </a:fillRef>
+      <a:effectRef idx="3">
+        <a:scrgbClr r="0" g="0" b="0"/>
+      </a:effectRef>
+      <a:fontRef idx="minor"/>
+    </dgm:style>
+  </dgm:styleLbl>
+  <dgm:styleLbl name="revTx">
+    <dgm:scene3d>
+      <a:camera prst="orthographicFront"/>
+      <a:lightRig rig="threePt" dir="t"/>
+    </dgm:scene3d>
+    <dgm:sp3d/>
+    <dgm:txPr/>
+    <dgm:style>
+      <a:lnRef idx="0">
+        <a:scrgbClr r="0" g="0" b="0"/>
+      </a:lnRef>
+      <a:fillRef idx="0">
+        <a:scrgbClr r="0" g="0" b="0"/>
+      </a:fillRef>
+      <a:effectRef idx="0">
+        <a:scrgbClr r="0" g="0" b="0"/>
+      </a:effectRef>
+      <a:fontRef idx="minor"/>
+    </dgm:style>
+  </dgm:styleLbl>
+</dgm:styleDef>
+</file>
+
+<file path=ppt/diagrams/quickStyle2.xml><?xml version="1.0" encoding="utf-8"?>
 <dgm:styleDef xmlns:dgm="http://schemas.openxmlformats.org/drawingml/2006/diagram" xmlns:a="http://schemas.openxmlformats.org/drawingml/2006/main" uniqueId="urn:microsoft.com/office/officeart/2005/8/quickstyle/simple5">
   <dgm:title val=""/>
   <dgm:desc val=""/>
@@ -4722,7 +9676,7 @@
           <a:p>
             <a:fld id="{3DBAD2B6-0D9D-49D4-B148-6076ABCC32A3}" type="datetimeFigureOut">
               <a:rPr lang="en-US" smtClean="0"/>
-              <a:t>4/10/2020</a:t>
+              <a:t>4/15/2020</a:t>
             </a:fld>
             <a:endParaRPr lang="en-US"/>
           </a:p>
@@ -4920,7 +9874,7 @@
           <a:p>
             <a:fld id="{3DBAD2B6-0D9D-49D4-B148-6076ABCC32A3}" type="datetimeFigureOut">
               <a:rPr lang="en-US" smtClean="0"/>
-              <a:t>4/10/2020</a:t>
+              <a:t>4/15/2020</a:t>
             </a:fld>
             <a:endParaRPr lang="en-US"/>
           </a:p>
@@ -5128,7 +10082,7 @@
           <a:p>
             <a:fld id="{3DBAD2B6-0D9D-49D4-B148-6076ABCC32A3}" type="datetimeFigureOut">
               <a:rPr lang="en-US" smtClean="0"/>
-              <a:t>4/10/2020</a:t>
+              <a:t>4/15/2020</a:t>
             </a:fld>
             <a:endParaRPr lang="en-US"/>
           </a:p>
@@ -5326,7 +10280,7 @@
           <a:p>
             <a:fld id="{3DBAD2B6-0D9D-49D4-B148-6076ABCC32A3}" type="datetimeFigureOut">
               <a:rPr lang="en-US" smtClean="0"/>
-              <a:t>4/10/2020</a:t>
+              <a:t>4/15/2020</a:t>
             </a:fld>
             <a:endParaRPr lang="en-US"/>
           </a:p>
@@ -5601,7 +10555,7 @@
           <a:p>
             <a:fld id="{3DBAD2B6-0D9D-49D4-B148-6076ABCC32A3}" type="datetimeFigureOut">
               <a:rPr lang="en-US" smtClean="0"/>
-              <a:t>4/10/2020</a:t>
+              <a:t>4/15/2020</a:t>
             </a:fld>
             <a:endParaRPr lang="en-US"/>
           </a:p>
@@ -5866,7 +10820,7 @@
           <a:p>
             <a:fld id="{3DBAD2B6-0D9D-49D4-B148-6076ABCC32A3}" type="datetimeFigureOut">
               <a:rPr lang="en-US" smtClean="0"/>
-              <a:t>4/10/2020</a:t>
+              <a:t>4/15/2020</a:t>
             </a:fld>
             <a:endParaRPr lang="en-US"/>
           </a:p>
@@ -6278,7 +11232,7 @@
           <a:p>
             <a:fld id="{3DBAD2B6-0D9D-49D4-B148-6076ABCC32A3}" type="datetimeFigureOut">
               <a:rPr lang="en-US" smtClean="0"/>
-              <a:t>4/10/2020</a:t>
+              <a:t>4/15/2020</a:t>
             </a:fld>
             <a:endParaRPr lang="en-US"/>
           </a:p>
@@ -6419,7 +11373,7 @@
           <a:p>
             <a:fld id="{3DBAD2B6-0D9D-49D4-B148-6076ABCC32A3}" type="datetimeFigureOut">
               <a:rPr lang="en-US" smtClean="0"/>
-              <a:t>4/10/2020</a:t>
+              <a:t>4/15/2020</a:t>
             </a:fld>
             <a:endParaRPr lang="en-US"/>
           </a:p>
@@ -6532,7 +11486,7 @@
           <a:p>
             <a:fld id="{3DBAD2B6-0D9D-49D4-B148-6076ABCC32A3}" type="datetimeFigureOut">
               <a:rPr lang="en-US" smtClean="0"/>
-              <a:t>4/10/2020</a:t>
+              <a:t>4/15/2020</a:t>
             </a:fld>
             <a:endParaRPr lang="en-US"/>
           </a:p>
@@ -6843,7 +11797,7 @@
           <a:p>
             <a:fld id="{3DBAD2B6-0D9D-49D4-B148-6076ABCC32A3}" type="datetimeFigureOut">
               <a:rPr lang="en-US" smtClean="0"/>
-              <a:t>4/10/2020</a:t>
+              <a:t>4/15/2020</a:t>
             </a:fld>
             <a:endParaRPr lang="en-US"/>
           </a:p>
@@ -7131,7 +12085,7 @@
           <a:p>
             <a:fld id="{3DBAD2B6-0D9D-49D4-B148-6076ABCC32A3}" type="datetimeFigureOut">
               <a:rPr lang="en-US" smtClean="0"/>
-              <a:t>4/10/2020</a:t>
+              <a:t>4/15/2020</a:t>
             </a:fld>
             <a:endParaRPr lang="en-US"/>
           </a:p>
@@ -7372,7 +12326,7 @@
           <a:p>
             <a:fld id="{3DBAD2B6-0D9D-49D4-B148-6076ABCC32A3}" type="datetimeFigureOut">
               <a:rPr lang="en-US" smtClean="0"/>
-              <a:t>4/10/2020</a:t>
+              <a:t>4/15/2020</a:t>
             </a:fld>
             <a:endParaRPr lang="en-US"/>
           </a:p>
@@ -7802,7 +12756,7 @@
           <p:nvPr>
             <p:extLst>
               <p:ext uri="{D42A27DB-BD31-4B8C-83A1-F6EECF244321}">
-                <p14:modId xmlns:p14="http://schemas.microsoft.com/office/powerpoint/2010/main" val="3297145875"/>
+                <p14:modId xmlns:p14="http://schemas.microsoft.com/office/powerpoint/2010/main" val="2708031423"/>
               </p:ext>
             </p:extLst>
           </p:nvPr>
@@ -7821,6 +12775,64 @@
     <p:extLst>
       <p:ext uri="{BB962C8B-B14F-4D97-AF65-F5344CB8AC3E}">
         <p14:creationId xmlns:p14="http://schemas.microsoft.com/office/powerpoint/2010/main" val="2687618877"/>
+      </p:ext>
+    </p:extLst>
+  </p:cSld>
+  <p:clrMapOvr>
+    <a:masterClrMapping/>
+  </p:clrMapOvr>
+</p:sld>
+</file>
+
+<file path=ppt/slides/slide2.xml><?xml version="1.0" encoding="utf-8"?>
+<p:sld xmlns:a="http://schemas.openxmlformats.org/drawingml/2006/main" xmlns:r="http://schemas.openxmlformats.org/officeDocument/2006/relationships" xmlns:p="http://schemas.openxmlformats.org/presentationml/2006/main">
+  <p:cSld>
+    <p:spTree>
+      <p:nvGrpSpPr>
+        <p:cNvPr id="1" name=""/>
+        <p:cNvGrpSpPr/>
+        <p:nvPr/>
+      </p:nvGrpSpPr>
+      <p:grpSpPr>
+        <a:xfrm>
+          <a:off x="0" y="0"/>
+          <a:ext cx="0" cy="0"/>
+          <a:chOff x="0" y="0"/>
+          <a:chExt cx="0" cy="0"/>
+        </a:xfrm>
+      </p:grpSpPr>
+      <p:graphicFrame>
+        <p:nvGraphicFramePr>
+          <p:cNvPr id="4" name="Diagram 3">
+            <a:extLst>
+              <a:ext uri="{FF2B5EF4-FFF2-40B4-BE49-F238E27FC236}">
+                <a16:creationId xmlns:a16="http://schemas.microsoft.com/office/drawing/2014/main" id="{C02BEF21-D49C-45BF-AB90-15FD46E679F3}"/>
+              </a:ext>
+            </a:extLst>
+          </p:cNvPr>
+          <p:cNvGraphicFramePr/>
+          <p:nvPr>
+            <p:extLst>
+              <p:ext uri="{D42A27DB-BD31-4B8C-83A1-F6EECF244321}">
+                <p14:modId xmlns:p14="http://schemas.microsoft.com/office/powerpoint/2010/main" val="2588831087"/>
+              </p:ext>
+            </p:extLst>
+          </p:nvPr>
+        </p:nvGraphicFramePr>
+        <p:xfrm>
+          <a:off x="2032000" y="719666"/>
+          <a:ext cx="8128000" cy="5418667"/>
+        </p:xfrm>
+        <a:graphic>
+          <a:graphicData uri="http://schemas.openxmlformats.org/drawingml/2006/diagram">
+            <dgm:relIds xmlns:dgm="http://schemas.openxmlformats.org/drawingml/2006/diagram" xmlns:r="http://schemas.openxmlformats.org/officeDocument/2006/relationships" r:dm="rId2" r:lo="rId3" r:qs="rId4" r:cs="rId5"/>
+          </a:graphicData>
+        </a:graphic>
+      </p:graphicFrame>
+    </p:spTree>
+    <p:extLst>
+      <p:ext uri="{BB962C8B-B14F-4D97-AF65-F5344CB8AC3E}">
+        <p14:creationId xmlns:p14="http://schemas.microsoft.com/office/powerpoint/2010/main" val="544309513"/>
       </p:ext>
     </p:extLst>
   </p:cSld>
